--- a/Presentation.pptx
+++ b/Presentation.pptx
@@ -21,6 +21,10 @@
     <p:sldId id="266" r:id="rId14"/>
     <p:sldId id="267" r:id="rId15"/>
     <p:sldId id="268" r:id="rId16"/>
+    <p:sldId id="269" r:id="rId17"/>
+    <p:sldId id="270" r:id="rId18"/>
+    <p:sldId id="271" r:id="rId19"/>
+    <p:sldId id="272" r:id="rId20"/>
   </p:sldIdLst>
   <p:sldSz cx="9144000" cy="6858000"/>
   <p:notesSz cx="6858000" cy="9144000"/>
@@ -71,49 +75,7 @@
               <a:rPr b="0" lang="en-US" sz="4400" spc="-1" strike="noStrike">
                 <a:latin typeface="Arial"/>
               </a:rPr>
-              <a:t>Cli</a:t>
-            </a:r>
-            <a:r>
-              <a:rPr b="0" lang="en-US" sz="4400" spc="-1" strike="noStrike">
-                <a:latin typeface="Arial"/>
-              </a:rPr>
-              <a:t>ck </a:t>
-            </a:r>
-            <a:r>
-              <a:rPr b="0" lang="en-US" sz="4400" spc="-1" strike="noStrike">
-                <a:latin typeface="Arial"/>
-              </a:rPr>
-              <a:t>to </a:t>
-            </a:r>
-            <a:r>
-              <a:rPr b="0" lang="en-US" sz="4400" spc="-1" strike="noStrike">
-                <a:latin typeface="Arial"/>
-              </a:rPr>
-              <a:t>mo</a:t>
-            </a:r>
-            <a:r>
-              <a:rPr b="0" lang="en-US" sz="4400" spc="-1" strike="noStrike">
-                <a:latin typeface="Arial"/>
-              </a:rPr>
-              <a:t>ve </a:t>
-            </a:r>
-            <a:r>
-              <a:rPr b="0" lang="en-US" sz="4400" spc="-1" strike="noStrike">
-                <a:latin typeface="Arial"/>
-              </a:rPr>
-              <a:t>the </a:t>
-            </a:r>
-            <a:r>
-              <a:rPr b="0" lang="en-US" sz="4400" spc="-1" strike="noStrike">
-                <a:latin typeface="Arial"/>
-              </a:rPr>
-              <a:t>sli</a:t>
-            </a:r>
-            <a:r>
-              <a:rPr b="0" lang="en-US" sz="4400" spc="-1" strike="noStrike">
-                <a:latin typeface="Arial"/>
-              </a:rPr>
-              <a:t>de</a:t>
+              <a:t>Click to move the slide</a:t>
             </a:r>
             <a:endParaRPr b="0" lang="en-US" sz="4400" spc="-1" strike="noStrike">
               <a:latin typeface="Arial"/>
@@ -147,181 +109,7 @@
               <a:rPr b="0" lang="en-US" sz="2000" spc="-1" strike="noStrike">
                 <a:latin typeface="Arial"/>
               </a:rPr>
-              <a:t>C</a:t>
-            </a:r>
-            <a:r>
-              <a:rPr b="0" lang="en-US" sz="2000" spc="-1" strike="noStrike">
-                <a:latin typeface="Arial"/>
-              </a:rPr>
-              <a:t>l</a:t>
-            </a:r>
-            <a:r>
-              <a:rPr b="0" lang="en-US" sz="2000" spc="-1" strike="noStrike">
-                <a:latin typeface="Arial"/>
-              </a:rPr>
-              <a:t>i</a:t>
-            </a:r>
-            <a:r>
-              <a:rPr b="0" lang="en-US" sz="2000" spc="-1" strike="noStrike">
-                <a:latin typeface="Arial"/>
-              </a:rPr>
-              <a:t>c</a:t>
-            </a:r>
-            <a:r>
-              <a:rPr b="0" lang="en-US" sz="2000" spc="-1" strike="noStrike">
-                <a:latin typeface="Arial"/>
-              </a:rPr>
-              <a:t>k</a:t>
-            </a:r>
-            <a:r>
-              <a:rPr b="0" lang="en-US" sz="2000" spc="-1" strike="noStrike">
-                <a:latin typeface="Arial"/>
-              </a:rPr>
-              <a:t> </a:t>
-            </a:r>
-            <a:r>
-              <a:rPr b="0" lang="en-US" sz="2000" spc="-1" strike="noStrike">
-                <a:latin typeface="Arial"/>
-              </a:rPr>
-              <a:t>t</a:t>
-            </a:r>
-            <a:r>
-              <a:rPr b="0" lang="en-US" sz="2000" spc="-1" strike="noStrike">
-                <a:latin typeface="Arial"/>
-              </a:rPr>
-              <a:t>o</a:t>
-            </a:r>
-            <a:r>
-              <a:rPr b="0" lang="en-US" sz="2000" spc="-1" strike="noStrike">
-                <a:latin typeface="Arial"/>
-              </a:rPr>
-              <a:t> </a:t>
-            </a:r>
-            <a:r>
-              <a:rPr b="0" lang="en-US" sz="2000" spc="-1" strike="noStrike">
-                <a:latin typeface="Arial"/>
-              </a:rPr>
-              <a:t>e</a:t>
-            </a:r>
-            <a:r>
-              <a:rPr b="0" lang="en-US" sz="2000" spc="-1" strike="noStrike">
-                <a:latin typeface="Arial"/>
-              </a:rPr>
-              <a:t>d</a:t>
-            </a:r>
-            <a:r>
-              <a:rPr b="0" lang="en-US" sz="2000" spc="-1" strike="noStrike">
-                <a:latin typeface="Arial"/>
-              </a:rPr>
-              <a:t>i</a:t>
-            </a:r>
-            <a:r>
-              <a:rPr b="0" lang="en-US" sz="2000" spc="-1" strike="noStrike">
-                <a:latin typeface="Arial"/>
-              </a:rPr>
-              <a:t>t</a:t>
-            </a:r>
-            <a:r>
-              <a:rPr b="0" lang="en-US" sz="2000" spc="-1" strike="noStrike">
-                <a:latin typeface="Arial"/>
-              </a:rPr>
-              <a:t> </a:t>
-            </a:r>
-            <a:r>
-              <a:rPr b="0" lang="en-US" sz="2000" spc="-1" strike="noStrike">
-                <a:latin typeface="Arial"/>
-              </a:rPr>
-              <a:t>t</a:t>
-            </a:r>
-            <a:r>
-              <a:rPr b="0" lang="en-US" sz="2000" spc="-1" strike="noStrike">
-                <a:latin typeface="Arial"/>
-              </a:rPr>
-              <a:t>h</a:t>
-            </a:r>
-            <a:r>
-              <a:rPr b="0" lang="en-US" sz="2000" spc="-1" strike="noStrike">
-                <a:latin typeface="Arial"/>
-              </a:rPr>
-              <a:t>e</a:t>
-            </a:r>
-            <a:r>
-              <a:rPr b="0" lang="en-US" sz="2000" spc="-1" strike="noStrike">
-                <a:latin typeface="Arial"/>
-              </a:rPr>
-              <a:t> </a:t>
-            </a:r>
-            <a:r>
-              <a:rPr b="0" lang="en-US" sz="2000" spc="-1" strike="noStrike">
-                <a:latin typeface="Arial"/>
-              </a:rPr>
-              <a:t>n</a:t>
-            </a:r>
-            <a:r>
-              <a:rPr b="0" lang="en-US" sz="2000" spc="-1" strike="noStrike">
-                <a:latin typeface="Arial"/>
-              </a:rPr>
-              <a:t>o</a:t>
-            </a:r>
-            <a:r>
-              <a:rPr b="0" lang="en-US" sz="2000" spc="-1" strike="noStrike">
-                <a:latin typeface="Arial"/>
-              </a:rPr>
-              <a:t>t</a:t>
-            </a:r>
-            <a:r>
-              <a:rPr b="0" lang="en-US" sz="2000" spc="-1" strike="noStrike">
-                <a:latin typeface="Arial"/>
-              </a:rPr>
-              <a:t>e</a:t>
-            </a:r>
-            <a:r>
-              <a:rPr b="0" lang="en-US" sz="2000" spc="-1" strike="noStrike">
-                <a:latin typeface="Arial"/>
-              </a:rPr>
-              <a:t>s</a:t>
-            </a:r>
-            <a:r>
-              <a:rPr b="0" lang="en-US" sz="2000" spc="-1" strike="noStrike">
-                <a:latin typeface="Arial"/>
-              </a:rPr>
-              <a:t> </a:t>
-            </a:r>
-            <a:r>
-              <a:rPr b="0" lang="en-US" sz="2000" spc="-1" strike="noStrike">
-                <a:latin typeface="Arial"/>
-              </a:rPr>
-              <a:t>f</a:t>
-            </a:r>
-            <a:r>
-              <a:rPr b="0" lang="en-US" sz="2000" spc="-1" strike="noStrike">
-                <a:latin typeface="Arial"/>
-              </a:rPr>
-              <a:t>o</a:t>
-            </a:r>
-            <a:r>
-              <a:rPr b="0" lang="en-US" sz="2000" spc="-1" strike="noStrike">
-                <a:latin typeface="Arial"/>
-              </a:rPr>
-              <a:t>r</a:t>
-            </a:r>
-            <a:r>
-              <a:rPr b="0" lang="en-US" sz="2000" spc="-1" strike="noStrike">
-                <a:latin typeface="Arial"/>
-              </a:rPr>
-              <a:t>m</a:t>
-            </a:r>
-            <a:r>
-              <a:rPr b="0" lang="en-US" sz="2000" spc="-1" strike="noStrike">
-                <a:latin typeface="Arial"/>
-              </a:rPr>
-              <a:t>a</a:t>
-            </a:r>
-            <a:r>
-              <a:rPr b="0" lang="en-US" sz="2000" spc="-1" strike="noStrike">
-                <a:latin typeface="Arial"/>
-              </a:rPr>
-              <a:t>t</a:t>
+              <a:t>Click to edit the notes format</a:t>
             </a:r>
             <a:endParaRPr b="0" lang="en-US" sz="2000" spc="-1" strike="noStrike">
               <a:latin typeface="Arial"/>
@@ -455,7 +243,7 @@
           <a:bodyPr lIns="0" rIns="0" tIns="0" bIns="0" anchor="b"/>
           <a:p>
             <a:pPr algn="r"/>
-            <a:fld id="{20A6DFBE-DC57-45F1-B54D-D3F5722AEB8E}" type="slidenum">
+            <a:fld id="{239E973C-C743-4A2C-BAD5-633D9FDCE509}" type="slidenum">
               <a:rPr b="0" lang="en-US" sz="1400" spc="-1" strike="noStrike">
                 <a:latin typeface="Times New Roman"/>
               </a:rPr>
@@ -492,14 +280,14 @@
       </p:grpSpPr>
       <p:sp>
         <p:nvSpPr>
-          <p:cNvPr id="99" name="CustomShape 1"/>
+          <p:cNvPr id="121" name="CustomShape 1"/>
           <p:cNvSpPr/>
           <p:nvPr/>
         </p:nvSpPr>
         <p:spPr>
           <a:xfrm>
             <a:off x="777240" y="4777560"/>
-            <a:ext cx="6216480" cy="4524840"/>
+            <a:ext cx="6215400" cy="4523760"/>
           </a:xfrm>
           <a:prstGeom prst="rect">
             <a:avLst/>
@@ -518,7 +306,7 @@
       </p:sp>
       <p:sp>
         <p:nvSpPr>
-          <p:cNvPr id="100" name="PlaceHolder 2"/>
+          <p:cNvPr id="122" name="PlaceHolder 2"/>
           <p:cNvSpPr>
             <a:spLocks noGrp="1"/>
           </p:cNvSpPr>
@@ -529,7 +317,7 @@
         <p:spPr>
           <a:xfrm>
             <a:off x="1371600" y="1143000"/>
-            <a:ext cx="4113360" cy="3084840"/>
+            <a:ext cx="4112280" cy="3083760"/>
           </a:xfrm>
           <a:prstGeom prst="rect">
             <a:avLst/>
@@ -538,7 +326,7 @@
       </p:sp>
       <p:sp>
         <p:nvSpPr>
-          <p:cNvPr id="101" name="PlaceHolder 3"/>
+          <p:cNvPr id="123" name="PlaceHolder 3"/>
           <p:cNvSpPr>
             <a:spLocks noGrp="1"/>
           </p:cNvSpPr>
@@ -549,7 +337,7 @@
         <p:spPr>
           <a:xfrm>
             <a:off x="685800" y="4400640"/>
-            <a:ext cx="5484960" cy="3598920"/>
+            <a:ext cx="5483880" cy="3597840"/>
           </a:xfrm>
           <a:prstGeom prst="rect">
             <a:avLst/>
@@ -558,7 +346,7 @@
         <p:txBody>
           <a:bodyPr lIns="0" rIns="0" tIns="0" bIns="0"/>
           <a:p>
-            <a:pPr marL="216000" indent="-215280">
+            <a:pPr marL="216000" indent="-214200">
               <a:lnSpc>
                 <a:spcPct val="100000"/>
               </a:lnSpc>
@@ -577,14 +365,14 @@
       </p:sp>
       <p:sp>
         <p:nvSpPr>
-          <p:cNvPr id="102" name="CustomShape 4"/>
+          <p:cNvPr id="124" name="CustomShape 4"/>
           <p:cNvSpPr/>
           <p:nvPr/>
         </p:nvSpPr>
         <p:spPr>
           <a:xfrm>
             <a:off x="3884760" y="8685360"/>
-            <a:ext cx="2970360" cy="457200"/>
+            <a:ext cx="2969280" cy="456120"/>
           </a:xfrm>
           <a:prstGeom prst="rect">
             <a:avLst/>
@@ -608,7 +396,7 @@
                 <a:spcPct val="100000"/>
               </a:lnSpc>
             </a:pPr>
-            <a:fld id="{24DBCF20-CF0D-4658-8781-6B3781302B43}" type="slidenum">
+            <a:fld id="{8AAB69D3-E989-4047-9BCD-DE119FA943E1}" type="slidenum">
               <a:rPr b="0" lang="en-US" sz="1200" spc="-1" strike="noStrike">
                 <a:solidFill>
                   <a:srgbClr val="000000"/>
@@ -616,7 +404,7 @@
                 <a:latin typeface="+mn-lt"/>
                 <a:ea typeface="+mn-ea"/>
               </a:rPr>
-              <a:t>1</a:t>
+              <a:t>&lt;number&gt;</a:t>
             </a:fld>
             <a:endParaRPr b="0" lang="en-US" sz="1200" spc="-1" strike="noStrike">
               <a:latin typeface="Arial"/>
@@ -2012,193 +1800,73 @@
               <a:rPr b="0" lang="en-US" sz="4400" spc="-1" strike="noStrike">
                 <a:latin typeface="Arial"/>
               </a:rPr>
-              <a:t>C</a:t>
+              <a:t>Cli</a:t>
             </a:r>
             <a:r>
               <a:rPr b="0" lang="en-US" sz="4400" spc="-1" strike="noStrike">
                 <a:latin typeface="Arial"/>
               </a:rPr>
-              <a:t>l</a:t>
+              <a:t>ck </a:t>
             </a:r>
             <a:r>
               <a:rPr b="0" lang="en-US" sz="4400" spc="-1" strike="noStrike">
                 <a:latin typeface="Arial"/>
               </a:rPr>
-              <a:t>i</a:t>
+              <a:t>to </a:t>
             </a:r>
             <a:r>
               <a:rPr b="0" lang="en-US" sz="4400" spc="-1" strike="noStrike">
                 <a:latin typeface="Arial"/>
               </a:rPr>
-              <a:t>c</a:t>
+              <a:t>ed</a:t>
             </a:r>
             <a:r>
               <a:rPr b="0" lang="en-US" sz="4400" spc="-1" strike="noStrike">
                 <a:latin typeface="Arial"/>
               </a:rPr>
-              <a:t>k</a:t>
+              <a:t>it </a:t>
             </a:r>
             <a:r>
               <a:rPr b="0" lang="en-US" sz="4400" spc="-1" strike="noStrike">
                 <a:latin typeface="Arial"/>
               </a:rPr>
-              <a:t> </a:t>
+              <a:t>th</a:t>
             </a:r>
             <a:r>
               <a:rPr b="0" lang="en-US" sz="4400" spc="-1" strike="noStrike">
                 <a:latin typeface="Arial"/>
               </a:rPr>
-              <a:t>t</a:t>
+              <a:t>e </a:t>
             </a:r>
             <a:r>
               <a:rPr b="0" lang="en-US" sz="4400" spc="-1" strike="noStrike">
                 <a:latin typeface="Arial"/>
               </a:rPr>
-              <a:t>o</a:t>
+              <a:t>titl</a:t>
             </a:r>
             <a:r>
               <a:rPr b="0" lang="en-US" sz="4400" spc="-1" strike="noStrike">
                 <a:latin typeface="Arial"/>
               </a:rPr>
-              <a:t> </a:t>
+              <a:t>e </a:t>
             </a:r>
             <a:r>
               <a:rPr b="0" lang="en-US" sz="4400" spc="-1" strike="noStrike">
                 <a:latin typeface="Arial"/>
               </a:rPr>
-              <a:t>e</a:t>
+              <a:t>te</a:t>
             </a:r>
             <a:r>
               <a:rPr b="0" lang="en-US" sz="4400" spc="-1" strike="noStrike">
                 <a:latin typeface="Arial"/>
               </a:rPr>
-              <a:t>d</a:t>
+              <a:t>xt </a:t>
             </a:r>
             <a:r>
               <a:rPr b="0" lang="en-US" sz="4400" spc="-1" strike="noStrike">
                 <a:latin typeface="Arial"/>
               </a:rPr>
-              <a:t>i</a:t>
-            </a:r>
-            <a:r>
-              <a:rPr b="0" lang="en-US" sz="4400" spc="-1" strike="noStrike">
-                <a:latin typeface="Arial"/>
-              </a:rPr>
-              <a:t>t</a:t>
-            </a:r>
-            <a:r>
-              <a:rPr b="0" lang="en-US" sz="4400" spc="-1" strike="noStrike">
-                <a:latin typeface="Arial"/>
-              </a:rPr>
-              <a:t> </a:t>
-            </a:r>
-            <a:r>
-              <a:rPr b="0" lang="en-US" sz="4400" spc="-1" strike="noStrike">
-                <a:latin typeface="Arial"/>
-              </a:rPr>
-              <a:t>t</a:t>
-            </a:r>
-            <a:r>
-              <a:rPr b="0" lang="en-US" sz="4400" spc="-1" strike="noStrike">
-                <a:latin typeface="Arial"/>
-              </a:rPr>
-              <a:t>h</a:t>
-            </a:r>
-            <a:r>
-              <a:rPr b="0" lang="en-US" sz="4400" spc="-1" strike="noStrike">
-                <a:latin typeface="Arial"/>
-              </a:rPr>
-              <a:t>e</a:t>
-            </a:r>
-            <a:r>
-              <a:rPr b="0" lang="en-US" sz="4400" spc="-1" strike="noStrike">
-                <a:latin typeface="Arial"/>
-              </a:rPr>
-              <a:t> </a:t>
-            </a:r>
-            <a:r>
-              <a:rPr b="0" lang="en-US" sz="4400" spc="-1" strike="noStrike">
-                <a:latin typeface="Arial"/>
-              </a:rPr>
-              <a:t>t</a:t>
-            </a:r>
-            <a:r>
-              <a:rPr b="0" lang="en-US" sz="4400" spc="-1" strike="noStrike">
-                <a:latin typeface="Arial"/>
-              </a:rPr>
-              <a:t>i</a:t>
-            </a:r>
-            <a:r>
-              <a:rPr b="0" lang="en-US" sz="4400" spc="-1" strike="noStrike">
-                <a:latin typeface="Arial"/>
-              </a:rPr>
-              <a:t>t</a:t>
-            </a:r>
-            <a:r>
-              <a:rPr b="0" lang="en-US" sz="4400" spc="-1" strike="noStrike">
-                <a:latin typeface="Arial"/>
-              </a:rPr>
-              <a:t>l</a:t>
-            </a:r>
-            <a:r>
-              <a:rPr b="0" lang="en-US" sz="4400" spc="-1" strike="noStrike">
-                <a:latin typeface="Arial"/>
-              </a:rPr>
-              <a:t>e</a:t>
-            </a:r>
-            <a:r>
-              <a:rPr b="0" lang="en-US" sz="4400" spc="-1" strike="noStrike">
-                <a:latin typeface="Arial"/>
-              </a:rPr>
-              <a:t> </a:t>
-            </a:r>
-            <a:r>
-              <a:rPr b="0" lang="en-US" sz="4400" spc="-1" strike="noStrike">
-                <a:latin typeface="Arial"/>
-              </a:rPr>
-              <a:t>t</a:t>
-            </a:r>
-            <a:r>
-              <a:rPr b="0" lang="en-US" sz="4400" spc="-1" strike="noStrike">
-                <a:latin typeface="Arial"/>
-              </a:rPr>
-              <a:t>e</a:t>
-            </a:r>
-            <a:r>
-              <a:rPr b="0" lang="en-US" sz="4400" spc="-1" strike="noStrike">
-                <a:latin typeface="Arial"/>
-              </a:rPr>
-              <a:t>x</a:t>
-            </a:r>
-            <a:r>
-              <a:rPr b="0" lang="en-US" sz="4400" spc="-1" strike="noStrike">
-                <a:latin typeface="Arial"/>
-              </a:rPr>
-              <a:t>t</a:t>
-            </a:r>
-            <a:r>
-              <a:rPr b="0" lang="en-US" sz="4400" spc="-1" strike="noStrike">
-                <a:latin typeface="Arial"/>
-              </a:rPr>
-              <a:t> </a:t>
-            </a:r>
-            <a:r>
-              <a:rPr b="0" lang="en-US" sz="4400" spc="-1" strike="noStrike">
-                <a:latin typeface="Arial"/>
-              </a:rPr>
-              <a:t>f</a:t>
-            </a:r>
-            <a:r>
-              <a:rPr b="0" lang="en-US" sz="4400" spc="-1" strike="noStrike">
-                <a:latin typeface="Arial"/>
-              </a:rPr>
-              <a:t>o</a:t>
-            </a:r>
-            <a:r>
-              <a:rPr b="0" lang="en-US" sz="4400" spc="-1" strike="noStrike">
-                <a:latin typeface="Arial"/>
-              </a:rPr>
-              <a:t>r</a:t>
+              <a:t>for</a:t>
             </a:r>
             <a:r>
               <a:rPr b="0" lang="en-US" sz="4400" spc="-1" strike="noStrike">
@@ -2210,13 +1878,7 @@
               <a:rPr b="0" lang="en-US" sz="4400" spc="-1" strike="noStrike">
                 <a:latin typeface="Arial"/>
               </a:rPr>
-              <a:t>a</a:t>
-            </a:r>
-            <a:r>
-              <a:rPr b="0" lang="en-US" sz="4400" spc="-1" strike="noStrike">
-                <a:latin typeface="Arial"/>
-              </a:rPr>
-              <a:t>t</a:t>
+              <a:t>at</a:t>
             </a:r>
             <a:endParaRPr b="0" lang="en-US" sz="4400" spc="-1" strike="noStrike">
               <a:latin typeface="Arial"/>
@@ -2449,7 +2111,7 @@
         <p:spPr>
           <a:xfrm>
             <a:off x="-14400" y="-22680"/>
-            <a:ext cx="9142560" cy="6645960"/>
+            <a:ext cx="9141480" cy="6644880"/>
           </a:xfrm>
           <a:custGeom>
             <a:avLst/>
@@ -2512,8 +2174,8 @@
         </p:nvSpPr>
         <p:spPr>
           <a:xfrm rot="21221400">
-            <a:off x="-34200" y="5958000"/>
-            <a:ext cx="9213480" cy="1392480"/>
+            <a:off x="-34200" y="5957280"/>
+            <a:ext cx="9212400" cy="1391400"/>
           </a:xfrm>
           <a:custGeom>
             <a:avLst/>
@@ -2585,7 +2247,7 @@
         <p:spPr>
           <a:xfrm>
             <a:off x="757080" y="3330720"/>
-            <a:ext cx="3016800" cy="2450880"/>
+            <a:ext cx="3015720" cy="2449800"/>
           </a:xfrm>
           <a:prstGeom prst="rect">
             <a:avLst/>
@@ -2805,7 +2467,7 @@
         <p:spPr>
           <a:xfrm>
             <a:off x="5716080" y="295200"/>
-            <a:ext cx="3412080" cy="981720"/>
+            <a:ext cx="3411000" cy="980640"/>
           </a:xfrm>
           <a:prstGeom prst="rect">
             <a:avLst/>
@@ -2874,7 +2536,7 @@
         <p:spPr>
           <a:xfrm>
             <a:off x="8640" y="1932480"/>
-            <a:ext cx="9148680" cy="1392480"/>
+            <a:ext cx="9147600" cy="1391400"/>
           </a:xfrm>
           <a:prstGeom prst="rect">
             <a:avLst/>
@@ -2934,7 +2596,7 @@
         <p:spPr>
           <a:xfrm>
             <a:off x="5704200" y="3329280"/>
-            <a:ext cx="3164400" cy="1735200"/>
+            <a:ext cx="3163320" cy="1734120"/>
           </a:xfrm>
           <a:prstGeom prst="rect">
             <a:avLst/>
@@ -3068,7 +2730,7 @@
         <p:spPr>
           <a:xfrm>
             <a:off x="274320" y="274320"/>
-            <a:ext cx="1484640" cy="1484640"/>
+            <a:ext cx="1483560" cy="1483560"/>
           </a:xfrm>
           <a:prstGeom prst="rect">
             <a:avLst/>
@@ -3093,7 +2755,7 @@
         <p:spPr>
           <a:xfrm>
             <a:off x="8463240" y="6217920"/>
-            <a:ext cx="588240" cy="588240"/>
+            <a:ext cx="587160" cy="587160"/>
           </a:xfrm>
           <a:prstGeom prst="rect">
             <a:avLst/>
@@ -3949,14 +3611,14 @@
       </p:grpSpPr>
       <p:sp>
         <p:nvSpPr>
-          <p:cNvPr id="89" name="CustomShape 1"/>
+          <p:cNvPr id="92" name="CustomShape 1"/>
           <p:cNvSpPr/>
           <p:nvPr/>
         </p:nvSpPr>
         <p:spPr>
           <a:xfrm>
-            <a:off x="1585800" y="903960"/>
-            <a:ext cx="913680" cy="913680"/>
+            <a:off x="1277280" y="732960"/>
+            <a:ext cx="912600" cy="912600"/>
           </a:xfrm>
           <a:prstGeom prst="ellipse">
             <a:avLst/>
@@ -4007,336 +3669,14 @@
       </p:sp>
       <p:sp>
         <p:nvSpPr>
-          <p:cNvPr id="90" name="CustomShape 2"/>
+          <p:cNvPr id="93" name="CustomShape 2"/>
           <p:cNvSpPr/>
           <p:nvPr/>
         </p:nvSpPr>
         <p:spPr>
           <a:xfrm>
-            <a:off x="2555640" y="903960"/>
-            <a:ext cx="5617440" cy="839880"/>
-          </a:xfrm>
-          <a:custGeom>
-            <a:avLst/>
-            <a:gdLst/>
-            <a:ahLst/>
-            <a:rect l="l" t="t" r="r" b="b"/>
-            <a:pathLst>
-              <a:path w="15608" h="2337">
-                <a:moveTo>
-                  <a:pt x="15607" y="0"/>
-                </a:moveTo>
-                <a:lnTo>
-                  <a:pt x="572" y="0"/>
-                </a:lnTo>
-                <a:lnTo>
-                  <a:pt x="0" y="1168"/>
-                </a:lnTo>
-                <a:lnTo>
-                  <a:pt x="572" y="2336"/>
-                </a:lnTo>
-                <a:lnTo>
-                  <a:pt x="15607" y="2336"/>
-                </a:lnTo>
-                <a:lnTo>
-                  <a:pt x="15607" y="0"/>
-                </a:lnTo>
-              </a:path>
-            </a:pathLst>
-          </a:custGeom>
-          <a:solidFill>
-            <a:srgbClr val="72bf44"/>
-          </a:solidFill>
-          <a:ln>
-            <a:solidFill>
-              <a:srgbClr val="3465a4"/>
-            </a:solidFill>
-          </a:ln>
-          <a:effectLst>
-            <a:outerShdw dir="2700000" dist="143570">
-              <a:srgbClr val="808080"/>
-            </a:outerShdw>
-          </a:effectLst>
-        </p:spPr>
-        <p:style>
-          <a:lnRef idx="0"/>
-          <a:fillRef idx="0"/>
-          <a:effectRef idx="0"/>
-          <a:fontRef idx="minor"/>
-        </p:style>
-        <p:txBody>
-          <a:bodyPr wrap="none" lIns="90000" rIns="90000" tIns="45000" bIns="45000" anchor="ctr"/>
-          <a:p>
-            <a:pPr algn="ctr">
-              <a:lnSpc>
-                <a:spcPct val="100000"/>
-              </a:lnSpc>
-            </a:pPr>
-            <a:r>
-              <a:rPr b="1" lang="en-US" sz="3600" spc="-1" strike="noStrike">
-                <a:solidFill>
-                  <a:srgbClr val="ffffff"/>
-                </a:solidFill>
-                <a:latin typeface="Cantarell"/>
-                <a:ea typeface="DejaVu Sans"/>
-              </a:rPr>
-              <a:t>Impact on the society</a:t>
-            </a:r>
-            <a:endParaRPr b="0" lang="en-US" sz="3600" spc="-1" strike="noStrike">
-              <a:latin typeface="Arial"/>
-            </a:endParaRPr>
-          </a:p>
-        </p:txBody>
-      </p:sp>
-    </p:spTree>
-  </p:cSld>
-  <p:transition spd="med">
-    <p:wedge/>
-  </p:transition>
-  <p:timing>
-    <p:tnLst>
-      <p:par>
-        <p:cTn id="285" dur="indefinite" restart="never" nodeType="tmRoot">
-          <p:childTnLst>
-            <p:seq>
-              <p:cTn id="286" dur="indefinite" nodeType="mainSeq">
-                <p:childTnLst>
-                  <p:par>
-                    <p:cTn id="287" fill="hold">
-                      <p:stCondLst>
-                        <p:cond delay="indefinite"/>
-                      </p:stCondLst>
-                      <p:childTnLst>
-                        <p:par>
-                          <p:cTn id="288" fill="hold">
-                            <p:stCondLst>
-                              <p:cond delay="0"/>
-                            </p:stCondLst>
-                            <p:childTnLst>
-                              <p:par>
-                                <p:cTn id="289" nodeType="clickEffect" fill="hold" presetClass="entr" presetID="2" presetSubtype="4">
-                                  <p:stCondLst>
-                                    <p:cond delay="0"/>
-                                  </p:stCondLst>
-                                  <p:childTnLst>
-                                    <p:set>
-                                      <p:cBhvr>
-                                        <p:cTn id="290" dur="1" fill="hold">
-                                          <p:stCondLst>
-                                            <p:cond delay="0"/>
-                                          </p:stCondLst>
-                                        </p:cTn>
-                                        <p:tgtEl>
-                                          <p:spTgt spid="89"/>
-                                        </p:tgtEl>
-                                        <p:attrNameLst>
-                                          <p:attrName>style.visibility</p:attrName>
-                                        </p:attrNameLst>
-                                      </p:cBhvr>
-                                      <p:to>
-                                        <p:strVal val="visible"/>
-                                      </p:to>
-                                    </p:set>
-                                    <p:anim calcmode="lin" valueType="num">
-                                      <p:cBhvr additive="repl">
-                                        <p:cTn id="291" dur="500" fill="hold"/>
-                                        <p:tgtEl>
-                                          <p:spTgt spid="89"/>
-                                        </p:tgtEl>
-                                        <p:attrNameLst>
-                                          <p:attrName>ppt_x</p:attrName>
-                                        </p:attrNameLst>
-                                      </p:cBhvr>
-                                      <p:tavLst>
-                                        <p:tav tm="0">
-                                          <p:val>
-                                            <p:strVal val="#ppt_x"/>
-                                          </p:val>
-                                        </p:tav>
-                                        <p:tav tm="100000">
-                                          <p:val>
-                                            <p:strVal val="#ppt_x"/>
-                                          </p:val>
-                                        </p:tav>
-                                      </p:tavLst>
-                                    </p:anim>
-                                    <p:anim calcmode="lin" valueType="num">
-                                      <p:cBhvr additive="repl">
-                                        <p:cTn id="292" dur="500" fill="hold"/>
-                                        <p:tgtEl>
-                                          <p:spTgt spid="89"/>
-                                        </p:tgtEl>
-                                        <p:attrNameLst>
-                                          <p:attrName>ppt_y</p:attrName>
-                                        </p:attrNameLst>
-                                      </p:cBhvr>
-                                      <p:tavLst>
-                                        <p:tav tm="0">
-                                          <p:val>
-                                            <p:strVal val="1+#ppt_h/2"/>
-                                          </p:val>
-                                        </p:tav>
-                                        <p:tav tm="100000">
-                                          <p:val>
-                                            <p:strVal val="#ppt_y"/>
-                                          </p:val>
-                                        </p:tav>
-                                      </p:tavLst>
-                                    </p:anim>
-                                  </p:childTnLst>
-                                </p:cTn>
-                              </p:par>
-                              <p:par>
-                                <p:cTn id="293" nodeType="withEffect" fill="hold" presetClass="entr" presetID="6" presetSubtype="16">
-                                  <p:stCondLst>
-                                    <p:cond delay="0"/>
-                                  </p:stCondLst>
-                                  <p:childTnLst>
-                                    <p:set>
-                                      <p:cBhvr>
-                                        <p:cTn id="294" dur="1" fill="hold">
-                                          <p:stCondLst>
-                                            <p:cond delay="0"/>
-                                          </p:stCondLst>
-                                        </p:cTn>
-                                        <p:tgtEl>
-                                          <p:spTgt spid="90"/>
-                                        </p:tgtEl>
-                                        <p:attrNameLst>
-                                          <p:attrName>style.visibility</p:attrName>
-                                        </p:attrNameLst>
-                                      </p:cBhvr>
-                                      <p:to>
-                                        <p:strVal val="visible"/>
-                                      </p:to>
-                                    </p:set>
-                                    <p:animEffect filter="circle(in)" transition="in">
-                                      <p:cBhvr additive="repl">
-                                        <p:cTn id="295" dur="2000"/>
-                                        <p:tgtEl>
-                                          <p:spTgt spid="90"/>
-                                        </p:tgtEl>
-                                      </p:cBhvr>
-                                    </p:animEffect>
-                                  </p:childTnLst>
-                                </p:cTn>
-                              </p:par>
-                            </p:childTnLst>
-                          </p:cTn>
-                        </p:par>
-                      </p:childTnLst>
-                    </p:cTn>
-                  </p:par>
-                </p:childTnLst>
-              </p:cTn>
-              <p:prevCondLst>
-                <p:cond delay="0" evt="onPrev">
-                  <p:tgtEl>
-                    <p:sldTgt/>
-                  </p:tgtEl>
-                </p:cond>
-              </p:prevCondLst>
-              <p:nextCondLst>
-                <p:cond delay="0" evt="onNext">
-                  <p:tgtEl>
-                    <p:sldTgt/>
-                  </p:tgtEl>
-                </p:cond>
-              </p:nextCondLst>
-            </p:seq>
-          </p:childTnLst>
-        </p:cTn>
-      </p:par>
-    </p:tnLst>
-  </p:timing>
-</p:sld>
-</file>
-
-<file path=ppt/slides/slide11.xml><?xml version="1.0" encoding="utf-8"?>
-<p:sld xmlns:a="http://schemas.openxmlformats.org/drawingml/2006/main" xmlns:p="http://schemas.openxmlformats.org/presentationml/2006/main" xmlns:r="http://schemas.openxmlformats.org/officeDocument/2006/relationships" xmlns:p14="http://schemas.microsoft.com/office/powerpoint/2010/main" xmlns:p15="http://schemas.microsoft.com/office/powerpoint/2012/main" xmlns:mc="http://schemas.openxmlformats.org/markup-compatibility/2006">
-  <p:cSld>
-    <p:spTree>
-      <p:nvGrpSpPr>
-        <p:cNvPr id="1" name=""/>
-        <p:cNvGrpSpPr/>
-        <p:nvPr/>
-      </p:nvGrpSpPr>
-      <p:grpSpPr>
-        <a:xfrm>
-          <a:off x="0" y="0"/>
-          <a:ext cx="0" cy="0"/>
-          <a:chOff x="0" y="0"/>
-          <a:chExt cx="0" cy="0"/>
-        </a:xfrm>
-      </p:grpSpPr>
-      <p:sp>
-        <p:nvSpPr>
-          <p:cNvPr id="91" name="CustomShape 1"/>
-          <p:cNvSpPr/>
-          <p:nvPr/>
-        </p:nvSpPr>
-        <p:spPr>
-          <a:xfrm>
-            <a:off x="1636560" y="954720"/>
-            <a:ext cx="913680" cy="913680"/>
-          </a:xfrm>
-          <a:prstGeom prst="ellipse">
-            <a:avLst/>
-          </a:prstGeom>
-          <a:solidFill>
-            <a:srgbClr val="00e3e3"/>
-          </a:solidFill>
-          <a:ln>
-            <a:solidFill>
-              <a:srgbClr val="3465a4"/>
-            </a:solidFill>
-          </a:ln>
-          <a:effectLst>
-            <a:outerShdw dir="2700000" dist="143570">
-              <a:srgbClr val="808080"/>
-            </a:outerShdw>
-          </a:effectLst>
-        </p:spPr>
-        <p:style>
-          <a:lnRef idx="0"/>
-          <a:fillRef idx="0"/>
-          <a:effectRef idx="0"/>
-          <a:fontRef idx="minor"/>
-        </p:style>
-        <p:txBody>
-          <a:bodyPr wrap="none" lIns="90000" rIns="90000" tIns="45000" bIns="45000" anchor="ctr"/>
-          <a:p>
-            <a:pPr algn="ctr">
-              <a:lnSpc>
-                <a:spcPct val="100000"/>
-              </a:lnSpc>
-            </a:pPr>
-            <a:r>
-              <a:rPr b="1" lang="en-US" sz="4000" spc="-1" strike="noStrike">
-                <a:solidFill>
-                  <a:srgbClr val="4c4c4c"/>
-                </a:solidFill>
-                <a:latin typeface="Arial"/>
-                <a:ea typeface="DejaVu Sans"/>
-              </a:rPr>
-              <a:t>9.</a:t>
-            </a:r>
-            <a:endParaRPr b="0" lang="en-US" sz="4000" spc="-1" strike="noStrike">
-              <a:latin typeface="Arial"/>
-            </a:endParaRPr>
-          </a:p>
-        </p:txBody>
-      </p:sp>
-      <p:sp>
-        <p:nvSpPr>
-          <p:cNvPr id="92" name="CustomShape 2"/>
-          <p:cNvSpPr/>
-          <p:nvPr/>
-        </p:nvSpPr>
-        <p:spPr>
-          <a:xfrm>
-            <a:off x="2606400" y="954720"/>
-            <a:ext cx="5617440" cy="839880"/>
+            <a:off x="2247120" y="732960"/>
+            <a:ext cx="5616360" cy="838800"/>
           </a:xfrm>
           <a:custGeom>
             <a:avLst/>
@@ -4410,6 +3750,207 @@
           </a:p>
         </p:txBody>
       </p:sp>
+      <p:sp>
+        <p:nvSpPr>
+          <p:cNvPr id="94" name="CustomShape 3"/>
+          <p:cNvSpPr/>
+          <p:nvPr/>
+        </p:nvSpPr>
+        <p:spPr>
+          <a:xfrm>
+            <a:off x="1645920" y="3200400"/>
+            <a:ext cx="7040520" cy="2676960"/>
+          </a:xfrm>
+          <a:prstGeom prst="rect">
+            <a:avLst/>
+          </a:prstGeom>
+          <a:noFill/>
+          <a:ln>
+            <a:noFill/>
+          </a:ln>
+        </p:spPr>
+        <p:style>
+          <a:lnRef idx="0"/>
+          <a:fillRef idx="0"/>
+          <a:effectRef idx="0"/>
+          <a:fontRef idx="minor"/>
+        </p:style>
+        <p:txBody>
+          <a:bodyPr lIns="90000" rIns="90000" tIns="45000" bIns="45000"/>
+          <a:p>
+            <a:pPr>
+              <a:lnSpc>
+                <a:spcPct val="100000"/>
+              </a:lnSpc>
+            </a:pPr>
+            <a:r>
+              <a:rPr b="1" lang="en-US" sz="2000" spc="-1" strike="noStrike">
+                <a:latin typeface="Arial"/>
+              </a:rPr>
+              <a:t>Reference :</a:t>
+            </a:r>
+            <a:r>
+              <a:rPr b="1" lang="en-US" sz="1800" spc="-1" strike="noStrike">
+                <a:latin typeface="Arial"/>
+              </a:rPr>
+              <a:t> </a:t>
+            </a:r>
+            <a:endParaRPr b="0" lang="en-US" sz="1800" spc="-1" strike="noStrike">
+              <a:latin typeface="Arial"/>
+            </a:endParaRPr>
+          </a:p>
+          <a:p>
+            <a:pPr>
+              <a:lnSpc>
+                <a:spcPct val="100000"/>
+              </a:lnSpc>
+            </a:pPr>
+            <a:r>
+              <a:rPr b="0" lang="en-US" sz="1800" spc="-1" strike="noStrike">
+                <a:latin typeface="Arial"/>
+              </a:rPr>
+              <a:t>	</a:t>
+            </a:r>
+            <a:r>
+              <a:rPr b="0" lang="en-US" sz="1800" spc="-1" strike="noStrike">
+                <a:latin typeface="Arial"/>
+              </a:rPr>
+              <a:t>	</a:t>
+            </a:r>
+            <a:r>
+              <a:rPr b="0" lang="en-US" sz="1800" spc="-1" strike="noStrike">
+                <a:latin typeface="Arial"/>
+              </a:rPr>
+              <a:t>	</a:t>
+            </a:r>
+            <a:r>
+              <a:rPr b="0" lang="en-US" sz="1800" spc="-1" strike="noStrike">
+                <a:latin typeface="Arial"/>
+              </a:rPr>
+              <a:t>Link[1]</a:t>
+            </a:r>
+            <a:endParaRPr b="0" lang="en-US" sz="1800" spc="-1" strike="noStrike">
+              <a:latin typeface="Arial"/>
+            </a:endParaRPr>
+          </a:p>
+          <a:p>
+            <a:pPr>
+              <a:lnSpc>
+                <a:spcPct val="100000"/>
+              </a:lnSpc>
+            </a:pPr>
+            <a:r>
+              <a:rPr b="0" lang="en-US" sz="1800" spc="-1" strike="noStrike">
+                <a:latin typeface="Arial"/>
+              </a:rPr>
+              <a:t>	</a:t>
+            </a:r>
+            <a:r>
+              <a:rPr b="0" lang="en-US" sz="1800" spc="-1" strike="noStrike">
+                <a:latin typeface="Arial"/>
+              </a:rPr>
+              <a:t>	</a:t>
+            </a:r>
+            <a:r>
+              <a:rPr b="0" lang="en-US" sz="1800" spc="-1" strike="noStrike">
+                <a:latin typeface="Arial"/>
+              </a:rPr>
+              <a:t>	</a:t>
+            </a:r>
+            <a:r>
+              <a:rPr b="0" lang="en-US" sz="1800" spc="-1" strike="noStrike">
+                <a:latin typeface="Arial"/>
+              </a:rPr>
+              <a:t>Link[2]</a:t>
+            </a:r>
+            <a:endParaRPr b="0" lang="en-US" sz="1800" spc="-1" strike="noStrike">
+              <a:latin typeface="Arial"/>
+            </a:endParaRPr>
+          </a:p>
+          <a:p>
+            <a:pPr>
+              <a:lnSpc>
+                <a:spcPct val="100000"/>
+              </a:lnSpc>
+            </a:pPr>
+            <a:endParaRPr b="0" lang="en-US" sz="1800" spc="-1" strike="noStrike">
+              <a:latin typeface="Arial"/>
+            </a:endParaRPr>
+          </a:p>
+          <a:p>
+            <a:pPr>
+              <a:lnSpc>
+                <a:spcPct val="100000"/>
+              </a:lnSpc>
+            </a:pPr>
+            <a:endParaRPr b="0" lang="en-US" sz="1800" spc="-1" strike="noStrike">
+              <a:latin typeface="Arial"/>
+            </a:endParaRPr>
+          </a:p>
+          <a:p>
+            <a:pPr>
+              <a:lnSpc>
+                <a:spcPct val="100000"/>
+              </a:lnSpc>
+            </a:pPr>
+            <a:endParaRPr b="0" lang="en-US" sz="1800" spc="-1" strike="noStrike">
+              <a:latin typeface="Arial"/>
+            </a:endParaRPr>
+          </a:p>
+          <a:p>
+            <a:pPr>
+              <a:lnSpc>
+                <a:spcPct val="100000"/>
+              </a:lnSpc>
+            </a:pPr>
+            <a:endParaRPr b="0" lang="en-US" sz="1800" spc="-1" strike="noStrike">
+              <a:latin typeface="Arial"/>
+            </a:endParaRPr>
+          </a:p>
+          <a:p>
+            <a:pPr>
+              <a:lnSpc>
+                <a:spcPct val="100000"/>
+              </a:lnSpc>
+            </a:pPr>
+            <a:endParaRPr b="0" lang="en-US" sz="1800" spc="-1" strike="noStrike">
+              <a:latin typeface="Arial"/>
+            </a:endParaRPr>
+          </a:p>
+          <a:p>
+            <a:pPr>
+              <a:lnSpc>
+                <a:spcPct val="100000"/>
+              </a:lnSpc>
+            </a:pPr>
+            <a:r>
+              <a:rPr b="0" lang="en-US" sz="1800" spc="-1" strike="noStrike">
+                <a:latin typeface="Arial"/>
+              </a:rPr>
+              <a:t>1. https://github.com/MORTAL2000/15-Puzzle-Game </a:t>
+            </a:r>
+            <a:endParaRPr b="0" lang="en-US" sz="1800" spc="-1" strike="noStrike">
+              <a:latin typeface="Arial"/>
+            </a:endParaRPr>
+          </a:p>
+          <a:p>
+            <a:pPr>
+              <a:lnSpc>
+                <a:spcPct val="100000"/>
+              </a:lnSpc>
+            </a:pPr>
+            <a:r>
+              <a:rPr b="0" lang="en-US" sz="1800" spc="-1" strike="noStrike">
+                <a:latin typeface="Arial"/>
+              </a:rPr>
+              <a:t>2. https://en.sfml-dev.org/forums/index.php?topic=20245.0</a:t>
+            </a:r>
+            <a:endParaRPr b="0" lang="en-US" sz="1800" spc="-1" strike="noStrike">
+              <a:latin typeface="Arial"/>
+            </a:endParaRPr>
+          </a:p>
+        </p:txBody>
+      </p:sp>
     </p:spTree>
   </p:cSld>
   <p:transition spd="med">
@@ -4418,38 +3959,38 @@
   <p:timing>
     <p:tnLst>
       <p:par>
-        <p:cTn id="296" dur="indefinite" restart="never" nodeType="tmRoot">
+        <p:cTn id="315" dur="indefinite" restart="never" nodeType="tmRoot">
           <p:childTnLst>
             <p:seq>
-              <p:cTn id="297" dur="indefinite" nodeType="mainSeq">
+              <p:cTn id="316" dur="indefinite" nodeType="mainSeq">
                 <p:childTnLst>
                   <p:par>
-                    <p:cTn id="298" fill="hold">
+                    <p:cTn id="317" fill="hold">
                       <p:stCondLst>
                         <p:cond delay="indefinite"/>
                       </p:stCondLst>
                       <p:childTnLst>
                         <p:par>
-                          <p:cTn id="299" fill="hold">
+                          <p:cTn id="318" fill="hold">
                             <p:stCondLst>
                               <p:cond delay="0"/>
                             </p:stCondLst>
                             <p:childTnLst>
                               <p:par>
-                                <p:cTn id="300" nodeType="clickEffect" fill="hold" presetClass="entr" presetID="2" presetSubtype="4">
+                                <p:cTn id="319" nodeType="clickEffect" fill="hold" presetClass="entr" presetID="2" presetSubtype="4">
                                   <p:stCondLst>
                                     <p:cond delay="0"/>
                                   </p:stCondLst>
                                   <p:childTnLst>
                                     <p:set>
                                       <p:cBhvr>
-                                        <p:cTn id="301" dur="1" fill="hold">
+                                        <p:cTn id="320" dur="1" fill="hold">
                                           <p:stCondLst>
                                             <p:cond delay="0"/>
                                           </p:stCondLst>
                                         </p:cTn>
                                         <p:tgtEl>
-                                          <p:spTgt spid="91"/>
+                                          <p:spTgt spid="92"/>
                                         </p:tgtEl>
                                         <p:attrNameLst>
                                           <p:attrName>style.visibility</p:attrName>
@@ -4461,9 +4002,9 @@
                                     </p:set>
                                     <p:anim calcmode="lin" valueType="num">
                                       <p:cBhvr additive="repl">
-                                        <p:cTn id="302" dur="500" fill="hold"/>
-                                        <p:tgtEl>
-                                          <p:spTgt spid="91"/>
+                                        <p:cTn id="321" dur="500" fill="hold"/>
+                                        <p:tgtEl>
+                                          <p:spTgt spid="92"/>
                                         </p:tgtEl>
                                         <p:attrNameLst>
                                           <p:attrName>ppt_x</p:attrName>
@@ -4484,9 +4025,9 @@
                                     </p:anim>
                                     <p:anim calcmode="lin" valueType="num">
                                       <p:cBhvr additive="repl">
-                                        <p:cTn id="303" dur="500" fill="hold"/>
-                                        <p:tgtEl>
-                                          <p:spTgt spid="91"/>
+                                        <p:cTn id="322" dur="500" fill="hold"/>
+                                        <p:tgtEl>
+                                          <p:spTgt spid="92"/>
                                         </p:tgtEl>
                                         <p:attrNameLst>
                                           <p:attrName>ppt_y</p:attrName>
@@ -4509,20 +4050,20 @@
                                 </p:cTn>
                               </p:par>
                               <p:par>
-                                <p:cTn id="304" nodeType="withEffect" fill="hold" presetClass="entr" presetID="6" presetSubtype="16">
+                                <p:cTn id="323" nodeType="withEffect" fill="hold" presetClass="entr" presetID="6" presetSubtype="16">
                                   <p:stCondLst>
                                     <p:cond delay="0"/>
                                   </p:stCondLst>
                                   <p:childTnLst>
                                     <p:set>
                                       <p:cBhvr>
-                                        <p:cTn id="305" dur="1" fill="hold">
+                                        <p:cTn id="324" dur="1" fill="hold">
                                           <p:stCondLst>
                                             <p:cond delay="0"/>
                                           </p:stCondLst>
                                         </p:cTn>
                                         <p:tgtEl>
-                                          <p:spTgt spid="92"/>
+                                          <p:spTgt spid="93"/>
                                         </p:tgtEl>
                                         <p:attrNameLst>
                                           <p:attrName>style.visibility</p:attrName>
@@ -4534,9 +4075,812 @@
                                     </p:set>
                                     <p:animEffect filter="circle(in)" transition="in">
                                       <p:cBhvr additive="repl">
-                                        <p:cTn id="306" dur="2000"/>
-                                        <p:tgtEl>
-                                          <p:spTgt spid="92"/>
+                                        <p:cTn id="325" dur="2000"/>
+                                        <p:tgtEl>
+                                          <p:spTgt spid="93"/>
+                                        </p:tgtEl>
+                                      </p:cBhvr>
+                                    </p:animEffect>
+                                  </p:childTnLst>
+                                </p:cTn>
+                              </p:par>
+                            </p:childTnLst>
+                          </p:cTn>
+                        </p:par>
+                        <p:par>
+                          <p:cTn id="326" fill="hold">
+                            <p:stCondLst>
+                              <p:cond delay="2000"/>
+                            </p:stCondLst>
+                            <p:childTnLst>
+                              <p:par>
+                                <p:cTn id="327" nodeType="afterEffect" fill="hold" presetClass="entr" presetID="6" presetSubtype="16">
+                                  <p:stCondLst>
+                                    <p:cond delay="0"/>
+                                  </p:stCondLst>
+                                  <p:childTnLst>
+                                    <p:set>
+                                      <p:cBhvr>
+                                        <p:cTn id="328" dur="1" fill="hold">
+                                          <p:stCondLst>
+                                            <p:cond delay="0"/>
+                                          </p:stCondLst>
+                                        </p:cTn>
+                                        <p:tgtEl>
+                                          <p:spTgt spid="94">
+                                            <p:txEl>
+                                              <p:pRg st="0" end="0"/>
+                                            </p:txEl>
+                                          </p:spTgt>
+                                        </p:tgtEl>
+                                        <p:attrNameLst>
+                                          <p:attrName>style.visibility</p:attrName>
+                                        </p:attrNameLst>
+                                      </p:cBhvr>
+                                      <p:to>
+                                        <p:strVal val="visible"/>
+                                      </p:to>
+                                    </p:set>
+                                    <p:animEffect filter="circle(in)" transition="in">
+                                      <p:cBhvr additive="repl">
+                                        <p:cTn id="329" dur="2000"/>
+                                        <p:tgtEl>
+                                          <p:spTgt spid="94">
+                                            <p:txEl>
+                                              <p:pRg st="0" end="0"/>
+                                            </p:txEl>
+                                          </p:spTgt>
+                                        </p:tgtEl>
+                                      </p:cBhvr>
+                                    </p:animEffect>
+                                  </p:childTnLst>
+                                </p:cTn>
+                              </p:par>
+                              <p:par>
+                                <p:cTn id="330" nodeType="withEffect" fill="hold" presetClass="entr" presetID="6" presetSubtype="16">
+                                  <p:stCondLst>
+                                    <p:cond delay="0"/>
+                                  </p:stCondLst>
+                                  <p:childTnLst>
+                                    <p:set>
+                                      <p:cBhvr>
+                                        <p:cTn id="331" dur="1" fill="hold">
+                                          <p:stCondLst>
+                                            <p:cond delay="0"/>
+                                          </p:stCondLst>
+                                        </p:cTn>
+                                        <p:tgtEl>
+                                          <p:spTgt spid="94">
+                                            <p:txEl>
+                                              <p:pRg st="1" end="1"/>
+                                            </p:txEl>
+                                          </p:spTgt>
+                                        </p:tgtEl>
+                                        <p:attrNameLst>
+                                          <p:attrName>style.visibility</p:attrName>
+                                        </p:attrNameLst>
+                                      </p:cBhvr>
+                                      <p:to>
+                                        <p:strVal val="visible"/>
+                                      </p:to>
+                                    </p:set>
+                                    <p:animEffect filter="circle(in)" transition="in">
+                                      <p:cBhvr additive="repl">
+                                        <p:cTn id="332" dur="2000"/>
+                                        <p:tgtEl>
+                                          <p:spTgt spid="94">
+                                            <p:txEl>
+                                              <p:pRg st="1" end="1"/>
+                                            </p:txEl>
+                                          </p:spTgt>
+                                        </p:tgtEl>
+                                      </p:cBhvr>
+                                    </p:animEffect>
+                                  </p:childTnLst>
+                                </p:cTn>
+                              </p:par>
+                              <p:par>
+                                <p:cTn id="333" nodeType="withEffect" fill="hold" presetClass="entr" presetID="6" presetSubtype="16">
+                                  <p:stCondLst>
+                                    <p:cond delay="0"/>
+                                  </p:stCondLst>
+                                  <p:childTnLst>
+                                    <p:set>
+                                      <p:cBhvr>
+                                        <p:cTn id="334" dur="1" fill="hold">
+                                          <p:stCondLst>
+                                            <p:cond delay="0"/>
+                                          </p:stCondLst>
+                                        </p:cTn>
+                                        <p:tgtEl>
+                                          <p:spTgt spid="94">
+                                            <p:txEl>
+                                              <p:pRg st="2" end="2"/>
+                                            </p:txEl>
+                                          </p:spTgt>
+                                        </p:tgtEl>
+                                        <p:attrNameLst>
+                                          <p:attrName>style.visibility</p:attrName>
+                                        </p:attrNameLst>
+                                      </p:cBhvr>
+                                      <p:to>
+                                        <p:strVal val="visible"/>
+                                      </p:to>
+                                    </p:set>
+                                    <p:animEffect filter="circle(in)" transition="in">
+                                      <p:cBhvr additive="repl">
+                                        <p:cTn id="335" dur="2000"/>
+                                        <p:tgtEl>
+                                          <p:spTgt spid="94">
+                                            <p:txEl>
+                                              <p:pRg st="2" end="2"/>
+                                            </p:txEl>
+                                          </p:spTgt>
+                                        </p:tgtEl>
+                                      </p:cBhvr>
+                                    </p:animEffect>
+                                  </p:childTnLst>
+                                </p:cTn>
+                              </p:par>
+                            </p:childTnLst>
+                          </p:cTn>
+                        </p:par>
+                        <p:par>
+                          <p:cTn id="336" fill="hold">
+                            <p:stCondLst>
+                              <p:cond delay="4000"/>
+                            </p:stCondLst>
+                            <p:childTnLst>
+                              <p:par>
+                                <p:cTn id="337" nodeType="afterEffect" fill="hold" presetClass="entr" presetID="6" presetSubtype="16">
+                                  <p:stCondLst>
+                                    <p:cond delay="0"/>
+                                  </p:stCondLst>
+                                  <p:childTnLst>
+                                    <p:set>
+                                      <p:cBhvr>
+                                        <p:cTn id="338" dur="1" fill="hold">
+                                          <p:stCondLst>
+                                            <p:cond delay="0"/>
+                                          </p:stCondLst>
+                                        </p:cTn>
+                                        <p:tgtEl>
+                                          <p:spTgt spid="94">
+                                            <p:txEl>
+                                              <p:pRg st="8" end="8"/>
+                                            </p:txEl>
+                                          </p:spTgt>
+                                        </p:tgtEl>
+                                        <p:attrNameLst>
+                                          <p:attrName>style.visibility</p:attrName>
+                                        </p:attrNameLst>
+                                      </p:cBhvr>
+                                      <p:to>
+                                        <p:strVal val="visible"/>
+                                      </p:to>
+                                    </p:set>
+                                    <p:animEffect filter="circle(in)" transition="in">
+                                      <p:cBhvr additive="repl">
+                                        <p:cTn id="339" dur="2000"/>
+                                        <p:tgtEl>
+                                          <p:spTgt spid="94">
+                                            <p:txEl>
+                                              <p:pRg st="8" end="8"/>
+                                            </p:txEl>
+                                          </p:spTgt>
+                                        </p:tgtEl>
+                                      </p:cBhvr>
+                                    </p:animEffect>
+                                  </p:childTnLst>
+                                </p:cTn>
+                              </p:par>
+                              <p:par>
+                                <p:cTn id="340" nodeType="withEffect" fill="hold" presetClass="entr" presetID="1">
+                                  <p:stCondLst>
+                                    <p:cond delay="0"/>
+                                  </p:stCondLst>
+                                  <p:childTnLst>
+                                    <p:set>
+                                      <p:cBhvr>
+                                        <p:cTn id="341" dur="1" fill="hold">
+                                          <p:stCondLst>
+                                            <p:cond delay="0"/>
+                                          </p:stCondLst>
+                                        </p:cTn>
+                                        <p:tgtEl>
+                                          <p:spTgt spid="94">
+                                            <p:txEl>
+                                              <p:pRg st="9" end="9"/>
+                                            </p:txEl>
+                                          </p:spTgt>
+                                        </p:tgtEl>
+                                        <p:attrNameLst>
+                                          <p:attrName>style.visibility</p:attrName>
+                                        </p:attrNameLst>
+                                      </p:cBhvr>
+                                      <p:to>
+                                        <p:strVal val="visible"/>
+                                      </p:to>
+                                    </p:set>
+                                  </p:childTnLst>
+                                </p:cTn>
+                              </p:par>
+                            </p:childTnLst>
+                          </p:cTn>
+                        </p:par>
+                      </p:childTnLst>
+                    </p:cTn>
+                  </p:par>
+                </p:childTnLst>
+              </p:cTn>
+              <p:prevCondLst>
+                <p:cond delay="0" evt="onPrev">
+                  <p:tgtEl>
+                    <p:sldTgt/>
+                  </p:tgtEl>
+                </p:cond>
+              </p:prevCondLst>
+              <p:nextCondLst>
+                <p:cond delay="0" evt="onNext">
+                  <p:tgtEl>
+                    <p:sldTgt/>
+                  </p:tgtEl>
+                </p:cond>
+              </p:nextCondLst>
+            </p:seq>
+          </p:childTnLst>
+        </p:cTn>
+      </p:par>
+    </p:tnLst>
+  </p:timing>
+</p:sld>
+</file>
+
+<file path=ppt/slides/slide11.xml><?xml version="1.0" encoding="utf-8"?>
+<p:sld xmlns:a="http://schemas.openxmlformats.org/drawingml/2006/main" xmlns:p="http://schemas.openxmlformats.org/presentationml/2006/main" xmlns:r="http://schemas.openxmlformats.org/officeDocument/2006/relationships" xmlns:p14="http://schemas.microsoft.com/office/powerpoint/2010/main" xmlns:p15="http://schemas.microsoft.com/office/powerpoint/2012/main" xmlns:mc="http://schemas.openxmlformats.org/markup-compatibility/2006">
+  <p:cSld>
+    <p:spTree>
+      <p:nvGrpSpPr>
+        <p:cNvPr id="1" name=""/>
+        <p:cNvGrpSpPr/>
+        <p:nvPr/>
+      </p:nvGrpSpPr>
+      <p:grpSpPr>
+        <a:xfrm>
+          <a:off x="0" y="0"/>
+          <a:ext cx="0" cy="0"/>
+          <a:chOff x="0" y="0"/>
+          <a:chExt cx="0" cy="0"/>
+        </a:xfrm>
+      </p:grpSpPr>
+      <p:sp>
+        <p:nvSpPr>
+          <p:cNvPr id="95" name="CustomShape 1"/>
+          <p:cNvSpPr/>
+          <p:nvPr/>
+        </p:nvSpPr>
+        <p:spPr>
+          <a:xfrm>
+            <a:off x="1188720" y="458640"/>
+            <a:ext cx="912600" cy="912600"/>
+          </a:xfrm>
+          <a:prstGeom prst="ellipse">
+            <a:avLst/>
+          </a:prstGeom>
+          <a:solidFill>
+            <a:srgbClr val="00e3e3"/>
+          </a:solidFill>
+          <a:ln>
+            <a:solidFill>
+              <a:srgbClr val="3465a4"/>
+            </a:solidFill>
+          </a:ln>
+          <a:effectLst>
+            <a:outerShdw dir="2700000" dist="143570">
+              <a:srgbClr val="808080"/>
+            </a:outerShdw>
+          </a:effectLst>
+        </p:spPr>
+        <p:style>
+          <a:lnRef idx="0"/>
+          <a:fillRef idx="0"/>
+          <a:effectRef idx="0"/>
+          <a:fontRef idx="minor"/>
+        </p:style>
+        <p:txBody>
+          <a:bodyPr wrap="none" lIns="90000" rIns="90000" tIns="45000" bIns="45000" anchor="ctr"/>
+          <a:p>
+            <a:pPr algn="ctr">
+              <a:lnSpc>
+                <a:spcPct val="100000"/>
+              </a:lnSpc>
+            </a:pPr>
+            <a:r>
+              <a:rPr b="1" lang="en-US" sz="4000" spc="-1" strike="noStrike">
+                <a:solidFill>
+                  <a:srgbClr val="4c4c4c"/>
+                </a:solidFill>
+                <a:latin typeface="Arial"/>
+                <a:ea typeface="DejaVu Sans"/>
+              </a:rPr>
+              <a:t>9.1</a:t>
+            </a:r>
+            <a:endParaRPr b="0" lang="en-US" sz="4000" spc="-1" strike="noStrike">
+              <a:latin typeface="Arial"/>
+            </a:endParaRPr>
+          </a:p>
+        </p:txBody>
+      </p:sp>
+      <p:sp>
+        <p:nvSpPr>
+          <p:cNvPr id="96" name="CustomShape 2"/>
+          <p:cNvSpPr/>
+          <p:nvPr/>
+        </p:nvSpPr>
+        <p:spPr>
+          <a:xfrm>
+            <a:off x="2155680" y="458640"/>
+            <a:ext cx="5616360" cy="838800"/>
+          </a:xfrm>
+          <a:custGeom>
+            <a:avLst/>
+            <a:gdLst/>
+            <a:ahLst/>
+            <a:rect l="l" t="t" r="r" b="b"/>
+            <a:pathLst>
+              <a:path w="15608" h="2337">
+                <a:moveTo>
+                  <a:pt x="15607" y="0"/>
+                </a:moveTo>
+                <a:lnTo>
+                  <a:pt x="572" y="0"/>
+                </a:lnTo>
+                <a:lnTo>
+                  <a:pt x="0" y="1168"/>
+                </a:lnTo>
+                <a:lnTo>
+                  <a:pt x="572" y="2336"/>
+                </a:lnTo>
+                <a:lnTo>
+                  <a:pt x="15607" y="2336"/>
+                </a:lnTo>
+                <a:lnTo>
+                  <a:pt x="15607" y="0"/>
+                </a:lnTo>
+              </a:path>
+            </a:pathLst>
+          </a:custGeom>
+          <a:solidFill>
+            <a:srgbClr val="72bf44"/>
+          </a:solidFill>
+          <a:ln>
+            <a:solidFill>
+              <a:srgbClr val="3465a4"/>
+            </a:solidFill>
+          </a:ln>
+          <a:effectLst>
+            <a:outerShdw dir="2700000" dist="143570">
+              <a:srgbClr val="808080"/>
+            </a:outerShdw>
+          </a:effectLst>
+        </p:spPr>
+        <p:style>
+          <a:lnRef idx="0"/>
+          <a:fillRef idx="0"/>
+          <a:effectRef idx="0"/>
+          <a:fontRef idx="minor"/>
+        </p:style>
+        <p:txBody>
+          <a:bodyPr wrap="none" lIns="90000" rIns="90000" tIns="45000" bIns="45000" anchor="ctr"/>
+          <a:p>
+            <a:pPr algn="ctr">
+              <a:lnSpc>
+                <a:spcPct val="100000"/>
+              </a:lnSpc>
+            </a:pPr>
+            <a:r>
+              <a:rPr b="1" lang="en-US" sz="3600" spc="-1" strike="noStrike">
+                <a:solidFill>
+                  <a:srgbClr val="ffffff"/>
+                </a:solidFill>
+                <a:latin typeface="Cantarell"/>
+                <a:ea typeface="DejaVu Sans"/>
+              </a:rPr>
+              <a:t>Sreen shots of project</a:t>
+            </a:r>
+            <a:endParaRPr b="0" lang="en-US" sz="3600" spc="-1" strike="noStrike">
+              <a:latin typeface="Arial"/>
+            </a:endParaRPr>
+          </a:p>
+        </p:txBody>
+      </p:sp>
+      <p:sp>
+        <p:nvSpPr>
+          <p:cNvPr id="97" name="CustomShape 3"/>
+          <p:cNvSpPr/>
+          <p:nvPr/>
+        </p:nvSpPr>
+        <p:spPr>
+          <a:xfrm>
+            <a:off x="457200" y="3017520"/>
+            <a:ext cx="2102760" cy="1828440"/>
+          </a:xfrm>
+          <a:custGeom>
+            <a:avLst/>
+            <a:gdLst/>
+            <a:ahLst/>
+            <a:rect l="l" t="t" r="r" b="b"/>
+            <a:pathLst>
+              <a:path w="5844" h="5082">
+                <a:moveTo>
+                  <a:pt x="0" y="1270"/>
+                </a:moveTo>
+                <a:lnTo>
+                  <a:pt x="4382" y="1270"/>
+                </a:lnTo>
+                <a:lnTo>
+                  <a:pt x="4382" y="0"/>
+                </a:lnTo>
+                <a:lnTo>
+                  <a:pt x="5843" y="2540"/>
+                </a:lnTo>
+                <a:lnTo>
+                  <a:pt x="4382" y="5081"/>
+                </a:lnTo>
+                <a:lnTo>
+                  <a:pt x="4382" y="3810"/>
+                </a:lnTo>
+                <a:lnTo>
+                  <a:pt x="0" y="3810"/>
+                </a:lnTo>
+                <a:lnTo>
+                  <a:pt x="0" y="1270"/>
+                </a:lnTo>
+              </a:path>
+            </a:pathLst>
+          </a:custGeom>
+          <a:solidFill>
+            <a:srgbClr val="009e4f"/>
+          </a:solidFill>
+          <a:ln>
+            <a:solidFill>
+              <a:srgbClr val="3465a4"/>
+            </a:solidFill>
+          </a:ln>
+          <a:effectLst>
+            <a:outerShdw dir="2700000" dist="101823">
+              <a:srgbClr val="808080"/>
+            </a:outerShdw>
+          </a:effectLst>
+        </p:spPr>
+        <p:style>
+          <a:lnRef idx="0"/>
+          <a:fillRef idx="0"/>
+          <a:effectRef idx="0"/>
+          <a:fontRef idx="minor"/>
+        </p:style>
+        <p:txBody>
+          <a:bodyPr wrap="none" lIns="90000" rIns="90000" tIns="45000" bIns="45000" anchor="ctr"/>
+          <a:p>
+            <a:pPr algn="ctr">
+              <a:lnSpc>
+                <a:spcPct val="100000"/>
+              </a:lnSpc>
+            </a:pPr>
+            <a:r>
+              <a:rPr b="0" lang="en-US" sz="2000" spc="-1" strike="noStrike">
+                <a:solidFill>
+                  <a:srgbClr val="ffffff"/>
+                </a:solidFill>
+                <a:latin typeface="Arial"/>
+                <a:ea typeface="DejaVu Sans"/>
+              </a:rPr>
+              <a:t>Home </a:t>
+            </a:r>
+            <a:endParaRPr b="0" lang="en-US" sz="2000" spc="-1" strike="noStrike">
+              <a:latin typeface="Arial"/>
+            </a:endParaRPr>
+          </a:p>
+        </p:txBody>
+      </p:sp>
+      <p:pic>
+        <p:nvPicPr>
+          <p:cNvPr id="98" name="" descr=""/>
+          <p:cNvPicPr/>
+          <p:nvPr/>
+        </p:nvPicPr>
+        <p:blipFill>
+          <a:blip r:embed="rId1"/>
+          <a:stretch/>
+        </p:blipFill>
+        <p:spPr>
+          <a:xfrm>
+            <a:off x="2926080" y="2286000"/>
+            <a:ext cx="5241960" cy="3852000"/>
+          </a:xfrm>
+          <a:prstGeom prst="rect">
+            <a:avLst/>
+          </a:prstGeom>
+          <a:ln>
+            <a:noFill/>
+          </a:ln>
+        </p:spPr>
+      </p:pic>
+    </p:spTree>
+  </p:cSld>
+  <p:transition spd="med">
+    <p:wedge/>
+  </p:transition>
+  <p:timing>
+    <p:tnLst>
+      <p:par>
+        <p:cTn id="342" dur="indefinite" restart="never" nodeType="tmRoot">
+          <p:childTnLst>
+            <p:seq>
+              <p:cTn id="343" dur="indefinite" nodeType="mainSeq">
+                <p:childTnLst>
+                  <p:par>
+                    <p:cTn id="344" fill="hold">
+                      <p:stCondLst>
+                        <p:cond delay="indefinite"/>
+                      </p:stCondLst>
+                      <p:childTnLst>
+                        <p:par>
+                          <p:cTn id="345" fill="hold">
+                            <p:stCondLst>
+                              <p:cond delay="0"/>
+                            </p:stCondLst>
+                            <p:childTnLst>
+                              <p:par>
+                                <p:cTn id="346" nodeType="clickEffect" fill="hold" presetClass="entr" presetID="2" presetSubtype="4">
+                                  <p:stCondLst>
+                                    <p:cond delay="0"/>
+                                  </p:stCondLst>
+                                  <p:childTnLst>
+                                    <p:set>
+                                      <p:cBhvr>
+                                        <p:cTn id="347" dur="1" fill="hold">
+                                          <p:stCondLst>
+                                            <p:cond delay="0"/>
+                                          </p:stCondLst>
+                                        </p:cTn>
+                                        <p:tgtEl>
+                                          <p:spTgt spid="95"/>
+                                        </p:tgtEl>
+                                        <p:attrNameLst>
+                                          <p:attrName>style.visibility</p:attrName>
+                                        </p:attrNameLst>
+                                      </p:cBhvr>
+                                      <p:to>
+                                        <p:strVal val="visible"/>
+                                      </p:to>
+                                    </p:set>
+                                    <p:anim calcmode="lin" valueType="num">
+                                      <p:cBhvr additive="repl">
+                                        <p:cTn id="348" dur="500" fill="hold"/>
+                                        <p:tgtEl>
+                                          <p:spTgt spid="95"/>
+                                        </p:tgtEl>
+                                        <p:attrNameLst>
+                                          <p:attrName>ppt_x</p:attrName>
+                                        </p:attrNameLst>
+                                      </p:cBhvr>
+                                      <p:tavLst>
+                                        <p:tav tm="0">
+                                          <p:val>
+                                            <p:strVal val="#ppt_x"/>
+                                          </p:val>
+                                        </p:tav>
+                                        <p:tav tm="100000">
+                                          <p:val>
+                                            <p:strVal val="#ppt_x"/>
+                                          </p:val>
+                                        </p:tav>
+                                      </p:tavLst>
+                                    </p:anim>
+                                    <p:anim calcmode="lin" valueType="num">
+                                      <p:cBhvr additive="repl">
+                                        <p:cTn id="349" dur="500" fill="hold"/>
+                                        <p:tgtEl>
+                                          <p:spTgt spid="95"/>
+                                        </p:tgtEl>
+                                        <p:attrNameLst>
+                                          <p:attrName>ppt_y</p:attrName>
+                                        </p:attrNameLst>
+                                      </p:cBhvr>
+                                      <p:tavLst>
+                                        <p:tav tm="0">
+                                          <p:val>
+                                            <p:strVal val="1+#ppt_h/2"/>
+                                          </p:val>
+                                        </p:tav>
+                                        <p:tav tm="100000">
+                                          <p:val>
+                                            <p:strVal val="#ppt_y"/>
+                                          </p:val>
+                                        </p:tav>
+                                      </p:tavLst>
+                                    </p:anim>
+                                  </p:childTnLst>
+                                </p:cTn>
+                              </p:par>
+                              <p:par>
+                                <p:cTn id="350" nodeType="withEffect" fill="hold" presetClass="entr" presetID="6" presetSubtype="16">
+                                  <p:stCondLst>
+                                    <p:cond delay="0"/>
+                                  </p:stCondLst>
+                                  <p:childTnLst>
+                                    <p:set>
+                                      <p:cBhvr>
+                                        <p:cTn id="351" dur="1" fill="hold">
+                                          <p:stCondLst>
+                                            <p:cond delay="0"/>
+                                          </p:stCondLst>
+                                        </p:cTn>
+                                        <p:tgtEl>
+                                          <p:spTgt spid="96"/>
+                                        </p:tgtEl>
+                                        <p:attrNameLst>
+                                          <p:attrName>style.visibility</p:attrName>
+                                        </p:attrNameLst>
+                                      </p:cBhvr>
+                                      <p:to>
+                                        <p:strVal val="visible"/>
+                                      </p:to>
+                                    </p:set>
+                                    <p:animEffect filter="circle(in)" transition="in">
+                                      <p:cBhvr additive="repl">
+                                        <p:cTn id="352" dur="2000"/>
+                                        <p:tgtEl>
+                                          <p:spTgt spid="96"/>
+                                        </p:tgtEl>
+                                      </p:cBhvr>
+                                    </p:animEffect>
+                                  </p:childTnLst>
+                                </p:cTn>
+                              </p:par>
+                            </p:childTnLst>
+                          </p:cTn>
+                        </p:par>
+                        <p:par>
+                          <p:cTn id="353" fill="hold">
+                            <p:stCondLst>
+                              <p:cond delay="2000"/>
+                            </p:stCondLst>
+                            <p:childTnLst>
+                              <p:par>
+                                <p:cTn id="354" nodeType="afterEffect" fill="hold" presetClass="entr" presetID="49">
+                                  <p:stCondLst>
+                                    <p:cond delay="0"/>
+                                  </p:stCondLst>
+                                  <p:childTnLst>
+                                    <p:set>
+                                      <p:cBhvr>
+                                        <p:cTn id="355" dur="1" fill="hold">
+                                          <p:stCondLst>
+                                            <p:cond delay="0"/>
+                                          </p:stCondLst>
+                                        </p:cTn>
+                                        <p:tgtEl>
+                                          <p:spTgt spid="97"/>
+                                        </p:tgtEl>
+                                        <p:attrNameLst>
+                                          <p:attrName>style.visibility</p:attrName>
+                                        </p:attrNameLst>
+                                      </p:cBhvr>
+                                      <p:to>
+                                        <p:strVal val="visible"/>
+                                      </p:to>
+                                    </p:set>
+                                    <p:anim calcmode="lin" valueType="num">
+                                      <p:cBhvr additive="repl">
+                                        <p:cTn id="356" dur="500" fill="hold"/>
+                                        <p:tgtEl>
+                                          <p:spTgt spid="97"/>
+                                        </p:tgtEl>
+                                        <p:attrNameLst>
+                                          <p:attrName>ppt_w</p:attrName>
+                                        </p:attrNameLst>
+                                      </p:cBhvr>
+                                      <p:tavLst>
+                                        <p:tav tm="0">
+                                          <p:val>
+                                            <p:strVal val="0"/>
+                                          </p:val>
+                                        </p:tav>
+                                        <p:tav tm="100000">
+                                          <p:val>
+                                            <p:strVal val="#ppt_w"/>
+                                          </p:val>
+                                        </p:tav>
+                                      </p:tavLst>
+                                    </p:anim>
+                                    <p:anim calcmode="lin" valueType="num">
+                                      <p:cBhvr additive="repl">
+                                        <p:cTn id="357" dur="500" fill="hold"/>
+                                        <p:tgtEl>
+                                          <p:spTgt spid="97"/>
+                                        </p:tgtEl>
+                                        <p:attrNameLst>
+                                          <p:attrName>ppt_h</p:attrName>
+                                        </p:attrNameLst>
+                                      </p:cBhvr>
+                                      <p:tavLst>
+                                        <p:tav tm="0">
+                                          <p:val>
+                                            <p:strVal val="0"/>
+                                          </p:val>
+                                        </p:tav>
+                                        <p:tav tm="100000">
+                                          <p:val>
+                                            <p:strVal val="#ppt_h"/>
+                                          </p:val>
+                                        </p:tav>
+                                      </p:tavLst>
+                                    </p:anim>
+                                    <p:anim calcmode="lin" valueType="num">
+                                      <p:cBhvr additive="repl">
+                                        <p:cTn id="358" dur="500" fill="hold"/>
+                                        <p:tgtEl>
+                                          <p:spTgt spid="97"/>
+                                        </p:tgtEl>
+                                        <p:attrNameLst>
+                                          <p:attrName>r</p:attrName>
+                                        </p:attrNameLst>
+                                      </p:cBhvr>
+                                      <p:tavLst>
+                                        <p:tav tm="0">
+                                          <p:val>
+                                            <p:strVal val="360"/>
+                                          </p:val>
+                                        </p:tav>
+                                        <p:tav tm="100000">
+                                          <p:val>
+                                            <p:strVal val="0"/>
+                                          </p:val>
+                                        </p:tav>
+                                      </p:tavLst>
+                                    </p:anim>
+                                    <p:animEffect filter="fade" transition="in">
+                                      <p:cBhvr additive="repl">
+                                        <p:cTn id="359" dur="500"/>
+                                        <p:tgtEl>
+                                          <p:spTgt spid="97"/>
+                                        </p:tgtEl>
+                                      </p:cBhvr>
+                                    </p:animEffect>
+                                  </p:childTnLst>
+                                </p:cTn>
+                              </p:par>
+                              <p:par>
+                                <p:cTn id="360" nodeType="withEffect" fill="hold" presetClass="entr" presetID="6" presetSubtype="16">
+                                  <p:stCondLst>
+                                    <p:cond delay="0"/>
+                                  </p:stCondLst>
+                                  <p:childTnLst>
+                                    <p:set>
+                                      <p:cBhvr>
+                                        <p:cTn id="361" dur="1" fill="hold">
+                                          <p:stCondLst>
+                                            <p:cond delay="0"/>
+                                          </p:stCondLst>
+                                        </p:cTn>
+                                        <p:tgtEl>
+                                          <p:spTgt spid="98"/>
+                                        </p:tgtEl>
+                                        <p:attrNameLst>
+                                          <p:attrName>style.visibility</p:attrName>
+                                        </p:attrNameLst>
+                                      </p:cBhvr>
+                                      <p:to>
+                                        <p:strVal val="visible"/>
+                                      </p:to>
+                                    </p:set>
+                                    <p:animEffect filter="circle(in)" transition="in">
+                                      <p:cBhvr additive="repl">
+                                        <p:cTn id="362" dur="2000"/>
+                                        <p:tgtEl>
+                                          <p:spTgt spid="98"/>
                                         </p:tgtEl>
                                       </p:cBhvr>
                                     </p:animEffect>
@@ -4593,14 +4937,2342 @@
       </p:grpSpPr>
       <p:sp>
         <p:nvSpPr>
-          <p:cNvPr id="93" name="CustomShape 1"/>
+          <p:cNvPr id="99" name="CustomShape 1"/>
+          <p:cNvSpPr/>
+          <p:nvPr/>
+        </p:nvSpPr>
+        <p:spPr>
+          <a:xfrm>
+            <a:off x="1280160" y="550080"/>
+            <a:ext cx="912600" cy="912600"/>
+          </a:xfrm>
+          <a:prstGeom prst="ellipse">
+            <a:avLst/>
+          </a:prstGeom>
+          <a:solidFill>
+            <a:srgbClr val="00e3e3"/>
+          </a:solidFill>
+          <a:ln>
+            <a:solidFill>
+              <a:srgbClr val="3465a4"/>
+            </a:solidFill>
+          </a:ln>
+          <a:effectLst>
+            <a:outerShdw dir="2700000" dist="143570">
+              <a:srgbClr val="808080"/>
+            </a:outerShdw>
+          </a:effectLst>
+        </p:spPr>
+        <p:style>
+          <a:lnRef idx="0"/>
+          <a:fillRef idx="0"/>
+          <a:effectRef idx="0"/>
+          <a:fontRef idx="minor"/>
+        </p:style>
+        <p:txBody>
+          <a:bodyPr wrap="none" lIns="90000" rIns="90000" tIns="45000" bIns="45000" anchor="ctr"/>
+          <a:p>
+            <a:pPr algn="ctr">
+              <a:lnSpc>
+                <a:spcPct val="100000"/>
+              </a:lnSpc>
+            </a:pPr>
+            <a:r>
+              <a:rPr b="1" lang="en-US" sz="4000" spc="-1" strike="noStrike">
+                <a:solidFill>
+                  <a:srgbClr val="4c4c4c"/>
+                </a:solidFill>
+                <a:latin typeface="Arial"/>
+                <a:ea typeface="DejaVu Sans"/>
+              </a:rPr>
+              <a:t>9.2</a:t>
+            </a:r>
+            <a:endParaRPr b="0" lang="en-US" sz="4000" spc="-1" strike="noStrike">
+              <a:latin typeface="Arial"/>
+            </a:endParaRPr>
+          </a:p>
+        </p:txBody>
+      </p:sp>
+      <p:sp>
+        <p:nvSpPr>
+          <p:cNvPr id="100" name="CustomShape 2"/>
+          <p:cNvSpPr/>
+          <p:nvPr/>
+        </p:nvSpPr>
+        <p:spPr>
+          <a:xfrm>
+            <a:off x="2247120" y="550080"/>
+            <a:ext cx="5616360" cy="838800"/>
+          </a:xfrm>
+          <a:custGeom>
+            <a:avLst/>
+            <a:gdLst/>
+            <a:ahLst/>
+            <a:rect l="l" t="t" r="r" b="b"/>
+            <a:pathLst>
+              <a:path w="15608" h="2337">
+                <a:moveTo>
+                  <a:pt x="15607" y="0"/>
+                </a:moveTo>
+                <a:lnTo>
+                  <a:pt x="572" y="0"/>
+                </a:lnTo>
+                <a:lnTo>
+                  <a:pt x="0" y="1168"/>
+                </a:lnTo>
+                <a:lnTo>
+                  <a:pt x="572" y="2336"/>
+                </a:lnTo>
+                <a:lnTo>
+                  <a:pt x="15607" y="2336"/>
+                </a:lnTo>
+                <a:lnTo>
+                  <a:pt x="15607" y="0"/>
+                </a:lnTo>
+              </a:path>
+            </a:pathLst>
+          </a:custGeom>
+          <a:solidFill>
+            <a:srgbClr val="72bf44"/>
+          </a:solidFill>
+          <a:ln>
+            <a:solidFill>
+              <a:srgbClr val="3465a4"/>
+            </a:solidFill>
+          </a:ln>
+          <a:effectLst>
+            <a:outerShdw dir="2700000" dist="143570">
+              <a:srgbClr val="808080"/>
+            </a:outerShdw>
+          </a:effectLst>
+        </p:spPr>
+        <p:style>
+          <a:lnRef idx="0"/>
+          <a:fillRef idx="0"/>
+          <a:effectRef idx="0"/>
+          <a:fontRef idx="minor"/>
+        </p:style>
+        <p:txBody>
+          <a:bodyPr wrap="none" lIns="90000" rIns="90000" tIns="45000" bIns="45000" anchor="ctr"/>
+          <a:p>
+            <a:pPr algn="ctr">
+              <a:lnSpc>
+                <a:spcPct val="100000"/>
+              </a:lnSpc>
+            </a:pPr>
+            <a:r>
+              <a:rPr b="1" lang="en-US" sz="3600" spc="-1" strike="noStrike">
+                <a:solidFill>
+                  <a:srgbClr val="ffffff"/>
+                </a:solidFill>
+                <a:latin typeface="Cantarell"/>
+                <a:ea typeface="DejaVu Sans"/>
+              </a:rPr>
+              <a:t>Sreen shots of project</a:t>
+            </a:r>
+            <a:endParaRPr b="0" lang="en-US" sz="3600" spc="-1" strike="noStrike">
+              <a:latin typeface="Arial"/>
+            </a:endParaRPr>
+          </a:p>
+        </p:txBody>
+      </p:sp>
+      <p:sp>
+        <p:nvSpPr>
+          <p:cNvPr id="101" name="CustomShape 3"/>
+          <p:cNvSpPr/>
+          <p:nvPr/>
+        </p:nvSpPr>
+        <p:spPr>
+          <a:xfrm>
+            <a:off x="457560" y="3017880"/>
+            <a:ext cx="2102760" cy="1828440"/>
+          </a:xfrm>
+          <a:custGeom>
+            <a:avLst/>
+            <a:gdLst/>
+            <a:ahLst/>
+            <a:rect l="l" t="t" r="r" b="b"/>
+            <a:pathLst>
+              <a:path w="5844" h="5082">
+                <a:moveTo>
+                  <a:pt x="0" y="1270"/>
+                </a:moveTo>
+                <a:lnTo>
+                  <a:pt x="4382" y="1270"/>
+                </a:lnTo>
+                <a:lnTo>
+                  <a:pt x="4382" y="0"/>
+                </a:lnTo>
+                <a:lnTo>
+                  <a:pt x="5843" y="2540"/>
+                </a:lnTo>
+                <a:lnTo>
+                  <a:pt x="4382" y="5081"/>
+                </a:lnTo>
+                <a:lnTo>
+                  <a:pt x="4382" y="3810"/>
+                </a:lnTo>
+                <a:lnTo>
+                  <a:pt x="0" y="3810"/>
+                </a:lnTo>
+                <a:lnTo>
+                  <a:pt x="0" y="1270"/>
+                </a:lnTo>
+              </a:path>
+            </a:pathLst>
+          </a:custGeom>
+          <a:solidFill>
+            <a:srgbClr val="009e4f"/>
+          </a:solidFill>
+          <a:ln>
+            <a:solidFill>
+              <a:srgbClr val="3465a4"/>
+            </a:solidFill>
+          </a:ln>
+          <a:effectLst>
+            <a:outerShdw dir="2700000" dist="101823">
+              <a:srgbClr val="808080"/>
+            </a:outerShdw>
+          </a:effectLst>
+        </p:spPr>
+        <p:style>
+          <a:lnRef idx="0"/>
+          <a:fillRef idx="0"/>
+          <a:effectRef idx="0"/>
+          <a:fontRef idx="minor"/>
+        </p:style>
+        <p:txBody>
+          <a:bodyPr wrap="none" lIns="90000" rIns="90000" tIns="45000" bIns="45000" anchor="ctr"/>
+          <a:p>
+            <a:pPr algn="ctr">
+              <a:lnSpc>
+                <a:spcPct val="100000"/>
+              </a:lnSpc>
+            </a:pPr>
+            <a:r>
+              <a:rPr b="0" lang="en-US" sz="2000" spc="-1" strike="noStrike">
+                <a:solidFill>
+                  <a:srgbClr val="ffffff"/>
+                </a:solidFill>
+                <a:latin typeface="Arial"/>
+                <a:ea typeface="DejaVu Sans"/>
+              </a:rPr>
+              <a:t>Play Game</a:t>
+            </a:r>
+            <a:endParaRPr b="0" lang="en-US" sz="2000" spc="-1" strike="noStrike">
+              <a:latin typeface="Arial"/>
+            </a:endParaRPr>
+          </a:p>
+        </p:txBody>
+      </p:sp>
+      <p:pic>
+        <p:nvPicPr>
+          <p:cNvPr id="102" name="" descr=""/>
+          <p:cNvPicPr/>
+          <p:nvPr/>
+        </p:nvPicPr>
+        <p:blipFill>
+          <a:blip r:embed="rId1"/>
+          <a:stretch/>
+        </p:blipFill>
+        <p:spPr>
+          <a:xfrm>
+            <a:off x="3284640" y="2069640"/>
+            <a:ext cx="4670280" cy="4513680"/>
+          </a:xfrm>
+          <a:prstGeom prst="rect">
+            <a:avLst/>
+          </a:prstGeom>
+          <a:ln>
+            <a:noFill/>
+          </a:ln>
+        </p:spPr>
+      </p:pic>
+    </p:spTree>
+  </p:cSld>
+  <p:transition spd="med">
+    <p:wedge/>
+  </p:transition>
+  <p:timing>
+    <p:tnLst>
+      <p:par>
+        <p:cTn id="363" dur="indefinite" restart="never" nodeType="tmRoot">
+          <p:childTnLst>
+            <p:seq>
+              <p:cTn id="364" dur="indefinite" nodeType="mainSeq">
+                <p:childTnLst>
+                  <p:par>
+                    <p:cTn id="365" fill="hold">
+                      <p:stCondLst>
+                        <p:cond delay="indefinite"/>
+                      </p:stCondLst>
+                      <p:childTnLst>
+                        <p:par>
+                          <p:cTn id="366" fill="hold">
+                            <p:stCondLst>
+                              <p:cond delay="0"/>
+                            </p:stCondLst>
+                            <p:childTnLst>
+                              <p:par>
+                                <p:cTn id="367" nodeType="clickEffect" fill="hold" presetClass="entr" presetID="2" presetSubtype="4">
+                                  <p:stCondLst>
+                                    <p:cond delay="0"/>
+                                  </p:stCondLst>
+                                  <p:childTnLst>
+                                    <p:set>
+                                      <p:cBhvr>
+                                        <p:cTn id="368" dur="1" fill="hold">
+                                          <p:stCondLst>
+                                            <p:cond delay="0"/>
+                                          </p:stCondLst>
+                                        </p:cTn>
+                                        <p:tgtEl>
+                                          <p:spTgt spid="99"/>
+                                        </p:tgtEl>
+                                        <p:attrNameLst>
+                                          <p:attrName>style.visibility</p:attrName>
+                                        </p:attrNameLst>
+                                      </p:cBhvr>
+                                      <p:to>
+                                        <p:strVal val="visible"/>
+                                      </p:to>
+                                    </p:set>
+                                    <p:anim calcmode="lin" valueType="num">
+                                      <p:cBhvr additive="repl">
+                                        <p:cTn id="369" dur="500" fill="hold"/>
+                                        <p:tgtEl>
+                                          <p:spTgt spid="99"/>
+                                        </p:tgtEl>
+                                        <p:attrNameLst>
+                                          <p:attrName>ppt_x</p:attrName>
+                                        </p:attrNameLst>
+                                      </p:cBhvr>
+                                      <p:tavLst>
+                                        <p:tav tm="0">
+                                          <p:val>
+                                            <p:strVal val="#ppt_x"/>
+                                          </p:val>
+                                        </p:tav>
+                                        <p:tav tm="100000">
+                                          <p:val>
+                                            <p:strVal val="#ppt_x"/>
+                                          </p:val>
+                                        </p:tav>
+                                      </p:tavLst>
+                                    </p:anim>
+                                    <p:anim calcmode="lin" valueType="num">
+                                      <p:cBhvr additive="repl">
+                                        <p:cTn id="370" dur="500" fill="hold"/>
+                                        <p:tgtEl>
+                                          <p:spTgt spid="99"/>
+                                        </p:tgtEl>
+                                        <p:attrNameLst>
+                                          <p:attrName>ppt_y</p:attrName>
+                                        </p:attrNameLst>
+                                      </p:cBhvr>
+                                      <p:tavLst>
+                                        <p:tav tm="0">
+                                          <p:val>
+                                            <p:strVal val="1+#ppt_h/2"/>
+                                          </p:val>
+                                        </p:tav>
+                                        <p:tav tm="100000">
+                                          <p:val>
+                                            <p:strVal val="#ppt_y"/>
+                                          </p:val>
+                                        </p:tav>
+                                      </p:tavLst>
+                                    </p:anim>
+                                  </p:childTnLst>
+                                </p:cTn>
+                              </p:par>
+                              <p:par>
+                                <p:cTn id="371" nodeType="withEffect" fill="hold" presetClass="entr" presetID="6" presetSubtype="16">
+                                  <p:stCondLst>
+                                    <p:cond delay="0"/>
+                                  </p:stCondLst>
+                                  <p:childTnLst>
+                                    <p:set>
+                                      <p:cBhvr>
+                                        <p:cTn id="372" dur="1" fill="hold">
+                                          <p:stCondLst>
+                                            <p:cond delay="0"/>
+                                          </p:stCondLst>
+                                        </p:cTn>
+                                        <p:tgtEl>
+                                          <p:spTgt spid="100"/>
+                                        </p:tgtEl>
+                                        <p:attrNameLst>
+                                          <p:attrName>style.visibility</p:attrName>
+                                        </p:attrNameLst>
+                                      </p:cBhvr>
+                                      <p:to>
+                                        <p:strVal val="visible"/>
+                                      </p:to>
+                                    </p:set>
+                                    <p:animEffect filter="circle(in)" transition="in">
+                                      <p:cBhvr additive="repl">
+                                        <p:cTn id="373" dur="2000"/>
+                                        <p:tgtEl>
+                                          <p:spTgt spid="100"/>
+                                        </p:tgtEl>
+                                      </p:cBhvr>
+                                    </p:animEffect>
+                                  </p:childTnLst>
+                                </p:cTn>
+                              </p:par>
+                            </p:childTnLst>
+                          </p:cTn>
+                        </p:par>
+                        <p:par>
+                          <p:cTn id="374" fill="hold">
+                            <p:stCondLst>
+                              <p:cond delay="2000"/>
+                            </p:stCondLst>
+                            <p:childTnLst>
+                              <p:par>
+                                <p:cTn id="375" nodeType="afterEffect" fill="hold" presetClass="entr" presetID="49">
+                                  <p:stCondLst>
+                                    <p:cond delay="0"/>
+                                  </p:stCondLst>
+                                  <p:childTnLst>
+                                    <p:set>
+                                      <p:cBhvr>
+                                        <p:cTn id="376" dur="1" fill="hold">
+                                          <p:stCondLst>
+                                            <p:cond delay="0"/>
+                                          </p:stCondLst>
+                                        </p:cTn>
+                                        <p:tgtEl>
+                                          <p:spTgt spid="101"/>
+                                        </p:tgtEl>
+                                        <p:attrNameLst>
+                                          <p:attrName>style.visibility</p:attrName>
+                                        </p:attrNameLst>
+                                      </p:cBhvr>
+                                      <p:to>
+                                        <p:strVal val="visible"/>
+                                      </p:to>
+                                    </p:set>
+                                    <p:anim calcmode="lin" valueType="num">
+                                      <p:cBhvr additive="repl">
+                                        <p:cTn id="377" dur="500" fill="hold"/>
+                                        <p:tgtEl>
+                                          <p:spTgt spid="101"/>
+                                        </p:tgtEl>
+                                        <p:attrNameLst>
+                                          <p:attrName>ppt_w</p:attrName>
+                                        </p:attrNameLst>
+                                      </p:cBhvr>
+                                      <p:tavLst>
+                                        <p:tav tm="0">
+                                          <p:val>
+                                            <p:strVal val="0"/>
+                                          </p:val>
+                                        </p:tav>
+                                        <p:tav tm="100000">
+                                          <p:val>
+                                            <p:strVal val="#ppt_w"/>
+                                          </p:val>
+                                        </p:tav>
+                                      </p:tavLst>
+                                    </p:anim>
+                                    <p:anim calcmode="lin" valueType="num">
+                                      <p:cBhvr additive="repl">
+                                        <p:cTn id="378" dur="500" fill="hold"/>
+                                        <p:tgtEl>
+                                          <p:spTgt spid="101"/>
+                                        </p:tgtEl>
+                                        <p:attrNameLst>
+                                          <p:attrName>ppt_h</p:attrName>
+                                        </p:attrNameLst>
+                                      </p:cBhvr>
+                                      <p:tavLst>
+                                        <p:tav tm="0">
+                                          <p:val>
+                                            <p:strVal val="0"/>
+                                          </p:val>
+                                        </p:tav>
+                                        <p:tav tm="100000">
+                                          <p:val>
+                                            <p:strVal val="#ppt_h"/>
+                                          </p:val>
+                                        </p:tav>
+                                      </p:tavLst>
+                                    </p:anim>
+                                    <p:anim calcmode="lin" valueType="num">
+                                      <p:cBhvr additive="repl">
+                                        <p:cTn id="379" dur="500" fill="hold"/>
+                                        <p:tgtEl>
+                                          <p:spTgt spid="101"/>
+                                        </p:tgtEl>
+                                        <p:attrNameLst>
+                                          <p:attrName>r</p:attrName>
+                                        </p:attrNameLst>
+                                      </p:cBhvr>
+                                      <p:tavLst>
+                                        <p:tav tm="0">
+                                          <p:val>
+                                            <p:strVal val="360"/>
+                                          </p:val>
+                                        </p:tav>
+                                        <p:tav tm="100000">
+                                          <p:val>
+                                            <p:strVal val="0"/>
+                                          </p:val>
+                                        </p:tav>
+                                      </p:tavLst>
+                                    </p:anim>
+                                    <p:animEffect filter="fade" transition="in">
+                                      <p:cBhvr additive="repl">
+                                        <p:cTn id="380" dur="500"/>
+                                        <p:tgtEl>
+                                          <p:spTgt spid="101"/>
+                                        </p:tgtEl>
+                                      </p:cBhvr>
+                                    </p:animEffect>
+                                  </p:childTnLst>
+                                </p:cTn>
+                              </p:par>
+                              <p:par>
+                                <p:cTn id="381" nodeType="withEffect" fill="hold" presetClass="entr" presetID="6" presetSubtype="16">
+                                  <p:stCondLst>
+                                    <p:cond delay="0"/>
+                                  </p:stCondLst>
+                                  <p:childTnLst>
+                                    <p:set>
+                                      <p:cBhvr>
+                                        <p:cTn id="382" dur="1" fill="hold">
+                                          <p:stCondLst>
+                                            <p:cond delay="0"/>
+                                          </p:stCondLst>
+                                        </p:cTn>
+                                        <p:tgtEl>
+                                          <p:spTgt spid="102"/>
+                                        </p:tgtEl>
+                                        <p:attrNameLst>
+                                          <p:attrName>style.visibility</p:attrName>
+                                        </p:attrNameLst>
+                                      </p:cBhvr>
+                                      <p:to>
+                                        <p:strVal val="visible"/>
+                                      </p:to>
+                                    </p:set>
+                                    <p:animEffect filter="circle(in)" transition="in">
+                                      <p:cBhvr additive="repl">
+                                        <p:cTn id="383" dur="2000"/>
+                                        <p:tgtEl>
+                                          <p:spTgt spid="102"/>
+                                        </p:tgtEl>
+                                      </p:cBhvr>
+                                    </p:animEffect>
+                                  </p:childTnLst>
+                                </p:cTn>
+                              </p:par>
+                            </p:childTnLst>
+                          </p:cTn>
+                        </p:par>
+                      </p:childTnLst>
+                    </p:cTn>
+                  </p:par>
+                </p:childTnLst>
+              </p:cTn>
+              <p:prevCondLst>
+                <p:cond delay="0" evt="onPrev">
+                  <p:tgtEl>
+                    <p:sldTgt/>
+                  </p:tgtEl>
+                </p:cond>
+              </p:prevCondLst>
+              <p:nextCondLst>
+                <p:cond delay="0" evt="onNext">
+                  <p:tgtEl>
+                    <p:sldTgt/>
+                  </p:tgtEl>
+                </p:cond>
+              </p:nextCondLst>
+            </p:seq>
+          </p:childTnLst>
+        </p:cTn>
+      </p:par>
+    </p:tnLst>
+  </p:timing>
+</p:sld>
+</file>
+
+<file path=ppt/slides/slide13.xml><?xml version="1.0" encoding="utf-8"?>
+<p:sld xmlns:a="http://schemas.openxmlformats.org/drawingml/2006/main" xmlns:p="http://schemas.openxmlformats.org/presentationml/2006/main" xmlns:r="http://schemas.openxmlformats.org/officeDocument/2006/relationships" xmlns:p14="http://schemas.microsoft.com/office/powerpoint/2010/main" xmlns:p15="http://schemas.microsoft.com/office/powerpoint/2012/main" xmlns:mc="http://schemas.openxmlformats.org/markup-compatibility/2006">
+  <p:cSld>
+    <p:spTree>
+      <p:nvGrpSpPr>
+        <p:cNvPr id="1" name=""/>
+        <p:cNvGrpSpPr/>
+        <p:nvPr/>
+      </p:nvGrpSpPr>
+      <p:grpSpPr>
+        <a:xfrm>
+          <a:off x="0" y="0"/>
+          <a:ext cx="0" cy="0"/>
+          <a:chOff x="0" y="0"/>
+          <a:chExt cx="0" cy="0"/>
+        </a:xfrm>
+      </p:grpSpPr>
+      <p:sp>
+        <p:nvSpPr>
+          <p:cNvPr id="103" name="CustomShape 1"/>
+          <p:cNvSpPr/>
+          <p:nvPr/>
+        </p:nvSpPr>
+        <p:spPr>
+          <a:xfrm>
+            <a:off x="1005840" y="732960"/>
+            <a:ext cx="912600" cy="912600"/>
+          </a:xfrm>
+          <a:prstGeom prst="ellipse">
+            <a:avLst/>
+          </a:prstGeom>
+          <a:solidFill>
+            <a:srgbClr val="00e3e3"/>
+          </a:solidFill>
+          <a:ln>
+            <a:solidFill>
+              <a:srgbClr val="3465a4"/>
+            </a:solidFill>
+          </a:ln>
+          <a:effectLst>
+            <a:outerShdw dir="2700000" dist="143570">
+              <a:srgbClr val="808080"/>
+            </a:outerShdw>
+          </a:effectLst>
+        </p:spPr>
+        <p:style>
+          <a:lnRef idx="0"/>
+          <a:fillRef idx="0"/>
+          <a:effectRef idx="0"/>
+          <a:fontRef idx="minor"/>
+        </p:style>
+        <p:txBody>
+          <a:bodyPr wrap="none" lIns="90000" rIns="90000" tIns="45000" bIns="45000" anchor="ctr"/>
+          <a:p>
+            <a:pPr algn="ctr">
+              <a:lnSpc>
+                <a:spcPct val="100000"/>
+              </a:lnSpc>
+            </a:pPr>
+            <a:r>
+              <a:rPr b="1" lang="en-US" sz="4000" spc="-1" strike="noStrike">
+                <a:solidFill>
+                  <a:srgbClr val="4c4c4c"/>
+                </a:solidFill>
+                <a:latin typeface="Arial"/>
+                <a:ea typeface="DejaVu Sans"/>
+              </a:rPr>
+              <a:t>9.3</a:t>
+            </a:r>
+            <a:endParaRPr b="0" lang="en-US" sz="4000" spc="-1" strike="noStrike">
+              <a:latin typeface="Arial"/>
+            </a:endParaRPr>
+          </a:p>
+        </p:txBody>
+      </p:sp>
+      <p:sp>
+        <p:nvSpPr>
+          <p:cNvPr id="104" name="CustomShape 2"/>
+          <p:cNvSpPr/>
+          <p:nvPr/>
+        </p:nvSpPr>
+        <p:spPr>
+          <a:xfrm>
+            <a:off x="1972800" y="732960"/>
+            <a:ext cx="5616360" cy="838800"/>
+          </a:xfrm>
+          <a:custGeom>
+            <a:avLst/>
+            <a:gdLst/>
+            <a:ahLst/>
+            <a:rect l="l" t="t" r="r" b="b"/>
+            <a:pathLst>
+              <a:path w="15608" h="2337">
+                <a:moveTo>
+                  <a:pt x="15607" y="0"/>
+                </a:moveTo>
+                <a:lnTo>
+                  <a:pt x="572" y="0"/>
+                </a:lnTo>
+                <a:lnTo>
+                  <a:pt x="0" y="1168"/>
+                </a:lnTo>
+                <a:lnTo>
+                  <a:pt x="572" y="2336"/>
+                </a:lnTo>
+                <a:lnTo>
+                  <a:pt x="15607" y="2336"/>
+                </a:lnTo>
+                <a:lnTo>
+                  <a:pt x="15607" y="0"/>
+                </a:lnTo>
+              </a:path>
+            </a:pathLst>
+          </a:custGeom>
+          <a:solidFill>
+            <a:srgbClr val="72bf44"/>
+          </a:solidFill>
+          <a:ln>
+            <a:solidFill>
+              <a:srgbClr val="3465a4"/>
+            </a:solidFill>
+          </a:ln>
+          <a:effectLst>
+            <a:outerShdw dir="2700000" dist="143570">
+              <a:srgbClr val="808080"/>
+            </a:outerShdw>
+          </a:effectLst>
+        </p:spPr>
+        <p:style>
+          <a:lnRef idx="0"/>
+          <a:fillRef idx="0"/>
+          <a:effectRef idx="0"/>
+          <a:fontRef idx="minor"/>
+        </p:style>
+        <p:txBody>
+          <a:bodyPr wrap="none" lIns="90000" rIns="90000" tIns="45000" bIns="45000" anchor="ctr"/>
+          <a:p>
+            <a:pPr algn="ctr">
+              <a:lnSpc>
+                <a:spcPct val="100000"/>
+              </a:lnSpc>
+            </a:pPr>
+            <a:r>
+              <a:rPr b="1" lang="en-US" sz="3600" spc="-1" strike="noStrike">
+                <a:solidFill>
+                  <a:srgbClr val="ffffff"/>
+                </a:solidFill>
+                <a:latin typeface="Cantarell"/>
+                <a:ea typeface="DejaVu Sans"/>
+              </a:rPr>
+              <a:t>Sreen shots of project</a:t>
+            </a:r>
+            <a:endParaRPr b="0" lang="en-US" sz="3600" spc="-1" strike="noStrike">
+              <a:latin typeface="Arial"/>
+            </a:endParaRPr>
+          </a:p>
+        </p:txBody>
+      </p:sp>
+      <p:sp>
+        <p:nvSpPr>
+          <p:cNvPr id="105" name="CustomShape 3"/>
+          <p:cNvSpPr/>
+          <p:nvPr/>
+        </p:nvSpPr>
+        <p:spPr>
+          <a:xfrm>
+            <a:off x="457920" y="3018240"/>
+            <a:ext cx="2102760" cy="1828440"/>
+          </a:xfrm>
+          <a:custGeom>
+            <a:avLst/>
+            <a:gdLst/>
+            <a:ahLst/>
+            <a:rect l="l" t="t" r="r" b="b"/>
+            <a:pathLst>
+              <a:path w="5844" h="5082">
+                <a:moveTo>
+                  <a:pt x="0" y="1270"/>
+                </a:moveTo>
+                <a:lnTo>
+                  <a:pt x="4382" y="1270"/>
+                </a:lnTo>
+                <a:lnTo>
+                  <a:pt x="4382" y="0"/>
+                </a:lnTo>
+                <a:lnTo>
+                  <a:pt x="5843" y="2540"/>
+                </a:lnTo>
+                <a:lnTo>
+                  <a:pt x="4382" y="5081"/>
+                </a:lnTo>
+                <a:lnTo>
+                  <a:pt x="4382" y="3810"/>
+                </a:lnTo>
+                <a:lnTo>
+                  <a:pt x="0" y="3810"/>
+                </a:lnTo>
+                <a:lnTo>
+                  <a:pt x="0" y="1270"/>
+                </a:lnTo>
+              </a:path>
+            </a:pathLst>
+          </a:custGeom>
+          <a:solidFill>
+            <a:srgbClr val="009e4f"/>
+          </a:solidFill>
+          <a:ln>
+            <a:solidFill>
+              <a:srgbClr val="3465a4"/>
+            </a:solidFill>
+          </a:ln>
+          <a:effectLst>
+            <a:outerShdw dir="2700000" dist="101823">
+              <a:srgbClr val="808080"/>
+            </a:outerShdw>
+          </a:effectLst>
+        </p:spPr>
+        <p:style>
+          <a:lnRef idx="0"/>
+          <a:fillRef idx="0"/>
+          <a:effectRef idx="0"/>
+          <a:fontRef idx="minor"/>
+        </p:style>
+        <p:txBody>
+          <a:bodyPr wrap="none" lIns="90000" rIns="90000" tIns="45000" bIns="45000" anchor="ctr"/>
+          <a:p>
+            <a:pPr algn="ctr">
+              <a:lnSpc>
+                <a:spcPct val="100000"/>
+              </a:lnSpc>
+            </a:pPr>
+            <a:r>
+              <a:rPr b="1" lang="en-US" sz="2000" spc="-1" strike="noStrike">
+                <a:solidFill>
+                  <a:srgbClr val="ffffff"/>
+                </a:solidFill>
+                <a:latin typeface="Arial"/>
+                <a:ea typeface="DejaVu Sans"/>
+              </a:rPr>
+              <a:t>Instruction</a:t>
+            </a:r>
+            <a:endParaRPr b="0" lang="en-US" sz="2000" spc="-1" strike="noStrike">
+              <a:latin typeface="Arial"/>
+            </a:endParaRPr>
+          </a:p>
+        </p:txBody>
+      </p:sp>
+      <p:pic>
+        <p:nvPicPr>
+          <p:cNvPr id="106" name="" descr=""/>
+          <p:cNvPicPr/>
+          <p:nvPr/>
+        </p:nvPicPr>
+        <p:blipFill>
+          <a:blip r:embed="rId1"/>
+          <a:stretch/>
+        </p:blipFill>
+        <p:spPr>
+          <a:xfrm>
+            <a:off x="2926080" y="2295720"/>
+            <a:ext cx="4754520" cy="4104720"/>
+          </a:xfrm>
+          <a:prstGeom prst="rect">
+            <a:avLst/>
+          </a:prstGeom>
+          <a:ln>
+            <a:noFill/>
+          </a:ln>
+        </p:spPr>
+      </p:pic>
+    </p:spTree>
+  </p:cSld>
+  <p:transition spd="med">
+    <p:wedge/>
+  </p:transition>
+  <p:timing>
+    <p:tnLst>
+      <p:par>
+        <p:cTn id="384" dur="indefinite" restart="never" nodeType="tmRoot">
+          <p:childTnLst>
+            <p:seq>
+              <p:cTn id="385" dur="indefinite" nodeType="mainSeq">
+                <p:childTnLst>
+                  <p:par>
+                    <p:cTn id="386" fill="hold">
+                      <p:stCondLst>
+                        <p:cond delay="indefinite"/>
+                      </p:stCondLst>
+                      <p:childTnLst>
+                        <p:par>
+                          <p:cTn id="387" fill="hold">
+                            <p:stCondLst>
+                              <p:cond delay="0"/>
+                            </p:stCondLst>
+                            <p:childTnLst>
+                              <p:par>
+                                <p:cTn id="388" nodeType="clickEffect" fill="hold" presetClass="entr" presetID="2" presetSubtype="4">
+                                  <p:stCondLst>
+                                    <p:cond delay="0"/>
+                                  </p:stCondLst>
+                                  <p:childTnLst>
+                                    <p:set>
+                                      <p:cBhvr>
+                                        <p:cTn id="389" dur="1" fill="hold">
+                                          <p:stCondLst>
+                                            <p:cond delay="0"/>
+                                          </p:stCondLst>
+                                        </p:cTn>
+                                        <p:tgtEl>
+                                          <p:spTgt spid="103"/>
+                                        </p:tgtEl>
+                                        <p:attrNameLst>
+                                          <p:attrName>style.visibility</p:attrName>
+                                        </p:attrNameLst>
+                                      </p:cBhvr>
+                                      <p:to>
+                                        <p:strVal val="visible"/>
+                                      </p:to>
+                                    </p:set>
+                                    <p:anim calcmode="lin" valueType="num">
+                                      <p:cBhvr additive="repl">
+                                        <p:cTn id="390" dur="500" fill="hold"/>
+                                        <p:tgtEl>
+                                          <p:spTgt spid="103"/>
+                                        </p:tgtEl>
+                                        <p:attrNameLst>
+                                          <p:attrName>ppt_x</p:attrName>
+                                        </p:attrNameLst>
+                                      </p:cBhvr>
+                                      <p:tavLst>
+                                        <p:tav tm="0">
+                                          <p:val>
+                                            <p:strVal val="#ppt_x"/>
+                                          </p:val>
+                                        </p:tav>
+                                        <p:tav tm="100000">
+                                          <p:val>
+                                            <p:strVal val="#ppt_x"/>
+                                          </p:val>
+                                        </p:tav>
+                                      </p:tavLst>
+                                    </p:anim>
+                                    <p:anim calcmode="lin" valueType="num">
+                                      <p:cBhvr additive="repl">
+                                        <p:cTn id="391" dur="500" fill="hold"/>
+                                        <p:tgtEl>
+                                          <p:spTgt spid="103"/>
+                                        </p:tgtEl>
+                                        <p:attrNameLst>
+                                          <p:attrName>ppt_y</p:attrName>
+                                        </p:attrNameLst>
+                                      </p:cBhvr>
+                                      <p:tavLst>
+                                        <p:tav tm="0">
+                                          <p:val>
+                                            <p:strVal val="1+#ppt_h/2"/>
+                                          </p:val>
+                                        </p:tav>
+                                        <p:tav tm="100000">
+                                          <p:val>
+                                            <p:strVal val="#ppt_y"/>
+                                          </p:val>
+                                        </p:tav>
+                                      </p:tavLst>
+                                    </p:anim>
+                                  </p:childTnLst>
+                                </p:cTn>
+                              </p:par>
+                              <p:par>
+                                <p:cTn id="392" nodeType="withEffect" fill="hold" presetClass="entr" presetID="6" presetSubtype="16">
+                                  <p:stCondLst>
+                                    <p:cond delay="0"/>
+                                  </p:stCondLst>
+                                  <p:childTnLst>
+                                    <p:set>
+                                      <p:cBhvr>
+                                        <p:cTn id="393" dur="1" fill="hold">
+                                          <p:stCondLst>
+                                            <p:cond delay="0"/>
+                                          </p:stCondLst>
+                                        </p:cTn>
+                                        <p:tgtEl>
+                                          <p:spTgt spid="104"/>
+                                        </p:tgtEl>
+                                        <p:attrNameLst>
+                                          <p:attrName>style.visibility</p:attrName>
+                                        </p:attrNameLst>
+                                      </p:cBhvr>
+                                      <p:to>
+                                        <p:strVal val="visible"/>
+                                      </p:to>
+                                    </p:set>
+                                    <p:animEffect filter="circle(in)" transition="in">
+                                      <p:cBhvr additive="repl">
+                                        <p:cTn id="394" dur="2000"/>
+                                        <p:tgtEl>
+                                          <p:spTgt spid="104"/>
+                                        </p:tgtEl>
+                                      </p:cBhvr>
+                                    </p:animEffect>
+                                  </p:childTnLst>
+                                </p:cTn>
+                              </p:par>
+                            </p:childTnLst>
+                          </p:cTn>
+                        </p:par>
+                        <p:par>
+                          <p:cTn id="395" fill="hold">
+                            <p:stCondLst>
+                              <p:cond delay="2000"/>
+                            </p:stCondLst>
+                            <p:childTnLst>
+                              <p:par>
+                                <p:cTn id="396" nodeType="afterEffect" fill="hold" presetClass="entr" presetID="49">
+                                  <p:stCondLst>
+                                    <p:cond delay="0"/>
+                                  </p:stCondLst>
+                                  <p:childTnLst>
+                                    <p:set>
+                                      <p:cBhvr>
+                                        <p:cTn id="397" dur="1" fill="hold">
+                                          <p:stCondLst>
+                                            <p:cond delay="0"/>
+                                          </p:stCondLst>
+                                        </p:cTn>
+                                        <p:tgtEl>
+                                          <p:spTgt spid="105"/>
+                                        </p:tgtEl>
+                                        <p:attrNameLst>
+                                          <p:attrName>style.visibility</p:attrName>
+                                        </p:attrNameLst>
+                                      </p:cBhvr>
+                                      <p:to>
+                                        <p:strVal val="visible"/>
+                                      </p:to>
+                                    </p:set>
+                                    <p:anim calcmode="lin" valueType="num">
+                                      <p:cBhvr additive="repl">
+                                        <p:cTn id="398" dur="500" fill="hold"/>
+                                        <p:tgtEl>
+                                          <p:spTgt spid="105"/>
+                                        </p:tgtEl>
+                                        <p:attrNameLst>
+                                          <p:attrName>ppt_w</p:attrName>
+                                        </p:attrNameLst>
+                                      </p:cBhvr>
+                                      <p:tavLst>
+                                        <p:tav tm="0">
+                                          <p:val>
+                                            <p:strVal val="0"/>
+                                          </p:val>
+                                        </p:tav>
+                                        <p:tav tm="100000">
+                                          <p:val>
+                                            <p:strVal val="#ppt_w"/>
+                                          </p:val>
+                                        </p:tav>
+                                      </p:tavLst>
+                                    </p:anim>
+                                    <p:anim calcmode="lin" valueType="num">
+                                      <p:cBhvr additive="repl">
+                                        <p:cTn id="399" dur="500" fill="hold"/>
+                                        <p:tgtEl>
+                                          <p:spTgt spid="105"/>
+                                        </p:tgtEl>
+                                        <p:attrNameLst>
+                                          <p:attrName>ppt_h</p:attrName>
+                                        </p:attrNameLst>
+                                      </p:cBhvr>
+                                      <p:tavLst>
+                                        <p:tav tm="0">
+                                          <p:val>
+                                            <p:strVal val="0"/>
+                                          </p:val>
+                                        </p:tav>
+                                        <p:tav tm="100000">
+                                          <p:val>
+                                            <p:strVal val="#ppt_h"/>
+                                          </p:val>
+                                        </p:tav>
+                                      </p:tavLst>
+                                    </p:anim>
+                                    <p:anim calcmode="lin" valueType="num">
+                                      <p:cBhvr additive="repl">
+                                        <p:cTn id="400" dur="500" fill="hold"/>
+                                        <p:tgtEl>
+                                          <p:spTgt spid="105"/>
+                                        </p:tgtEl>
+                                        <p:attrNameLst>
+                                          <p:attrName>r</p:attrName>
+                                        </p:attrNameLst>
+                                      </p:cBhvr>
+                                      <p:tavLst>
+                                        <p:tav tm="0">
+                                          <p:val>
+                                            <p:strVal val="360"/>
+                                          </p:val>
+                                        </p:tav>
+                                        <p:tav tm="100000">
+                                          <p:val>
+                                            <p:strVal val="0"/>
+                                          </p:val>
+                                        </p:tav>
+                                      </p:tavLst>
+                                    </p:anim>
+                                    <p:animEffect filter="fade" transition="in">
+                                      <p:cBhvr additive="repl">
+                                        <p:cTn id="401" dur="500"/>
+                                        <p:tgtEl>
+                                          <p:spTgt spid="105"/>
+                                        </p:tgtEl>
+                                      </p:cBhvr>
+                                    </p:animEffect>
+                                  </p:childTnLst>
+                                </p:cTn>
+                              </p:par>
+                              <p:par>
+                                <p:cTn id="402" nodeType="withEffect" fill="hold" presetClass="entr" presetID="6" presetSubtype="16">
+                                  <p:stCondLst>
+                                    <p:cond delay="0"/>
+                                  </p:stCondLst>
+                                  <p:childTnLst>
+                                    <p:set>
+                                      <p:cBhvr>
+                                        <p:cTn id="403" dur="1" fill="hold">
+                                          <p:stCondLst>
+                                            <p:cond delay="0"/>
+                                          </p:stCondLst>
+                                        </p:cTn>
+                                        <p:tgtEl>
+                                          <p:spTgt spid="106"/>
+                                        </p:tgtEl>
+                                        <p:attrNameLst>
+                                          <p:attrName>style.visibility</p:attrName>
+                                        </p:attrNameLst>
+                                      </p:cBhvr>
+                                      <p:to>
+                                        <p:strVal val="visible"/>
+                                      </p:to>
+                                    </p:set>
+                                    <p:animEffect filter="circle(in)" transition="in">
+                                      <p:cBhvr additive="repl">
+                                        <p:cTn id="404" dur="2000"/>
+                                        <p:tgtEl>
+                                          <p:spTgt spid="106"/>
+                                        </p:tgtEl>
+                                      </p:cBhvr>
+                                    </p:animEffect>
+                                  </p:childTnLst>
+                                </p:cTn>
+                              </p:par>
+                            </p:childTnLst>
+                          </p:cTn>
+                        </p:par>
+                      </p:childTnLst>
+                    </p:cTn>
+                  </p:par>
+                </p:childTnLst>
+              </p:cTn>
+              <p:prevCondLst>
+                <p:cond delay="0" evt="onPrev">
+                  <p:tgtEl>
+                    <p:sldTgt/>
+                  </p:tgtEl>
+                </p:cond>
+              </p:prevCondLst>
+              <p:nextCondLst>
+                <p:cond delay="0" evt="onNext">
+                  <p:tgtEl>
+                    <p:sldTgt/>
+                  </p:tgtEl>
+                </p:cond>
+              </p:nextCondLst>
+            </p:seq>
+          </p:childTnLst>
+        </p:cTn>
+      </p:par>
+    </p:tnLst>
+  </p:timing>
+</p:sld>
+</file>
+
+<file path=ppt/slides/slide14.xml><?xml version="1.0" encoding="utf-8"?>
+<p:sld xmlns:a="http://schemas.openxmlformats.org/drawingml/2006/main" xmlns:p="http://schemas.openxmlformats.org/presentationml/2006/main" xmlns:r="http://schemas.openxmlformats.org/officeDocument/2006/relationships" xmlns:p14="http://schemas.microsoft.com/office/powerpoint/2010/main" xmlns:p15="http://schemas.microsoft.com/office/powerpoint/2012/main" xmlns:mc="http://schemas.openxmlformats.org/markup-compatibility/2006">
+  <p:cSld>
+    <p:spTree>
+      <p:nvGrpSpPr>
+        <p:cNvPr id="1" name=""/>
+        <p:cNvGrpSpPr/>
+        <p:nvPr/>
+      </p:nvGrpSpPr>
+      <p:grpSpPr>
+        <a:xfrm>
+          <a:off x="0" y="0"/>
+          <a:ext cx="0" cy="0"/>
+          <a:chOff x="0" y="0"/>
+          <a:chExt cx="0" cy="0"/>
+        </a:xfrm>
+      </p:grpSpPr>
+      <p:sp>
+        <p:nvSpPr>
+          <p:cNvPr id="107" name="CustomShape 1"/>
+          <p:cNvSpPr/>
+          <p:nvPr/>
+        </p:nvSpPr>
+        <p:spPr>
+          <a:xfrm>
+            <a:off x="1056960" y="783720"/>
+            <a:ext cx="912600" cy="912600"/>
+          </a:xfrm>
+          <a:prstGeom prst="ellipse">
+            <a:avLst/>
+          </a:prstGeom>
+          <a:solidFill>
+            <a:srgbClr val="00e3e3"/>
+          </a:solidFill>
+          <a:ln>
+            <a:solidFill>
+              <a:srgbClr val="3465a4"/>
+            </a:solidFill>
+          </a:ln>
+          <a:effectLst>
+            <a:outerShdw dir="2700000" dist="143570">
+              <a:srgbClr val="808080"/>
+            </a:outerShdw>
+          </a:effectLst>
+        </p:spPr>
+        <p:style>
+          <a:lnRef idx="0"/>
+          <a:fillRef idx="0"/>
+          <a:effectRef idx="0"/>
+          <a:fontRef idx="minor"/>
+        </p:style>
+        <p:txBody>
+          <a:bodyPr wrap="none" lIns="90000" rIns="90000" tIns="45000" bIns="45000" anchor="ctr"/>
+          <a:p>
+            <a:pPr algn="ctr">
+              <a:lnSpc>
+                <a:spcPct val="100000"/>
+              </a:lnSpc>
+            </a:pPr>
+            <a:r>
+              <a:rPr b="1" lang="en-US" sz="4000" spc="-1" strike="noStrike">
+                <a:solidFill>
+                  <a:srgbClr val="4c4c4c"/>
+                </a:solidFill>
+                <a:latin typeface="Arial"/>
+                <a:ea typeface="DejaVu Sans"/>
+              </a:rPr>
+              <a:t>9.4</a:t>
+            </a:r>
+            <a:endParaRPr b="0" lang="en-US" sz="4000" spc="-1" strike="noStrike">
+              <a:latin typeface="Arial"/>
+            </a:endParaRPr>
+          </a:p>
+        </p:txBody>
+      </p:sp>
+      <p:sp>
+        <p:nvSpPr>
+          <p:cNvPr id="108" name="CustomShape 2"/>
+          <p:cNvSpPr/>
+          <p:nvPr/>
+        </p:nvSpPr>
+        <p:spPr>
+          <a:xfrm>
+            <a:off x="2023920" y="783720"/>
+            <a:ext cx="5616360" cy="838800"/>
+          </a:xfrm>
+          <a:custGeom>
+            <a:avLst/>
+            <a:gdLst/>
+            <a:ahLst/>
+            <a:rect l="l" t="t" r="r" b="b"/>
+            <a:pathLst>
+              <a:path w="15608" h="2337">
+                <a:moveTo>
+                  <a:pt x="15607" y="0"/>
+                </a:moveTo>
+                <a:lnTo>
+                  <a:pt x="572" y="0"/>
+                </a:lnTo>
+                <a:lnTo>
+                  <a:pt x="0" y="1168"/>
+                </a:lnTo>
+                <a:lnTo>
+                  <a:pt x="572" y="2336"/>
+                </a:lnTo>
+                <a:lnTo>
+                  <a:pt x="15607" y="2336"/>
+                </a:lnTo>
+                <a:lnTo>
+                  <a:pt x="15607" y="0"/>
+                </a:lnTo>
+              </a:path>
+            </a:pathLst>
+          </a:custGeom>
+          <a:solidFill>
+            <a:srgbClr val="72bf44"/>
+          </a:solidFill>
+          <a:ln>
+            <a:solidFill>
+              <a:srgbClr val="3465a4"/>
+            </a:solidFill>
+          </a:ln>
+          <a:effectLst>
+            <a:outerShdw dir="2700000" dist="143570">
+              <a:srgbClr val="808080"/>
+            </a:outerShdw>
+          </a:effectLst>
+        </p:spPr>
+        <p:style>
+          <a:lnRef idx="0"/>
+          <a:fillRef idx="0"/>
+          <a:effectRef idx="0"/>
+          <a:fontRef idx="minor"/>
+        </p:style>
+        <p:txBody>
+          <a:bodyPr wrap="none" lIns="90000" rIns="90000" tIns="45000" bIns="45000" anchor="ctr"/>
+          <a:p>
+            <a:pPr algn="ctr">
+              <a:lnSpc>
+                <a:spcPct val="100000"/>
+              </a:lnSpc>
+            </a:pPr>
+            <a:r>
+              <a:rPr b="1" lang="en-US" sz="3600" spc="-1" strike="noStrike">
+                <a:solidFill>
+                  <a:srgbClr val="ffffff"/>
+                </a:solidFill>
+                <a:latin typeface="Cantarell"/>
+                <a:ea typeface="DejaVu Sans"/>
+              </a:rPr>
+              <a:t>Sreen shots of project</a:t>
+            </a:r>
+            <a:endParaRPr b="0" lang="en-US" sz="3600" spc="-1" strike="noStrike">
+              <a:latin typeface="Arial"/>
+            </a:endParaRPr>
+          </a:p>
+        </p:txBody>
+      </p:sp>
+      <p:sp>
+        <p:nvSpPr>
+          <p:cNvPr id="109" name="CustomShape 3"/>
+          <p:cNvSpPr/>
+          <p:nvPr/>
+        </p:nvSpPr>
+        <p:spPr>
+          <a:xfrm>
+            <a:off x="494280" y="3054600"/>
+            <a:ext cx="2102760" cy="1828440"/>
+          </a:xfrm>
+          <a:custGeom>
+            <a:avLst/>
+            <a:gdLst/>
+            <a:ahLst/>
+            <a:rect l="l" t="t" r="r" b="b"/>
+            <a:pathLst>
+              <a:path w="5844" h="5082">
+                <a:moveTo>
+                  <a:pt x="0" y="1270"/>
+                </a:moveTo>
+                <a:lnTo>
+                  <a:pt x="4382" y="1270"/>
+                </a:lnTo>
+                <a:lnTo>
+                  <a:pt x="4382" y="0"/>
+                </a:lnTo>
+                <a:lnTo>
+                  <a:pt x="5843" y="2540"/>
+                </a:lnTo>
+                <a:lnTo>
+                  <a:pt x="4382" y="5081"/>
+                </a:lnTo>
+                <a:lnTo>
+                  <a:pt x="4382" y="3810"/>
+                </a:lnTo>
+                <a:lnTo>
+                  <a:pt x="0" y="3810"/>
+                </a:lnTo>
+                <a:lnTo>
+                  <a:pt x="0" y="1270"/>
+                </a:lnTo>
+              </a:path>
+            </a:pathLst>
+          </a:custGeom>
+          <a:solidFill>
+            <a:srgbClr val="009e4f"/>
+          </a:solidFill>
+          <a:ln>
+            <a:solidFill>
+              <a:srgbClr val="3465a4"/>
+            </a:solidFill>
+          </a:ln>
+          <a:effectLst>
+            <a:outerShdw dir="2700000" dist="101823">
+              <a:srgbClr val="808080"/>
+            </a:outerShdw>
+          </a:effectLst>
+        </p:spPr>
+        <p:style>
+          <a:lnRef idx="0"/>
+          <a:fillRef idx="0"/>
+          <a:effectRef idx="0"/>
+          <a:fontRef idx="minor"/>
+        </p:style>
+        <p:txBody>
+          <a:bodyPr wrap="none" lIns="90000" rIns="90000" tIns="45000" bIns="45000" anchor="ctr"/>
+          <a:p>
+            <a:pPr algn="ctr">
+              <a:lnSpc>
+                <a:spcPct val="100000"/>
+              </a:lnSpc>
+            </a:pPr>
+            <a:r>
+              <a:rPr b="0" lang="en-US" sz="2000" spc="-1" strike="noStrike">
+                <a:solidFill>
+                  <a:srgbClr val="ffffff"/>
+                </a:solidFill>
+                <a:latin typeface="Arial"/>
+                <a:ea typeface="DejaVu Sans"/>
+              </a:rPr>
+              <a:t>No. of move</a:t>
+            </a:r>
+            <a:endParaRPr b="0" lang="en-US" sz="2000" spc="-1" strike="noStrike">
+              <a:latin typeface="Arial"/>
+            </a:endParaRPr>
+          </a:p>
+        </p:txBody>
+      </p:sp>
+      <p:pic>
+        <p:nvPicPr>
+          <p:cNvPr id="110" name="" descr=""/>
+          <p:cNvPicPr/>
+          <p:nvPr/>
+        </p:nvPicPr>
+        <p:blipFill>
+          <a:blip r:embed="rId1"/>
+          <a:stretch/>
+        </p:blipFill>
+        <p:spPr>
+          <a:xfrm>
+            <a:off x="3741840" y="3623760"/>
+            <a:ext cx="3938760" cy="765000"/>
+          </a:xfrm>
+          <a:prstGeom prst="rect">
+            <a:avLst/>
+          </a:prstGeom>
+          <a:ln>
+            <a:noFill/>
+          </a:ln>
+        </p:spPr>
+      </p:pic>
+    </p:spTree>
+  </p:cSld>
+  <p:transition spd="med">
+    <p:wedge/>
+  </p:transition>
+  <p:timing>
+    <p:tnLst>
+      <p:par>
+        <p:cTn id="405" dur="indefinite" restart="never" nodeType="tmRoot">
+          <p:childTnLst>
+            <p:seq>
+              <p:cTn id="406" dur="indefinite" nodeType="mainSeq">
+                <p:childTnLst>
+                  <p:par>
+                    <p:cTn id="407" fill="hold">
+                      <p:stCondLst>
+                        <p:cond delay="indefinite"/>
+                      </p:stCondLst>
+                      <p:childTnLst>
+                        <p:par>
+                          <p:cTn id="408" fill="hold">
+                            <p:stCondLst>
+                              <p:cond delay="0"/>
+                            </p:stCondLst>
+                            <p:childTnLst>
+                              <p:par>
+                                <p:cTn id="409" nodeType="clickEffect" fill="hold" presetClass="entr" presetID="2" presetSubtype="4">
+                                  <p:stCondLst>
+                                    <p:cond delay="0"/>
+                                  </p:stCondLst>
+                                  <p:childTnLst>
+                                    <p:set>
+                                      <p:cBhvr>
+                                        <p:cTn id="410" dur="1" fill="hold">
+                                          <p:stCondLst>
+                                            <p:cond delay="0"/>
+                                          </p:stCondLst>
+                                        </p:cTn>
+                                        <p:tgtEl>
+                                          <p:spTgt spid="107"/>
+                                        </p:tgtEl>
+                                        <p:attrNameLst>
+                                          <p:attrName>style.visibility</p:attrName>
+                                        </p:attrNameLst>
+                                      </p:cBhvr>
+                                      <p:to>
+                                        <p:strVal val="visible"/>
+                                      </p:to>
+                                    </p:set>
+                                    <p:anim calcmode="lin" valueType="num">
+                                      <p:cBhvr additive="repl">
+                                        <p:cTn id="411" dur="500" fill="hold"/>
+                                        <p:tgtEl>
+                                          <p:spTgt spid="107"/>
+                                        </p:tgtEl>
+                                        <p:attrNameLst>
+                                          <p:attrName>ppt_x</p:attrName>
+                                        </p:attrNameLst>
+                                      </p:cBhvr>
+                                      <p:tavLst>
+                                        <p:tav tm="0">
+                                          <p:val>
+                                            <p:strVal val="#ppt_x"/>
+                                          </p:val>
+                                        </p:tav>
+                                        <p:tav tm="100000">
+                                          <p:val>
+                                            <p:strVal val="#ppt_x"/>
+                                          </p:val>
+                                        </p:tav>
+                                      </p:tavLst>
+                                    </p:anim>
+                                    <p:anim calcmode="lin" valueType="num">
+                                      <p:cBhvr additive="repl">
+                                        <p:cTn id="412" dur="500" fill="hold"/>
+                                        <p:tgtEl>
+                                          <p:spTgt spid="107"/>
+                                        </p:tgtEl>
+                                        <p:attrNameLst>
+                                          <p:attrName>ppt_y</p:attrName>
+                                        </p:attrNameLst>
+                                      </p:cBhvr>
+                                      <p:tavLst>
+                                        <p:tav tm="0">
+                                          <p:val>
+                                            <p:strVal val="1+#ppt_h/2"/>
+                                          </p:val>
+                                        </p:tav>
+                                        <p:tav tm="100000">
+                                          <p:val>
+                                            <p:strVal val="#ppt_y"/>
+                                          </p:val>
+                                        </p:tav>
+                                      </p:tavLst>
+                                    </p:anim>
+                                  </p:childTnLst>
+                                </p:cTn>
+                              </p:par>
+                              <p:par>
+                                <p:cTn id="413" nodeType="withEffect" fill="hold" presetClass="entr" presetID="6" presetSubtype="16">
+                                  <p:stCondLst>
+                                    <p:cond delay="0"/>
+                                  </p:stCondLst>
+                                  <p:childTnLst>
+                                    <p:set>
+                                      <p:cBhvr>
+                                        <p:cTn id="414" dur="1" fill="hold">
+                                          <p:stCondLst>
+                                            <p:cond delay="0"/>
+                                          </p:stCondLst>
+                                        </p:cTn>
+                                        <p:tgtEl>
+                                          <p:spTgt spid="108"/>
+                                        </p:tgtEl>
+                                        <p:attrNameLst>
+                                          <p:attrName>style.visibility</p:attrName>
+                                        </p:attrNameLst>
+                                      </p:cBhvr>
+                                      <p:to>
+                                        <p:strVal val="visible"/>
+                                      </p:to>
+                                    </p:set>
+                                    <p:animEffect filter="circle(in)" transition="in">
+                                      <p:cBhvr additive="repl">
+                                        <p:cTn id="415" dur="2000"/>
+                                        <p:tgtEl>
+                                          <p:spTgt spid="108"/>
+                                        </p:tgtEl>
+                                      </p:cBhvr>
+                                    </p:animEffect>
+                                  </p:childTnLst>
+                                </p:cTn>
+                              </p:par>
+                            </p:childTnLst>
+                          </p:cTn>
+                        </p:par>
+                        <p:par>
+                          <p:cTn id="416" fill="hold">
+                            <p:stCondLst>
+                              <p:cond delay="2000"/>
+                            </p:stCondLst>
+                            <p:childTnLst>
+                              <p:par>
+                                <p:cTn id="417" nodeType="afterEffect" fill="hold" presetClass="entr" presetID="49">
+                                  <p:stCondLst>
+                                    <p:cond delay="0"/>
+                                  </p:stCondLst>
+                                  <p:childTnLst>
+                                    <p:set>
+                                      <p:cBhvr>
+                                        <p:cTn id="418" dur="1" fill="hold">
+                                          <p:stCondLst>
+                                            <p:cond delay="0"/>
+                                          </p:stCondLst>
+                                        </p:cTn>
+                                        <p:tgtEl>
+                                          <p:spTgt spid="109"/>
+                                        </p:tgtEl>
+                                        <p:attrNameLst>
+                                          <p:attrName>style.visibility</p:attrName>
+                                        </p:attrNameLst>
+                                      </p:cBhvr>
+                                      <p:to>
+                                        <p:strVal val="visible"/>
+                                      </p:to>
+                                    </p:set>
+                                    <p:anim calcmode="lin" valueType="num">
+                                      <p:cBhvr additive="repl">
+                                        <p:cTn id="419" dur="500" fill="hold"/>
+                                        <p:tgtEl>
+                                          <p:spTgt spid="109"/>
+                                        </p:tgtEl>
+                                        <p:attrNameLst>
+                                          <p:attrName>ppt_w</p:attrName>
+                                        </p:attrNameLst>
+                                      </p:cBhvr>
+                                      <p:tavLst>
+                                        <p:tav tm="0">
+                                          <p:val>
+                                            <p:strVal val="0"/>
+                                          </p:val>
+                                        </p:tav>
+                                        <p:tav tm="100000">
+                                          <p:val>
+                                            <p:strVal val="#ppt_w"/>
+                                          </p:val>
+                                        </p:tav>
+                                      </p:tavLst>
+                                    </p:anim>
+                                    <p:anim calcmode="lin" valueType="num">
+                                      <p:cBhvr additive="repl">
+                                        <p:cTn id="420" dur="500" fill="hold"/>
+                                        <p:tgtEl>
+                                          <p:spTgt spid="109"/>
+                                        </p:tgtEl>
+                                        <p:attrNameLst>
+                                          <p:attrName>ppt_h</p:attrName>
+                                        </p:attrNameLst>
+                                      </p:cBhvr>
+                                      <p:tavLst>
+                                        <p:tav tm="0">
+                                          <p:val>
+                                            <p:strVal val="0"/>
+                                          </p:val>
+                                        </p:tav>
+                                        <p:tav tm="100000">
+                                          <p:val>
+                                            <p:strVal val="#ppt_h"/>
+                                          </p:val>
+                                        </p:tav>
+                                      </p:tavLst>
+                                    </p:anim>
+                                    <p:anim calcmode="lin" valueType="num">
+                                      <p:cBhvr additive="repl">
+                                        <p:cTn id="421" dur="500" fill="hold"/>
+                                        <p:tgtEl>
+                                          <p:spTgt spid="109"/>
+                                        </p:tgtEl>
+                                        <p:attrNameLst>
+                                          <p:attrName>r</p:attrName>
+                                        </p:attrNameLst>
+                                      </p:cBhvr>
+                                      <p:tavLst>
+                                        <p:tav tm="0">
+                                          <p:val>
+                                            <p:strVal val="360"/>
+                                          </p:val>
+                                        </p:tav>
+                                        <p:tav tm="100000">
+                                          <p:val>
+                                            <p:strVal val="0"/>
+                                          </p:val>
+                                        </p:tav>
+                                      </p:tavLst>
+                                    </p:anim>
+                                    <p:animEffect filter="fade" transition="in">
+                                      <p:cBhvr additive="repl">
+                                        <p:cTn id="422" dur="500"/>
+                                        <p:tgtEl>
+                                          <p:spTgt spid="109"/>
+                                        </p:tgtEl>
+                                      </p:cBhvr>
+                                    </p:animEffect>
+                                  </p:childTnLst>
+                                </p:cTn>
+                              </p:par>
+                              <p:par>
+                                <p:cTn id="423" nodeType="withEffect" fill="hold" presetClass="entr" presetID="6" presetSubtype="16">
+                                  <p:stCondLst>
+                                    <p:cond delay="0"/>
+                                  </p:stCondLst>
+                                  <p:childTnLst>
+                                    <p:set>
+                                      <p:cBhvr>
+                                        <p:cTn id="424" dur="1" fill="hold">
+                                          <p:stCondLst>
+                                            <p:cond delay="0"/>
+                                          </p:stCondLst>
+                                        </p:cTn>
+                                        <p:tgtEl>
+                                          <p:spTgt spid="110"/>
+                                        </p:tgtEl>
+                                        <p:attrNameLst>
+                                          <p:attrName>style.visibility</p:attrName>
+                                        </p:attrNameLst>
+                                      </p:cBhvr>
+                                      <p:to>
+                                        <p:strVal val="visible"/>
+                                      </p:to>
+                                    </p:set>
+                                    <p:animEffect filter="circle(in)" transition="in">
+                                      <p:cBhvr additive="repl">
+                                        <p:cTn id="425" dur="2000"/>
+                                        <p:tgtEl>
+                                          <p:spTgt spid="110"/>
+                                        </p:tgtEl>
+                                      </p:cBhvr>
+                                    </p:animEffect>
+                                  </p:childTnLst>
+                                </p:cTn>
+                              </p:par>
+                            </p:childTnLst>
+                          </p:cTn>
+                        </p:par>
+                      </p:childTnLst>
+                    </p:cTn>
+                  </p:par>
+                </p:childTnLst>
+              </p:cTn>
+              <p:prevCondLst>
+                <p:cond delay="0" evt="onPrev">
+                  <p:tgtEl>
+                    <p:sldTgt/>
+                  </p:tgtEl>
+                </p:cond>
+              </p:prevCondLst>
+              <p:nextCondLst>
+                <p:cond delay="0" evt="onNext">
+                  <p:tgtEl>
+                    <p:sldTgt/>
+                  </p:tgtEl>
+                </p:cond>
+              </p:nextCondLst>
+            </p:seq>
+          </p:childTnLst>
+        </p:cTn>
+      </p:par>
+    </p:tnLst>
+  </p:timing>
+</p:sld>
+</file>
+
+<file path=ppt/slides/slide15.xml><?xml version="1.0" encoding="utf-8"?>
+<p:sld xmlns:a="http://schemas.openxmlformats.org/drawingml/2006/main" xmlns:p="http://schemas.openxmlformats.org/presentationml/2006/main" xmlns:r="http://schemas.openxmlformats.org/officeDocument/2006/relationships" xmlns:p14="http://schemas.microsoft.com/office/powerpoint/2010/main" xmlns:p15="http://schemas.microsoft.com/office/powerpoint/2012/main" xmlns:mc="http://schemas.openxmlformats.org/markup-compatibility/2006">
+  <p:cSld>
+    <p:spTree>
+      <p:nvGrpSpPr>
+        <p:cNvPr id="1" name=""/>
+        <p:cNvGrpSpPr/>
+        <p:nvPr/>
+      </p:nvGrpSpPr>
+      <p:grpSpPr>
+        <a:xfrm>
+          <a:off x="0" y="0"/>
+          <a:ext cx="0" cy="0"/>
+          <a:chOff x="0" y="0"/>
+          <a:chExt cx="0" cy="0"/>
+        </a:xfrm>
+      </p:grpSpPr>
+      <p:sp>
+        <p:nvSpPr>
+          <p:cNvPr id="111" name="CustomShape 1"/>
+          <p:cNvSpPr/>
+          <p:nvPr/>
+        </p:nvSpPr>
+        <p:spPr>
+          <a:xfrm>
+            <a:off x="1108080" y="834480"/>
+            <a:ext cx="912600" cy="912600"/>
+          </a:xfrm>
+          <a:prstGeom prst="ellipse">
+            <a:avLst/>
+          </a:prstGeom>
+          <a:solidFill>
+            <a:srgbClr val="00e3e3"/>
+          </a:solidFill>
+          <a:ln>
+            <a:solidFill>
+              <a:srgbClr val="3465a4"/>
+            </a:solidFill>
+          </a:ln>
+          <a:effectLst>
+            <a:outerShdw dir="2700000" dist="143570">
+              <a:srgbClr val="808080"/>
+            </a:outerShdw>
+          </a:effectLst>
+        </p:spPr>
+        <p:style>
+          <a:lnRef idx="0"/>
+          <a:fillRef idx="0"/>
+          <a:effectRef idx="0"/>
+          <a:fontRef idx="minor"/>
+        </p:style>
+        <p:txBody>
+          <a:bodyPr wrap="none" lIns="90000" rIns="90000" tIns="45000" bIns="45000" anchor="ctr"/>
+          <a:p>
+            <a:pPr algn="ctr">
+              <a:lnSpc>
+                <a:spcPct val="100000"/>
+              </a:lnSpc>
+            </a:pPr>
+            <a:r>
+              <a:rPr b="1" lang="en-US" sz="4000" spc="-1" strike="noStrike">
+                <a:solidFill>
+                  <a:srgbClr val="4c4c4c"/>
+                </a:solidFill>
+                <a:latin typeface="Arial"/>
+                <a:ea typeface="DejaVu Sans"/>
+              </a:rPr>
+              <a:t>9.5</a:t>
+            </a:r>
+            <a:endParaRPr b="0" lang="en-US" sz="4000" spc="-1" strike="noStrike">
+              <a:latin typeface="Arial"/>
+            </a:endParaRPr>
+          </a:p>
+        </p:txBody>
+      </p:sp>
+      <p:sp>
+        <p:nvSpPr>
+          <p:cNvPr id="112" name="CustomShape 2"/>
+          <p:cNvSpPr/>
+          <p:nvPr/>
+        </p:nvSpPr>
+        <p:spPr>
+          <a:xfrm>
+            <a:off x="2075040" y="834480"/>
+            <a:ext cx="5616360" cy="838800"/>
+          </a:xfrm>
+          <a:custGeom>
+            <a:avLst/>
+            <a:gdLst/>
+            <a:ahLst/>
+            <a:rect l="l" t="t" r="r" b="b"/>
+            <a:pathLst>
+              <a:path w="15608" h="2337">
+                <a:moveTo>
+                  <a:pt x="15607" y="0"/>
+                </a:moveTo>
+                <a:lnTo>
+                  <a:pt x="572" y="0"/>
+                </a:lnTo>
+                <a:lnTo>
+                  <a:pt x="0" y="1168"/>
+                </a:lnTo>
+                <a:lnTo>
+                  <a:pt x="572" y="2336"/>
+                </a:lnTo>
+                <a:lnTo>
+                  <a:pt x="15607" y="2336"/>
+                </a:lnTo>
+                <a:lnTo>
+                  <a:pt x="15607" y="0"/>
+                </a:lnTo>
+              </a:path>
+            </a:pathLst>
+          </a:custGeom>
+          <a:solidFill>
+            <a:srgbClr val="72bf44"/>
+          </a:solidFill>
+          <a:ln>
+            <a:solidFill>
+              <a:srgbClr val="3465a4"/>
+            </a:solidFill>
+          </a:ln>
+          <a:effectLst>
+            <a:outerShdw dir="2700000" dist="143570">
+              <a:srgbClr val="808080"/>
+            </a:outerShdw>
+          </a:effectLst>
+        </p:spPr>
+        <p:style>
+          <a:lnRef idx="0"/>
+          <a:fillRef idx="0"/>
+          <a:effectRef idx="0"/>
+          <a:fontRef idx="minor"/>
+        </p:style>
+        <p:txBody>
+          <a:bodyPr wrap="none" lIns="90000" rIns="90000" tIns="45000" bIns="45000" anchor="ctr"/>
+          <a:p>
+            <a:pPr algn="ctr">
+              <a:lnSpc>
+                <a:spcPct val="100000"/>
+              </a:lnSpc>
+            </a:pPr>
+            <a:r>
+              <a:rPr b="1" lang="en-US" sz="3600" spc="-1" strike="noStrike">
+                <a:solidFill>
+                  <a:srgbClr val="ffffff"/>
+                </a:solidFill>
+                <a:latin typeface="Cantarell"/>
+                <a:ea typeface="DejaVu Sans"/>
+              </a:rPr>
+              <a:t>Sreen shots of project</a:t>
+            </a:r>
+            <a:endParaRPr b="0" lang="en-US" sz="3600" spc="-1" strike="noStrike">
+              <a:latin typeface="Arial"/>
+            </a:endParaRPr>
+          </a:p>
+        </p:txBody>
+      </p:sp>
+      <p:sp>
+        <p:nvSpPr>
+          <p:cNvPr id="113" name="CustomShape 3"/>
+          <p:cNvSpPr/>
+          <p:nvPr/>
+        </p:nvSpPr>
+        <p:spPr>
+          <a:xfrm>
+            <a:off x="530640" y="3090960"/>
+            <a:ext cx="2102760" cy="1828440"/>
+          </a:xfrm>
+          <a:custGeom>
+            <a:avLst/>
+            <a:gdLst/>
+            <a:ahLst/>
+            <a:rect l="l" t="t" r="r" b="b"/>
+            <a:pathLst>
+              <a:path w="5844" h="5082">
+                <a:moveTo>
+                  <a:pt x="0" y="1270"/>
+                </a:moveTo>
+                <a:lnTo>
+                  <a:pt x="4382" y="1270"/>
+                </a:lnTo>
+                <a:lnTo>
+                  <a:pt x="4382" y="0"/>
+                </a:lnTo>
+                <a:lnTo>
+                  <a:pt x="5843" y="2540"/>
+                </a:lnTo>
+                <a:lnTo>
+                  <a:pt x="4382" y="5081"/>
+                </a:lnTo>
+                <a:lnTo>
+                  <a:pt x="4382" y="3810"/>
+                </a:lnTo>
+                <a:lnTo>
+                  <a:pt x="0" y="3810"/>
+                </a:lnTo>
+                <a:lnTo>
+                  <a:pt x="0" y="1270"/>
+                </a:lnTo>
+              </a:path>
+            </a:pathLst>
+          </a:custGeom>
+          <a:solidFill>
+            <a:srgbClr val="009e4f"/>
+          </a:solidFill>
+          <a:ln>
+            <a:solidFill>
+              <a:srgbClr val="3465a4"/>
+            </a:solidFill>
+          </a:ln>
+          <a:effectLst>
+            <a:outerShdw dir="2700000" dist="101823">
+              <a:srgbClr val="808080"/>
+            </a:outerShdw>
+          </a:effectLst>
+        </p:spPr>
+        <p:style>
+          <a:lnRef idx="0"/>
+          <a:fillRef idx="0"/>
+          <a:effectRef idx="0"/>
+          <a:fontRef idx="minor"/>
+        </p:style>
+        <p:txBody>
+          <a:bodyPr wrap="none" lIns="90000" rIns="90000" tIns="45000" bIns="45000" anchor="ctr"/>
+          <a:p>
+            <a:pPr algn="ctr">
+              <a:lnSpc>
+                <a:spcPct val="100000"/>
+              </a:lnSpc>
+            </a:pPr>
+            <a:r>
+              <a:rPr b="0" lang="en-US" sz="2000" spc="-1" strike="noStrike">
+                <a:solidFill>
+                  <a:srgbClr val="ffffff"/>
+                </a:solidFill>
+                <a:latin typeface="Arial"/>
+                <a:ea typeface="DejaVu Sans"/>
+              </a:rPr>
+              <a:t>About me</a:t>
+            </a:r>
+            <a:endParaRPr b="0" lang="en-US" sz="2000" spc="-1" strike="noStrike">
+              <a:latin typeface="Arial"/>
+            </a:endParaRPr>
+          </a:p>
+        </p:txBody>
+      </p:sp>
+      <p:pic>
+        <p:nvPicPr>
+          <p:cNvPr id="114" name="" descr=""/>
+          <p:cNvPicPr/>
+          <p:nvPr/>
+        </p:nvPicPr>
+        <p:blipFill>
+          <a:blip r:embed="rId1"/>
+          <a:stretch/>
+        </p:blipFill>
+        <p:spPr>
+          <a:xfrm>
+            <a:off x="2834640" y="2377440"/>
+            <a:ext cx="4937400" cy="3513960"/>
+          </a:xfrm>
+          <a:prstGeom prst="rect">
+            <a:avLst/>
+          </a:prstGeom>
+          <a:ln>
+            <a:noFill/>
+          </a:ln>
+        </p:spPr>
+      </p:pic>
+    </p:spTree>
+  </p:cSld>
+  <p:transition spd="med">
+    <p:wedge/>
+  </p:transition>
+  <p:timing>
+    <p:tnLst>
+      <p:par>
+        <p:cTn id="426" dur="indefinite" restart="never" nodeType="tmRoot">
+          <p:childTnLst>
+            <p:seq>
+              <p:cTn id="427" dur="indefinite" nodeType="mainSeq">
+                <p:childTnLst>
+                  <p:par>
+                    <p:cTn id="428" fill="hold">
+                      <p:stCondLst>
+                        <p:cond delay="indefinite"/>
+                      </p:stCondLst>
+                      <p:childTnLst>
+                        <p:par>
+                          <p:cTn id="429" fill="hold">
+                            <p:stCondLst>
+                              <p:cond delay="0"/>
+                            </p:stCondLst>
+                            <p:childTnLst>
+                              <p:par>
+                                <p:cTn id="430" nodeType="clickEffect" fill="hold" presetClass="entr" presetID="2" presetSubtype="4">
+                                  <p:stCondLst>
+                                    <p:cond delay="0"/>
+                                  </p:stCondLst>
+                                  <p:childTnLst>
+                                    <p:set>
+                                      <p:cBhvr>
+                                        <p:cTn id="431" dur="1" fill="hold">
+                                          <p:stCondLst>
+                                            <p:cond delay="0"/>
+                                          </p:stCondLst>
+                                        </p:cTn>
+                                        <p:tgtEl>
+                                          <p:spTgt spid="111"/>
+                                        </p:tgtEl>
+                                        <p:attrNameLst>
+                                          <p:attrName>style.visibility</p:attrName>
+                                        </p:attrNameLst>
+                                      </p:cBhvr>
+                                      <p:to>
+                                        <p:strVal val="visible"/>
+                                      </p:to>
+                                    </p:set>
+                                    <p:anim calcmode="lin" valueType="num">
+                                      <p:cBhvr additive="repl">
+                                        <p:cTn id="432" dur="500" fill="hold"/>
+                                        <p:tgtEl>
+                                          <p:spTgt spid="111"/>
+                                        </p:tgtEl>
+                                        <p:attrNameLst>
+                                          <p:attrName>ppt_x</p:attrName>
+                                        </p:attrNameLst>
+                                      </p:cBhvr>
+                                      <p:tavLst>
+                                        <p:tav tm="0">
+                                          <p:val>
+                                            <p:strVal val="#ppt_x"/>
+                                          </p:val>
+                                        </p:tav>
+                                        <p:tav tm="100000">
+                                          <p:val>
+                                            <p:strVal val="#ppt_x"/>
+                                          </p:val>
+                                        </p:tav>
+                                      </p:tavLst>
+                                    </p:anim>
+                                    <p:anim calcmode="lin" valueType="num">
+                                      <p:cBhvr additive="repl">
+                                        <p:cTn id="433" dur="500" fill="hold"/>
+                                        <p:tgtEl>
+                                          <p:spTgt spid="111"/>
+                                        </p:tgtEl>
+                                        <p:attrNameLst>
+                                          <p:attrName>ppt_y</p:attrName>
+                                        </p:attrNameLst>
+                                      </p:cBhvr>
+                                      <p:tavLst>
+                                        <p:tav tm="0">
+                                          <p:val>
+                                            <p:strVal val="1+#ppt_h/2"/>
+                                          </p:val>
+                                        </p:tav>
+                                        <p:tav tm="100000">
+                                          <p:val>
+                                            <p:strVal val="#ppt_y"/>
+                                          </p:val>
+                                        </p:tav>
+                                      </p:tavLst>
+                                    </p:anim>
+                                  </p:childTnLst>
+                                </p:cTn>
+                              </p:par>
+                              <p:par>
+                                <p:cTn id="434" nodeType="withEffect" fill="hold" presetClass="entr" presetID="6" presetSubtype="16">
+                                  <p:stCondLst>
+                                    <p:cond delay="0"/>
+                                  </p:stCondLst>
+                                  <p:childTnLst>
+                                    <p:set>
+                                      <p:cBhvr>
+                                        <p:cTn id="435" dur="1" fill="hold">
+                                          <p:stCondLst>
+                                            <p:cond delay="0"/>
+                                          </p:stCondLst>
+                                        </p:cTn>
+                                        <p:tgtEl>
+                                          <p:spTgt spid="112"/>
+                                        </p:tgtEl>
+                                        <p:attrNameLst>
+                                          <p:attrName>style.visibility</p:attrName>
+                                        </p:attrNameLst>
+                                      </p:cBhvr>
+                                      <p:to>
+                                        <p:strVal val="visible"/>
+                                      </p:to>
+                                    </p:set>
+                                    <p:animEffect filter="circle(in)" transition="in">
+                                      <p:cBhvr additive="repl">
+                                        <p:cTn id="436" dur="2000"/>
+                                        <p:tgtEl>
+                                          <p:spTgt spid="112"/>
+                                        </p:tgtEl>
+                                      </p:cBhvr>
+                                    </p:animEffect>
+                                  </p:childTnLst>
+                                </p:cTn>
+                              </p:par>
+                            </p:childTnLst>
+                          </p:cTn>
+                        </p:par>
+                        <p:par>
+                          <p:cTn id="437" fill="hold">
+                            <p:stCondLst>
+                              <p:cond delay="2000"/>
+                            </p:stCondLst>
+                            <p:childTnLst>
+                              <p:par>
+                                <p:cTn id="438" nodeType="afterEffect" fill="hold" presetClass="entr" presetID="49">
+                                  <p:stCondLst>
+                                    <p:cond delay="0"/>
+                                  </p:stCondLst>
+                                  <p:childTnLst>
+                                    <p:set>
+                                      <p:cBhvr>
+                                        <p:cTn id="439" dur="1" fill="hold">
+                                          <p:stCondLst>
+                                            <p:cond delay="0"/>
+                                          </p:stCondLst>
+                                        </p:cTn>
+                                        <p:tgtEl>
+                                          <p:spTgt spid="113"/>
+                                        </p:tgtEl>
+                                        <p:attrNameLst>
+                                          <p:attrName>style.visibility</p:attrName>
+                                        </p:attrNameLst>
+                                      </p:cBhvr>
+                                      <p:to>
+                                        <p:strVal val="visible"/>
+                                      </p:to>
+                                    </p:set>
+                                    <p:anim calcmode="lin" valueType="num">
+                                      <p:cBhvr additive="repl">
+                                        <p:cTn id="440" dur="500" fill="hold"/>
+                                        <p:tgtEl>
+                                          <p:spTgt spid="113"/>
+                                        </p:tgtEl>
+                                        <p:attrNameLst>
+                                          <p:attrName>ppt_w</p:attrName>
+                                        </p:attrNameLst>
+                                      </p:cBhvr>
+                                      <p:tavLst>
+                                        <p:tav tm="0">
+                                          <p:val>
+                                            <p:strVal val="0"/>
+                                          </p:val>
+                                        </p:tav>
+                                        <p:tav tm="100000">
+                                          <p:val>
+                                            <p:strVal val="#ppt_w"/>
+                                          </p:val>
+                                        </p:tav>
+                                      </p:tavLst>
+                                    </p:anim>
+                                    <p:anim calcmode="lin" valueType="num">
+                                      <p:cBhvr additive="repl">
+                                        <p:cTn id="441" dur="500" fill="hold"/>
+                                        <p:tgtEl>
+                                          <p:spTgt spid="113"/>
+                                        </p:tgtEl>
+                                        <p:attrNameLst>
+                                          <p:attrName>ppt_h</p:attrName>
+                                        </p:attrNameLst>
+                                      </p:cBhvr>
+                                      <p:tavLst>
+                                        <p:tav tm="0">
+                                          <p:val>
+                                            <p:strVal val="0"/>
+                                          </p:val>
+                                        </p:tav>
+                                        <p:tav tm="100000">
+                                          <p:val>
+                                            <p:strVal val="#ppt_h"/>
+                                          </p:val>
+                                        </p:tav>
+                                      </p:tavLst>
+                                    </p:anim>
+                                    <p:anim calcmode="lin" valueType="num">
+                                      <p:cBhvr additive="repl">
+                                        <p:cTn id="442" dur="500" fill="hold"/>
+                                        <p:tgtEl>
+                                          <p:spTgt spid="113"/>
+                                        </p:tgtEl>
+                                        <p:attrNameLst>
+                                          <p:attrName>r</p:attrName>
+                                        </p:attrNameLst>
+                                      </p:cBhvr>
+                                      <p:tavLst>
+                                        <p:tav tm="0">
+                                          <p:val>
+                                            <p:strVal val="360"/>
+                                          </p:val>
+                                        </p:tav>
+                                        <p:tav tm="100000">
+                                          <p:val>
+                                            <p:strVal val="0"/>
+                                          </p:val>
+                                        </p:tav>
+                                      </p:tavLst>
+                                    </p:anim>
+                                    <p:animEffect filter="fade" transition="in">
+                                      <p:cBhvr additive="repl">
+                                        <p:cTn id="443" dur="500"/>
+                                        <p:tgtEl>
+                                          <p:spTgt spid="113"/>
+                                        </p:tgtEl>
+                                      </p:cBhvr>
+                                    </p:animEffect>
+                                  </p:childTnLst>
+                                </p:cTn>
+                              </p:par>
+                              <p:par>
+                                <p:cTn id="444" nodeType="withEffect" fill="hold" presetClass="entr" presetID="6" presetSubtype="16">
+                                  <p:stCondLst>
+                                    <p:cond delay="0"/>
+                                  </p:stCondLst>
+                                  <p:childTnLst>
+                                    <p:set>
+                                      <p:cBhvr>
+                                        <p:cTn id="445" dur="1" fill="hold">
+                                          <p:stCondLst>
+                                            <p:cond delay="0"/>
+                                          </p:stCondLst>
+                                        </p:cTn>
+                                        <p:tgtEl>
+                                          <p:spTgt spid="114"/>
+                                        </p:tgtEl>
+                                        <p:attrNameLst>
+                                          <p:attrName>style.visibility</p:attrName>
+                                        </p:attrNameLst>
+                                      </p:cBhvr>
+                                      <p:to>
+                                        <p:strVal val="visible"/>
+                                      </p:to>
+                                    </p:set>
+                                    <p:animEffect filter="circle(in)" transition="in">
+                                      <p:cBhvr additive="repl">
+                                        <p:cTn id="446" dur="2000"/>
+                                        <p:tgtEl>
+                                          <p:spTgt spid="114"/>
+                                        </p:tgtEl>
+                                      </p:cBhvr>
+                                    </p:animEffect>
+                                  </p:childTnLst>
+                                </p:cTn>
+                              </p:par>
+                            </p:childTnLst>
+                          </p:cTn>
+                        </p:par>
+                      </p:childTnLst>
+                    </p:cTn>
+                  </p:par>
+                </p:childTnLst>
+              </p:cTn>
+              <p:prevCondLst>
+                <p:cond delay="0" evt="onPrev">
+                  <p:tgtEl>
+                    <p:sldTgt/>
+                  </p:tgtEl>
+                </p:cond>
+              </p:prevCondLst>
+              <p:nextCondLst>
+                <p:cond delay="0" evt="onNext">
+                  <p:tgtEl>
+                    <p:sldTgt/>
+                  </p:tgtEl>
+                </p:cond>
+              </p:nextCondLst>
+            </p:seq>
+          </p:childTnLst>
+        </p:cTn>
+      </p:par>
+    </p:tnLst>
+  </p:timing>
+</p:sld>
+</file>
+
+<file path=ppt/slides/slide16.xml><?xml version="1.0" encoding="utf-8"?>
+<p:sld xmlns:a="http://schemas.openxmlformats.org/drawingml/2006/main" xmlns:p="http://schemas.openxmlformats.org/presentationml/2006/main" xmlns:r="http://schemas.openxmlformats.org/officeDocument/2006/relationships" xmlns:p14="http://schemas.microsoft.com/office/powerpoint/2010/main" xmlns:p15="http://schemas.microsoft.com/office/powerpoint/2012/main" xmlns:mc="http://schemas.openxmlformats.org/markup-compatibility/2006">
+  <p:cSld>
+    <p:spTree>
+      <p:nvGrpSpPr>
+        <p:cNvPr id="1" name=""/>
+        <p:cNvGrpSpPr/>
+        <p:nvPr/>
+      </p:nvGrpSpPr>
+      <p:grpSpPr>
+        <a:xfrm>
+          <a:off x="0" y="0"/>
+          <a:ext cx="0" cy="0"/>
+          <a:chOff x="0" y="0"/>
+          <a:chExt cx="0" cy="0"/>
+        </a:xfrm>
+      </p:grpSpPr>
+      <p:sp>
+        <p:nvSpPr>
+          <p:cNvPr id="115" name="CustomShape 1"/>
           <p:cNvSpPr/>
           <p:nvPr/>
         </p:nvSpPr>
         <p:spPr>
           <a:xfrm>
             <a:off x="1463400" y="457560"/>
-            <a:ext cx="913680" cy="913680"/>
+            <a:ext cx="912600" cy="912600"/>
           </a:xfrm>
           <a:prstGeom prst="ellipse">
             <a:avLst/>
@@ -4651,14 +7323,14 @@
       </p:sp>
       <p:sp>
         <p:nvSpPr>
-          <p:cNvPr id="94" name="CustomShape 2"/>
+          <p:cNvPr id="116" name="CustomShape 2"/>
           <p:cNvSpPr/>
           <p:nvPr/>
         </p:nvSpPr>
         <p:spPr>
           <a:xfrm>
             <a:off x="2377440" y="457560"/>
-            <a:ext cx="5617440" cy="839880"/>
+            <a:ext cx="5616360" cy="838800"/>
           </a:xfrm>
           <a:custGeom>
             <a:avLst/>
@@ -4734,14 +7406,14 @@
       </p:sp>
       <p:sp>
         <p:nvSpPr>
-          <p:cNvPr id="95" name="CustomShape 3"/>
+          <p:cNvPr id="117" name="CustomShape 3"/>
           <p:cNvSpPr/>
           <p:nvPr/>
         </p:nvSpPr>
         <p:spPr>
           <a:xfrm>
             <a:off x="2194560" y="2360160"/>
-            <a:ext cx="5142600" cy="657000"/>
+            <a:ext cx="5141520" cy="655920"/>
           </a:xfrm>
           <a:prstGeom prst="rect">
             <a:avLst/>
@@ -4771,6 +7443,7 @@
                   <a:srgbClr val="b00000"/>
                 </a:solidFill>
                 <a:latin typeface="Arial"/>
+                <a:ea typeface="DejaVu Sans"/>
               </a:rPr>
               <a:t>Thanks for listening </a:t>
             </a:r>
@@ -4782,14 +7455,14 @@
       </p:sp>
       <p:sp>
         <p:nvSpPr>
-          <p:cNvPr id="96" name="CustomShape 4"/>
+          <p:cNvPr id="118" name="CustomShape 4"/>
           <p:cNvSpPr/>
           <p:nvPr/>
         </p:nvSpPr>
         <p:spPr>
           <a:xfrm>
             <a:off x="2834640" y="3366000"/>
-            <a:ext cx="4114440" cy="657000"/>
+            <a:ext cx="4113360" cy="655920"/>
           </a:xfrm>
           <a:prstGeom prst="rect">
             <a:avLst/>
@@ -4819,6 +7492,7 @@
                   <a:srgbClr val="fe7f00"/>
                 </a:solidFill>
                 <a:latin typeface="Arial"/>
+                <a:ea typeface="DejaVu Sans"/>
               </a:rPr>
               <a:t>Any question!!</a:t>
             </a:r>
@@ -4830,7 +7504,7 @@
       </p:sp>
       <p:pic>
         <p:nvPicPr>
-          <p:cNvPr id="97" name="" descr=""/>
+          <p:cNvPr id="119" name="" descr=""/>
           <p:cNvPicPr/>
           <p:nvPr/>
         </p:nvPicPr>
@@ -4841,7 +7515,7 @@
         <p:spPr>
           <a:xfrm>
             <a:off x="3581640" y="4114800"/>
-            <a:ext cx="2178720" cy="2083680"/>
+            <a:ext cx="2177640" cy="2082600"/>
           </a:xfrm>
           <a:prstGeom prst="rect">
             <a:avLst/>
@@ -4859,38 +7533,38 @@
   <p:timing>
     <p:tnLst>
       <p:par>
-        <p:cTn id="307" dur="indefinite" restart="never" nodeType="tmRoot">
+        <p:cTn id="447" dur="indefinite" restart="never" nodeType="tmRoot">
           <p:childTnLst>
             <p:seq>
-              <p:cTn id="308" dur="indefinite" nodeType="mainSeq">
+              <p:cTn id="448" dur="indefinite" nodeType="mainSeq">
                 <p:childTnLst>
                   <p:par>
-                    <p:cTn id="309" fill="hold">
+                    <p:cTn id="449" fill="hold">
                       <p:stCondLst>
                         <p:cond delay="indefinite"/>
                       </p:stCondLst>
                       <p:childTnLst>
                         <p:par>
-                          <p:cTn id="310" fill="hold">
+                          <p:cTn id="450" fill="hold">
                             <p:stCondLst>
                               <p:cond delay="0"/>
                             </p:stCondLst>
                             <p:childTnLst>
                               <p:par>
-                                <p:cTn id="311" nodeType="clickEffect" fill="hold" presetClass="entr" presetID="2" presetSubtype="4">
+                                <p:cTn id="451" nodeType="clickEffect" fill="hold" presetClass="entr" presetID="2" presetSubtype="4">
                                   <p:stCondLst>
                                     <p:cond delay="0"/>
                                   </p:stCondLst>
                                   <p:childTnLst>
                                     <p:set>
                                       <p:cBhvr>
-                                        <p:cTn id="312" dur="1" fill="hold">
+                                        <p:cTn id="452" dur="1" fill="hold">
                                           <p:stCondLst>
                                             <p:cond delay="0"/>
                                           </p:stCondLst>
                                         </p:cTn>
                                         <p:tgtEl>
-                                          <p:spTgt spid="93"/>
+                                          <p:spTgt spid="115"/>
                                         </p:tgtEl>
                                         <p:attrNameLst>
                                           <p:attrName>style.visibility</p:attrName>
@@ -4902,9 +7576,9 @@
                                     </p:set>
                                     <p:anim calcmode="lin" valueType="num">
                                       <p:cBhvr additive="repl">
-                                        <p:cTn id="313" dur="500" fill="hold"/>
-                                        <p:tgtEl>
-                                          <p:spTgt spid="93"/>
+                                        <p:cTn id="453" dur="500" fill="hold"/>
+                                        <p:tgtEl>
+                                          <p:spTgt spid="115"/>
                                         </p:tgtEl>
                                         <p:attrNameLst>
                                           <p:attrName>ppt_x</p:attrName>
@@ -4925,9 +7599,9 @@
                                     </p:anim>
                                     <p:anim calcmode="lin" valueType="num">
                                       <p:cBhvr additive="repl">
-                                        <p:cTn id="314" dur="500" fill="hold"/>
-                                        <p:tgtEl>
-                                          <p:spTgt spid="93"/>
+                                        <p:cTn id="454" dur="500" fill="hold"/>
+                                        <p:tgtEl>
+                                          <p:spTgt spid="115"/>
                                         </p:tgtEl>
                                         <p:attrNameLst>
                                           <p:attrName>ppt_y</p:attrName>
@@ -4950,20 +7624,20 @@
                                 </p:cTn>
                               </p:par>
                               <p:par>
-                                <p:cTn id="315" nodeType="withEffect" fill="hold" presetClass="entr" presetID="6" presetSubtype="16">
+                                <p:cTn id="455" nodeType="withEffect" fill="hold" presetClass="entr" presetID="6" presetSubtype="16">
                                   <p:stCondLst>
                                     <p:cond delay="0"/>
                                   </p:stCondLst>
                                   <p:childTnLst>
                                     <p:set>
                                       <p:cBhvr>
-                                        <p:cTn id="316" dur="1" fill="hold">
+                                        <p:cTn id="456" dur="1" fill="hold">
                                           <p:stCondLst>
                                             <p:cond delay="0"/>
                                           </p:stCondLst>
                                         </p:cTn>
                                         <p:tgtEl>
-                                          <p:spTgt spid="94"/>
+                                          <p:spTgt spid="116"/>
                                         </p:tgtEl>
                                         <p:attrNameLst>
                                           <p:attrName>style.visibility</p:attrName>
@@ -4975,9 +7649,9 @@
                                     </p:set>
                                     <p:animEffect filter="circle(in)" transition="in">
                                       <p:cBhvr additive="repl">
-                                        <p:cTn id="317" dur="2000"/>
-                                        <p:tgtEl>
-                                          <p:spTgt spid="94"/>
+                                        <p:cTn id="457" dur="2000"/>
+                                        <p:tgtEl>
+                                          <p:spTgt spid="116"/>
                                         </p:tgtEl>
                                       </p:cBhvr>
                                     </p:animEffect>
@@ -4988,26 +7662,26 @@
                           </p:cTn>
                         </p:par>
                         <p:par>
-                          <p:cTn id="318" fill="hold">
+                          <p:cTn id="458" fill="hold">
                             <p:stCondLst>
                               <p:cond delay="2000"/>
                             </p:stCondLst>
                             <p:childTnLst>
                               <p:par>
-                                <p:cTn id="319" nodeType="afterEffect" fill="hold" presetClass="entr" presetID="49">
+                                <p:cTn id="459" nodeType="afterEffect" fill="hold" presetClass="entr" presetID="49">
                                   <p:stCondLst>
                                     <p:cond delay="0"/>
                                   </p:stCondLst>
                                   <p:childTnLst>
                                     <p:set>
                                       <p:cBhvr>
-                                        <p:cTn id="320" dur="1" fill="hold">
+                                        <p:cTn id="460" dur="1" fill="hold">
                                           <p:stCondLst>
                                             <p:cond delay="0"/>
                                           </p:stCondLst>
                                         </p:cTn>
                                         <p:tgtEl>
-                                          <p:spTgt spid="95">
+                                          <p:spTgt spid="117">
                                             <p:txEl>
                                               <p:pRg st="0" end="0"/>
                                             </p:txEl>
@@ -5023,9 +7697,9 @@
                                     </p:set>
                                     <p:anim calcmode="lin" valueType="num">
                                       <p:cBhvr additive="repl">
-                                        <p:cTn id="321" dur="500" fill="hold"/>
-                                        <p:tgtEl>
-                                          <p:spTgt spid="95">
+                                        <p:cTn id="461" dur="500" fill="hold"/>
+                                        <p:tgtEl>
+                                          <p:spTgt spid="117">
                                             <p:txEl>
                                               <p:pRg st="0" end="0"/>
                                             </p:txEl>
@@ -5050,9 +7724,9 @@
                                     </p:anim>
                                     <p:anim calcmode="lin" valueType="num">
                                       <p:cBhvr additive="repl">
-                                        <p:cTn id="322" dur="500" fill="hold"/>
-                                        <p:tgtEl>
-                                          <p:spTgt spid="95">
+                                        <p:cTn id="462" dur="500" fill="hold"/>
+                                        <p:tgtEl>
+                                          <p:spTgt spid="117">
                                             <p:txEl>
                                               <p:pRg st="0" end="0"/>
                                             </p:txEl>
@@ -5077,9 +7751,9 @@
                                     </p:anim>
                                     <p:anim calcmode="lin" valueType="num">
                                       <p:cBhvr additive="repl">
-                                        <p:cTn id="323" dur="500" fill="hold"/>
-                                        <p:tgtEl>
-                                          <p:spTgt spid="95">
+                                        <p:cTn id="463" dur="500" fill="hold"/>
+                                        <p:tgtEl>
+                                          <p:spTgt spid="117">
                                             <p:txEl>
                                               <p:pRg st="0" end="0"/>
                                             </p:txEl>
@@ -5104,9 +7778,9 @@
                                     </p:anim>
                                     <p:animEffect filter="fade" transition="in">
                                       <p:cBhvr additive="repl">
-                                        <p:cTn id="324" dur="500"/>
-                                        <p:tgtEl>
-                                          <p:spTgt spid="95">
+                                        <p:cTn id="464" dur="500"/>
+                                        <p:tgtEl>
+                                          <p:spTgt spid="117">
                                             <p:txEl>
                                               <p:pRg st="0" end="0"/>
                                             </p:txEl>
@@ -5121,26 +7795,26 @@
                           </p:cTn>
                         </p:par>
                         <p:par>
-                          <p:cTn id="325" fill="hold">
+                          <p:cTn id="465" fill="hold">
                             <p:stCondLst>
                               <p:cond delay="2500"/>
                             </p:stCondLst>
                             <p:childTnLst>
                               <p:par>
-                                <p:cTn id="326" nodeType="afterEffect" fill="hold" presetClass="entr" presetID="4" presetSubtype="16">
+                                <p:cTn id="466" nodeType="afterEffect" fill="hold" presetClass="entr" presetID="4" presetSubtype="16">
                                   <p:stCondLst>
                                     <p:cond delay="0"/>
                                   </p:stCondLst>
                                   <p:childTnLst>
                                     <p:set>
                                       <p:cBhvr>
-                                        <p:cTn id="327" dur="1" fill="hold">
+                                        <p:cTn id="467" dur="1" fill="hold">
                                           <p:stCondLst>
                                             <p:cond delay="0"/>
                                           </p:stCondLst>
                                         </p:cTn>
                                         <p:tgtEl>
-                                          <p:spTgt spid="96">
+                                          <p:spTgt spid="118">
                                             <p:txEl>
                                               <p:pRg st="0" end="0"/>
                                             </p:txEl>
@@ -5156,9 +7830,9 @@
                                     </p:set>
                                     <p:animEffect filter="box(in)" transition="in">
                                       <p:cBhvr additive="repl">
-                                        <p:cTn id="328" dur="500"/>
-                                        <p:tgtEl>
-                                          <p:spTgt spid="96">
+                                        <p:cTn id="468" dur="500"/>
+                                        <p:tgtEl>
+                                          <p:spTgt spid="118">
                                             <p:txEl>
                                               <p:pRg st="0" end="0"/>
                                             </p:txEl>
@@ -5173,26 +7847,26 @@
                           </p:cTn>
                         </p:par>
                         <p:par>
-                          <p:cTn id="329" fill="hold">
+                          <p:cTn id="469" fill="hold">
                             <p:stCondLst>
                               <p:cond delay="3000"/>
                             </p:stCondLst>
                             <p:childTnLst>
                               <p:par>
-                                <p:cTn id="330" nodeType="afterEffect" fill="hold" presetClass="entr" presetID="49">
+                                <p:cTn id="470" nodeType="afterEffect" fill="hold" presetClass="entr" presetID="49">
                                   <p:stCondLst>
                                     <p:cond delay="0"/>
                                   </p:stCondLst>
                                   <p:childTnLst>
                                     <p:set>
                                       <p:cBhvr>
-                                        <p:cTn id="331" dur="1" fill="hold">
+                                        <p:cTn id="471" dur="1" fill="hold">
                                           <p:stCondLst>
                                             <p:cond delay="0"/>
                                           </p:stCondLst>
                                         </p:cTn>
                                         <p:tgtEl>
-                                          <p:spTgt spid="97"/>
+                                          <p:spTgt spid="119"/>
                                         </p:tgtEl>
                                         <p:attrNameLst>
                                           <p:attrName>style.visibility</p:attrName>
@@ -5204,9 +7878,9 @@
                                     </p:set>
                                     <p:anim calcmode="lin" valueType="num">
                                       <p:cBhvr additive="repl">
-                                        <p:cTn id="332" dur="500" fill="hold"/>
-                                        <p:tgtEl>
-                                          <p:spTgt spid="97"/>
+                                        <p:cTn id="472" dur="500" fill="hold"/>
+                                        <p:tgtEl>
+                                          <p:spTgt spid="119"/>
                                         </p:tgtEl>
                                         <p:attrNameLst>
                                           <p:attrName>ppt_w</p:attrName>
@@ -5227,9 +7901,9 @@
                                     </p:anim>
                                     <p:anim calcmode="lin" valueType="num">
                                       <p:cBhvr additive="repl">
-                                        <p:cTn id="333" dur="500" fill="hold"/>
-                                        <p:tgtEl>
-                                          <p:spTgt spid="97"/>
+                                        <p:cTn id="473" dur="500" fill="hold"/>
+                                        <p:tgtEl>
+                                          <p:spTgt spid="119"/>
                                         </p:tgtEl>
                                         <p:attrNameLst>
                                           <p:attrName>ppt_h</p:attrName>
@@ -5250,9 +7924,9 @@
                                     </p:anim>
                                     <p:anim calcmode="lin" valueType="num">
                                       <p:cBhvr additive="repl">
-                                        <p:cTn id="334" dur="500" fill="hold"/>
-                                        <p:tgtEl>
-                                          <p:spTgt spid="97"/>
+                                        <p:cTn id="474" dur="500" fill="hold"/>
+                                        <p:tgtEl>
+                                          <p:spTgt spid="119"/>
                                         </p:tgtEl>
                                         <p:attrNameLst>
                                           <p:attrName>r</p:attrName>
@@ -5273,9 +7947,9 @@
                                     </p:anim>
                                     <p:animEffect filter="fade" transition="in">
                                       <p:cBhvr additive="repl">
-                                        <p:cTn id="335" dur="500"/>
-                                        <p:tgtEl>
-                                          <p:spTgt spid="97"/>
+                                        <p:cTn id="475" dur="500"/>
+                                        <p:tgtEl>
+                                          <p:spTgt spid="119"/>
                                         </p:tgtEl>
                                       </p:cBhvr>
                                     </p:animEffect>
@@ -5313,7 +7987,7 @@
 </p:sld>
 </file>
 
-<file path=ppt/slides/slide13.xml><?xml version="1.0" encoding="utf-8"?>
+<file path=ppt/slides/slide17.xml><?xml version="1.0" encoding="utf-8"?>
 <p:sld xmlns:a="http://schemas.openxmlformats.org/drawingml/2006/main" xmlns:p="http://schemas.openxmlformats.org/presentationml/2006/main" xmlns:r="http://schemas.openxmlformats.org/officeDocument/2006/relationships" xmlns:p14="http://schemas.microsoft.com/office/powerpoint/2010/main" xmlns:p15="http://schemas.microsoft.com/office/powerpoint/2012/main" xmlns:mc="http://schemas.openxmlformats.org/markup-compatibility/2006">
   <p:cSld>
     <p:spTree>
@@ -5332,14 +8006,14 @@
       </p:grpSpPr>
       <p:sp>
         <p:nvSpPr>
-          <p:cNvPr id="98" name="CustomShape 1"/>
+          <p:cNvPr id="120" name="CustomShape 1"/>
           <p:cNvSpPr/>
           <p:nvPr/>
         </p:nvSpPr>
         <p:spPr>
           <a:xfrm>
             <a:off x="2743200" y="2834640"/>
-            <a:ext cx="5028840" cy="1111320"/>
+            <a:ext cx="5027760" cy="1110240"/>
           </a:xfrm>
           <a:prstGeom prst="rect">
             <a:avLst/>
@@ -5369,6 +8043,7 @@
                   <a:srgbClr val="00b4b4"/>
                 </a:solidFill>
                 <a:latin typeface="Arial"/>
+                <a:ea typeface="DejaVu Sans"/>
               </a:rPr>
               <a:t>--END--</a:t>
             </a:r>
@@ -5386,38 +8061,38 @@
   <p:timing>
     <p:tnLst>
       <p:par>
-        <p:cTn id="336" dur="indefinite" restart="never" nodeType="tmRoot">
+        <p:cTn id="476" dur="indefinite" restart="never" nodeType="tmRoot">
           <p:childTnLst>
             <p:seq>
-              <p:cTn id="337" dur="indefinite" nodeType="mainSeq">
+              <p:cTn id="477" dur="indefinite" nodeType="mainSeq">
                 <p:childTnLst>
                   <p:par>
-                    <p:cTn id="338" fill="hold">
+                    <p:cTn id="478" fill="hold">
                       <p:stCondLst>
                         <p:cond delay="indefinite"/>
                       </p:stCondLst>
                       <p:childTnLst>
                         <p:par>
-                          <p:cTn id="339" fill="hold">
+                          <p:cTn id="479" fill="hold">
                             <p:stCondLst>
                               <p:cond delay="0"/>
                             </p:stCondLst>
                             <p:childTnLst>
                               <p:par>
-                                <p:cTn id="340" nodeType="clickEffect" fill="hold" presetClass="entr" presetID="4" presetSubtype="16">
+                                <p:cTn id="480" nodeType="clickEffect" fill="hold" presetClass="entr" presetID="4" presetSubtype="16">
                                   <p:stCondLst>
                                     <p:cond delay="0"/>
                                   </p:stCondLst>
                                   <p:childTnLst>
                                     <p:set>
                                       <p:cBhvr>
-                                        <p:cTn id="341" dur="1" fill="hold">
+                                        <p:cTn id="481" dur="1" fill="hold">
                                           <p:stCondLst>
                                             <p:cond delay="0"/>
                                           </p:stCondLst>
                                         </p:cTn>
                                         <p:tgtEl>
-                                          <p:spTgt spid="98">
+                                          <p:spTgt spid="120">
                                             <p:txEl>
                                               <p:pRg st="0" end="0"/>
                                             </p:txEl>
@@ -5433,9 +8108,9 @@
                                     </p:set>
                                     <p:animEffect filter="box(in)" transition="in">
                                       <p:cBhvr additive="repl">
-                                        <p:cTn id="342" dur="500"/>
-                                        <p:tgtEl>
-                                          <p:spTgt spid="98">
+                                        <p:cTn id="482" dur="500"/>
+                                        <p:tgtEl>
+                                          <p:spTgt spid="120">
                                             <p:txEl>
                                               <p:pRg st="0" end="0"/>
                                             </p:txEl>
@@ -5503,7 +8178,7 @@
         <p:spPr>
           <a:xfrm>
             <a:off x="274320" y="1463040"/>
-            <a:ext cx="9051840" cy="4937040"/>
+            <a:ext cx="9050760" cy="4935960"/>
           </a:xfrm>
           <a:prstGeom prst="rect">
             <a:avLst/>
@@ -5532,7 +8207,7 @@
             </a:endParaRPr>
           </a:p>
           <a:p>
-            <a:pPr marL="514440" indent="-513000">
+            <a:pPr marL="514440" indent="-511920">
               <a:lnSpc>
                 <a:spcPct val="100000"/>
               </a:lnSpc>
@@ -5557,7 +8232,7 @@
             </a:endParaRPr>
           </a:p>
           <a:p>
-            <a:pPr marL="514440" indent="-513000">
+            <a:pPr marL="514440" indent="-511920">
               <a:lnSpc>
                 <a:spcPct val="100000"/>
               </a:lnSpc>
@@ -5582,7 +8257,7 @@
             </a:endParaRPr>
           </a:p>
           <a:p>
-            <a:pPr marL="514440" indent="-513000">
+            <a:pPr marL="514440" indent="-511920">
               <a:lnSpc>
                 <a:spcPct val="100000"/>
               </a:lnSpc>
@@ -5607,7 +8282,7 @@
             </a:endParaRPr>
           </a:p>
           <a:p>
-            <a:pPr marL="514440" indent="-513000">
+            <a:pPr marL="514440" indent="-511920">
               <a:lnSpc>
                 <a:spcPct val="100000"/>
               </a:lnSpc>
@@ -5632,7 +8307,7 @@
             </a:endParaRPr>
           </a:p>
           <a:p>
-            <a:pPr marL="514440" indent="-513000">
+            <a:pPr marL="514440" indent="-511920">
               <a:lnSpc>
                 <a:spcPct val="100000"/>
               </a:lnSpc>
@@ -5657,7 +8332,7 @@
             </a:endParaRPr>
           </a:p>
           <a:p>
-            <a:pPr marL="514440" indent="-513000">
+            <a:pPr marL="514440" indent="-511920">
               <a:lnSpc>
                 <a:spcPct val="100000"/>
               </a:lnSpc>
@@ -5682,32 +8357,7 @@
             </a:endParaRPr>
           </a:p>
           <a:p>
-            <a:pPr marL="514440" indent="-513000">
-              <a:lnSpc>
-                <a:spcPct val="100000"/>
-              </a:lnSpc>
-              <a:buClr>
-                <a:srgbClr val="000000"/>
-              </a:buClr>
-              <a:buFont typeface="Calibri Light"/>
-              <a:buAutoNum type="arabicPeriod"/>
-            </a:pPr>
-            <a:r>
-              <a:rPr b="0" lang="en-US" sz="2400" spc="-1" strike="noStrike">
-                <a:solidFill>
-                  <a:srgbClr val="000000"/>
-                </a:solidFill>
-                <a:latin typeface="Cantarell"/>
-                <a:ea typeface="DejaVu Sans"/>
-              </a:rPr>
-              <a:t>System Testing </a:t>
-            </a:r>
-            <a:endParaRPr b="0" lang="en-US" sz="2400" spc="-1" strike="noStrike">
-              <a:latin typeface="Arial"/>
-            </a:endParaRPr>
-          </a:p>
-          <a:p>
-            <a:pPr marL="514440" indent="-513000">
+            <a:pPr marL="514440" indent="-511920">
               <a:lnSpc>
                 <a:spcPct val="100000"/>
               </a:lnSpc>
@@ -5732,7 +8382,7 @@
             </a:endParaRPr>
           </a:p>
           <a:p>
-            <a:pPr marL="514440" indent="-513000">
+            <a:pPr marL="514440" indent="-511920">
               <a:lnSpc>
                 <a:spcPct val="100000"/>
               </a:lnSpc>
@@ -5757,7 +8407,32 @@
             </a:endParaRPr>
           </a:p>
           <a:p>
-            <a:pPr marL="514440" indent="-513000">
+            <a:pPr marL="514440" indent="-511920">
+              <a:lnSpc>
+                <a:spcPct val="100000"/>
+              </a:lnSpc>
+              <a:buClr>
+                <a:srgbClr val="000000"/>
+              </a:buClr>
+              <a:buFont typeface="Calibri Light"/>
+              <a:buAutoNum type="arabicPeriod"/>
+            </a:pPr>
+            <a:r>
+              <a:rPr b="0" lang="en-US" sz="2400" spc="-1" strike="noStrike">
+                <a:solidFill>
+                  <a:srgbClr val="000000"/>
+                </a:solidFill>
+                <a:latin typeface="Cantarell"/>
+                <a:ea typeface="DejaVu Sans"/>
+              </a:rPr>
+              <a:t>Sreen shots of project</a:t>
+            </a:r>
+            <a:endParaRPr b="0" lang="en-US" sz="2400" spc="-1" strike="noStrike">
+              <a:latin typeface="Arial"/>
+            </a:endParaRPr>
+          </a:p>
+          <a:p>
+            <a:pPr marL="514440" indent="-511920">
               <a:lnSpc>
                 <a:spcPct val="100000"/>
               </a:lnSpc>
@@ -5801,8 +8476,8 @@
         </p:nvSpPr>
         <p:spPr>
           <a:xfrm>
-            <a:off x="3017520" y="182880"/>
-            <a:ext cx="3656880" cy="1279440"/>
+            <a:off x="2470680" y="184680"/>
+            <a:ext cx="3655800" cy="1278360"/>
           </a:xfrm>
           <a:custGeom>
             <a:avLst/>
@@ -5867,8 +8542,8 @@
         </p:nvSpPr>
         <p:spPr>
           <a:xfrm>
-            <a:off x="3958560" y="457200"/>
-            <a:ext cx="1710000" cy="639360"/>
+            <a:off x="3474720" y="459000"/>
+            <a:ext cx="1708920" cy="638280"/>
           </a:xfrm>
           <a:prstGeom prst="rect">
             <a:avLst/>
@@ -5892,6 +8567,16 @@
                 <a:spcPct val="100000"/>
               </a:lnSpc>
             </a:pPr>
+            <a:r>
+              <a:rPr b="1" lang="en-US" sz="2800" spc="-1" strike="noStrike">
+                <a:solidFill>
+                  <a:srgbClr val="ffffff"/>
+                </a:solidFill>
+                <a:latin typeface="Arial"/>
+                <a:ea typeface="DejaVu Sans"/>
+              </a:rPr>
+              <a:t> </a:t>
+            </a:r>
             <a:r>
               <a:rPr b="1" lang="en-US" sz="2800" spc="-1" strike="noStrike">
                 <a:solidFill>
@@ -7261,7 +9946,7 @@
         <p:spPr>
           <a:xfrm>
             <a:off x="1230480" y="548640"/>
-            <a:ext cx="913680" cy="913680"/>
+            <a:ext cx="912600" cy="912600"/>
           </a:xfrm>
           <a:prstGeom prst="ellipse">
             <a:avLst/>
@@ -7319,7 +10004,7 @@
         <p:spPr>
           <a:xfrm>
             <a:off x="2200320" y="548640"/>
-            <a:ext cx="5617440" cy="839880"/>
+            <a:ext cx="5616360" cy="838800"/>
           </a:xfrm>
           <a:custGeom>
             <a:avLst/>
@@ -7395,14 +10080,14 @@
       </p:sp>
       <p:sp>
         <p:nvSpPr>
-          <p:cNvPr id="57" name="TextShape 3"/>
-          <p:cNvSpPr txBox="1"/>
+          <p:cNvPr id="57" name="CustomShape 3"/>
+          <p:cNvSpPr/>
           <p:nvPr/>
         </p:nvSpPr>
         <p:spPr>
           <a:xfrm>
             <a:off x="1188720" y="2286000"/>
-            <a:ext cx="6126480" cy="858240"/>
+            <a:ext cx="6125400" cy="857160"/>
           </a:xfrm>
           <a:prstGeom prst="rect">
             <a:avLst/>
@@ -7412,12 +10097,27 @@
             <a:noFill/>
           </a:ln>
         </p:spPr>
+        <p:style>
+          <a:lnRef idx="0"/>
+          <a:fillRef idx="0"/>
+          <a:effectRef idx="0"/>
+          <a:fontRef idx="minor"/>
+        </p:style>
         <p:txBody>
           <a:bodyPr lIns="90000" rIns="90000" tIns="45000" bIns="45000"/>
           <a:p>
+            <a:pPr>
+              <a:lnSpc>
+                <a:spcPct val="100000"/>
+              </a:lnSpc>
+            </a:pPr>
             <a:r>
               <a:rPr b="0" lang="en-US" sz="1800" spc="-1" strike="noStrike">
+                <a:solidFill>
+                  <a:srgbClr val="000000"/>
+                </a:solidFill>
                 <a:latin typeface="Arial"/>
+                <a:ea typeface="DejaVu Sans"/>
               </a:rPr>
               <a:t>&lt;&gt; The project is puzzle game (in a 4x4 board) </a:t>
             </a:r>
@@ -7429,14 +10129,14 @@
       </p:sp>
       <p:sp>
         <p:nvSpPr>
-          <p:cNvPr id="58" name="TextShape 4"/>
-          <p:cNvSpPr txBox="1"/>
+          <p:cNvPr id="58" name="CustomShape 4"/>
+          <p:cNvSpPr/>
           <p:nvPr/>
         </p:nvSpPr>
         <p:spPr>
           <a:xfrm>
             <a:off x="1215000" y="2693520"/>
-            <a:ext cx="3931920" cy="346320"/>
+            <a:ext cx="3930840" cy="345240"/>
           </a:xfrm>
           <a:prstGeom prst="rect">
             <a:avLst/>
@@ -7446,12 +10146,27 @@
             <a:noFill/>
           </a:ln>
         </p:spPr>
+        <p:style>
+          <a:lnRef idx="0"/>
+          <a:fillRef idx="0"/>
+          <a:effectRef idx="0"/>
+          <a:fontRef idx="minor"/>
+        </p:style>
         <p:txBody>
           <a:bodyPr lIns="90000" rIns="90000" tIns="45000" bIns="45000"/>
           <a:p>
+            <a:pPr>
+              <a:lnSpc>
+                <a:spcPct val="100000"/>
+              </a:lnSpc>
+            </a:pPr>
             <a:r>
               <a:rPr b="0" lang="en-US" sz="1800" spc="-1" strike="noStrike">
+                <a:solidFill>
+                  <a:srgbClr val="000000"/>
+                </a:solidFill>
                 <a:latin typeface="Arial"/>
+                <a:ea typeface="DejaVu Sans"/>
               </a:rPr>
               <a:t>&lt;&gt; For entertainment</a:t>
             </a:r>
@@ -7745,8 +10460,8 @@
         </p:nvSpPr>
         <p:spPr>
           <a:xfrm>
-            <a:off x="1281240" y="599400"/>
-            <a:ext cx="913680" cy="913680"/>
+            <a:off x="1097280" y="599400"/>
+            <a:ext cx="912600" cy="912600"/>
           </a:xfrm>
           <a:prstGeom prst="ellipse">
             <a:avLst/>
@@ -7803,8 +10518,8 @@
         </p:nvSpPr>
         <p:spPr>
           <a:xfrm>
-            <a:off x="2251080" y="599400"/>
-            <a:ext cx="5617440" cy="839880"/>
+            <a:off x="2067120" y="599400"/>
+            <a:ext cx="5616360" cy="838800"/>
           </a:xfrm>
           <a:custGeom>
             <a:avLst/>
@@ -7880,14 +10595,14 @@
       </p:sp>
       <p:sp>
         <p:nvSpPr>
-          <p:cNvPr id="61" name="TextShape 3"/>
-          <p:cNvSpPr txBox="1"/>
+          <p:cNvPr id="61" name="CustomShape 3"/>
+          <p:cNvSpPr/>
           <p:nvPr/>
         </p:nvSpPr>
         <p:spPr>
           <a:xfrm>
             <a:off x="1005840" y="2396880"/>
-            <a:ext cx="6858000" cy="346320"/>
+            <a:ext cx="6856920" cy="345240"/>
           </a:xfrm>
           <a:prstGeom prst="rect">
             <a:avLst/>
@@ -7897,80 +10612,39 @@
             <a:noFill/>
           </a:ln>
         </p:spPr>
+        <p:style>
+          <a:lnRef idx="0"/>
+          <a:fillRef idx="0"/>
+          <a:effectRef idx="0"/>
+          <a:fontRef idx="minor"/>
+        </p:style>
         <p:txBody>
           <a:bodyPr lIns="90000" rIns="90000" tIns="45000" bIns="45000"/>
           <a:p>
+            <a:pPr>
+              <a:lnSpc>
+                <a:spcPct val="100000"/>
+              </a:lnSpc>
+            </a:pPr>
+            <a:endParaRPr b="0" lang="en-US" sz="1800" spc="-1" strike="noStrike">
+              <a:latin typeface="Arial"/>
+            </a:endParaRPr>
+          </a:p>
+          <a:p>
+            <a:pPr>
+              <a:lnSpc>
+                <a:spcPct val="100000"/>
+              </a:lnSpc>
+            </a:pPr>
             <a:r>
               <a:rPr b="0" lang="en-US" sz="1800" spc="-1" strike="noStrike">
+                <a:solidFill>
+                  <a:srgbClr val="000000"/>
+                </a:solidFill>
                 <a:latin typeface="Arial"/>
+                <a:ea typeface="DejaVu Sans"/>
               </a:rPr>
-              <a:t>&lt;&gt;  </a:t>
-            </a:r>
-            <a:r>
-              <a:rPr b="0" lang="en-US" sz="1800" spc="-1" strike="noStrike">
-                <a:latin typeface="Arial"/>
-              </a:rPr>
-              <a:t>The </a:t>
-            </a:r>
-            <a:r>
-              <a:rPr b="0" lang="en-US" sz="1800" spc="-1" strike="noStrike">
-                <a:latin typeface="Arial"/>
-              </a:rPr>
-              <a:t>proj</a:t>
-            </a:r>
-            <a:r>
-              <a:rPr b="0" lang="en-US" sz="1800" spc="-1" strike="noStrike">
-                <a:latin typeface="Arial"/>
-              </a:rPr>
-              <a:t>ect </a:t>
-            </a:r>
-            <a:r>
-              <a:rPr b="0" lang="en-US" sz="1800" spc="-1" strike="noStrike">
-                <a:latin typeface="Arial"/>
-              </a:rPr>
-              <a:t>don</a:t>
-            </a:r>
-            <a:r>
-              <a:rPr b="0" lang="en-US" sz="1800" spc="-1" strike="noStrike">
-                <a:latin typeface="Arial"/>
-              </a:rPr>
-              <a:t>e </a:t>
-            </a:r>
-            <a:r>
-              <a:rPr b="0" lang="en-US" sz="1800" spc="-1" strike="noStrike">
-                <a:latin typeface="Arial"/>
-              </a:rPr>
-              <a:t>usin</a:t>
-            </a:r>
-            <a:r>
-              <a:rPr b="0" lang="en-US" sz="1800" spc="-1" strike="noStrike">
-                <a:latin typeface="Arial"/>
-              </a:rPr>
-              <a:t>g c+</a:t>
-            </a:r>
-            <a:r>
-              <a:rPr b="0" lang="en-US" sz="1800" spc="-1" strike="noStrike">
-                <a:latin typeface="Arial"/>
-              </a:rPr>
-              <a:t>+ </a:t>
-            </a:r>
-            <a:r>
-              <a:rPr b="0" lang="en-US" sz="1800" spc="-1" strike="noStrike">
-                <a:latin typeface="Arial"/>
-              </a:rPr>
-              <a:t>lang</a:t>
-            </a:r>
-            <a:r>
-              <a:rPr b="0" lang="en-US" sz="1800" spc="-1" strike="noStrike">
-                <a:latin typeface="Arial"/>
-              </a:rPr>
-              <a:t>uag</a:t>
-            </a:r>
-            <a:r>
-              <a:rPr b="0" lang="en-US" sz="1800" spc="-1" strike="noStrike">
-                <a:latin typeface="Arial"/>
-              </a:rPr>
-              <a:t>e </a:t>
+              <a:t>&lt;&gt;  The project done using c++ language </a:t>
             </a:r>
             <a:endParaRPr b="0" lang="en-US" sz="1800" spc="-1" strike="noStrike">
               <a:latin typeface="Arial"/>
@@ -7980,14 +10654,14 @@
       </p:sp>
       <p:sp>
         <p:nvSpPr>
-          <p:cNvPr id="62" name="TextShape 4"/>
-          <p:cNvSpPr txBox="1"/>
+          <p:cNvPr id="62" name="CustomShape 4"/>
+          <p:cNvSpPr/>
           <p:nvPr/>
         </p:nvSpPr>
         <p:spPr>
           <a:xfrm>
-            <a:off x="1005840" y="2743200"/>
-            <a:ext cx="5029200" cy="346320"/>
+            <a:off x="1005840" y="3219840"/>
+            <a:ext cx="5028120" cy="345960"/>
           </a:xfrm>
           <a:prstGeom prst="rect">
             <a:avLst/>
@@ -7997,14 +10671,29 @@
             <a:noFill/>
           </a:ln>
         </p:spPr>
+        <p:style>
+          <a:lnRef idx="0"/>
+          <a:fillRef idx="0"/>
+          <a:effectRef idx="0"/>
+          <a:fontRef idx="minor"/>
+        </p:style>
         <p:txBody>
           <a:bodyPr lIns="90000" rIns="90000" tIns="45000" bIns="45000"/>
           <a:p>
+            <a:pPr>
+              <a:lnSpc>
+                <a:spcPct val="100000"/>
+              </a:lnSpc>
+            </a:pPr>
             <a:r>
               <a:rPr b="0" lang="en-US" sz="1800" spc="-1" strike="noStrike">
+                <a:solidFill>
+                  <a:srgbClr val="000000"/>
+                </a:solidFill>
                 <a:latin typeface="Arial"/>
+                <a:ea typeface="DejaVu Sans"/>
               </a:rPr>
-              <a:t>&lt;&gt;  SFMl graphics </a:t>
+              <a:t>&lt;&gt;  SFML graphics </a:t>
             </a:r>
             <a:endParaRPr b="0" lang="en-US" sz="1800" spc="-1" strike="noStrike">
               <a:latin typeface="Arial"/>
@@ -8170,7 +10859,7 @@
                                         <p:tgtEl>
                                           <p:spTgt spid="61">
                                             <p:txEl>
-                                              <p:pRg st="0" end="0"/>
+                                              <p:pRg st="1" end="1"/>
                                             </p:txEl>
                                           </p:spTgt>
                                         </p:tgtEl>
@@ -8188,7 +10877,7 @@
                                         <p:tgtEl>
                                           <p:spTgt spid="61">
                                             <p:txEl>
-                                              <p:pRg st="0" end="0"/>
+                                              <p:pRg st="1" end="1"/>
                                             </p:txEl>
                                           </p:spTgt>
                                         </p:tgtEl>
@@ -8197,24 +10886,15 @@
                                   </p:childTnLst>
                                 </p:cTn>
                               </p:par>
-                            </p:childTnLst>
-                          </p:cTn>
-                        </p:par>
-                        <p:par>
-                          <p:cTn id="165" fill="hold">
-                            <p:stCondLst>
-                              <p:cond delay="4000"/>
-                            </p:stCondLst>
-                            <p:childTnLst>
                               <p:par>
-                                <p:cTn id="166" nodeType="afterEffect" fill="hold" presetClass="entr" presetID="6" presetSubtype="16">
+                                <p:cTn id="165" nodeType="withEffect" fill="hold" presetClass="entr" presetID="6" presetSubtype="16">
                                   <p:stCondLst>
                                     <p:cond delay="0"/>
                                   </p:stCondLst>
                                   <p:childTnLst>
                                     <p:set>
                                       <p:cBhvr>
-                                        <p:cTn id="167" dur="1" fill="hold">
+                                        <p:cTn id="166" dur="1" fill="hold">
                                           <p:stCondLst>
                                             <p:cond delay="0"/>
                                           </p:stCondLst>
@@ -8236,7 +10916,7 @@
                                     </p:set>
                                     <p:animEffect filter="circle(in)" transition="in">
                                       <p:cBhvr additive="repl">
-                                        <p:cTn id="168" dur="2000"/>
+                                        <p:cTn id="167" dur="2000"/>
                                         <p:tgtEl>
                                           <p:spTgt spid="62">
                                             <p:txEl>
@@ -8306,7 +10986,7 @@
         <p:spPr>
           <a:xfrm>
             <a:off x="1332000" y="650160"/>
-            <a:ext cx="913680" cy="913680"/>
+            <a:ext cx="912600" cy="912600"/>
           </a:xfrm>
           <a:prstGeom prst="ellipse">
             <a:avLst/>
@@ -8364,7 +11044,7 @@
         <p:spPr>
           <a:xfrm>
             <a:off x="2301840" y="650160"/>
-            <a:ext cx="5617440" cy="839880"/>
+            <a:ext cx="5616360" cy="838800"/>
           </a:xfrm>
           <a:custGeom>
             <a:avLst/>
@@ -8440,14 +11120,14 @@
       </p:sp>
       <p:sp>
         <p:nvSpPr>
-          <p:cNvPr id="65" name="TextShape 3"/>
-          <p:cNvSpPr txBox="1"/>
+          <p:cNvPr id="65" name="CustomShape 3"/>
+          <p:cNvSpPr/>
           <p:nvPr/>
         </p:nvSpPr>
         <p:spPr>
           <a:xfrm>
             <a:off x="1554480" y="3311280"/>
-            <a:ext cx="4937760" cy="346320"/>
+            <a:ext cx="4936680" cy="345240"/>
           </a:xfrm>
           <a:prstGeom prst="rect">
             <a:avLst/>
@@ -8457,62 +11137,39 @@
             <a:noFill/>
           </a:ln>
         </p:spPr>
+        <p:style>
+          <a:lnRef idx="0"/>
+          <a:fillRef idx="0"/>
+          <a:effectRef idx="0"/>
+          <a:fontRef idx="minor"/>
+        </p:style>
         <p:txBody>
           <a:bodyPr lIns="90000" rIns="90000" tIns="45000" bIns="45000"/>
           <a:p>
+            <a:pPr>
+              <a:lnSpc>
+                <a:spcPct val="100000"/>
+              </a:lnSpc>
+            </a:pPr>
             <a:r>
               <a:rPr b="0" lang="en-US" sz="1800" spc="-1" strike="noStrike">
+                <a:solidFill>
+                  <a:srgbClr val="000000"/>
+                </a:solidFill>
                 <a:latin typeface="Arial"/>
+                <a:ea typeface="DejaVu Sans"/>
               </a:rPr>
-              <a:t>        </a:t>
+              <a:t>         </a:t>
             </a:r>
             <a:r>
               <a:rPr b="0" lang="en-US" sz="1800" spc="-1" strike="noStrike">
+                <a:solidFill>
+                  <a:srgbClr val="000000"/>
+                </a:solidFill>
                 <a:latin typeface="Arial"/>
+                <a:ea typeface="DejaVu Sans"/>
               </a:rPr>
-              <a:t> </a:t>
-            </a:r>
-            <a:r>
-              <a:rPr b="0" lang="en-US" sz="1800" spc="-1" strike="noStrike">
-                <a:latin typeface="Arial"/>
-              </a:rPr>
-              <a:t>Are</a:t>
-            </a:r>
-            <a:r>
-              <a:rPr b="0" lang="en-US" sz="1800" spc="-1" strike="noStrike">
-                <a:latin typeface="Arial"/>
-              </a:rPr>
-              <a:t>a of </a:t>
-            </a:r>
-            <a:r>
-              <a:rPr b="0" lang="en-US" sz="1800" spc="-1" strike="noStrike">
-                <a:latin typeface="Arial"/>
-              </a:rPr>
-              <a:t>proj</a:t>
-            </a:r>
-            <a:r>
-              <a:rPr b="0" lang="en-US" sz="1800" spc="-1" strike="noStrike">
-                <a:latin typeface="Arial"/>
-              </a:rPr>
-              <a:t>ect   </a:t>
-            </a:r>
-            <a:r>
-              <a:rPr b="0" lang="en-US" sz="1800" spc="-1" strike="noStrike">
-                <a:latin typeface="Arial"/>
-              </a:rPr>
-              <a:t>: </a:t>
-            </a:r>
-            <a:r>
-              <a:rPr b="0" lang="en-US" sz="1800" spc="-1" strike="noStrike">
-                <a:latin typeface="Arial"/>
-              </a:rPr>
-              <a:t>linux </a:t>
-            </a:r>
-            <a:r>
-              <a:rPr b="0" lang="en-US" sz="1800" spc="-1" strike="noStrike">
-                <a:latin typeface="Arial"/>
-              </a:rPr>
-              <a:t>OS</a:t>
+              <a:t>Area of project   : linux OS</a:t>
             </a:r>
             <a:endParaRPr b="0" lang="en-US" sz="1800" spc="-1" strike="noStrike">
               <a:latin typeface="Arial"/>
@@ -8522,14 +11179,14 @@
       </p:sp>
       <p:sp>
         <p:nvSpPr>
-          <p:cNvPr id="66" name="TextShape 4"/>
-          <p:cNvSpPr txBox="1"/>
+          <p:cNvPr id="66" name="CustomShape 4"/>
+          <p:cNvSpPr/>
           <p:nvPr/>
         </p:nvSpPr>
         <p:spPr>
           <a:xfrm>
             <a:off x="1463040" y="3768480"/>
-            <a:ext cx="3931920" cy="346320"/>
+            <a:ext cx="3930840" cy="345240"/>
           </a:xfrm>
           <a:prstGeom prst="rect">
             <a:avLst/>
@@ -8539,42 +11196,77 @@
             <a:noFill/>
           </a:ln>
         </p:spPr>
+        <p:style>
+          <a:lnRef idx="0"/>
+          <a:fillRef idx="0"/>
+          <a:effectRef idx="0"/>
+          <a:fontRef idx="minor"/>
+        </p:style>
         <p:txBody>
           <a:bodyPr lIns="90000" rIns="90000" tIns="45000" bIns="45000"/>
           <a:p>
+            <a:pPr>
+              <a:lnSpc>
+                <a:spcPct val="100000"/>
+              </a:lnSpc>
+            </a:pPr>
             <a:r>
               <a:rPr b="0" lang="en-US" sz="1800" spc="-1" strike="noStrike">
+                <a:solidFill>
+                  <a:srgbClr val="000000"/>
+                </a:solidFill>
                 <a:latin typeface="Arial"/>
+                <a:ea typeface="DejaVu Sans"/>
               </a:rPr>
               <a:t>          </a:t>
             </a:r>
             <a:r>
               <a:rPr b="0" lang="en-US" sz="1800" spc="-1" strike="noStrike">
+                <a:solidFill>
+                  <a:srgbClr val="000000"/>
+                </a:solidFill>
                 <a:latin typeface="Arial"/>
+                <a:ea typeface="DejaVu Sans"/>
               </a:rPr>
               <a:t>IDE </a:t>
             </a:r>
             <a:r>
               <a:rPr b="0" lang="en-US" sz="1800" spc="-1" strike="noStrike">
+                <a:solidFill>
+                  <a:srgbClr val="000000"/>
+                </a:solidFill>
                 <a:latin typeface="Arial"/>
+                <a:ea typeface="DejaVu Sans"/>
               </a:rPr>
               <a:t>	</a:t>
             </a:r>
             <a:r>
               <a:rPr b="0" lang="en-US" sz="1800" spc="-1" strike="noStrike">
+                <a:solidFill>
+                  <a:srgbClr val="000000"/>
+                </a:solidFill>
                 <a:latin typeface="Arial"/>
+                <a:ea typeface="DejaVu Sans"/>
               </a:rPr>
               <a:t>	</a:t>
             </a:r>
             <a:r>
               <a:rPr b="0" lang="en-US" sz="1800" spc="-1" strike="noStrike">
+                <a:solidFill>
+                  <a:srgbClr val="000000"/>
+                </a:solidFill>
                 <a:latin typeface="Arial"/>
+                <a:ea typeface="DejaVu Sans"/>
               </a:rPr>
               <a:t>	</a:t>
             </a:r>
             <a:r>
               <a:rPr b="0" lang="en-US" sz="1800" spc="-1" strike="noStrike">
+                <a:solidFill>
+                  <a:srgbClr val="000000"/>
+                </a:solidFill>
                 <a:latin typeface="Arial"/>
+                <a:ea typeface="DejaVu Sans"/>
               </a:rPr>
               <a:t> : Clion </a:t>
             </a:r>
@@ -8586,14 +11278,14 @@
       </p:sp>
       <p:sp>
         <p:nvSpPr>
-          <p:cNvPr id="67" name="TextShape 5"/>
-          <p:cNvSpPr txBox="1"/>
+          <p:cNvPr id="67" name="CustomShape 5"/>
+          <p:cNvSpPr/>
           <p:nvPr/>
         </p:nvSpPr>
         <p:spPr>
           <a:xfrm>
             <a:off x="1371600" y="2926080"/>
-            <a:ext cx="4754880" cy="373680"/>
+            <a:ext cx="4753800" cy="372600"/>
           </a:xfrm>
           <a:prstGeom prst="rect">
             <a:avLst/>
@@ -8603,82 +11295,31 @@
             <a:noFill/>
           </a:ln>
         </p:spPr>
+        <p:style>
+          <a:lnRef idx="0"/>
+          <a:fillRef idx="0"/>
+          <a:effectRef idx="0"/>
+          <a:fontRef idx="minor"/>
+        </p:style>
         <p:txBody>
           <a:bodyPr lIns="90000" rIns="90000" tIns="45000" bIns="45000"/>
           <a:p>
+            <a:pPr>
+              <a:lnSpc>
+                <a:spcPct val="100000"/>
+              </a:lnSpc>
+            </a:pPr>
             <a:r>
               <a:rPr b="1" lang="en-US" sz="2000" spc="-1" strike="noStrike">
+                <a:solidFill>
+                  <a:srgbClr val="000000"/>
+                </a:solidFill>
                 <a:latin typeface="Arial"/>
+                <a:ea typeface="DejaVu Sans"/>
               </a:rPr>
-              <a:t>&lt;&gt; </a:t>
+              <a:t>&lt;&gt; Requirement for Development : </a:t>
             </a:r>
-            <a:r>
-              <a:rPr b="1" lang="en-US" sz="2000" spc="-1" strike="noStrike">
-                <a:latin typeface="Arial"/>
-              </a:rPr>
-              <a:t>Re</a:t>
-            </a:r>
-            <a:r>
-              <a:rPr b="1" lang="en-US" sz="2000" spc="-1" strike="noStrike">
-                <a:latin typeface="Arial"/>
-              </a:rPr>
-              <a:t>qui</a:t>
-            </a:r>
-            <a:r>
-              <a:rPr b="1" lang="en-US" sz="2000" spc="-1" strike="noStrike">
-                <a:latin typeface="Arial"/>
-              </a:rPr>
-              <a:t>re</a:t>
-            </a:r>
-            <a:r>
-              <a:rPr b="1" lang="en-US" sz="2000" spc="-1" strike="noStrike">
-                <a:latin typeface="Arial"/>
-              </a:rPr>
-              <a:t>me</a:t>
-            </a:r>
-            <a:r>
-              <a:rPr b="1" lang="en-US" sz="2000" spc="-1" strike="noStrike">
-                <a:latin typeface="Arial"/>
-              </a:rPr>
-              <a:t>nt </a:t>
-            </a:r>
-            <a:r>
-              <a:rPr b="1" lang="en-US" sz="2000" spc="-1" strike="noStrike">
-                <a:latin typeface="Arial"/>
-              </a:rPr>
-              <a:t>for </a:t>
-            </a:r>
-            <a:r>
-              <a:rPr b="1" lang="en-US" sz="2000" spc="-1" strike="noStrike">
-                <a:latin typeface="Arial"/>
-              </a:rPr>
-              <a:t>Dev</a:t>
-            </a:r>
-            <a:r>
-              <a:rPr b="1" lang="en-US" sz="2000" spc="-1" strike="noStrike">
-                <a:latin typeface="Arial"/>
-              </a:rPr>
-              <a:t>elo</a:t>
-            </a:r>
-            <a:r>
-              <a:rPr b="1" lang="en-US" sz="2000" spc="-1" strike="noStrike">
-                <a:latin typeface="Arial"/>
-              </a:rPr>
-              <a:t>pm</a:t>
-            </a:r>
-            <a:r>
-              <a:rPr b="1" lang="en-US" sz="2000" spc="-1" strike="noStrike">
-                <a:latin typeface="Arial"/>
-              </a:rPr>
-              <a:t>ent </a:t>
-            </a:r>
-            <a:r>
-              <a:rPr b="1" lang="en-US" sz="2000" spc="-1" strike="noStrike">
-                <a:latin typeface="Arial"/>
-              </a:rPr>
-              <a:t>: </a:t>
-            </a:r>
-            <a:endParaRPr b="1" lang="en-US" sz="2000" spc="-1" strike="noStrike">
+            <a:endParaRPr b="0" lang="en-US" sz="2000" spc="-1" strike="noStrike">
               <a:latin typeface="Arial"/>
             </a:endParaRPr>
           </a:p>
@@ -8692,32 +11333,32 @@
   <p:timing>
     <p:tnLst>
       <p:par>
-        <p:cTn id="169" dur="indefinite" restart="never" nodeType="tmRoot">
+        <p:cTn id="168" dur="indefinite" restart="never" nodeType="tmRoot">
           <p:childTnLst>
             <p:seq>
-              <p:cTn id="170" dur="indefinite" nodeType="mainSeq">
+              <p:cTn id="169" dur="indefinite" nodeType="mainSeq">
                 <p:childTnLst>
                   <p:par>
-                    <p:cTn id="171" fill="hold">
+                    <p:cTn id="170" fill="hold">
                       <p:stCondLst>
                         <p:cond delay="indefinite"/>
                       </p:stCondLst>
                       <p:childTnLst>
                         <p:par>
-                          <p:cTn id="172" fill="hold">
+                          <p:cTn id="171" fill="hold">
                             <p:stCondLst>
                               <p:cond delay="0"/>
                             </p:stCondLst>
                             <p:childTnLst>
                               <p:par>
-                                <p:cTn id="173" nodeType="clickEffect" fill="hold" presetClass="entr" presetID="2" presetSubtype="4">
+                                <p:cTn id="172" nodeType="clickEffect" fill="hold" presetClass="entr" presetID="2" presetSubtype="4">
                                   <p:stCondLst>
                                     <p:cond delay="0"/>
                                   </p:stCondLst>
                                   <p:childTnLst>
                                     <p:set>
                                       <p:cBhvr>
-                                        <p:cTn id="174" dur="1" fill="hold">
+                                        <p:cTn id="173" dur="1" fill="hold">
                                           <p:stCondLst>
                                             <p:cond delay="0"/>
                                           </p:stCondLst>
@@ -8735,7 +11376,7 @@
                                     </p:set>
                                     <p:anim calcmode="lin" valueType="num">
                                       <p:cBhvr additive="repl">
-                                        <p:cTn id="175" dur="500" fill="hold"/>
+                                        <p:cTn id="174" dur="500" fill="hold"/>
                                         <p:tgtEl>
                                           <p:spTgt spid="63"/>
                                         </p:tgtEl>
@@ -8758,7 +11399,7 @@
                                     </p:anim>
                                     <p:anim calcmode="lin" valueType="num">
                                       <p:cBhvr additive="repl">
-                                        <p:cTn id="176" dur="500" fill="hold"/>
+                                        <p:cTn id="175" dur="500" fill="hold"/>
                                         <p:tgtEl>
                                           <p:spTgt spid="63"/>
                                         </p:tgtEl>
@@ -8783,14 +11424,14 @@
                                 </p:cTn>
                               </p:par>
                               <p:par>
-                                <p:cTn id="177" nodeType="withEffect" fill="hold" presetClass="entr" presetID="6" presetSubtype="16">
+                                <p:cTn id="176" nodeType="withEffect" fill="hold" presetClass="entr" presetID="6" presetSubtype="16">
                                   <p:stCondLst>
                                     <p:cond delay="0"/>
                                   </p:stCondLst>
                                   <p:childTnLst>
                                     <p:set>
                                       <p:cBhvr>
-                                        <p:cTn id="178" dur="1" fill="hold">
+                                        <p:cTn id="177" dur="1" fill="hold">
                                           <p:stCondLst>
                                             <p:cond delay="0"/>
                                           </p:stCondLst>
@@ -8808,7 +11449,7 @@
                                     </p:set>
                                     <p:animEffect filter="circle(in)" transition="in">
                                       <p:cBhvr additive="repl">
-                                        <p:cTn id="179" dur="2000"/>
+                                        <p:cTn id="178" dur="2000"/>
                                         <p:tgtEl>
                                           <p:spTgt spid="64"/>
                                         </p:tgtEl>
@@ -8821,20 +11462,20 @@
                           </p:cTn>
                         </p:par>
                         <p:par>
-                          <p:cTn id="180" fill="hold">
+                          <p:cTn id="179" fill="hold">
                             <p:stCondLst>
                               <p:cond delay="2000"/>
                             </p:stCondLst>
                             <p:childTnLst>
                               <p:par>
-                                <p:cTn id="181" nodeType="afterEffect" fill="hold" presetClass="entr" presetID="6" presetSubtype="16">
+                                <p:cTn id="180" nodeType="afterEffect" fill="hold" presetClass="entr" presetID="6" presetSubtype="16">
                                   <p:stCondLst>
                                     <p:cond delay="0"/>
                                   </p:stCondLst>
                                   <p:childTnLst>
                                     <p:set>
                                       <p:cBhvr>
-                                        <p:cTn id="182" dur="1" fill="hold">
+                                        <p:cTn id="181" dur="1" fill="hold">
                                           <p:stCondLst>
                                             <p:cond delay="0"/>
                                           </p:stCondLst>
@@ -8856,7 +11497,7 @@
                                     </p:set>
                                     <p:animEffect filter="circle(in)" transition="in">
                                       <p:cBhvr additive="repl">
-                                        <p:cTn id="183" dur="2000"/>
+                                        <p:cTn id="182" dur="2000"/>
                                         <p:tgtEl>
                                           <p:spTgt spid="67">
                                             <p:txEl>
@@ -8873,20 +11514,20 @@
                           </p:cTn>
                         </p:par>
                         <p:par>
-                          <p:cTn id="184" fill="hold">
+                          <p:cTn id="183" fill="hold">
                             <p:stCondLst>
                               <p:cond delay="4000"/>
                             </p:stCondLst>
                             <p:childTnLst>
                               <p:par>
-                                <p:cTn id="185" nodeType="afterEffect" fill="hold" presetClass="entr" presetID="6" presetSubtype="16">
+                                <p:cTn id="184" nodeType="afterEffect" fill="hold" presetClass="entr" presetID="6" presetSubtype="16">
                                   <p:stCondLst>
                                     <p:cond delay="0"/>
                                   </p:stCondLst>
                                   <p:childTnLst>
                                     <p:set>
                                       <p:cBhvr>
-                                        <p:cTn id="186" dur="1" fill="hold">
+                                        <p:cTn id="185" dur="1" fill="hold">
                                           <p:stCondLst>
                                             <p:cond delay="0"/>
                                           </p:stCondLst>
@@ -8908,7 +11549,7 @@
                                     </p:set>
                                     <p:animEffect filter="circle(in)" transition="in">
                                       <p:cBhvr additive="repl">
-                                        <p:cTn id="187" dur="2000"/>
+                                        <p:cTn id="186" dur="2000"/>
                                         <p:tgtEl>
                                           <p:spTgt spid="65">
                                             <p:txEl>
@@ -8925,20 +11566,20 @@
                           </p:cTn>
                         </p:par>
                         <p:par>
-                          <p:cTn id="188" fill="hold">
+                          <p:cTn id="187" fill="hold">
                             <p:stCondLst>
                               <p:cond delay="6000"/>
                             </p:stCondLst>
                             <p:childTnLst>
                               <p:par>
-                                <p:cTn id="189" nodeType="afterEffect" fill="hold" presetClass="entr" presetID="6" presetSubtype="16">
+                                <p:cTn id="188" nodeType="afterEffect" fill="hold" presetClass="entr" presetID="6" presetSubtype="16">
                                   <p:stCondLst>
                                     <p:cond delay="0"/>
                                   </p:stCondLst>
                                   <p:childTnLst>
                                     <p:set>
                                       <p:cBhvr>
-                                        <p:cTn id="190" dur="1" fill="hold">
+                                        <p:cTn id="189" dur="1" fill="hold">
                                           <p:stCondLst>
                                             <p:cond delay="0"/>
                                           </p:stCondLst>
@@ -8960,7 +11601,7 @@
                                     </p:set>
                                     <p:animEffect filter="circle(in)" transition="in">
                                       <p:cBhvr additive="repl">
-                                        <p:cTn id="191" dur="2000"/>
+                                        <p:cTn id="190" dur="2000"/>
                                         <p:tgtEl>
                                           <p:spTgt spid="66">
                                             <p:txEl>
@@ -9030,7 +11671,7 @@
         <p:spPr>
           <a:xfrm>
             <a:off x="1382760" y="700920"/>
-            <a:ext cx="913680" cy="913680"/>
+            <a:ext cx="912600" cy="912600"/>
           </a:xfrm>
           <a:prstGeom prst="ellipse">
             <a:avLst/>
@@ -9088,7 +11729,7 @@
         <p:spPr>
           <a:xfrm>
             <a:off x="2352600" y="700920"/>
-            <a:ext cx="5617440" cy="839880"/>
+            <a:ext cx="5616360" cy="838800"/>
           </a:xfrm>
           <a:custGeom>
             <a:avLst/>
@@ -9175,7 +11816,7 @@
         <p:spPr>
           <a:xfrm>
             <a:off x="548640" y="3291840"/>
-            <a:ext cx="1133280" cy="2171520"/>
+            <a:ext cx="1132200" cy="2170440"/>
           </a:xfrm>
           <a:prstGeom prst="rect">
             <a:avLst/>
@@ -9194,7 +11835,7 @@
         <p:spPr>
           <a:xfrm>
             <a:off x="2560320" y="1828800"/>
-            <a:ext cx="6035040" cy="4754880"/>
+            <a:ext cx="6033960" cy="4753800"/>
           </a:xfrm>
           <a:prstGeom prst="rect">
             <a:avLst/>
@@ -9224,7 +11865,7 @@
         <p:spPr>
           <a:xfrm>
             <a:off x="3383640" y="2286360"/>
-            <a:ext cx="1371600" cy="822960"/>
+            <a:ext cx="1370520" cy="821880"/>
           </a:xfrm>
           <a:prstGeom prst="ellipse">
             <a:avLst/>
@@ -9247,10 +11888,18 @@
         <p:txBody>
           <a:bodyPr wrap="none" lIns="90000" rIns="90000" tIns="45000" bIns="45000" anchor="ctr"/>
           <a:p>
-            <a:pPr algn="ctr"/>
+            <a:pPr algn="ctr">
+              <a:lnSpc>
+                <a:spcPct val="100000"/>
+              </a:lnSpc>
+            </a:pPr>
             <a:r>
               <a:rPr b="0" lang="en-US" sz="1800" spc="-1" strike="noStrike">
+                <a:solidFill>
+                  <a:srgbClr val="000000"/>
+                </a:solidFill>
                 <a:latin typeface="Arial"/>
+                <a:ea typeface="DejaVu Sans"/>
               </a:rPr>
               <a:t>Play</a:t>
             </a:r>
@@ -9269,7 +11918,7 @@
         <p:spPr>
           <a:xfrm>
             <a:off x="3384000" y="3383640"/>
-            <a:ext cx="1462680" cy="914400"/>
+            <a:ext cx="1461600" cy="913320"/>
           </a:xfrm>
           <a:prstGeom prst="ellipse">
             <a:avLst/>
@@ -9292,10 +11941,18 @@
         <p:txBody>
           <a:bodyPr wrap="none" lIns="90000" rIns="90000" tIns="45000" bIns="45000" anchor="ctr"/>
           <a:p>
-            <a:pPr algn="ctr"/>
+            <a:pPr algn="ctr">
+              <a:lnSpc>
+                <a:spcPct val="100000"/>
+              </a:lnSpc>
+            </a:pPr>
             <a:r>
               <a:rPr b="0" lang="en-US" sz="1800" spc="-1" strike="noStrike">
+                <a:solidFill>
+                  <a:srgbClr val="000000"/>
+                </a:solidFill>
                 <a:latin typeface="Arial"/>
+                <a:ea typeface="DejaVu Sans"/>
               </a:rPr>
               <a:t>Instraction</a:t>
             </a:r>
@@ -9314,7 +11971,7 @@
         <p:spPr>
           <a:xfrm>
             <a:off x="3383640" y="4480920"/>
-            <a:ext cx="1463040" cy="822960"/>
+            <a:ext cx="1461960" cy="821880"/>
           </a:xfrm>
           <a:prstGeom prst="ellipse">
             <a:avLst/>
@@ -9337,10 +11994,18 @@
         <p:txBody>
           <a:bodyPr wrap="none" lIns="90000" rIns="90000" tIns="45000" bIns="45000" anchor="ctr"/>
           <a:p>
-            <a:pPr algn="ctr"/>
+            <a:pPr algn="ctr">
+              <a:lnSpc>
+                <a:spcPct val="100000"/>
+              </a:lnSpc>
+            </a:pPr>
             <a:r>
               <a:rPr b="0" lang="en-US" sz="1800" spc="-1" strike="noStrike">
+                <a:solidFill>
+                  <a:srgbClr val="000000"/>
+                </a:solidFill>
                 <a:latin typeface="Arial"/>
+                <a:ea typeface="DejaVu Sans"/>
               </a:rPr>
               <a:t>Exit</a:t>
             </a:r>
@@ -9359,7 +12024,7 @@
         <p:spPr>
           <a:xfrm>
             <a:off x="3474720" y="5486400"/>
-            <a:ext cx="1554480" cy="914400"/>
+            <a:ext cx="1553400" cy="913320"/>
           </a:xfrm>
           <a:prstGeom prst="ellipse">
             <a:avLst/>
@@ -9382,10 +12047,18 @@
         <p:txBody>
           <a:bodyPr wrap="none" lIns="90000" rIns="90000" tIns="45000" bIns="45000" anchor="ctr"/>
           <a:p>
-            <a:pPr algn="ctr"/>
+            <a:pPr algn="ctr">
+              <a:lnSpc>
+                <a:spcPct val="100000"/>
+              </a:lnSpc>
+            </a:pPr>
             <a:r>
               <a:rPr b="0" lang="en-US" sz="1800" spc="-1" strike="noStrike">
+                <a:solidFill>
+                  <a:srgbClr val="000000"/>
+                </a:solidFill>
                 <a:latin typeface="Arial"/>
+                <a:ea typeface="DejaVu Sans"/>
               </a:rPr>
               <a:t>About me</a:t>
             </a:r>
@@ -9516,7 +12189,7 @@
         <p:spPr>
           <a:xfrm>
             <a:off x="6400800" y="2194560"/>
-            <a:ext cx="1371600" cy="640080"/>
+            <a:ext cx="1370520" cy="639000"/>
           </a:xfrm>
           <a:prstGeom prst="ellipse">
             <a:avLst/>
@@ -9539,10 +12212,18 @@
         <p:txBody>
           <a:bodyPr wrap="none" lIns="90000" rIns="90000" tIns="45000" bIns="45000" anchor="ctr"/>
           <a:p>
-            <a:pPr algn="ctr"/>
+            <a:pPr algn="ctr">
+              <a:lnSpc>
+                <a:spcPct val="100000"/>
+              </a:lnSpc>
+            </a:pPr>
             <a:r>
               <a:rPr b="0" lang="en-US" sz="1800" spc="-1" strike="noStrike">
+                <a:solidFill>
+                  <a:srgbClr val="000000"/>
+                </a:solidFill>
                 <a:latin typeface="Arial"/>
+                <a:ea typeface="DejaVu Sans"/>
               </a:rPr>
               <a:t>Move</a:t>
             </a:r>
@@ -9593,7 +12274,7 @@
         <p:spPr>
           <a:xfrm>
             <a:off x="6402960" y="3642840"/>
-            <a:ext cx="1552320" cy="1752120"/>
+            <a:ext cx="1551240" cy="1751040"/>
           </a:xfrm>
           <a:prstGeom prst="rect">
             <a:avLst/>
@@ -9611,32 +12292,32 @@
   <p:timing>
     <p:tnLst>
       <p:par>
-        <p:cTn id="192" dur="indefinite" restart="never" nodeType="tmRoot">
+        <p:cTn id="191" dur="indefinite" restart="never" nodeType="tmRoot">
           <p:childTnLst>
             <p:seq>
-              <p:cTn id="193" dur="indefinite" nodeType="mainSeq">
+              <p:cTn id="192" dur="indefinite" nodeType="mainSeq">
                 <p:childTnLst>
                   <p:par>
-                    <p:cTn id="194" fill="hold">
+                    <p:cTn id="193" fill="hold">
                       <p:stCondLst>
                         <p:cond delay="indefinite"/>
                       </p:stCondLst>
                       <p:childTnLst>
                         <p:par>
-                          <p:cTn id="195" fill="hold">
+                          <p:cTn id="194" fill="hold">
                             <p:stCondLst>
                               <p:cond delay="0"/>
                             </p:stCondLst>
                             <p:childTnLst>
                               <p:par>
-                                <p:cTn id="196" nodeType="clickEffect" fill="hold" presetClass="entr" presetID="2" presetSubtype="4">
+                                <p:cTn id="195" nodeType="clickEffect" fill="hold" presetClass="entr" presetID="2" presetSubtype="4">
                                   <p:stCondLst>
                                     <p:cond delay="0"/>
                                   </p:stCondLst>
                                   <p:childTnLst>
                                     <p:set>
                                       <p:cBhvr>
-                                        <p:cTn id="197" dur="1" fill="hold">
+                                        <p:cTn id="196" dur="1" fill="hold">
                                           <p:stCondLst>
                                             <p:cond delay="0"/>
                                           </p:stCondLst>
@@ -9654,7 +12335,7 @@
                                     </p:set>
                                     <p:anim calcmode="lin" valueType="num">
                                       <p:cBhvr additive="repl">
-                                        <p:cTn id="198" dur="500" fill="hold"/>
+                                        <p:cTn id="197" dur="500" fill="hold"/>
                                         <p:tgtEl>
                                           <p:spTgt spid="68"/>
                                         </p:tgtEl>
@@ -9677,7 +12358,7 @@
                                     </p:anim>
                                     <p:anim calcmode="lin" valueType="num">
                                       <p:cBhvr additive="repl">
-                                        <p:cTn id="199" dur="500" fill="hold"/>
+                                        <p:cTn id="198" dur="500" fill="hold"/>
                                         <p:tgtEl>
                                           <p:spTgt spid="68"/>
                                         </p:tgtEl>
@@ -9702,14 +12383,14 @@
                                 </p:cTn>
                               </p:par>
                               <p:par>
-                                <p:cTn id="200" nodeType="withEffect" fill="hold" presetClass="entr" presetID="6" presetSubtype="16">
+                                <p:cTn id="199" nodeType="withEffect" fill="hold" presetClass="entr" presetID="6" presetSubtype="16">
                                   <p:stCondLst>
                                     <p:cond delay="0"/>
                                   </p:stCondLst>
                                   <p:childTnLst>
                                     <p:set>
                                       <p:cBhvr>
-                                        <p:cTn id="201" dur="1" fill="hold">
+                                        <p:cTn id="200" dur="1" fill="hold">
                                           <p:stCondLst>
                                             <p:cond delay="0"/>
                                           </p:stCondLst>
@@ -9727,97 +12408,9 @@
                                     </p:set>
                                     <p:animEffect filter="circle(in)" transition="in">
                                       <p:cBhvr additive="repl">
-                                        <p:cTn id="202" dur="2000"/>
+                                        <p:cTn id="201" dur="2000"/>
                                         <p:tgtEl>
                                           <p:spTgt spid="69"/>
-                                        </p:tgtEl>
-                                      </p:cBhvr>
-                                    </p:animEffect>
-                                  </p:childTnLst>
-                                </p:cTn>
-                              </p:par>
-                            </p:childTnLst>
-                          </p:cTn>
-                        </p:par>
-                      </p:childTnLst>
-                    </p:cTn>
-                  </p:par>
-                  <p:par>
-                    <p:cTn id="203" fill="hold">
-                      <p:stCondLst>
-                        <p:cond delay="indefinite"/>
-                      </p:stCondLst>
-                      <p:childTnLst>
-                        <p:par>
-                          <p:cTn id="204" fill="hold">
-                            <p:stCondLst>
-                              <p:cond delay="0"/>
-                            </p:stCondLst>
-                            <p:childTnLst>
-                              <p:par>
-                                <p:cTn id="205" nodeType="clickEffect" fill="hold" presetClass="entr" presetID="4" presetSubtype="16">
-                                  <p:stCondLst>
-                                    <p:cond delay="0"/>
-                                  </p:stCondLst>
-                                  <p:childTnLst>
-                                    <p:set>
-                                      <p:cBhvr>
-                                        <p:cTn id="206" dur="1" fill="hold">
-                                          <p:stCondLst>
-                                            <p:cond delay="0"/>
-                                          </p:stCondLst>
-                                        </p:cTn>
-                                        <p:tgtEl>
-                                          <p:spTgt spid="70"/>
-                                        </p:tgtEl>
-                                        <p:attrNameLst>
-                                          <p:attrName>style.visibility</p:attrName>
-                                        </p:attrNameLst>
-                                      </p:cBhvr>
-                                      <p:to>
-                                        <p:strVal val="visible"/>
-                                      </p:to>
-                                    </p:set>
-                                    <p:animEffect filter="box(in)" transition="in">
-                                      <p:cBhvr additive="repl">
-                                        <p:cTn id="207" dur="500"/>
-                                        <p:tgtEl>
-                                          <p:spTgt spid="70"/>
-                                        </p:tgtEl>
-                                      </p:cBhvr>
-                                    </p:animEffect>
-                                  </p:childTnLst>
-                                </p:cTn>
-                              </p:par>
-                              <p:par>
-                                <p:cTn id="208" nodeType="withEffect" fill="hold" presetClass="entr" presetID="4" presetSubtype="16">
-                                  <p:stCondLst>
-                                    <p:cond delay="0"/>
-                                  </p:stCondLst>
-                                  <p:childTnLst>
-                                    <p:set>
-                                      <p:cBhvr>
-                                        <p:cTn id="209" dur="1" fill="hold">
-                                          <p:stCondLst>
-                                            <p:cond delay="0"/>
-                                          </p:stCondLst>
-                                        </p:cTn>
-                                        <p:tgtEl>
-                                          <p:spTgt spid="71"/>
-                                        </p:tgtEl>
-                                        <p:attrNameLst>
-                                          <p:attrName>style.visibility</p:attrName>
-                                        </p:attrNameLst>
-                                      </p:cBhvr>
-                                      <p:to>
-                                        <p:strVal val="visible"/>
-                                      </p:to>
-                                    </p:set>
-                                    <p:animEffect filter="box(in)" transition="in">
-                                      <p:cBhvr additive="repl">
-                                        <p:cTn id="210" dur="500"/>
-                                        <p:tgtEl>
-                                          <p:spTgt spid="71"/>
                                         </p:tgtEl>
                                       </p:cBhvr>
                                     </p:animEffect>
@@ -9828,13 +12421,119 @@
                           </p:cTn>
                         </p:par>
                         <p:par>
-                          <p:cTn id="211" fill="hold">
+                          <p:cTn id="202" fill="hold">
                             <p:stCondLst>
-                              <p:cond delay="500"/>
+                              <p:cond delay="2000"/>
                             </p:stCondLst>
                             <p:childTnLst>
                               <p:par>
-                                <p:cTn id="212" nodeType="afterEffect" fill="hold" presetClass="entr" presetID="1">
+                                <p:cTn id="203" nodeType="afterEffect" fill="hold" presetClass="entr" presetID="4" presetSubtype="16">
+                                  <p:stCondLst>
+                                    <p:cond delay="0"/>
+                                  </p:stCondLst>
+                                  <p:childTnLst>
+                                    <p:set>
+                                      <p:cBhvr>
+                                        <p:cTn id="204" dur="1" fill="hold">
+                                          <p:stCondLst>
+                                            <p:cond delay="0"/>
+                                          </p:stCondLst>
+                                        </p:cTn>
+                                        <p:tgtEl>
+                                          <p:spTgt spid="70"/>
+                                        </p:tgtEl>
+                                        <p:attrNameLst>
+                                          <p:attrName>style.visibility</p:attrName>
+                                        </p:attrNameLst>
+                                      </p:cBhvr>
+                                      <p:to>
+                                        <p:strVal val="visible"/>
+                                      </p:to>
+                                    </p:set>
+                                    <p:animEffect filter="box(in)" transition="in">
+                                      <p:cBhvr additive="repl">
+                                        <p:cTn id="205" dur="500"/>
+                                        <p:tgtEl>
+                                          <p:spTgt spid="70"/>
+                                        </p:tgtEl>
+                                      </p:cBhvr>
+                                    </p:animEffect>
+                                  </p:childTnLst>
+                                </p:cTn>
+                              </p:par>
+                              <p:par>
+                                <p:cTn id="206" nodeType="withEffect" fill="hold" presetClass="entr" presetID="4" presetSubtype="16">
+                                  <p:stCondLst>
+                                    <p:cond delay="0"/>
+                                  </p:stCondLst>
+                                  <p:childTnLst>
+                                    <p:set>
+                                      <p:cBhvr>
+                                        <p:cTn id="207" dur="1" fill="hold">
+                                          <p:stCondLst>
+                                            <p:cond delay="0"/>
+                                          </p:stCondLst>
+                                        </p:cTn>
+                                        <p:tgtEl>
+                                          <p:spTgt spid="71"/>
+                                        </p:tgtEl>
+                                        <p:attrNameLst>
+                                          <p:attrName>style.visibility</p:attrName>
+                                        </p:attrNameLst>
+                                      </p:cBhvr>
+                                      <p:to>
+                                        <p:strVal val="visible"/>
+                                      </p:to>
+                                    </p:set>
+                                    <p:animEffect filter="box(in)" transition="in">
+                                      <p:cBhvr additive="repl">
+                                        <p:cTn id="208" dur="500"/>
+                                        <p:tgtEl>
+                                          <p:spTgt spid="71"/>
+                                        </p:tgtEl>
+                                      </p:cBhvr>
+                                    </p:animEffect>
+                                  </p:childTnLst>
+                                </p:cTn>
+                              </p:par>
+                            </p:childTnLst>
+                          </p:cTn>
+                        </p:par>
+                        <p:par>
+                          <p:cTn id="209" fill="hold">
+                            <p:stCondLst>
+                              <p:cond delay="2500"/>
+                            </p:stCondLst>
+                            <p:childTnLst>
+                              <p:par>
+                                <p:cTn id="210" nodeType="afterEffect" fill="hold" presetClass="entr" presetID="1">
+                                  <p:stCondLst>
+                                    <p:cond delay="0"/>
+                                  </p:stCondLst>
+                                  <p:childTnLst>
+                                    <p:set>
+                                      <p:cBhvr>
+                                        <p:cTn id="211" dur="1" fill="hold">
+                                          <p:stCondLst>
+                                            <p:cond delay="0"/>
+                                          </p:stCondLst>
+                                        </p:cTn>
+                                        <p:tgtEl>
+                                          <p:spTgt spid="76"/>
+                                        </p:tgtEl>
+                                        <p:attrNameLst>
+                                          <p:attrName>style.visibility</p:attrName>
+                                        </p:attrNameLst>
+                                      </p:cBhvr>
+                                      <p:to>
+                                        <p:strVal val="visible"/>
+                                      </p:to>
+                                    </p:set>
+                                  </p:childTnLst>
+                                </p:cTn>
+                              </p:par>
+                              <p:par>
+                                <p:cTn id="212" nodeType="withEffect" fill="hold" presetClass="entr" presetID="6" presetSubtype="16">
                                   <p:stCondLst>
                                     <p:cond delay="0"/>
                                   </p:stCondLst>
@@ -9847,33 +12546,6 @@
                                           </p:stCondLst>
                                         </p:cTn>
                                         <p:tgtEl>
-                                          <p:spTgt spid="76"/>
-                                        </p:tgtEl>
-                                        <p:attrNameLst>
-                                          <p:attrName>style.visibility</p:attrName>
-                                        </p:attrNameLst>
-                                      </p:cBhvr>
-                                      <p:to>
-                                        <p:strVal val="visible"/>
-                                      </p:to>
-                                    </p:set>
-                                  </p:childTnLst>
-                                </p:cTn>
-                              </p:par>
-                              <p:par>
-                                <p:cTn id="214" nodeType="withEffect" fill="hold" presetClass="entr" presetID="6" presetSubtype="16">
-                                  <p:stCondLst>
-                                    <p:cond delay="0"/>
-                                  </p:stCondLst>
-                                  <p:childTnLst>
-                                    <p:set>
-                                      <p:cBhvr>
-                                        <p:cTn id="215" dur="1" fill="hold">
-                                          <p:stCondLst>
-                                            <p:cond delay="0"/>
-                                          </p:stCondLst>
-                                        </p:cTn>
-                                        <p:tgtEl>
                                           <p:spTgt spid="72"/>
                                         </p:tgtEl>
                                         <p:attrNameLst>
@@ -9886,7 +12558,7 @@
                                     </p:set>
                                     <p:animEffect filter="circle(in)" transition="in">
                                       <p:cBhvr additive="repl">
-                                        <p:cTn id="216" dur="2000"/>
+                                        <p:cTn id="214" dur="2000"/>
                                         <p:tgtEl>
                                           <p:spTgt spid="72"/>
                                         </p:tgtEl>
@@ -9899,20 +12571,20 @@
                           </p:cTn>
                         </p:par>
                         <p:par>
-                          <p:cTn id="217" fill="hold">
+                          <p:cTn id="215" fill="hold">
                             <p:stCondLst>
-                              <p:cond delay="2500"/>
+                              <p:cond delay="4500"/>
                             </p:stCondLst>
                             <p:childTnLst>
                               <p:par>
-                                <p:cTn id="218" nodeType="afterEffect" fill="hold" presetClass="entr" presetID="6" presetSubtype="16">
+                                <p:cTn id="216" nodeType="afterEffect" fill="hold" presetClass="entr" presetID="6" presetSubtype="16">
                                   <p:stCondLst>
                                     <p:cond delay="0"/>
                                   </p:stCondLst>
                                   <p:childTnLst>
                                     <p:set>
                                       <p:cBhvr>
-                                        <p:cTn id="219" dur="1" fill="hold">
+                                        <p:cTn id="217" dur="1" fill="hold">
                                           <p:stCondLst>
                                             <p:cond delay="0"/>
                                           </p:stCondLst>
@@ -9930,7 +12602,7 @@
                                     </p:set>
                                     <p:animEffect filter="circle(in)" transition="in">
                                       <p:cBhvr additive="repl">
-                                        <p:cTn id="220" dur="2000"/>
+                                        <p:cTn id="218" dur="2000"/>
                                         <p:tgtEl>
                                           <p:spTgt spid="81"/>
                                         </p:tgtEl>
@@ -9940,14 +12612,14 @@
                                 </p:cTn>
                               </p:par>
                               <p:par>
-                                <p:cTn id="221" nodeType="withEffect" fill="hold" presetClass="entr" presetID="6" presetSubtype="16">
+                                <p:cTn id="219" nodeType="withEffect" fill="hold" presetClass="entr" presetID="6" presetSubtype="16">
                                   <p:stCondLst>
                                     <p:cond delay="0"/>
                                   </p:stCondLst>
                                   <p:childTnLst>
                                     <p:set>
                                       <p:cBhvr>
-                                        <p:cTn id="222" dur="1" fill="hold">
+                                        <p:cTn id="220" dur="1" fill="hold">
                                           <p:stCondLst>
                                             <p:cond delay="0"/>
                                           </p:stCondLst>
@@ -9965,7 +12637,7 @@
                                     </p:set>
                                     <p:animEffect filter="circle(in)" transition="in">
                                       <p:cBhvr additive="repl">
-                                        <p:cTn id="223" dur="2000"/>
+                                        <p:cTn id="221" dur="2000"/>
                                         <p:tgtEl>
                                           <p:spTgt spid="80"/>
                                         </p:tgtEl>
@@ -9978,20 +12650,20 @@
                           </p:cTn>
                         </p:par>
                         <p:par>
-                          <p:cTn id="224" fill="hold">
+                          <p:cTn id="222" fill="hold">
                             <p:stCondLst>
-                              <p:cond delay="4500"/>
+                              <p:cond delay="6500"/>
                             </p:stCondLst>
                             <p:childTnLst>
                               <p:par>
-                                <p:cTn id="225" nodeType="afterEffect" fill="hold" presetClass="entr" presetID="6" presetSubtype="16">
+                                <p:cTn id="223" nodeType="afterEffect" fill="hold" presetClass="entr" presetID="6" presetSubtype="16">
                                   <p:stCondLst>
                                     <p:cond delay="0"/>
                                   </p:stCondLst>
                                   <p:childTnLst>
                                     <p:set>
                                       <p:cBhvr>
-                                        <p:cTn id="226" dur="1" fill="hold">
+                                        <p:cTn id="224" dur="1" fill="hold">
                                           <p:stCondLst>
                                             <p:cond delay="0"/>
                                           </p:stCondLst>
@@ -10009,7 +12681,7 @@
                                     </p:set>
                                     <p:animEffect filter="circle(in)" transition="in">
                                       <p:cBhvr additive="repl">
-                                        <p:cTn id="227" dur="2000"/>
+                                        <p:cTn id="225" dur="2000"/>
                                         <p:tgtEl>
                                           <p:spTgt spid="77"/>
                                         </p:tgtEl>
@@ -10019,14 +12691,14 @@
                                 </p:cTn>
                               </p:par>
                               <p:par>
-                                <p:cTn id="228" nodeType="withEffect" fill="hold" presetClass="entr" presetID="6" presetSubtype="16">
+                                <p:cTn id="226" nodeType="withEffect" fill="hold" presetClass="entr" presetID="6" presetSubtype="16">
                                   <p:stCondLst>
                                     <p:cond delay="0"/>
                                   </p:stCondLst>
                                   <p:childTnLst>
                                     <p:set>
                                       <p:cBhvr>
-                                        <p:cTn id="229" dur="1" fill="hold">
+                                        <p:cTn id="227" dur="1" fill="hold">
                                           <p:stCondLst>
                                             <p:cond delay="0"/>
                                           </p:stCondLst>
@@ -10044,7 +12716,7 @@
                                     </p:set>
                                     <p:animEffect filter="circle(in)" transition="in">
                                       <p:cBhvr additive="repl">
-                                        <p:cTn id="230" dur="2000"/>
+                                        <p:cTn id="228" dur="2000"/>
                                         <p:tgtEl>
                                           <p:spTgt spid="73"/>
                                         </p:tgtEl>
@@ -10057,20 +12729,20 @@
                           </p:cTn>
                         </p:par>
                         <p:par>
-                          <p:cTn id="231" fill="hold">
+                          <p:cTn id="229" fill="hold">
                             <p:stCondLst>
-                              <p:cond delay="6500"/>
+                              <p:cond delay="8500"/>
                             </p:stCondLst>
                             <p:childTnLst>
                               <p:par>
-                                <p:cTn id="232" nodeType="afterEffect" fill="hold" presetClass="entr" presetID="6" presetSubtype="16">
+                                <p:cTn id="230" nodeType="afterEffect" fill="hold" presetClass="entr" presetID="6" presetSubtype="16">
                                   <p:stCondLst>
                                     <p:cond delay="0"/>
                                   </p:stCondLst>
                                   <p:childTnLst>
                                     <p:set>
                                       <p:cBhvr>
-                                        <p:cTn id="233" dur="1" fill="hold">
+                                        <p:cTn id="231" dur="1" fill="hold">
                                           <p:stCondLst>
                                             <p:cond delay="0"/>
                                           </p:stCondLst>
@@ -10088,7 +12760,7 @@
                                     </p:set>
                                     <p:animEffect filter="circle(in)" transition="in">
                                       <p:cBhvr additive="repl">
-                                        <p:cTn id="234" dur="2000"/>
+                                        <p:cTn id="232" dur="2000"/>
                                         <p:tgtEl>
                                           <p:spTgt spid="78"/>
                                         </p:tgtEl>
@@ -10098,14 +12770,14 @@
                                 </p:cTn>
                               </p:par>
                               <p:par>
-                                <p:cTn id="235" nodeType="withEffect" fill="hold" presetClass="entr" presetID="6" presetSubtype="16">
+                                <p:cTn id="233" nodeType="withEffect" fill="hold" presetClass="entr" presetID="6" presetSubtype="16">
                                   <p:stCondLst>
                                     <p:cond delay="0"/>
                                   </p:stCondLst>
                                   <p:childTnLst>
                                     <p:set>
                                       <p:cBhvr>
-                                        <p:cTn id="236" dur="1" fill="hold">
+                                        <p:cTn id="234" dur="1" fill="hold">
                                           <p:stCondLst>
                                             <p:cond delay="0"/>
                                           </p:stCondLst>
@@ -10123,7 +12795,7 @@
                                     </p:set>
                                     <p:animEffect filter="circle(in)" transition="in">
                                       <p:cBhvr additive="repl">
-                                        <p:cTn id="237" dur="2000"/>
+                                        <p:cTn id="235" dur="2000"/>
                                         <p:tgtEl>
                                           <p:spTgt spid="74"/>
                                         </p:tgtEl>
@@ -10136,20 +12808,20 @@
                           </p:cTn>
                         </p:par>
                         <p:par>
-                          <p:cTn id="238" fill="hold">
+                          <p:cTn id="236" fill="hold">
                             <p:stCondLst>
-                              <p:cond delay="8500"/>
+                              <p:cond delay="10500"/>
                             </p:stCondLst>
                             <p:childTnLst>
                               <p:par>
-                                <p:cTn id="239" nodeType="afterEffect" fill="hold" presetClass="entr" presetID="6" presetSubtype="16">
+                                <p:cTn id="237" nodeType="afterEffect" fill="hold" presetClass="entr" presetID="6" presetSubtype="16">
                                   <p:stCondLst>
                                     <p:cond delay="0"/>
                                   </p:stCondLst>
                                   <p:childTnLst>
                                     <p:set>
                                       <p:cBhvr>
-                                        <p:cTn id="240" dur="1" fill="hold">
+                                        <p:cTn id="238" dur="1" fill="hold">
                                           <p:stCondLst>
                                             <p:cond delay="0"/>
                                           </p:stCondLst>
@@ -10167,7 +12839,7 @@
                                     </p:set>
                                     <p:animEffect filter="circle(in)" transition="in">
                                       <p:cBhvr additive="repl">
-                                        <p:cTn id="241" dur="2000"/>
+                                        <p:cTn id="239" dur="2000"/>
                                         <p:tgtEl>
                                           <p:spTgt spid="79"/>
                                         </p:tgtEl>
@@ -10177,14 +12849,14 @@
                                 </p:cTn>
                               </p:par>
                               <p:par>
-                                <p:cTn id="242" nodeType="withEffect" fill="hold" presetClass="entr" presetID="6" presetSubtype="16">
+                                <p:cTn id="240" nodeType="withEffect" fill="hold" presetClass="entr" presetID="6" presetSubtype="16">
                                   <p:stCondLst>
                                     <p:cond delay="0"/>
                                   </p:stCondLst>
                                   <p:childTnLst>
                                     <p:set>
                                       <p:cBhvr>
-                                        <p:cTn id="243" dur="1" fill="hold">
+                                        <p:cTn id="241" dur="1" fill="hold">
                                           <p:stCondLst>
                                             <p:cond delay="0"/>
                                           </p:stCondLst>
@@ -10202,7 +12874,7 @@
                                     </p:set>
                                     <p:animEffect filter="circle(in)" transition="in">
                                       <p:cBhvr additive="repl">
-                                        <p:cTn id="244" dur="2000"/>
+                                        <p:cTn id="242" dur="2000"/>
                                         <p:tgtEl>
                                           <p:spTgt spid="75"/>
                                         </p:tgtEl>
@@ -10215,20 +12887,20 @@
                           </p:cTn>
                         </p:par>
                         <p:par>
-                          <p:cTn id="245" fill="hold">
+                          <p:cTn id="243" fill="hold">
                             <p:stCondLst>
-                              <p:cond delay="10500"/>
+                              <p:cond delay="12500"/>
                             </p:stCondLst>
                             <p:childTnLst>
                               <p:par>
-                                <p:cTn id="246" nodeType="afterEffect" fill="hold" presetClass="entr" presetID="49">
+                                <p:cTn id="244" nodeType="afterEffect" fill="hold" presetClass="entr" presetID="49">
                                   <p:stCondLst>
                                     <p:cond delay="0"/>
                                   </p:stCondLst>
                                   <p:childTnLst>
                                     <p:set>
                                       <p:cBhvr>
-                                        <p:cTn id="247" dur="1" fill="hold">
+                                        <p:cTn id="245" dur="1" fill="hold">
                                           <p:stCondLst>
                                             <p:cond delay="0"/>
                                           </p:stCondLst>
@@ -10246,7 +12918,7 @@
                                     </p:set>
                                     <p:anim calcmode="lin" valueType="num">
                                       <p:cBhvr additive="repl">
-                                        <p:cTn id="248" dur="500" fill="hold"/>
+                                        <p:cTn id="246" dur="500" fill="hold"/>
                                         <p:tgtEl>
                                           <p:spTgt spid="82"/>
                                         </p:tgtEl>
@@ -10269,7 +12941,7 @@
                                     </p:anim>
                                     <p:anim calcmode="lin" valueType="num">
                                       <p:cBhvr additive="repl">
-                                        <p:cTn id="249" dur="500" fill="hold"/>
+                                        <p:cTn id="247" dur="500" fill="hold"/>
                                         <p:tgtEl>
                                           <p:spTgt spid="82"/>
                                         </p:tgtEl>
@@ -10292,7 +12964,7 @@
                                     </p:anim>
                                     <p:anim calcmode="lin" valueType="num">
                                       <p:cBhvr additive="repl">
-                                        <p:cTn id="250" dur="500" fill="hold"/>
+                                        <p:cTn id="248" dur="500" fill="hold"/>
                                         <p:tgtEl>
                                           <p:spTgt spid="82"/>
                                         </p:tgtEl>
@@ -10315,7 +12987,7 @@
                                     </p:anim>
                                     <p:animEffect filter="fade" transition="in">
                                       <p:cBhvr additive="repl">
-                                        <p:cTn id="251" dur="500"/>
+                                        <p:cTn id="249" dur="500"/>
                                         <p:tgtEl>
                                           <p:spTgt spid="82"/>
                                         </p:tgtEl>
@@ -10380,8 +13052,8 @@
         </p:nvSpPr>
         <p:spPr>
           <a:xfrm>
-            <a:off x="1433520" y="751680"/>
-            <a:ext cx="913680" cy="913680"/>
+            <a:off x="1188720" y="677880"/>
+            <a:ext cx="912600" cy="912600"/>
           </a:xfrm>
           <a:prstGeom prst="ellipse">
             <a:avLst/>
@@ -10438,8 +13110,8 @@
         </p:nvSpPr>
         <p:spPr>
           <a:xfrm>
-            <a:off x="2403360" y="751680"/>
-            <a:ext cx="5617440" cy="839880"/>
+            <a:off x="2158560" y="677880"/>
+            <a:ext cx="5616360" cy="838800"/>
           </a:xfrm>
           <a:custGeom>
             <a:avLst/>
@@ -10513,6 +13185,29 @@
           </a:p>
         </p:txBody>
       </p:sp>
+      <p:pic>
+        <p:nvPicPr>
+          <p:cNvPr id="85" name="" descr=""/>
+          <p:cNvPicPr/>
+          <p:nvPr/>
+        </p:nvPicPr>
+        <p:blipFill>
+          <a:blip r:embed="rId1"/>
+          <a:stretch/>
+        </p:blipFill>
+        <p:spPr>
+          <a:xfrm>
+            <a:off x="1097280" y="2043360"/>
+            <a:ext cx="7680600" cy="4813920"/>
+          </a:xfrm>
+          <a:prstGeom prst="rect">
+            <a:avLst/>
+          </a:prstGeom>
+          <a:ln>
+            <a:noFill/>
+          </a:ln>
+        </p:spPr>
+      </p:pic>
     </p:spTree>
   </p:cSld>
   <p:transition spd="med">
@@ -10521,32 +13216,32 @@
   <p:timing>
     <p:tnLst>
       <p:par>
-        <p:cTn id="252" dur="indefinite" restart="never" nodeType="tmRoot">
+        <p:cTn id="250" dur="indefinite" restart="never" nodeType="tmRoot">
           <p:childTnLst>
             <p:seq>
-              <p:cTn id="253" dur="indefinite" nodeType="mainSeq">
+              <p:cTn id="251" dur="indefinite" nodeType="mainSeq">
                 <p:childTnLst>
                   <p:par>
-                    <p:cTn id="254" fill="hold">
+                    <p:cTn id="252" fill="hold">
                       <p:stCondLst>
                         <p:cond delay="indefinite"/>
                       </p:stCondLst>
                       <p:childTnLst>
                         <p:par>
-                          <p:cTn id="255" fill="hold">
+                          <p:cTn id="253" fill="hold">
                             <p:stCondLst>
                               <p:cond delay="0"/>
                             </p:stCondLst>
                             <p:childTnLst>
                               <p:par>
-                                <p:cTn id="256" nodeType="clickEffect" fill="hold" presetClass="entr" presetID="2" presetSubtype="4">
+                                <p:cTn id="254" nodeType="clickEffect" fill="hold" presetClass="entr" presetID="2" presetSubtype="4">
                                   <p:stCondLst>
                                     <p:cond delay="0"/>
                                   </p:stCondLst>
                                   <p:childTnLst>
                                     <p:set>
                                       <p:cBhvr>
-                                        <p:cTn id="257" dur="1" fill="hold">
+                                        <p:cTn id="255" dur="1" fill="hold">
                                           <p:stCondLst>
                                             <p:cond delay="0"/>
                                           </p:stCondLst>
@@ -10564,7 +13259,7 @@
                                     </p:set>
                                     <p:anim calcmode="lin" valueType="num">
                                       <p:cBhvr additive="repl">
-                                        <p:cTn id="258" dur="500" fill="hold"/>
+                                        <p:cTn id="256" dur="500" fill="hold"/>
                                         <p:tgtEl>
                                           <p:spTgt spid="83"/>
                                         </p:tgtEl>
@@ -10587,7 +13282,7 @@
                                     </p:anim>
                                     <p:anim calcmode="lin" valueType="num">
                                       <p:cBhvr additive="repl">
-                                        <p:cTn id="259" dur="500" fill="hold"/>
+                                        <p:cTn id="257" dur="500" fill="hold"/>
                                         <p:tgtEl>
                                           <p:spTgt spid="83"/>
                                         </p:tgtEl>
@@ -10612,14 +13307,14 @@
                                 </p:cTn>
                               </p:par>
                               <p:par>
-                                <p:cTn id="260" nodeType="withEffect" fill="hold" presetClass="entr" presetID="6" presetSubtype="16">
+                                <p:cTn id="258" nodeType="withEffect" fill="hold" presetClass="entr" presetID="6" presetSubtype="16">
                                   <p:stCondLst>
                                     <p:cond delay="0"/>
                                   </p:stCondLst>
                                   <p:childTnLst>
                                     <p:set>
                                       <p:cBhvr>
-                                        <p:cTn id="261" dur="1" fill="hold">
+                                        <p:cTn id="259" dur="1" fill="hold">
                                           <p:stCondLst>
                                             <p:cond delay="0"/>
                                           </p:stCondLst>
@@ -10637,9 +13332,53 @@
                                     </p:set>
                                     <p:animEffect filter="circle(in)" transition="in">
                                       <p:cBhvr additive="repl">
-                                        <p:cTn id="262" dur="2000"/>
+                                        <p:cTn id="260" dur="2000"/>
                                         <p:tgtEl>
                                           <p:spTgt spid="84"/>
+                                        </p:tgtEl>
+                                      </p:cBhvr>
+                                    </p:animEffect>
+                                  </p:childTnLst>
+                                </p:cTn>
+                              </p:par>
+                            </p:childTnLst>
+                          </p:cTn>
+                        </p:par>
+                        <p:par>
+                          <p:cTn id="261" fill="hold">
+                            <p:stCondLst>
+                              <p:cond delay="2000"/>
+                            </p:stCondLst>
+                            <p:childTnLst>
+                              <p:par>
+                                <p:cTn id="262" nodeType="afterEffect" fill="hold" presetClass="entr" presetID="6" presetSubtype="16">
+                                  <p:stCondLst>
+                                    <p:cond delay="0"/>
+                                  </p:stCondLst>
+                                  <p:childTnLst>
+                                    <p:set>
+                                      <p:cBhvr>
+                                        <p:cTn id="263" dur="1" fill="hold">
+                                          <p:stCondLst>
+                                            <p:cond delay="0"/>
+                                          </p:stCondLst>
+                                        </p:cTn>
+                                        <p:tgtEl>
+                                          <p:spTgt spid="85"/>
+                                        </p:tgtEl>
+                                        <p:attrNameLst>
+                                          <p:attrName>style.visibility</p:attrName>
+                                        </p:attrNameLst>
+                                      </p:cBhvr>
+                                      <p:to>
+                                        <p:strVal val="visible"/>
+                                      </p:to>
+                                    </p:set>
+                                    <p:animEffect filter="circle(in)" transition="in">
+                                      <p:cBhvr additive="repl">
+                                        <p:cTn id="264" dur="2000"/>
+                                        <p:tgtEl>
+                                          <p:spTgt spid="85"/>
                                         </p:tgtEl>
                                       </p:cBhvr>
                                     </p:animEffect>
@@ -10696,14 +13435,14 @@
       </p:grpSpPr>
       <p:sp>
         <p:nvSpPr>
-          <p:cNvPr id="85" name="CustomShape 1"/>
+          <p:cNvPr id="86" name="CustomShape 1"/>
           <p:cNvSpPr/>
           <p:nvPr/>
         </p:nvSpPr>
         <p:spPr>
           <a:xfrm>
             <a:off x="1484280" y="802440"/>
-            <a:ext cx="913680" cy="913680"/>
+            <a:ext cx="912600" cy="912600"/>
           </a:xfrm>
           <a:prstGeom prst="ellipse">
             <a:avLst/>
@@ -10754,14 +13493,14 @@
       </p:sp>
       <p:sp>
         <p:nvSpPr>
-          <p:cNvPr id="86" name="CustomShape 2"/>
+          <p:cNvPr id="87" name="CustomShape 2"/>
           <p:cNvSpPr/>
           <p:nvPr/>
         </p:nvSpPr>
         <p:spPr>
           <a:xfrm>
             <a:off x="2454120" y="802440"/>
-            <a:ext cx="5617440" cy="839880"/>
+            <a:ext cx="5616360" cy="838800"/>
           </a:xfrm>
           <a:custGeom>
             <a:avLst/>
@@ -10835,6 +13574,175 @@
           </a:p>
         </p:txBody>
       </p:sp>
+      <p:sp>
+        <p:nvSpPr>
+          <p:cNvPr id="88" name="CustomShape 3"/>
+          <p:cNvSpPr/>
+          <p:nvPr/>
+        </p:nvSpPr>
+        <p:spPr>
+          <a:xfrm>
+            <a:off x="1097280" y="2560320"/>
+            <a:ext cx="7588800" cy="2393280"/>
+          </a:xfrm>
+          <a:prstGeom prst="rect">
+            <a:avLst/>
+          </a:prstGeom>
+          <a:noFill/>
+          <a:ln>
+            <a:noFill/>
+          </a:ln>
+        </p:spPr>
+        <p:style>
+          <a:lnRef idx="0"/>
+          <a:fillRef idx="0"/>
+          <a:effectRef idx="0"/>
+          <a:fontRef idx="minor"/>
+        </p:style>
+        <p:txBody>
+          <a:bodyPr lIns="90000" rIns="90000" tIns="45000" bIns="45000"/>
+          <a:p>
+            <a:pPr>
+              <a:lnSpc>
+                <a:spcPct val="100000"/>
+              </a:lnSpc>
+            </a:pPr>
+            <a:endParaRPr b="0" lang="en-US" sz="1800" spc="-1" strike="noStrike">
+              <a:latin typeface="Arial"/>
+            </a:endParaRPr>
+          </a:p>
+          <a:p>
+            <a:pPr>
+              <a:lnSpc>
+                <a:spcPct val="100000"/>
+              </a:lnSpc>
+            </a:pPr>
+            <a:r>
+              <a:rPr b="0" lang="en-US" sz="1800" spc="-1" strike="noStrike">
+                <a:solidFill>
+                  <a:srgbClr val="000000"/>
+                </a:solidFill>
+                <a:latin typeface="Arial"/>
+                <a:ea typeface="DejaVu Sans"/>
+              </a:rPr>
+              <a:t>&lt;&gt; User friendly.</a:t>
+            </a:r>
+            <a:endParaRPr b="0" lang="en-US" sz="1800" spc="-1" strike="noStrike">
+              <a:latin typeface="Arial"/>
+            </a:endParaRPr>
+          </a:p>
+          <a:p>
+            <a:pPr>
+              <a:lnSpc>
+                <a:spcPct val="100000"/>
+              </a:lnSpc>
+            </a:pPr>
+            <a:endParaRPr b="0" lang="en-US" sz="1800" spc="-1" strike="noStrike">
+              <a:latin typeface="Arial"/>
+            </a:endParaRPr>
+          </a:p>
+          <a:p>
+            <a:pPr>
+              <a:lnSpc>
+                <a:spcPct val="100000"/>
+              </a:lnSpc>
+            </a:pPr>
+            <a:r>
+              <a:rPr b="0" lang="en-US" sz="1800" spc="-1" strike="noStrike">
+                <a:solidFill>
+                  <a:srgbClr val="000000"/>
+                </a:solidFill>
+                <a:latin typeface="Arial"/>
+                <a:ea typeface="DejaVu Sans"/>
+              </a:rPr>
+              <a:t>&lt;&gt; User can play this game on his Linux OS anywhere he wants.</a:t>
+            </a:r>
+            <a:endParaRPr b="0" lang="en-US" sz="1800" spc="-1" strike="noStrike">
+              <a:latin typeface="Arial"/>
+            </a:endParaRPr>
+          </a:p>
+          <a:p>
+            <a:pPr>
+              <a:lnSpc>
+                <a:spcPct val="100000"/>
+              </a:lnSpc>
+            </a:pPr>
+            <a:endParaRPr b="0" lang="en-US" sz="1800" spc="-1" strike="noStrike">
+              <a:latin typeface="Arial"/>
+            </a:endParaRPr>
+          </a:p>
+          <a:p>
+            <a:pPr>
+              <a:lnSpc>
+                <a:spcPct val="100000"/>
+              </a:lnSpc>
+            </a:pPr>
+            <a:r>
+              <a:rPr b="0" lang="en-US" sz="1800" spc="-1" strike="noStrike">
+                <a:solidFill>
+                  <a:srgbClr val="000000"/>
+                </a:solidFill>
+                <a:latin typeface="Arial"/>
+                <a:ea typeface="DejaVu Sans"/>
+              </a:rPr>
+              <a:t>&lt;&gt; Give challenges to the user’s brain.</a:t>
+            </a:r>
+            <a:endParaRPr b="0" lang="en-US" sz="1800" spc="-1" strike="noStrike">
+              <a:latin typeface="Arial"/>
+            </a:endParaRPr>
+          </a:p>
+          <a:p>
+            <a:pPr>
+              <a:lnSpc>
+                <a:spcPct val="100000"/>
+              </a:lnSpc>
+            </a:pPr>
+            <a:endParaRPr b="0" lang="en-US" sz="1800" spc="-1" strike="noStrike">
+              <a:latin typeface="Arial"/>
+            </a:endParaRPr>
+          </a:p>
+          <a:p>
+            <a:pPr>
+              <a:lnSpc>
+                <a:spcPct val="100000"/>
+              </a:lnSpc>
+            </a:pPr>
+            <a:r>
+              <a:rPr b="0" lang="en-US" sz="1800" spc="-1" strike="noStrike">
+                <a:solidFill>
+                  <a:srgbClr val="000000"/>
+                </a:solidFill>
+                <a:latin typeface="Arial"/>
+                <a:ea typeface="DejaVu Sans"/>
+              </a:rPr>
+              <a:t>&lt;&gt; There is also a timer to count that in how much times the user           </a:t>
+            </a:r>
+            <a:r>
+              <a:rPr b="0" lang="en-US" sz="1800" spc="-1" strike="noStrike">
+                <a:solidFill>
+                  <a:srgbClr val="000000"/>
+                </a:solidFill>
+                <a:latin typeface="Arial"/>
+                <a:ea typeface="DejaVu Sans"/>
+              </a:rPr>
+              <a:t>	</a:t>
+            </a:r>
+            <a:r>
+              <a:rPr b="0" lang="en-US" sz="1800" spc="-1" strike="noStrike">
+                <a:solidFill>
+                  <a:srgbClr val="000000"/>
+                </a:solidFill>
+                <a:latin typeface="Arial"/>
+                <a:ea typeface="DejaVu Sans"/>
+              </a:rPr>
+              <a:t>        complete the game.</a:t>
+            </a:r>
+            <a:endParaRPr b="0" lang="en-US" sz="1800" spc="-1" strike="noStrike">
+              <a:latin typeface="Arial"/>
+            </a:endParaRPr>
+          </a:p>
+        </p:txBody>
+      </p:sp>
     </p:spTree>
   </p:cSld>
   <p:transition spd="med">
@@ -10843,38 +13751,38 @@
   <p:timing>
     <p:tnLst>
       <p:par>
-        <p:cTn id="263" dur="indefinite" restart="never" nodeType="tmRoot">
+        <p:cTn id="265" dur="indefinite" restart="never" nodeType="tmRoot">
           <p:childTnLst>
             <p:seq>
-              <p:cTn id="264" dur="indefinite" nodeType="mainSeq">
+              <p:cTn id="266" dur="indefinite" nodeType="mainSeq">
                 <p:childTnLst>
                   <p:par>
-                    <p:cTn id="265" fill="hold">
+                    <p:cTn id="267" fill="hold">
                       <p:stCondLst>
                         <p:cond delay="indefinite"/>
                       </p:stCondLst>
                       <p:childTnLst>
                         <p:par>
-                          <p:cTn id="266" fill="hold">
+                          <p:cTn id="268" fill="hold">
                             <p:stCondLst>
                               <p:cond delay="0"/>
                             </p:stCondLst>
                             <p:childTnLst>
                               <p:par>
-                                <p:cTn id="267" nodeType="clickEffect" fill="hold" presetClass="entr" presetID="2" presetSubtype="4">
+                                <p:cTn id="269" nodeType="clickEffect" fill="hold" presetClass="entr" presetID="2" presetSubtype="4">
                                   <p:stCondLst>
                                     <p:cond delay="0"/>
                                   </p:stCondLst>
                                   <p:childTnLst>
                                     <p:set>
                                       <p:cBhvr>
-                                        <p:cTn id="268" dur="1" fill="hold">
+                                        <p:cTn id="270" dur="1" fill="hold">
                                           <p:stCondLst>
                                             <p:cond delay="0"/>
                                           </p:stCondLst>
                                         </p:cTn>
                                         <p:tgtEl>
-                                          <p:spTgt spid="85"/>
+                                          <p:spTgt spid="86"/>
                                         </p:tgtEl>
                                         <p:attrNameLst>
                                           <p:attrName>style.visibility</p:attrName>
@@ -10886,9 +13794,9 @@
                                     </p:set>
                                     <p:anim calcmode="lin" valueType="num">
                                       <p:cBhvr additive="repl">
-                                        <p:cTn id="269" dur="500" fill="hold"/>
-                                        <p:tgtEl>
-                                          <p:spTgt spid="85"/>
+                                        <p:cTn id="271" dur="500" fill="hold"/>
+                                        <p:tgtEl>
+                                          <p:spTgt spid="86"/>
                                         </p:tgtEl>
                                         <p:attrNameLst>
                                           <p:attrName>ppt_x</p:attrName>
@@ -10909,9 +13817,9 @@
                                     </p:anim>
                                     <p:anim calcmode="lin" valueType="num">
                                       <p:cBhvr additive="repl">
-                                        <p:cTn id="270" dur="500" fill="hold"/>
-                                        <p:tgtEl>
-                                          <p:spTgt spid="85"/>
+                                        <p:cTn id="272" dur="500" fill="hold"/>
+                                        <p:tgtEl>
+                                          <p:spTgt spid="86"/>
                                         </p:tgtEl>
                                         <p:attrNameLst>
                                           <p:attrName>ppt_y</p:attrName>
@@ -10934,20 +13842,20 @@
                                 </p:cTn>
                               </p:par>
                               <p:par>
-                                <p:cTn id="271" nodeType="withEffect" fill="hold" presetClass="entr" presetID="6" presetSubtype="16">
+                                <p:cTn id="273" nodeType="withEffect" fill="hold" presetClass="entr" presetID="6" presetSubtype="16">
                                   <p:stCondLst>
                                     <p:cond delay="0"/>
                                   </p:stCondLst>
                                   <p:childTnLst>
                                     <p:set>
                                       <p:cBhvr>
-                                        <p:cTn id="272" dur="1" fill="hold">
+                                        <p:cTn id="274" dur="1" fill="hold">
                                           <p:stCondLst>
                                             <p:cond delay="0"/>
                                           </p:stCondLst>
                                         </p:cTn>
                                         <p:tgtEl>
-                                          <p:spTgt spid="86"/>
+                                          <p:spTgt spid="87"/>
                                         </p:tgtEl>
                                         <p:attrNameLst>
                                           <p:attrName>style.visibility</p:attrName>
@@ -10959,9 +13867,199 @@
                                     </p:set>
                                     <p:animEffect filter="circle(in)" transition="in">
                                       <p:cBhvr additive="repl">
-                                        <p:cTn id="273" dur="2000"/>
-                                        <p:tgtEl>
-                                          <p:spTgt spid="86"/>
+                                        <p:cTn id="275" dur="2000"/>
+                                        <p:tgtEl>
+                                          <p:spTgt spid="87"/>
+                                        </p:tgtEl>
+                                      </p:cBhvr>
+                                    </p:animEffect>
+                                  </p:childTnLst>
+                                </p:cTn>
+                              </p:par>
+                            </p:childTnLst>
+                          </p:cTn>
+                        </p:par>
+                        <p:par>
+                          <p:cTn id="276" fill="hold">
+                            <p:stCondLst>
+                              <p:cond delay="2000"/>
+                            </p:stCondLst>
+                            <p:childTnLst>
+                              <p:par>
+                                <p:cTn id="277" nodeType="afterEffect" fill="hold" presetClass="entr" presetID="6" presetSubtype="16">
+                                  <p:stCondLst>
+                                    <p:cond delay="0"/>
+                                  </p:stCondLst>
+                                  <p:childTnLst>
+                                    <p:set>
+                                      <p:cBhvr>
+                                        <p:cTn id="278" dur="1" fill="hold">
+                                          <p:stCondLst>
+                                            <p:cond delay="0"/>
+                                          </p:stCondLst>
+                                        </p:cTn>
+                                        <p:tgtEl>
+                                          <p:spTgt spid="88">
+                                            <p:txEl>
+                                              <p:pRg st="1" end="1"/>
+                                            </p:txEl>
+                                          </p:spTgt>
+                                        </p:tgtEl>
+                                        <p:attrNameLst>
+                                          <p:attrName>style.visibility</p:attrName>
+                                        </p:attrNameLst>
+                                      </p:cBhvr>
+                                      <p:to>
+                                        <p:strVal val="visible"/>
+                                      </p:to>
+                                    </p:set>
+                                    <p:animEffect filter="circle(in)" transition="in">
+                                      <p:cBhvr additive="repl">
+                                        <p:cTn id="279" dur="2000"/>
+                                        <p:tgtEl>
+                                          <p:spTgt spid="88">
+                                            <p:txEl>
+                                              <p:pRg st="1" end="1"/>
+                                            </p:txEl>
+                                          </p:spTgt>
+                                        </p:tgtEl>
+                                      </p:cBhvr>
+                                    </p:animEffect>
+                                  </p:childTnLst>
+                                </p:cTn>
+                              </p:par>
+                              <p:par>
+                                <p:cTn id="280" nodeType="withEffect" fill="hold" presetClass="entr" presetID="6" presetSubtype="16">
+                                  <p:stCondLst>
+                                    <p:cond delay="0"/>
+                                  </p:stCondLst>
+                                  <p:childTnLst>
+                                    <p:set>
+                                      <p:cBhvr>
+                                        <p:cTn id="281" dur="1" fill="hold">
+                                          <p:stCondLst>
+                                            <p:cond delay="0"/>
+                                          </p:stCondLst>
+                                        </p:cTn>
+                                        <p:tgtEl>
+                                          <p:spTgt spid="88">
+                                            <p:txEl>
+                                              <p:pRg st="3" end="3"/>
+                                            </p:txEl>
+                                          </p:spTgt>
+                                        </p:tgtEl>
+                                        <p:attrNameLst>
+                                          <p:attrName>style.visibility</p:attrName>
+                                        </p:attrNameLst>
+                                      </p:cBhvr>
+                                      <p:to>
+                                        <p:strVal val="visible"/>
+                                      </p:to>
+                                    </p:set>
+                                    <p:animEffect filter="circle(in)" transition="in">
+                                      <p:cBhvr additive="repl">
+                                        <p:cTn id="282" dur="2000"/>
+                                        <p:tgtEl>
+                                          <p:spTgt spid="88">
+                                            <p:txEl>
+                                              <p:pRg st="3" end="3"/>
+                                            </p:txEl>
+                                          </p:spTgt>
+                                        </p:tgtEl>
+                                      </p:cBhvr>
+                                    </p:animEffect>
+                                  </p:childTnLst>
+                                </p:cTn>
+                              </p:par>
+                            </p:childTnLst>
+                          </p:cTn>
+                        </p:par>
+                        <p:par>
+                          <p:cTn id="283" fill="hold">
+                            <p:stCondLst>
+                              <p:cond delay="4000"/>
+                            </p:stCondLst>
+                            <p:childTnLst>
+                              <p:par>
+                                <p:cTn id="284" nodeType="afterEffect" fill="hold" presetClass="entr" presetID="6" presetSubtype="16">
+                                  <p:stCondLst>
+                                    <p:cond delay="0"/>
+                                  </p:stCondLst>
+                                  <p:childTnLst>
+                                    <p:set>
+                                      <p:cBhvr>
+                                        <p:cTn id="285" dur="1" fill="hold">
+                                          <p:stCondLst>
+                                            <p:cond delay="0"/>
+                                          </p:stCondLst>
+                                        </p:cTn>
+                                        <p:tgtEl>
+                                          <p:spTgt spid="88">
+                                            <p:txEl>
+                                              <p:pRg st="5" end="5"/>
+                                            </p:txEl>
+                                          </p:spTgt>
+                                        </p:tgtEl>
+                                        <p:attrNameLst>
+                                          <p:attrName>style.visibility</p:attrName>
+                                        </p:attrNameLst>
+                                      </p:cBhvr>
+                                      <p:to>
+                                        <p:strVal val="visible"/>
+                                      </p:to>
+                                    </p:set>
+                                    <p:animEffect filter="circle(in)" transition="in">
+                                      <p:cBhvr additive="repl">
+                                        <p:cTn id="286" dur="2000"/>
+                                        <p:tgtEl>
+                                          <p:spTgt spid="88">
+                                            <p:txEl>
+                                              <p:pRg st="5" end="5"/>
+                                            </p:txEl>
+                                          </p:spTgt>
+                                        </p:tgtEl>
+                                      </p:cBhvr>
+                                    </p:animEffect>
+                                  </p:childTnLst>
+                                </p:cTn>
+                              </p:par>
+                              <p:par>
+                                <p:cTn id="287" nodeType="withEffect" fill="hold" presetClass="entr" presetID="6" presetSubtype="16">
+                                  <p:stCondLst>
+                                    <p:cond delay="0"/>
+                                  </p:stCondLst>
+                                  <p:childTnLst>
+                                    <p:set>
+                                      <p:cBhvr>
+                                        <p:cTn id="288" dur="1" fill="hold">
+                                          <p:stCondLst>
+                                            <p:cond delay="0"/>
+                                          </p:stCondLst>
+                                        </p:cTn>
+                                        <p:tgtEl>
+                                          <p:spTgt spid="88">
+                                            <p:txEl>
+                                              <p:pRg st="7" end="7"/>
+                                            </p:txEl>
+                                          </p:spTgt>
+                                        </p:tgtEl>
+                                        <p:attrNameLst>
+                                          <p:attrName>style.visibility</p:attrName>
+                                        </p:attrNameLst>
+                                      </p:cBhvr>
+                                      <p:to>
+                                        <p:strVal val="visible"/>
+                                      </p:to>
+                                    </p:set>
+                                    <p:animEffect filter="circle(in)" transition="in">
+                                      <p:cBhvr additive="repl">
+                                        <p:cTn id="289" dur="2000"/>
+                                        <p:tgtEl>
+                                          <p:spTgt spid="88">
+                                            <p:txEl>
+                                              <p:pRg st="7" end="7"/>
+                                            </p:txEl>
+                                          </p:spTgt>
                                         </p:tgtEl>
                                       </p:cBhvr>
                                     </p:animEffect>
@@ -11018,14 +14116,14 @@
       </p:grpSpPr>
       <p:sp>
         <p:nvSpPr>
-          <p:cNvPr id="87" name="CustomShape 1"/>
+          <p:cNvPr id="89" name="CustomShape 1"/>
           <p:cNvSpPr/>
           <p:nvPr/>
         </p:nvSpPr>
         <p:spPr>
           <a:xfrm>
-            <a:off x="1535040" y="853200"/>
-            <a:ext cx="913680" cy="913680"/>
+            <a:off x="1185840" y="822960"/>
+            <a:ext cx="912600" cy="912600"/>
           </a:xfrm>
           <a:prstGeom prst="ellipse">
             <a:avLst/>
@@ -11076,14 +14174,14 @@
       </p:sp>
       <p:sp>
         <p:nvSpPr>
-          <p:cNvPr id="88" name="CustomShape 2"/>
+          <p:cNvPr id="90" name="CustomShape 2"/>
           <p:cNvSpPr/>
           <p:nvPr/>
         </p:nvSpPr>
         <p:spPr>
           <a:xfrm>
-            <a:off x="2504880" y="853200"/>
-            <a:ext cx="5617440" cy="839880"/>
+            <a:off x="2155680" y="822960"/>
+            <a:ext cx="5616360" cy="838800"/>
           </a:xfrm>
           <a:custGeom>
             <a:avLst/>
@@ -11144,14 +14242,153 @@
             <a:r>
               <a:rPr b="1" lang="en-US" sz="3600" spc="-1" strike="noStrike">
                 <a:solidFill>
-                  <a:srgbClr val="ffffff"/>
+                  <a:srgbClr val="e8e8e8"/>
                 </a:solidFill>
                 <a:latin typeface="Cantarell"/>
                 <a:ea typeface="DejaVu Sans"/>
               </a:rPr>
-              <a:t>System Testing </a:t>
+              <a:t>Impact on the society</a:t>
             </a:r>
             <a:endParaRPr b="0" lang="en-US" sz="3600" spc="-1" strike="noStrike">
+              <a:latin typeface="Arial"/>
+            </a:endParaRPr>
+          </a:p>
+        </p:txBody>
+      </p:sp>
+      <p:sp>
+        <p:nvSpPr>
+          <p:cNvPr id="91" name="CustomShape 3"/>
+          <p:cNvSpPr/>
+          <p:nvPr/>
+        </p:nvSpPr>
+        <p:spPr>
+          <a:xfrm>
+            <a:off x="1554480" y="3291840"/>
+            <a:ext cx="7040160" cy="1113480"/>
+          </a:xfrm>
+          <a:prstGeom prst="rect">
+            <a:avLst/>
+          </a:prstGeom>
+          <a:noFill/>
+          <a:ln>
+            <a:noFill/>
+          </a:ln>
+        </p:spPr>
+        <p:style>
+          <a:lnRef idx="0"/>
+          <a:fillRef idx="0"/>
+          <a:effectRef idx="0"/>
+          <a:fontRef idx="minor"/>
+        </p:style>
+        <p:txBody>
+          <a:bodyPr lIns="90000" rIns="90000" tIns="45000" bIns="45000"/>
+          <a:p>
+            <a:pPr>
+              <a:lnSpc>
+                <a:spcPct val="100000"/>
+              </a:lnSpc>
+            </a:pPr>
+            <a:r>
+              <a:rPr b="0" lang="en-US" sz="1800" spc="-1" strike="noStrike">
+                <a:solidFill>
+                  <a:srgbClr val="000000"/>
+                </a:solidFill>
+                <a:latin typeface="Arial"/>
+                <a:ea typeface="DejaVu Sans"/>
+              </a:rPr>
+              <a:t>&lt;&gt; Puzzles are also an important educational learning</a:t>
+            </a:r>
+            <a:endParaRPr b="0" lang="en-US" sz="1800" spc="-1" strike="noStrike">
+              <a:latin typeface="Arial"/>
+            </a:endParaRPr>
+          </a:p>
+          <a:p>
+            <a:pPr>
+              <a:lnSpc>
+                <a:spcPct val="100000"/>
+              </a:lnSpc>
+            </a:pPr>
+            <a:r>
+              <a:rPr b="0" lang="en-US" sz="1800" spc="-1" strike="noStrike">
+                <a:solidFill>
+                  <a:srgbClr val="000000"/>
+                </a:solidFill>
+                <a:latin typeface="Arial"/>
+                <a:ea typeface="DejaVu Sans"/>
+              </a:rPr>
+              <a:t>     </a:t>
+            </a:r>
+            <a:r>
+              <a:rPr b="0" lang="en-US" sz="1800" spc="-1" strike="noStrike">
+                <a:solidFill>
+                  <a:srgbClr val="000000"/>
+                </a:solidFill>
+                <a:latin typeface="Arial"/>
+                <a:ea typeface="DejaVu Sans"/>
+              </a:rPr>
+              <a:t>tool for toddlers and young children as they provide </a:t>
+            </a:r>
+            <a:endParaRPr b="0" lang="en-US" sz="1800" spc="-1" strike="noStrike">
+              <a:latin typeface="Arial"/>
+            </a:endParaRPr>
+          </a:p>
+          <a:p>
+            <a:pPr>
+              <a:lnSpc>
+                <a:spcPct val="100000"/>
+              </a:lnSpc>
+            </a:pPr>
+            <a:r>
+              <a:rPr b="0" lang="en-US" sz="1800" spc="-1" strike="noStrike">
+                <a:solidFill>
+                  <a:srgbClr val="000000"/>
+                </a:solidFill>
+                <a:latin typeface="Arial"/>
+                <a:ea typeface="DejaVu Sans"/>
+              </a:rPr>
+              <a:t>     </a:t>
+            </a:r>
+            <a:r>
+              <a:rPr b="0" lang="en-US" sz="1800" spc="-1" strike="noStrike">
+                <a:solidFill>
+                  <a:srgbClr val="000000"/>
+                </a:solidFill>
+                <a:latin typeface="Arial"/>
+                <a:ea typeface="DejaVu Sans"/>
+              </a:rPr>
+              <a:t>many skills and mental learning benefits and </a:t>
+            </a:r>
+            <a:endParaRPr b="0" lang="en-US" sz="1800" spc="-1" strike="noStrike">
+              <a:latin typeface="Arial"/>
+            </a:endParaRPr>
+          </a:p>
+          <a:p>
+            <a:pPr>
+              <a:lnSpc>
+                <a:spcPct val="100000"/>
+              </a:lnSpc>
+            </a:pPr>
+            <a:r>
+              <a:rPr b="0" lang="en-US" sz="1800" spc="-1" strike="noStrike">
+                <a:solidFill>
+                  <a:srgbClr val="000000"/>
+                </a:solidFill>
+                <a:latin typeface="Arial"/>
+                <a:ea typeface="DejaVu Sans"/>
+              </a:rPr>
+              <a:t>     </a:t>
+            </a:r>
+            <a:r>
+              <a:rPr b="0" lang="en-US" sz="1800" spc="-1" strike="noStrike">
+                <a:solidFill>
+                  <a:srgbClr val="000000"/>
+                </a:solidFill>
+                <a:latin typeface="Arial"/>
+                <a:ea typeface="DejaVu Sans"/>
+              </a:rPr>
+              <a:t>opportunities.</a:t>
+            </a:r>
+            <a:endParaRPr b="0" lang="en-US" sz="1800" spc="-1" strike="noStrike">
               <a:latin typeface="Arial"/>
             </a:endParaRPr>
           </a:p>
@@ -11165,38 +14402,38 @@
   <p:timing>
     <p:tnLst>
       <p:par>
-        <p:cTn id="274" dur="indefinite" restart="never" nodeType="tmRoot">
+        <p:cTn id="290" dur="indefinite" restart="never" nodeType="tmRoot">
           <p:childTnLst>
             <p:seq>
-              <p:cTn id="275" dur="indefinite" nodeType="mainSeq">
+              <p:cTn id="291" dur="indefinite" nodeType="mainSeq">
                 <p:childTnLst>
                   <p:par>
-                    <p:cTn id="276" fill="hold">
+                    <p:cTn id="292" fill="hold">
                       <p:stCondLst>
                         <p:cond delay="indefinite"/>
                       </p:stCondLst>
                       <p:childTnLst>
                         <p:par>
-                          <p:cTn id="277" fill="hold">
+                          <p:cTn id="293" fill="hold">
                             <p:stCondLst>
                               <p:cond delay="0"/>
                             </p:stCondLst>
                             <p:childTnLst>
                               <p:par>
-                                <p:cTn id="278" nodeType="clickEffect" fill="hold" presetClass="entr" presetID="2" presetSubtype="4">
+                                <p:cTn id="294" nodeType="clickEffect" fill="hold" presetClass="entr" presetID="2" presetSubtype="4">
                                   <p:stCondLst>
                                     <p:cond delay="0"/>
                                   </p:stCondLst>
                                   <p:childTnLst>
                                     <p:set>
                                       <p:cBhvr>
-                                        <p:cTn id="279" dur="1" fill="hold">
+                                        <p:cTn id="295" dur="1" fill="hold">
                                           <p:stCondLst>
                                             <p:cond delay="0"/>
                                           </p:stCondLst>
                                         </p:cTn>
                                         <p:tgtEl>
-                                          <p:spTgt spid="87"/>
+                                          <p:spTgt spid="89"/>
                                         </p:tgtEl>
                                         <p:attrNameLst>
                                           <p:attrName>style.visibility</p:attrName>
@@ -11208,9 +14445,9 @@
                                     </p:set>
                                     <p:anim calcmode="lin" valueType="num">
                                       <p:cBhvr additive="repl">
-                                        <p:cTn id="280" dur="500" fill="hold"/>
-                                        <p:tgtEl>
-                                          <p:spTgt spid="87"/>
+                                        <p:cTn id="296" dur="500" fill="hold"/>
+                                        <p:tgtEl>
+                                          <p:spTgt spid="89"/>
                                         </p:tgtEl>
                                         <p:attrNameLst>
                                           <p:attrName>ppt_x</p:attrName>
@@ -11231,9 +14468,9 @@
                                     </p:anim>
                                     <p:anim calcmode="lin" valueType="num">
                                       <p:cBhvr additive="repl">
-                                        <p:cTn id="281" dur="500" fill="hold"/>
-                                        <p:tgtEl>
-                                          <p:spTgt spid="87"/>
+                                        <p:cTn id="297" dur="500" fill="hold"/>
+                                        <p:tgtEl>
+                                          <p:spTgt spid="89"/>
                                         </p:tgtEl>
                                         <p:attrNameLst>
                                           <p:attrName>ppt_y</p:attrName>
@@ -11256,20 +14493,20 @@
                                 </p:cTn>
                               </p:par>
                               <p:par>
-                                <p:cTn id="282" nodeType="withEffect" fill="hold" presetClass="entr" presetID="6" presetSubtype="16">
+                                <p:cTn id="298" nodeType="withEffect" fill="hold" presetClass="entr" presetID="6" presetSubtype="16">
                                   <p:stCondLst>
                                     <p:cond delay="0"/>
                                   </p:stCondLst>
                                   <p:childTnLst>
                                     <p:set>
                                       <p:cBhvr>
-                                        <p:cTn id="283" dur="1" fill="hold">
+                                        <p:cTn id="299" dur="1" fill="hold">
                                           <p:stCondLst>
                                             <p:cond delay="0"/>
                                           </p:stCondLst>
                                         </p:cTn>
                                         <p:tgtEl>
-                                          <p:spTgt spid="88"/>
+                                          <p:spTgt spid="90"/>
                                         </p:tgtEl>
                                         <p:attrNameLst>
                                           <p:attrName>style.visibility</p:attrName>
@@ -11281,9 +14518,199 @@
                                     </p:set>
                                     <p:animEffect filter="circle(in)" transition="in">
                                       <p:cBhvr additive="repl">
-                                        <p:cTn id="284" dur="2000"/>
-                                        <p:tgtEl>
-                                          <p:spTgt spid="88"/>
+                                        <p:cTn id="300" dur="2000"/>
+                                        <p:tgtEl>
+                                          <p:spTgt spid="90"/>
+                                        </p:tgtEl>
+                                      </p:cBhvr>
+                                    </p:animEffect>
+                                  </p:childTnLst>
+                                </p:cTn>
+                              </p:par>
+                            </p:childTnLst>
+                          </p:cTn>
+                        </p:par>
+                        <p:par>
+                          <p:cTn id="301" fill="hold">
+                            <p:stCondLst>
+                              <p:cond delay="2000"/>
+                            </p:stCondLst>
+                            <p:childTnLst>
+                              <p:par>
+                                <p:cTn id="302" nodeType="afterEffect" fill="hold" presetClass="entr" presetID="6" presetSubtype="16">
+                                  <p:stCondLst>
+                                    <p:cond delay="0"/>
+                                  </p:stCondLst>
+                                  <p:childTnLst>
+                                    <p:set>
+                                      <p:cBhvr>
+                                        <p:cTn id="303" dur="1" fill="hold">
+                                          <p:stCondLst>
+                                            <p:cond delay="0"/>
+                                          </p:stCondLst>
+                                        </p:cTn>
+                                        <p:tgtEl>
+                                          <p:spTgt spid="91">
+                                            <p:txEl>
+                                              <p:pRg st="0" end="0"/>
+                                            </p:txEl>
+                                          </p:spTgt>
+                                        </p:tgtEl>
+                                        <p:attrNameLst>
+                                          <p:attrName>style.visibility</p:attrName>
+                                        </p:attrNameLst>
+                                      </p:cBhvr>
+                                      <p:to>
+                                        <p:strVal val="visible"/>
+                                      </p:to>
+                                    </p:set>
+                                    <p:animEffect filter="circle(in)" transition="in">
+                                      <p:cBhvr additive="repl">
+                                        <p:cTn id="304" dur="2000"/>
+                                        <p:tgtEl>
+                                          <p:spTgt spid="91">
+                                            <p:txEl>
+                                              <p:pRg st="0" end="0"/>
+                                            </p:txEl>
+                                          </p:spTgt>
+                                        </p:tgtEl>
+                                      </p:cBhvr>
+                                    </p:animEffect>
+                                  </p:childTnLst>
+                                </p:cTn>
+                              </p:par>
+                              <p:par>
+                                <p:cTn id="305" nodeType="withEffect" fill="hold" presetClass="entr" presetID="6" presetSubtype="16">
+                                  <p:stCondLst>
+                                    <p:cond delay="0"/>
+                                  </p:stCondLst>
+                                  <p:childTnLst>
+                                    <p:set>
+                                      <p:cBhvr>
+                                        <p:cTn id="306" dur="1" fill="hold">
+                                          <p:stCondLst>
+                                            <p:cond delay="0"/>
+                                          </p:stCondLst>
+                                        </p:cTn>
+                                        <p:tgtEl>
+                                          <p:spTgt spid="91">
+                                            <p:txEl>
+                                              <p:pRg st="1" end="1"/>
+                                            </p:txEl>
+                                          </p:spTgt>
+                                        </p:tgtEl>
+                                        <p:attrNameLst>
+                                          <p:attrName>style.visibility</p:attrName>
+                                        </p:attrNameLst>
+                                      </p:cBhvr>
+                                      <p:to>
+                                        <p:strVal val="visible"/>
+                                      </p:to>
+                                    </p:set>
+                                    <p:animEffect filter="circle(in)" transition="in">
+                                      <p:cBhvr additive="repl">
+                                        <p:cTn id="307" dur="2000"/>
+                                        <p:tgtEl>
+                                          <p:spTgt spid="91">
+                                            <p:txEl>
+                                              <p:pRg st="1" end="1"/>
+                                            </p:txEl>
+                                          </p:spTgt>
+                                        </p:tgtEl>
+                                      </p:cBhvr>
+                                    </p:animEffect>
+                                  </p:childTnLst>
+                                </p:cTn>
+                              </p:par>
+                            </p:childTnLst>
+                          </p:cTn>
+                        </p:par>
+                        <p:par>
+                          <p:cTn id="308" fill="hold">
+                            <p:stCondLst>
+                              <p:cond delay="4000"/>
+                            </p:stCondLst>
+                            <p:childTnLst>
+                              <p:par>
+                                <p:cTn id="309" nodeType="afterEffect" fill="hold" presetClass="entr" presetID="6" presetSubtype="16">
+                                  <p:stCondLst>
+                                    <p:cond delay="0"/>
+                                  </p:stCondLst>
+                                  <p:childTnLst>
+                                    <p:set>
+                                      <p:cBhvr>
+                                        <p:cTn id="310" dur="1" fill="hold">
+                                          <p:stCondLst>
+                                            <p:cond delay="0"/>
+                                          </p:stCondLst>
+                                        </p:cTn>
+                                        <p:tgtEl>
+                                          <p:spTgt spid="91">
+                                            <p:txEl>
+                                              <p:pRg st="2" end="2"/>
+                                            </p:txEl>
+                                          </p:spTgt>
+                                        </p:tgtEl>
+                                        <p:attrNameLst>
+                                          <p:attrName>style.visibility</p:attrName>
+                                        </p:attrNameLst>
+                                      </p:cBhvr>
+                                      <p:to>
+                                        <p:strVal val="visible"/>
+                                      </p:to>
+                                    </p:set>
+                                    <p:animEffect filter="circle(in)" transition="in">
+                                      <p:cBhvr additive="repl">
+                                        <p:cTn id="311" dur="2000"/>
+                                        <p:tgtEl>
+                                          <p:spTgt spid="91">
+                                            <p:txEl>
+                                              <p:pRg st="2" end="2"/>
+                                            </p:txEl>
+                                          </p:spTgt>
+                                        </p:tgtEl>
+                                      </p:cBhvr>
+                                    </p:animEffect>
+                                  </p:childTnLst>
+                                </p:cTn>
+                              </p:par>
+                              <p:par>
+                                <p:cTn id="312" nodeType="withEffect" fill="hold" presetClass="entr" presetID="6" presetSubtype="16">
+                                  <p:stCondLst>
+                                    <p:cond delay="0"/>
+                                  </p:stCondLst>
+                                  <p:childTnLst>
+                                    <p:set>
+                                      <p:cBhvr>
+                                        <p:cTn id="313" dur="1" fill="hold">
+                                          <p:stCondLst>
+                                            <p:cond delay="0"/>
+                                          </p:stCondLst>
+                                        </p:cTn>
+                                        <p:tgtEl>
+                                          <p:spTgt spid="91">
+                                            <p:txEl>
+                                              <p:pRg st="3" end="3"/>
+                                            </p:txEl>
+                                          </p:spTgt>
+                                        </p:tgtEl>
+                                        <p:attrNameLst>
+                                          <p:attrName>style.visibility</p:attrName>
+                                        </p:attrNameLst>
+                                      </p:cBhvr>
+                                      <p:to>
+                                        <p:strVal val="visible"/>
+                                      </p:to>
+                                    </p:set>
+                                    <p:animEffect filter="circle(in)" transition="in">
+                                      <p:cBhvr additive="repl">
+                                        <p:cTn id="314" dur="2000"/>
+                                        <p:tgtEl>
+                                          <p:spTgt spid="91">
+                                            <p:txEl>
+                                              <p:pRg st="3" end="3"/>
+                                            </p:txEl>
+                                          </p:spTgt>
                                         </p:tgtEl>
                                       </p:cBhvr>
                                     </p:animEffect>

--- a/Presentation.pptx
+++ b/Presentation.pptx
@@ -25,6 +25,7 @@
     <p:sldId id="270" r:id="rId18"/>
     <p:sldId id="271" r:id="rId19"/>
     <p:sldId id="272" r:id="rId20"/>
+    <p:sldId id="273" r:id="rId21"/>
   </p:sldIdLst>
   <p:sldSz cx="9144000" cy="6858000"/>
   <p:notesSz cx="6858000" cy="9144000"/>
@@ -243,7 +244,7 @@
           <a:bodyPr lIns="0" rIns="0" tIns="0" bIns="0" anchor="b"/>
           <a:p>
             <a:pPr algn="r"/>
-            <a:fld id="{239E973C-C743-4A2C-BAD5-633D9FDCE509}" type="slidenum">
+            <a:fld id="{17F8C072-D92A-4400-A939-FA9325F86610}" type="slidenum">
               <a:rPr b="0" lang="en-US" sz="1400" spc="-1" strike="noStrike">
                 <a:latin typeface="Times New Roman"/>
               </a:rPr>
@@ -280,14 +281,14 @@
       </p:grpSpPr>
       <p:sp>
         <p:nvSpPr>
-          <p:cNvPr id="121" name="CustomShape 1"/>
+          <p:cNvPr id="127" name="CustomShape 1"/>
           <p:cNvSpPr/>
           <p:nvPr/>
         </p:nvSpPr>
         <p:spPr>
           <a:xfrm>
             <a:off x="777240" y="4777560"/>
-            <a:ext cx="6215400" cy="4523760"/>
+            <a:ext cx="6214320" cy="4522680"/>
           </a:xfrm>
           <a:prstGeom prst="rect">
             <a:avLst/>
@@ -306,7 +307,7 @@
       </p:sp>
       <p:sp>
         <p:nvSpPr>
-          <p:cNvPr id="122" name="PlaceHolder 2"/>
+          <p:cNvPr id="128" name="PlaceHolder 2"/>
           <p:cNvSpPr>
             <a:spLocks noGrp="1"/>
           </p:cNvSpPr>
@@ -317,7 +318,7 @@
         <p:spPr>
           <a:xfrm>
             <a:off x="1371600" y="1143000"/>
-            <a:ext cx="4112280" cy="3083760"/>
+            <a:ext cx="4111200" cy="3082680"/>
           </a:xfrm>
           <a:prstGeom prst="rect">
             <a:avLst/>
@@ -326,7 +327,7 @@
       </p:sp>
       <p:sp>
         <p:nvSpPr>
-          <p:cNvPr id="123" name="PlaceHolder 3"/>
+          <p:cNvPr id="129" name="PlaceHolder 3"/>
           <p:cNvSpPr>
             <a:spLocks noGrp="1"/>
           </p:cNvSpPr>
@@ -337,7 +338,7 @@
         <p:spPr>
           <a:xfrm>
             <a:off x="685800" y="4400640"/>
-            <a:ext cx="5483880" cy="3597840"/>
+            <a:ext cx="5482800" cy="3596760"/>
           </a:xfrm>
           <a:prstGeom prst="rect">
             <a:avLst/>
@@ -346,7 +347,7 @@
         <p:txBody>
           <a:bodyPr lIns="0" rIns="0" tIns="0" bIns="0"/>
           <a:p>
-            <a:pPr marL="216000" indent="-214200">
+            <a:pPr marL="216000" indent="-213120">
               <a:lnSpc>
                 <a:spcPct val="100000"/>
               </a:lnSpc>
@@ -365,14 +366,14 @@
       </p:sp>
       <p:sp>
         <p:nvSpPr>
-          <p:cNvPr id="124" name="CustomShape 4"/>
+          <p:cNvPr id="130" name="CustomShape 4"/>
           <p:cNvSpPr/>
           <p:nvPr/>
         </p:nvSpPr>
         <p:spPr>
           <a:xfrm>
             <a:off x="3884760" y="8685360"/>
-            <a:ext cx="2969280" cy="456120"/>
+            <a:ext cx="2968200" cy="455040"/>
           </a:xfrm>
           <a:prstGeom prst="rect">
             <a:avLst/>
@@ -396,7 +397,7 @@
                 <a:spcPct val="100000"/>
               </a:lnSpc>
             </a:pPr>
-            <a:fld id="{8AAB69D3-E989-4047-9BCD-DE119FA943E1}" type="slidenum">
+            <a:fld id="{A13ABD65-A791-4F18-AD8E-E68882AA4F60}" type="slidenum">
               <a:rPr b="0" lang="en-US" sz="1200" spc="-1" strike="noStrike">
                 <a:solidFill>
                   <a:srgbClr val="000000"/>
@@ -1800,85 +1801,7 @@
               <a:rPr b="0" lang="en-US" sz="4400" spc="-1" strike="noStrike">
                 <a:latin typeface="Arial"/>
               </a:rPr>
-              <a:t>Cli</a:t>
-            </a:r>
-            <a:r>
-              <a:rPr b="0" lang="en-US" sz="4400" spc="-1" strike="noStrike">
-                <a:latin typeface="Arial"/>
-              </a:rPr>
-              <a:t>ck </a:t>
-            </a:r>
-            <a:r>
-              <a:rPr b="0" lang="en-US" sz="4400" spc="-1" strike="noStrike">
-                <a:latin typeface="Arial"/>
-              </a:rPr>
-              <a:t>to </a:t>
-            </a:r>
-            <a:r>
-              <a:rPr b="0" lang="en-US" sz="4400" spc="-1" strike="noStrike">
-                <a:latin typeface="Arial"/>
-              </a:rPr>
-              <a:t>ed</a:t>
-            </a:r>
-            <a:r>
-              <a:rPr b="0" lang="en-US" sz="4400" spc="-1" strike="noStrike">
-                <a:latin typeface="Arial"/>
-              </a:rPr>
-              <a:t>it </a:t>
-            </a:r>
-            <a:r>
-              <a:rPr b="0" lang="en-US" sz="4400" spc="-1" strike="noStrike">
-                <a:latin typeface="Arial"/>
-              </a:rPr>
-              <a:t>th</a:t>
-            </a:r>
-            <a:r>
-              <a:rPr b="0" lang="en-US" sz="4400" spc="-1" strike="noStrike">
-                <a:latin typeface="Arial"/>
-              </a:rPr>
-              <a:t>e </a:t>
-            </a:r>
-            <a:r>
-              <a:rPr b="0" lang="en-US" sz="4400" spc="-1" strike="noStrike">
-                <a:latin typeface="Arial"/>
-              </a:rPr>
-              <a:t>titl</a:t>
-            </a:r>
-            <a:r>
-              <a:rPr b="0" lang="en-US" sz="4400" spc="-1" strike="noStrike">
-                <a:latin typeface="Arial"/>
-              </a:rPr>
-              <a:t>e </a:t>
-            </a:r>
-            <a:r>
-              <a:rPr b="0" lang="en-US" sz="4400" spc="-1" strike="noStrike">
-                <a:latin typeface="Arial"/>
-              </a:rPr>
-              <a:t>te</a:t>
-            </a:r>
-            <a:r>
-              <a:rPr b="0" lang="en-US" sz="4400" spc="-1" strike="noStrike">
-                <a:latin typeface="Arial"/>
-              </a:rPr>
-              <a:t>xt </a:t>
-            </a:r>
-            <a:r>
-              <a:rPr b="0" lang="en-US" sz="4400" spc="-1" strike="noStrike">
-                <a:latin typeface="Arial"/>
-              </a:rPr>
-              <a:t>for</a:t>
-            </a:r>
-            <a:r>
-              <a:rPr b="0" lang="en-US" sz="4400" spc="-1" strike="noStrike">
-                <a:latin typeface="Arial"/>
-              </a:rPr>
-              <a:t>m</a:t>
-            </a:r>
-            <a:r>
-              <a:rPr b="0" lang="en-US" sz="4400" spc="-1" strike="noStrike">
-                <a:latin typeface="Arial"/>
-              </a:rPr>
-              <a:t>at</a:t>
+              <a:t>Click to edit the title text format</a:t>
             </a:r>
             <a:endParaRPr b="0" lang="en-US" sz="4400" spc="-1" strike="noStrike">
               <a:latin typeface="Arial"/>
@@ -2111,7 +2034,7 @@
         <p:spPr>
           <a:xfrm>
             <a:off x="-14400" y="-22680"/>
-            <a:ext cx="9141480" cy="6644880"/>
+            <a:ext cx="9140400" cy="6643800"/>
           </a:xfrm>
           <a:custGeom>
             <a:avLst/>
@@ -2175,7 +2098,7 @@
         <p:spPr>
           <a:xfrm rot="21221400">
             <a:off x="-34200" y="5957280"/>
-            <a:ext cx="9212400" cy="1391400"/>
+            <a:ext cx="9211320" cy="1390320"/>
           </a:xfrm>
           <a:custGeom>
             <a:avLst/>
@@ -2247,7 +2170,7 @@
         <p:spPr>
           <a:xfrm>
             <a:off x="757080" y="3330720"/>
-            <a:ext cx="3015720" cy="2449800"/>
+            <a:ext cx="3014640" cy="2448720"/>
           </a:xfrm>
           <a:prstGeom prst="rect">
             <a:avLst/>
@@ -2467,7 +2390,7 @@
         <p:spPr>
           <a:xfrm>
             <a:off x="5716080" y="295200"/>
-            <a:ext cx="3411000" cy="980640"/>
+            <a:ext cx="3409920" cy="979560"/>
           </a:xfrm>
           <a:prstGeom prst="rect">
             <a:avLst/>
@@ -2536,7 +2459,7 @@
         <p:spPr>
           <a:xfrm>
             <a:off x="8640" y="1932480"/>
-            <a:ext cx="9147600" cy="1391400"/>
+            <a:ext cx="9146520" cy="1390320"/>
           </a:xfrm>
           <a:prstGeom prst="rect">
             <a:avLst/>
@@ -2596,7 +2519,7 @@
         <p:spPr>
           <a:xfrm>
             <a:off x="5704200" y="3329280"/>
-            <a:ext cx="3163320" cy="1734120"/>
+            <a:ext cx="3162240" cy="1733040"/>
           </a:xfrm>
           <a:prstGeom prst="rect">
             <a:avLst/>
@@ -2730,7 +2653,7 @@
         <p:spPr>
           <a:xfrm>
             <a:off x="274320" y="274320"/>
-            <a:ext cx="1483560" cy="1483560"/>
+            <a:ext cx="1482480" cy="1482480"/>
           </a:xfrm>
           <a:prstGeom prst="rect">
             <a:avLst/>
@@ -2755,7 +2678,7 @@
         <p:spPr>
           <a:xfrm>
             <a:off x="8463240" y="6217920"/>
-            <a:ext cx="587160" cy="587160"/>
+            <a:ext cx="586080" cy="586080"/>
           </a:xfrm>
           <a:prstGeom prst="rect">
             <a:avLst/>
@@ -3611,14 +3534,14 @@
       </p:grpSpPr>
       <p:sp>
         <p:nvSpPr>
-          <p:cNvPr id="92" name="CustomShape 1"/>
+          <p:cNvPr id="95" name="CustomShape 1"/>
           <p:cNvSpPr/>
           <p:nvPr/>
         </p:nvSpPr>
         <p:spPr>
           <a:xfrm>
-            <a:off x="1277280" y="732960"/>
-            <a:ext cx="912600" cy="912600"/>
+            <a:off x="1185840" y="822960"/>
+            <a:ext cx="911520" cy="911520"/>
           </a:xfrm>
           <a:prstGeom prst="ellipse">
             <a:avLst/>
@@ -3669,14 +3592,665 @@
       </p:sp>
       <p:sp>
         <p:nvSpPr>
-          <p:cNvPr id="93" name="CustomShape 2"/>
+          <p:cNvPr id="96" name="CustomShape 2"/>
+          <p:cNvSpPr/>
+          <p:nvPr/>
+        </p:nvSpPr>
+        <p:spPr>
+          <a:xfrm>
+            <a:off x="2155680" y="822960"/>
+            <a:ext cx="5615280" cy="837720"/>
+          </a:xfrm>
+          <a:custGeom>
+            <a:avLst/>
+            <a:gdLst/>
+            <a:ahLst/>
+            <a:rect l="l" t="t" r="r" b="b"/>
+            <a:pathLst>
+              <a:path w="15608" h="2337">
+                <a:moveTo>
+                  <a:pt x="15607" y="0"/>
+                </a:moveTo>
+                <a:lnTo>
+                  <a:pt x="572" y="0"/>
+                </a:lnTo>
+                <a:lnTo>
+                  <a:pt x="0" y="1168"/>
+                </a:lnTo>
+                <a:lnTo>
+                  <a:pt x="572" y="2336"/>
+                </a:lnTo>
+                <a:lnTo>
+                  <a:pt x="15607" y="2336"/>
+                </a:lnTo>
+                <a:lnTo>
+                  <a:pt x="15607" y="0"/>
+                </a:lnTo>
+              </a:path>
+            </a:pathLst>
+          </a:custGeom>
+          <a:solidFill>
+            <a:srgbClr val="72bf44"/>
+          </a:solidFill>
+          <a:ln>
+            <a:solidFill>
+              <a:srgbClr val="3465a4"/>
+            </a:solidFill>
+          </a:ln>
+          <a:effectLst>
+            <a:outerShdw dir="2700000" dist="143570">
+              <a:srgbClr val="808080"/>
+            </a:outerShdw>
+          </a:effectLst>
+        </p:spPr>
+        <p:style>
+          <a:lnRef idx="0"/>
+          <a:fillRef idx="0"/>
+          <a:effectRef idx="0"/>
+          <a:fontRef idx="minor"/>
+        </p:style>
+        <p:txBody>
+          <a:bodyPr wrap="none" lIns="90000" rIns="90000" tIns="45000" bIns="45000" anchor="ctr"/>
+          <a:p>
+            <a:pPr algn="ctr">
+              <a:lnSpc>
+                <a:spcPct val="100000"/>
+              </a:lnSpc>
+            </a:pPr>
+            <a:r>
+              <a:rPr b="1" lang="en-US" sz="3600" spc="-1" strike="noStrike">
+                <a:solidFill>
+                  <a:srgbClr val="e8e8e8"/>
+                </a:solidFill>
+                <a:latin typeface="Cantarell"/>
+                <a:ea typeface="DejaVu Sans"/>
+              </a:rPr>
+              <a:t>Impact on the society</a:t>
+            </a:r>
+            <a:endParaRPr b="0" lang="en-US" sz="3600" spc="-1" strike="noStrike">
+              <a:latin typeface="Arial"/>
+            </a:endParaRPr>
+          </a:p>
+        </p:txBody>
+      </p:sp>
+      <p:sp>
+        <p:nvSpPr>
+          <p:cNvPr id="97" name="CustomShape 3"/>
+          <p:cNvSpPr/>
+          <p:nvPr/>
+        </p:nvSpPr>
+        <p:spPr>
+          <a:xfrm>
+            <a:off x="1554480" y="3291840"/>
+            <a:ext cx="7039080" cy="1112400"/>
+          </a:xfrm>
+          <a:prstGeom prst="rect">
+            <a:avLst/>
+          </a:prstGeom>
+          <a:noFill/>
+          <a:ln>
+            <a:noFill/>
+          </a:ln>
+        </p:spPr>
+        <p:style>
+          <a:lnRef idx="0"/>
+          <a:fillRef idx="0"/>
+          <a:effectRef idx="0"/>
+          <a:fontRef idx="minor"/>
+        </p:style>
+        <p:txBody>
+          <a:bodyPr lIns="90000" rIns="90000" tIns="45000" bIns="45000"/>
+          <a:p>
+            <a:pPr>
+              <a:lnSpc>
+                <a:spcPct val="100000"/>
+              </a:lnSpc>
+            </a:pPr>
+            <a:r>
+              <a:rPr b="0" lang="en-US" sz="1800" spc="-1" strike="noStrike">
+                <a:solidFill>
+                  <a:srgbClr val="000000"/>
+                </a:solidFill>
+                <a:latin typeface="Arial"/>
+                <a:ea typeface="DejaVu Sans"/>
+              </a:rPr>
+              <a:t>&lt;&gt; Puzzles are also an important educational learning</a:t>
+            </a:r>
+            <a:endParaRPr b="0" lang="en-US" sz="1800" spc="-1" strike="noStrike">
+              <a:latin typeface="Arial"/>
+            </a:endParaRPr>
+          </a:p>
+          <a:p>
+            <a:pPr>
+              <a:lnSpc>
+                <a:spcPct val="100000"/>
+              </a:lnSpc>
+            </a:pPr>
+            <a:r>
+              <a:rPr b="0" lang="en-US" sz="1800" spc="-1" strike="noStrike">
+                <a:solidFill>
+                  <a:srgbClr val="000000"/>
+                </a:solidFill>
+                <a:latin typeface="Arial"/>
+                <a:ea typeface="DejaVu Sans"/>
+              </a:rPr>
+              <a:t>     </a:t>
+            </a:r>
+            <a:r>
+              <a:rPr b="0" lang="en-US" sz="1800" spc="-1" strike="noStrike">
+                <a:solidFill>
+                  <a:srgbClr val="000000"/>
+                </a:solidFill>
+                <a:latin typeface="Arial"/>
+                <a:ea typeface="DejaVu Sans"/>
+              </a:rPr>
+              <a:t>tool for toddlers and young children as they provide </a:t>
+            </a:r>
+            <a:endParaRPr b="0" lang="en-US" sz="1800" spc="-1" strike="noStrike">
+              <a:latin typeface="Arial"/>
+            </a:endParaRPr>
+          </a:p>
+          <a:p>
+            <a:pPr>
+              <a:lnSpc>
+                <a:spcPct val="100000"/>
+              </a:lnSpc>
+            </a:pPr>
+            <a:r>
+              <a:rPr b="0" lang="en-US" sz="1800" spc="-1" strike="noStrike">
+                <a:solidFill>
+                  <a:srgbClr val="000000"/>
+                </a:solidFill>
+                <a:latin typeface="Arial"/>
+                <a:ea typeface="DejaVu Sans"/>
+              </a:rPr>
+              <a:t>     </a:t>
+            </a:r>
+            <a:r>
+              <a:rPr b="0" lang="en-US" sz="1800" spc="-1" strike="noStrike">
+                <a:solidFill>
+                  <a:srgbClr val="000000"/>
+                </a:solidFill>
+                <a:latin typeface="Arial"/>
+                <a:ea typeface="DejaVu Sans"/>
+              </a:rPr>
+              <a:t>many skills and mental learning benefits and </a:t>
+            </a:r>
+            <a:endParaRPr b="0" lang="en-US" sz="1800" spc="-1" strike="noStrike">
+              <a:latin typeface="Arial"/>
+            </a:endParaRPr>
+          </a:p>
+          <a:p>
+            <a:pPr>
+              <a:lnSpc>
+                <a:spcPct val="100000"/>
+              </a:lnSpc>
+            </a:pPr>
+            <a:r>
+              <a:rPr b="0" lang="en-US" sz="1800" spc="-1" strike="noStrike">
+                <a:solidFill>
+                  <a:srgbClr val="000000"/>
+                </a:solidFill>
+                <a:latin typeface="Arial"/>
+                <a:ea typeface="DejaVu Sans"/>
+              </a:rPr>
+              <a:t>     </a:t>
+            </a:r>
+            <a:r>
+              <a:rPr b="0" lang="en-US" sz="1800" spc="-1" strike="noStrike">
+                <a:solidFill>
+                  <a:srgbClr val="000000"/>
+                </a:solidFill>
+                <a:latin typeface="Arial"/>
+                <a:ea typeface="DejaVu Sans"/>
+              </a:rPr>
+              <a:t>opportunities.</a:t>
+            </a:r>
+            <a:endParaRPr b="0" lang="en-US" sz="1800" spc="-1" strike="noStrike">
+              <a:latin typeface="Arial"/>
+            </a:endParaRPr>
+          </a:p>
+        </p:txBody>
+      </p:sp>
+    </p:spTree>
+  </p:cSld>
+  <p:transition spd="med">
+    <p:wedge/>
+  </p:transition>
+  <p:timing>
+    <p:tnLst>
+      <p:par>
+        <p:cTn id="324" dur="indefinite" restart="never" nodeType="tmRoot">
+          <p:childTnLst>
+            <p:seq>
+              <p:cTn id="325" dur="indefinite" nodeType="mainSeq">
+                <p:childTnLst>
+                  <p:par>
+                    <p:cTn id="326" fill="hold">
+                      <p:stCondLst>
+                        <p:cond delay="indefinite"/>
+                      </p:stCondLst>
+                      <p:childTnLst>
+                        <p:par>
+                          <p:cTn id="327" fill="hold">
+                            <p:stCondLst>
+                              <p:cond delay="0"/>
+                            </p:stCondLst>
+                            <p:childTnLst>
+                              <p:par>
+                                <p:cTn id="328" nodeType="clickEffect" fill="hold" presetClass="entr" presetID="2" presetSubtype="4">
+                                  <p:stCondLst>
+                                    <p:cond delay="0"/>
+                                  </p:stCondLst>
+                                  <p:childTnLst>
+                                    <p:set>
+                                      <p:cBhvr>
+                                        <p:cTn id="329" dur="1" fill="hold">
+                                          <p:stCondLst>
+                                            <p:cond delay="0"/>
+                                          </p:stCondLst>
+                                        </p:cTn>
+                                        <p:tgtEl>
+                                          <p:spTgt spid="95"/>
+                                        </p:tgtEl>
+                                        <p:attrNameLst>
+                                          <p:attrName>style.visibility</p:attrName>
+                                        </p:attrNameLst>
+                                      </p:cBhvr>
+                                      <p:to>
+                                        <p:strVal val="visible"/>
+                                      </p:to>
+                                    </p:set>
+                                    <p:anim calcmode="lin" valueType="num">
+                                      <p:cBhvr additive="repl">
+                                        <p:cTn id="330" dur="500" fill="hold"/>
+                                        <p:tgtEl>
+                                          <p:spTgt spid="95"/>
+                                        </p:tgtEl>
+                                        <p:attrNameLst>
+                                          <p:attrName>ppt_x</p:attrName>
+                                        </p:attrNameLst>
+                                      </p:cBhvr>
+                                      <p:tavLst>
+                                        <p:tav tm="0">
+                                          <p:val>
+                                            <p:strVal val="#ppt_x"/>
+                                          </p:val>
+                                        </p:tav>
+                                        <p:tav tm="100000">
+                                          <p:val>
+                                            <p:strVal val="#ppt_x"/>
+                                          </p:val>
+                                        </p:tav>
+                                      </p:tavLst>
+                                    </p:anim>
+                                    <p:anim calcmode="lin" valueType="num">
+                                      <p:cBhvr additive="repl">
+                                        <p:cTn id="331" dur="500" fill="hold"/>
+                                        <p:tgtEl>
+                                          <p:spTgt spid="95"/>
+                                        </p:tgtEl>
+                                        <p:attrNameLst>
+                                          <p:attrName>ppt_y</p:attrName>
+                                        </p:attrNameLst>
+                                      </p:cBhvr>
+                                      <p:tavLst>
+                                        <p:tav tm="0">
+                                          <p:val>
+                                            <p:strVal val="1+#ppt_h/2"/>
+                                          </p:val>
+                                        </p:tav>
+                                        <p:tav tm="100000">
+                                          <p:val>
+                                            <p:strVal val="#ppt_y"/>
+                                          </p:val>
+                                        </p:tav>
+                                      </p:tavLst>
+                                    </p:anim>
+                                  </p:childTnLst>
+                                </p:cTn>
+                              </p:par>
+                              <p:par>
+                                <p:cTn id="332" nodeType="withEffect" fill="hold" presetClass="entr" presetID="6" presetSubtype="16">
+                                  <p:stCondLst>
+                                    <p:cond delay="0"/>
+                                  </p:stCondLst>
+                                  <p:childTnLst>
+                                    <p:set>
+                                      <p:cBhvr>
+                                        <p:cTn id="333" dur="1" fill="hold">
+                                          <p:stCondLst>
+                                            <p:cond delay="0"/>
+                                          </p:stCondLst>
+                                        </p:cTn>
+                                        <p:tgtEl>
+                                          <p:spTgt spid="96"/>
+                                        </p:tgtEl>
+                                        <p:attrNameLst>
+                                          <p:attrName>style.visibility</p:attrName>
+                                        </p:attrNameLst>
+                                      </p:cBhvr>
+                                      <p:to>
+                                        <p:strVal val="visible"/>
+                                      </p:to>
+                                    </p:set>
+                                    <p:animEffect filter="circle(in)" transition="in">
+                                      <p:cBhvr additive="repl">
+                                        <p:cTn id="334" dur="2000"/>
+                                        <p:tgtEl>
+                                          <p:spTgt spid="96"/>
+                                        </p:tgtEl>
+                                      </p:cBhvr>
+                                    </p:animEffect>
+                                  </p:childTnLst>
+                                </p:cTn>
+                              </p:par>
+                            </p:childTnLst>
+                          </p:cTn>
+                        </p:par>
+                        <p:par>
+                          <p:cTn id="335" fill="hold">
+                            <p:stCondLst>
+                              <p:cond delay="2000"/>
+                            </p:stCondLst>
+                            <p:childTnLst>
+                              <p:par>
+                                <p:cTn id="336" nodeType="afterEffect" fill="hold" presetClass="entr" presetID="6" presetSubtype="16">
+                                  <p:stCondLst>
+                                    <p:cond delay="0"/>
+                                  </p:stCondLst>
+                                  <p:childTnLst>
+                                    <p:set>
+                                      <p:cBhvr>
+                                        <p:cTn id="337" dur="1" fill="hold">
+                                          <p:stCondLst>
+                                            <p:cond delay="0"/>
+                                          </p:stCondLst>
+                                        </p:cTn>
+                                        <p:tgtEl>
+                                          <p:spTgt spid="97">
+                                            <p:txEl>
+                                              <p:pRg st="0" end="0"/>
+                                            </p:txEl>
+                                          </p:spTgt>
+                                        </p:tgtEl>
+                                        <p:attrNameLst>
+                                          <p:attrName>style.visibility</p:attrName>
+                                        </p:attrNameLst>
+                                      </p:cBhvr>
+                                      <p:to>
+                                        <p:strVal val="visible"/>
+                                      </p:to>
+                                    </p:set>
+                                    <p:animEffect filter="circle(in)" transition="in">
+                                      <p:cBhvr additive="repl">
+                                        <p:cTn id="338" dur="2000"/>
+                                        <p:tgtEl>
+                                          <p:spTgt spid="97">
+                                            <p:txEl>
+                                              <p:pRg st="0" end="0"/>
+                                            </p:txEl>
+                                          </p:spTgt>
+                                        </p:tgtEl>
+                                      </p:cBhvr>
+                                    </p:animEffect>
+                                  </p:childTnLst>
+                                </p:cTn>
+                              </p:par>
+                              <p:par>
+                                <p:cTn id="339" nodeType="withEffect" fill="hold" presetClass="entr" presetID="6" presetSubtype="16">
+                                  <p:stCondLst>
+                                    <p:cond delay="0"/>
+                                  </p:stCondLst>
+                                  <p:childTnLst>
+                                    <p:set>
+                                      <p:cBhvr>
+                                        <p:cTn id="340" dur="1" fill="hold">
+                                          <p:stCondLst>
+                                            <p:cond delay="0"/>
+                                          </p:stCondLst>
+                                        </p:cTn>
+                                        <p:tgtEl>
+                                          <p:spTgt spid="97">
+                                            <p:txEl>
+                                              <p:pRg st="1" end="1"/>
+                                            </p:txEl>
+                                          </p:spTgt>
+                                        </p:tgtEl>
+                                        <p:attrNameLst>
+                                          <p:attrName>style.visibility</p:attrName>
+                                        </p:attrNameLst>
+                                      </p:cBhvr>
+                                      <p:to>
+                                        <p:strVal val="visible"/>
+                                      </p:to>
+                                    </p:set>
+                                    <p:animEffect filter="circle(in)" transition="in">
+                                      <p:cBhvr additive="repl">
+                                        <p:cTn id="341" dur="2000"/>
+                                        <p:tgtEl>
+                                          <p:spTgt spid="97">
+                                            <p:txEl>
+                                              <p:pRg st="1" end="1"/>
+                                            </p:txEl>
+                                          </p:spTgt>
+                                        </p:tgtEl>
+                                      </p:cBhvr>
+                                    </p:animEffect>
+                                  </p:childTnLst>
+                                </p:cTn>
+                              </p:par>
+                            </p:childTnLst>
+                          </p:cTn>
+                        </p:par>
+                        <p:par>
+                          <p:cTn id="342" fill="hold">
+                            <p:stCondLst>
+                              <p:cond delay="4000"/>
+                            </p:stCondLst>
+                            <p:childTnLst>
+                              <p:par>
+                                <p:cTn id="343" nodeType="afterEffect" fill="hold" presetClass="entr" presetID="6" presetSubtype="16">
+                                  <p:stCondLst>
+                                    <p:cond delay="0"/>
+                                  </p:stCondLst>
+                                  <p:childTnLst>
+                                    <p:set>
+                                      <p:cBhvr>
+                                        <p:cTn id="344" dur="1" fill="hold">
+                                          <p:stCondLst>
+                                            <p:cond delay="0"/>
+                                          </p:stCondLst>
+                                        </p:cTn>
+                                        <p:tgtEl>
+                                          <p:spTgt spid="97">
+                                            <p:txEl>
+                                              <p:pRg st="2" end="2"/>
+                                            </p:txEl>
+                                          </p:spTgt>
+                                        </p:tgtEl>
+                                        <p:attrNameLst>
+                                          <p:attrName>style.visibility</p:attrName>
+                                        </p:attrNameLst>
+                                      </p:cBhvr>
+                                      <p:to>
+                                        <p:strVal val="visible"/>
+                                      </p:to>
+                                    </p:set>
+                                    <p:animEffect filter="circle(in)" transition="in">
+                                      <p:cBhvr additive="repl">
+                                        <p:cTn id="345" dur="2000"/>
+                                        <p:tgtEl>
+                                          <p:spTgt spid="97">
+                                            <p:txEl>
+                                              <p:pRg st="2" end="2"/>
+                                            </p:txEl>
+                                          </p:spTgt>
+                                        </p:tgtEl>
+                                      </p:cBhvr>
+                                    </p:animEffect>
+                                  </p:childTnLst>
+                                </p:cTn>
+                              </p:par>
+                              <p:par>
+                                <p:cTn id="346" nodeType="withEffect" fill="hold" presetClass="entr" presetID="6" presetSubtype="16">
+                                  <p:stCondLst>
+                                    <p:cond delay="0"/>
+                                  </p:stCondLst>
+                                  <p:childTnLst>
+                                    <p:set>
+                                      <p:cBhvr>
+                                        <p:cTn id="347" dur="1" fill="hold">
+                                          <p:stCondLst>
+                                            <p:cond delay="0"/>
+                                          </p:stCondLst>
+                                        </p:cTn>
+                                        <p:tgtEl>
+                                          <p:spTgt spid="97">
+                                            <p:txEl>
+                                              <p:pRg st="3" end="3"/>
+                                            </p:txEl>
+                                          </p:spTgt>
+                                        </p:tgtEl>
+                                        <p:attrNameLst>
+                                          <p:attrName>style.visibility</p:attrName>
+                                        </p:attrNameLst>
+                                      </p:cBhvr>
+                                      <p:to>
+                                        <p:strVal val="visible"/>
+                                      </p:to>
+                                    </p:set>
+                                    <p:animEffect filter="circle(in)" transition="in">
+                                      <p:cBhvr additive="repl">
+                                        <p:cTn id="348" dur="2000"/>
+                                        <p:tgtEl>
+                                          <p:spTgt spid="97">
+                                            <p:txEl>
+                                              <p:pRg st="3" end="3"/>
+                                            </p:txEl>
+                                          </p:spTgt>
+                                        </p:tgtEl>
+                                      </p:cBhvr>
+                                    </p:animEffect>
+                                  </p:childTnLst>
+                                </p:cTn>
+                              </p:par>
+                            </p:childTnLst>
+                          </p:cTn>
+                        </p:par>
+                      </p:childTnLst>
+                    </p:cTn>
+                  </p:par>
+                </p:childTnLst>
+              </p:cTn>
+              <p:prevCondLst>
+                <p:cond delay="0" evt="onPrev">
+                  <p:tgtEl>
+                    <p:sldTgt/>
+                  </p:tgtEl>
+                </p:cond>
+              </p:prevCondLst>
+              <p:nextCondLst>
+                <p:cond delay="0" evt="onNext">
+                  <p:tgtEl>
+                    <p:sldTgt/>
+                  </p:tgtEl>
+                </p:cond>
+              </p:nextCondLst>
+            </p:seq>
+          </p:childTnLst>
+        </p:cTn>
+      </p:par>
+    </p:tnLst>
+  </p:timing>
+</p:sld>
+</file>
+
+<file path=ppt/slides/slide11.xml><?xml version="1.0" encoding="utf-8"?>
+<p:sld xmlns:a="http://schemas.openxmlformats.org/drawingml/2006/main" xmlns:p="http://schemas.openxmlformats.org/presentationml/2006/main" xmlns:r="http://schemas.openxmlformats.org/officeDocument/2006/relationships" xmlns:p14="http://schemas.microsoft.com/office/powerpoint/2010/main" xmlns:p15="http://schemas.microsoft.com/office/powerpoint/2012/main" xmlns:mc="http://schemas.openxmlformats.org/markup-compatibility/2006">
+  <p:cSld>
+    <p:spTree>
+      <p:nvGrpSpPr>
+        <p:cNvPr id="1" name=""/>
+        <p:cNvGrpSpPr/>
+        <p:nvPr/>
+      </p:nvGrpSpPr>
+      <p:grpSpPr>
+        <a:xfrm>
+          <a:off x="0" y="0"/>
+          <a:ext cx="0" cy="0"/>
+          <a:chOff x="0" y="0"/>
+          <a:chExt cx="0" cy="0"/>
+        </a:xfrm>
+      </p:grpSpPr>
+      <p:sp>
+        <p:nvSpPr>
+          <p:cNvPr id="98" name="CustomShape 1"/>
+          <p:cNvSpPr/>
+          <p:nvPr/>
+        </p:nvSpPr>
+        <p:spPr>
+          <a:xfrm>
+            <a:off x="1277280" y="732960"/>
+            <a:ext cx="911520" cy="911520"/>
+          </a:xfrm>
+          <a:prstGeom prst="ellipse">
+            <a:avLst/>
+          </a:prstGeom>
+          <a:solidFill>
+            <a:srgbClr val="00e3e3"/>
+          </a:solidFill>
+          <a:ln>
+            <a:solidFill>
+              <a:srgbClr val="3465a4"/>
+            </a:solidFill>
+          </a:ln>
+          <a:effectLst>
+            <a:outerShdw dir="2700000" dist="143570">
+              <a:srgbClr val="808080"/>
+            </a:outerShdw>
+          </a:effectLst>
+        </p:spPr>
+        <p:style>
+          <a:lnRef idx="0"/>
+          <a:fillRef idx="0"/>
+          <a:effectRef idx="0"/>
+          <a:fontRef idx="minor"/>
+        </p:style>
+        <p:txBody>
+          <a:bodyPr wrap="none" lIns="90000" rIns="90000" tIns="45000" bIns="45000" anchor="ctr"/>
+          <a:p>
+            <a:pPr algn="ctr">
+              <a:lnSpc>
+                <a:spcPct val="100000"/>
+              </a:lnSpc>
+            </a:pPr>
+            <a:r>
+              <a:rPr b="1" lang="en-US" sz="4000" spc="-1" strike="noStrike">
+                <a:solidFill>
+                  <a:srgbClr val="4c4c4c"/>
+                </a:solidFill>
+                <a:latin typeface="Arial"/>
+                <a:ea typeface="DejaVu Sans"/>
+              </a:rPr>
+              <a:t>9.</a:t>
+            </a:r>
+            <a:endParaRPr b="0" lang="en-US" sz="4000" spc="-1" strike="noStrike">
+              <a:latin typeface="Arial"/>
+            </a:endParaRPr>
+          </a:p>
+        </p:txBody>
+      </p:sp>
+      <p:sp>
+        <p:nvSpPr>
+          <p:cNvPr id="99" name="CustomShape 2"/>
           <p:cNvSpPr/>
           <p:nvPr/>
         </p:nvSpPr>
         <p:spPr>
           <a:xfrm>
             <a:off x="2247120" y="732960"/>
-            <a:ext cx="5616360" cy="838800"/>
+            <a:ext cx="5615280" cy="837720"/>
           </a:xfrm>
           <a:custGeom>
             <a:avLst/>
@@ -3752,14 +4326,14 @@
       </p:sp>
       <p:sp>
         <p:nvSpPr>
-          <p:cNvPr id="94" name="CustomShape 3"/>
+          <p:cNvPr id="100" name="CustomShape 3"/>
           <p:cNvSpPr/>
           <p:nvPr/>
         </p:nvSpPr>
         <p:spPr>
           <a:xfrm>
             <a:off x="1645920" y="3200400"/>
-            <a:ext cx="7040520" cy="2676960"/>
+            <a:ext cx="7039440" cy="2675880"/>
           </a:xfrm>
           <a:prstGeom prst="rect">
             <a:avLst/>
@@ -3785,13 +4359,21 @@
             </a:pPr>
             <a:r>
               <a:rPr b="1" lang="en-US" sz="2000" spc="-1" strike="noStrike">
+                <a:solidFill>
+                  <a:srgbClr val="000000"/>
+                </a:solidFill>
                 <a:latin typeface="Arial"/>
+                <a:ea typeface="DejaVu Sans"/>
               </a:rPr>
               <a:t>Reference :</a:t>
             </a:r>
             <a:r>
               <a:rPr b="1" lang="en-US" sz="1800" spc="-1" strike="noStrike">
+                <a:solidFill>
+                  <a:srgbClr val="000000"/>
+                </a:solidFill>
                 <a:latin typeface="Arial"/>
+                <a:ea typeface="DejaVu Sans"/>
               </a:rPr>
               <a:t> </a:t>
             </a:r>
@@ -3807,25 +4389,41 @@
             </a:pPr>
             <a:r>
               <a:rPr b="0" lang="en-US" sz="1800" spc="-1" strike="noStrike">
+                <a:solidFill>
+                  <a:srgbClr val="000000"/>
+                </a:solidFill>
                 <a:latin typeface="Arial"/>
+                <a:ea typeface="DejaVu Sans"/>
               </a:rPr>
               <a:t>	</a:t>
             </a:r>
             <a:r>
               <a:rPr b="0" lang="en-US" sz="1800" spc="-1" strike="noStrike">
+                <a:solidFill>
+                  <a:srgbClr val="000000"/>
+                </a:solidFill>
                 <a:latin typeface="Arial"/>
+                <a:ea typeface="DejaVu Sans"/>
               </a:rPr>
               <a:t>	</a:t>
             </a:r>
             <a:r>
               <a:rPr b="0" lang="en-US" sz="1800" spc="-1" strike="noStrike">
+                <a:solidFill>
+                  <a:srgbClr val="000000"/>
+                </a:solidFill>
                 <a:latin typeface="Arial"/>
+                <a:ea typeface="DejaVu Sans"/>
               </a:rPr>
               <a:t>	</a:t>
             </a:r>
             <a:r>
               <a:rPr b="0" lang="en-US" sz="1800" spc="-1" strike="noStrike">
+                <a:solidFill>
+                  <a:srgbClr val="000000"/>
+                </a:solidFill>
                 <a:latin typeface="Arial"/>
+                <a:ea typeface="DejaVu Sans"/>
               </a:rPr>
               <a:t>Link[1]</a:t>
             </a:r>
@@ -3841,25 +4439,41 @@
             </a:pPr>
             <a:r>
               <a:rPr b="0" lang="en-US" sz="1800" spc="-1" strike="noStrike">
+                <a:solidFill>
+                  <a:srgbClr val="000000"/>
+                </a:solidFill>
                 <a:latin typeface="Arial"/>
+                <a:ea typeface="DejaVu Sans"/>
               </a:rPr>
               <a:t>	</a:t>
             </a:r>
             <a:r>
               <a:rPr b="0" lang="en-US" sz="1800" spc="-1" strike="noStrike">
+                <a:solidFill>
+                  <a:srgbClr val="000000"/>
+                </a:solidFill>
                 <a:latin typeface="Arial"/>
+                <a:ea typeface="DejaVu Sans"/>
               </a:rPr>
               <a:t>	</a:t>
             </a:r>
             <a:r>
               <a:rPr b="0" lang="en-US" sz="1800" spc="-1" strike="noStrike">
+                <a:solidFill>
+                  <a:srgbClr val="000000"/>
+                </a:solidFill>
                 <a:latin typeface="Arial"/>
+                <a:ea typeface="DejaVu Sans"/>
               </a:rPr>
               <a:t>	</a:t>
             </a:r>
             <a:r>
               <a:rPr b="0" lang="en-US" sz="1800" spc="-1" strike="noStrike">
+                <a:solidFill>
+                  <a:srgbClr val="000000"/>
+                </a:solidFill>
                 <a:latin typeface="Arial"/>
+                <a:ea typeface="DejaVu Sans"/>
               </a:rPr>
               <a:t>Link[2]</a:t>
             </a:r>
@@ -3925,7 +4539,11 @@
             </a:pPr>
             <a:r>
               <a:rPr b="0" lang="en-US" sz="1800" spc="-1" strike="noStrike">
+                <a:solidFill>
+                  <a:srgbClr val="000000"/>
+                </a:solidFill>
                 <a:latin typeface="Arial"/>
+                <a:ea typeface="DejaVu Sans"/>
               </a:rPr>
               <a:t>1. https://github.com/MORTAL2000/15-Puzzle-Game </a:t>
             </a:r>
@@ -3941,7 +4559,11 @@
             </a:pPr>
             <a:r>
               <a:rPr b="0" lang="en-US" sz="1800" spc="-1" strike="noStrike">
+                <a:solidFill>
+                  <a:srgbClr val="000000"/>
+                </a:solidFill>
                 <a:latin typeface="Arial"/>
+                <a:ea typeface="DejaVu Sans"/>
               </a:rPr>
               <a:t>2. https://en.sfml-dev.org/forums/index.php?topic=20245.0</a:t>
             </a:r>
@@ -3959,38 +4581,38 @@
   <p:timing>
     <p:tnLst>
       <p:par>
-        <p:cTn id="315" dur="indefinite" restart="never" nodeType="tmRoot">
+        <p:cTn id="349" dur="indefinite" restart="never" nodeType="tmRoot">
           <p:childTnLst>
             <p:seq>
-              <p:cTn id="316" dur="indefinite" nodeType="mainSeq">
+              <p:cTn id="350" dur="indefinite" nodeType="mainSeq">
                 <p:childTnLst>
                   <p:par>
-                    <p:cTn id="317" fill="hold">
+                    <p:cTn id="351" fill="hold">
                       <p:stCondLst>
                         <p:cond delay="indefinite"/>
                       </p:stCondLst>
                       <p:childTnLst>
                         <p:par>
-                          <p:cTn id="318" fill="hold">
+                          <p:cTn id="352" fill="hold">
                             <p:stCondLst>
                               <p:cond delay="0"/>
                             </p:stCondLst>
                             <p:childTnLst>
                               <p:par>
-                                <p:cTn id="319" nodeType="clickEffect" fill="hold" presetClass="entr" presetID="2" presetSubtype="4">
+                                <p:cTn id="353" nodeType="clickEffect" fill="hold" presetClass="entr" presetID="2" presetSubtype="4">
                                   <p:stCondLst>
                                     <p:cond delay="0"/>
                                   </p:stCondLst>
                                   <p:childTnLst>
                                     <p:set>
                                       <p:cBhvr>
-                                        <p:cTn id="320" dur="1" fill="hold">
+                                        <p:cTn id="354" dur="1" fill="hold">
                                           <p:stCondLst>
                                             <p:cond delay="0"/>
                                           </p:stCondLst>
                                         </p:cTn>
                                         <p:tgtEl>
-                                          <p:spTgt spid="92"/>
+                                          <p:spTgt spid="98"/>
                                         </p:tgtEl>
                                         <p:attrNameLst>
                                           <p:attrName>style.visibility</p:attrName>
@@ -4002,9 +4624,9 @@
                                     </p:set>
                                     <p:anim calcmode="lin" valueType="num">
                                       <p:cBhvr additive="repl">
-                                        <p:cTn id="321" dur="500" fill="hold"/>
-                                        <p:tgtEl>
-                                          <p:spTgt spid="92"/>
+                                        <p:cTn id="355" dur="500" fill="hold"/>
+                                        <p:tgtEl>
+                                          <p:spTgt spid="98"/>
                                         </p:tgtEl>
                                         <p:attrNameLst>
                                           <p:attrName>ppt_x</p:attrName>
@@ -4025,9 +4647,9 @@
                                     </p:anim>
                                     <p:anim calcmode="lin" valueType="num">
                                       <p:cBhvr additive="repl">
-                                        <p:cTn id="322" dur="500" fill="hold"/>
-                                        <p:tgtEl>
-                                          <p:spTgt spid="92"/>
+                                        <p:cTn id="356" dur="500" fill="hold"/>
+                                        <p:tgtEl>
+                                          <p:spTgt spid="98"/>
                                         </p:tgtEl>
                                         <p:attrNameLst>
                                           <p:attrName>ppt_y</p:attrName>
@@ -4050,20 +4672,20 @@
                                 </p:cTn>
                               </p:par>
                               <p:par>
-                                <p:cTn id="323" nodeType="withEffect" fill="hold" presetClass="entr" presetID="6" presetSubtype="16">
+                                <p:cTn id="357" nodeType="withEffect" fill="hold" presetClass="entr" presetID="6" presetSubtype="16">
                                   <p:stCondLst>
                                     <p:cond delay="0"/>
                                   </p:stCondLst>
                                   <p:childTnLst>
                                     <p:set>
                                       <p:cBhvr>
-                                        <p:cTn id="324" dur="1" fill="hold">
+                                        <p:cTn id="358" dur="1" fill="hold">
                                           <p:stCondLst>
                                             <p:cond delay="0"/>
                                           </p:stCondLst>
                                         </p:cTn>
                                         <p:tgtEl>
-                                          <p:spTgt spid="93"/>
+                                          <p:spTgt spid="99"/>
                                         </p:tgtEl>
                                         <p:attrNameLst>
                                           <p:attrName>style.visibility</p:attrName>
@@ -4075,9 +4697,9 @@
                                     </p:set>
                                     <p:animEffect filter="circle(in)" transition="in">
                                       <p:cBhvr additive="repl">
-                                        <p:cTn id="325" dur="2000"/>
-                                        <p:tgtEl>
-                                          <p:spTgt spid="93"/>
+                                        <p:cTn id="359" dur="2000"/>
+                                        <p:tgtEl>
+                                          <p:spTgt spid="99"/>
                                         </p:tgtEl>
                                       </p:cBhvr>
                                     </p:animEffect>
@@ -4088,26 +4710,26 @@
                           </p:cTn>
                         </p:par>
                         <p:par>
-                          <p:cTn id="326" fill="hold">
+                          <p:cTn id="360" fill="hold">
                             <p:stCondLst>
                               <p:cond delay="2000"/>
                             </p:stCondLst>
                             <p:childTnLst>
                               <p:par>
-                                <p:cTn id="327" nodeType="afterEffect" fill="hold" presetClass="entr" presetID="6" presetSubtype="16">
+                                <p:cTn id="361" nodeType="afterEffect" fill="hold" presetClass="entr" presetID="6" presetSubtype="16">
                                   <p:stCondLst>
                                     <p:cond delay="0"/>
                                   </p:stCondLst>
                                   <p:childTnLst>
                                     <p:set>
                                       <p:cBhvr>
-                                        <p:cTn id="328" dur="1" fill="hold">
+                                        <p:cTn id="362" dur="1" fill="hold">
                                           <p:stCondLst>
                                             <p:cond delay="0"/>
                                           </p:stCondLst>
                                         </p:cTn>
                                         <p:tgtEl>
-                                          <p:spTgt spid="94">
+                                          <p:spTgt spid="100">
                                             <p:txEl>
                                               <p:pRg st="0" end="0"/>
                                             </p:txEl>
@@ -4123,9 +4745,9 @@
                                     </p:set>
                                     <p:animEffect filter="circle(in)" transition="in">
                                       <p:cBhvr additive="repl">
-                                        <p:cTn id="329" dur="2000"/>
-                                        <p:tgtEl>
-                                          <p:spTgt spid="94">
+                                        <p:cTn id="363" dur="2000"/>
+                                        <p:tgtEl>
+                                          <p:spTgt spid="100">
                                             <p:txEl>
                                               <p:pRg st="0" end="0"/>
                                             </p:txEl>
@@ -4137,20 +4759,20 @@
                                 </p:cTn>
                               </p:par>
                               <p:par>
-                                <p:cTn id="330" nodeType="withEffect" fill="hold" presetClass="entr" presetID="6" presetSubtype="16">
+                                <p:cTn id="364" nodeType="withEffect" fill="hold" presetClass="entr" presetID="6" presetSubtype="16">
                                   <p:stCondLst>
                                     <p:cond delay="0"/>
                                   </p:stCondLst>
                                   <p:childTnLst>
                                     <p:set>
                                       <p:cBhvr>
-                                        <p:cTn id="331" dur="1" fill="hold">
+                                        <p:cTn id="365" dur="1" fill="hold">
                                           <p:stCondLst>
                                             <p:cond delay="0"/>
                                           </p:stCondLst>
                                         </p:cTn>
                                         <p:tgtEl>
-                                          <p:spTgt spid="94">
+                                          <p:spTgt spid="100">
                                             <p:txEl>
                                               <p:pRg st="1" end="1"/>
                                             </p:txEl>
@@ -4166,9 +4788,9 @@
                                     </p:set>
                                     <p:animEffect filter="circle(in)" transition="in">
                                       <p:cBhvr additive="repl">
-                                        <p:cTn id="332" dur="2000"/>
-                                        <p:tgtEl>
-                                          <p:spTgt spid="94">
+                                        <p:cTn id="366" dur="2000"/>
+                                        <p:tgtEl>
+                                          <p:spTgt spid="100">
                                             <p:txEl>
                                               <p:pRg st="1" end="1"/>
                                             </p:txEl>
@@ -4180,20 +4802,20 @@
                                 </p:cTn>
                               </p:par>
                               <p:par>
-                                <p:cTn id="333" nodeType="withEffect" fill="hold" presetClass="entr" presetID="6" presetSubtype="16">
+                                <p:cTn id="367" nodeType="withEffect" fill="hold" presetClass="entr" presetID="6" presetSubtype="16">
                                   <p:stCondLst>
                                     <p:cond delay="0"/>
                                   </p:stCondLst>
                                   <p:childTnLst>
                                     <p:set>
                                       <p:cBhvr>
-                                        <p:cTn id="334" dur="1" fill="hold">
+                                        <p:cTn id="368" dur="1" fill="hold">
                                           <p:stCondLst>
                                             <p:cond delay="0"/>
                                           </p:stCondLst>
                                         </p:cTn>
                                         <p:tgtEl>
-                                          <p:spTgt spid="94">
+                                          <p:spTgt spid="100">
                                             <p:txEl>
                                               <p:pRg st="2" end="2"/>
                                             </p:txEl>
@@ -4209,9 +4831,9 @@
                                     </p:set>
                                     <p:animEffect filter="circle(in)" transition="in">
                                       <p:cBhvr additive="repl">
-                                        <p:cTn id="335" dur="2000"/>
-                                        <p:tgtEl>
-                                          <p:spTgt spid="94">
+                                        <p:cTn id="369" dur="2000"/>
+                                        <p:tgtEl>
+                                          <p:spTgt spid="100">
                                             <p:txEl>
                                               <p:pRg st="2" end="2"/>
                                             </p:txEl>
@@ -4226,26 +4848,26 @@
                           </p:cTn>
                         </p:par>
                         <p:par>
-                          <p:cTn id="336" fill="hold">
+                          <p:cTn id="370" fill="hold">
                             <p:stCondLst>
                               <p:cond delay="4000"/>
                             </p:stCondLst>
                             <p:childTnLst>
                               <p:par>
-                                <p:cTn id="337" nodeType="afterEffect" fill="hold" presetClass="entr" presetID="6" presetSubtype="16">
+                                <p:cTn id="371" nodeType="afterEffect" fill="hold" presetClass="entr" presetID="6" presetSubtype="16">
                                   <p:stCondLst>
                                     <p:cond delay="0"/>
                                   </p:stCondLst>
                                   <p:childTnLst>
                                     <p:set>
                                       <p:cBhvr>
-                                        <p:cTn id="338" dur="1" fill="hold">
+                                        <p:cTn id="372" dur="1" fill="hold">
                                           <p:stCondLst>
                                             <p:cond delay="0"/>
                                           </p:stCondLst>
                                         </p:cTn>
                                         <p:tgtEl>
-                                          <p:spTgt spid="94">
+                                          <p:spTgt spid="100">
                                             <p:txEl>
                                               <p:pRg st="8" end="8"/>
                                             </p:txEl>
@@ -4261,9 +4883,9 @@
                                     </p:set>
                                     <p:animEffect filter="circle(in)" transition="in">
                                       <p:cBhvr additive="repl">
-                                        <p:cTn id="339" dur="2000"/>
-                                        <p:tgtEl>
-                                          <p:spTgt spid="94">
+                                        <p:cTn id="373" dur="2000"/>
+                                        <p:tgtEl>
+                                          <p:spTgt spid="100">
                                             <p:txEl>
                                               <p:pRg st="8" end="8"/>
                                             </p:txEl>
@@ -4275,20 +4897,20 @@
                                 </p:cTn>
                               </p:par>
                               <p:par>
-                                <p:cTn id="340" nodeType="withEffect" fill="hold" presetClass="entr" presetID="1">
+                                <p:cTn id="374" nodeType="withEffect" fill="hold" presetClass="entr" presetID="1">
                                   <p:stCondLst>
                                     <p:cond delay="0"/>
                                   </p:stCondLst>
                                   <p:childTnLst>
                                     <p:set>
                                       <p:cBhvr>
-                                        <p:cTn id="341" dur="1" fill="hold">
+                                        <p:cTn id="375" dur="1" fill="hold">
                                           <p:stCondLst>
                                             <p:cond delay="0"/>
                                           </p:stCondLst>
                                         </p:cTn>
                                         <p:tgtEl>
-                                          <p:spTgt spid="94">
+                                          <p:spTgt spid="100">
                                             <p:txEl>
                                               <p:pRg st="9" end="9"/>
                                             </p:txEl>
@@ -4336,7 +4958,7 @@
 </p:sld>
 </file>
 
-<file path=ppt/slides/slide11.xml><?xml version="1.0" encoding="utf-8"?>
+<file path=ppt/slides/slide12.xml><?xml version="1.0" encoding="utf-8"?>
 <p:sld xmlns:a="http://schemas.openxmlformats.org/drawingml/2006/main" xmlns:p="http://schemas.openxmlformats.org/presentationml/2006/main" xmlns:r="http://schemas.openxmlformats.org/officeDocument/2006/relationships" xmlns:p14="http://schemas.microsoft.com/office/powerpoint/2010/main" xmlns:p15="http://schemas.microsoft.com/office/powerpoint/2012/main" xmlns:mc="http://schemas.openxmlformats.org/markup-compatibility/2006">
   <p:cSld>
     <p:spTree>
@@ -4355,14 +4977,14 @@
       </p:grpSpPr>
       <p:sp>
         <p:nvSpPr>
-          <p:cNvPr id="95" name="CustomShape 1"/>
+          <p:cNvPr id="101" name="CustomShape 1"/>
           <p:cNvSpPr/>
           <p:nvPr/>
         </p:nvSpPr>
         <p:spPr>
           <a:xfrm>
-            <a:off x="1188720" y="458640"/>
-            <a:ext cx="912600" cy="912600"/>
+            <a:off x="914400" y="274320"/>
+            <a:ext cx="1188360" cy="1095840"/>
           </a:xfrm>
           <a:prstGeom prst="ellipse">
             <a:avLst/>
@@ -4396,16 +5018,16 @@
               </a:lnSpc>
             </a:pPr>
             <a:r>
-              <a:rPr b="1" lang="en-US" sz="4000" spc="-1" strike="noStrike">
+              <a:rPr b="1" lang="en-US" sz="3600" spc="-1" strike="noStrike">
                 <a:solidFill>
                   <a:srgbClr val="4c4c4c"/>
                 </a:solidFill>
                 <a:latin typeface="Arial"/>
                 <a:ea typeface="DejaVu Sans"/>
               </a:rPr>
-              <a:t>9.1</a:t>
+              <a:t>10.1</a:t>
             </a:r>
-            <a:endParaRPr b="0" lang="en-US" sz="4000" spc="-1" strike="noStrike">
+            <a:endParaRPr b="0" lang="en-US" sz="3600" spc="-1" strike="noStrike">
               <a:latin typeface="Arial"/>
             </a:endParaRPr>
           </a:p>
@@ -4413,14 +5035,14 @@
       </p:sp>
       <p:sp>
         <p:nvSpPr>
-          <p:cNvPr id="96" name="CustomShape 2"/>
+          <p:cNvPr id="102" name="CustomShape 2"/>
           <p:cNvSpPr/>
           <p:nvPr/>
         </p:nvSpPr>
         <p:spPr>
           <a:xfrm>
             <a:off x="2155680" y="458640"/>
-            <a:ext cx="5616360" cy="838800"/>
+            <a:ext cx="5615280" cy="837720"/>
           </a:xfrm>
           <a:custGeom>
             <a:avLst/>
@@ -4496,14 +5118,14 @@
       </p:sp>
       <p:sp>
         <p:nvSpPr>
-          <p:cNvPr id="97" name="CustomShape 3"/>
+          <p:cNvPr id="103" name="CustomShape 3"/>
           <p:cNvSpPr/>
           <p:nvPr/>
         </p:nvSpPr>
         <p:spPr>
           <a:xfrm>
             <a:off x="457200" y="3017520"/>
-            <a:ext cx="2102760" cy="1828440"/>
+            <a:ext cx="2101680" cy="1827360"/>
           </a:xfrm>
           <a:custGeom>
             <a:avLst/>
@@ -4585,7 +5207,7 @@
       </p:sp>
       <p:pic>
         <p:nvPicPr>
-          <p:cNvPr id="98" name="" descr=""/>
+          <p:cNvPr id="104" name="" descr=""/>
           <p:cNvPicPr/>
           <p:nvPr/>
         </p:nvPicPr>
@@ -4596,7 +5218,7 @@
         <p:spPr>
           <a:xfrm>
             <a:off x="2926080" y="2286000"/>
-            <a:ext cx="5241960" cy="3852000"/>
+            <a:ext cx="5240880" cy="3850920"/>
           </a:xfrm>
           <a:prstGeom prst="rect">
             <a:avLst/>
@@ -4614,38 +5236,38 @@
   <p:timing>
     <p:tnLst>
       <p:par>
-        <p:cTn id="342" dur="indefinite" restart="never" nodeType="tmRoot">
+        <p:cTn id="376" dur="indefinite" restart="never" nodeType="tmRoot">
           <p:childTnLst>
             <p:seq>
-              <p:cTn id="343" dur="indefinite" nodeType="mainSeq">
+              <p:cTn id="377" dur="indefinite" nodeType="mainSeq">
                 <p:childTnLst>
                   <p:par>
-                    <p:cTn id="344" fill="hold">
+                    <p:cTn id="378" fill="hold">
                       <p:stCondLst>
                         <p:cond delay="indefinite"/>
                       </p:stCondLst>
                       <p:childTnLst>
                         <p:par>
-                          <p:cTn id="345" fill="hold">
+                          <p:cTn id="379" fill="hold">
                             <p:stCondLst>
                               <p:cond delay="0"/>
                             </p:stCondLst>
                             <p:childTnLst>
                               <p:par>
-                                <p:cTn id="346" nodeType="clickEffect" fill="hold" presetClass="entr" presetID="2" presetSubtype="4">
+                                <p:cTn id="380" nodeType="clickEffect" fill="hold" presetClass="entr" presetID="2" presetSubtype="4">
                                   <p:stCondLst>
                                     <p:cond delay="0"/>
                                   </p:stCondLst>
                                   <p:childTnLst>
                                     <p:set>
                                       <p:cBhvr>
-                                        <p:cTn id="347" dur="1" fill="hold">
+                                        <p:cTn id="381" dur="1" fill="hold">
                                           <p:stCondLst>
                                             <p:cond delay="0"/>
                                           </p:stCondLst>
                                         </p:cTn>
                                         <p:tgtEl>
-                                          <p:spTgt spid="95"/>
+                                          <p:spTgt spid="101"/>
                                         </p:tgtEl>
                                         <p:attrNameLst>
                                           <p:attrName>style.visibility</p:attrName>
@@ -4657,9 +5279,9 @@
                                     </p:set>
                                     <p:anim calcmode="lin" valueType="num">
                                       <p:cBhvr additive="repl">
-                                        <p:cTn id="348" dur="500" fill="hold"/>
-                                        <p:tgtEl>
-                                          <p:spTgt spid="95"/>
+                                        <p:cTn id="382" dur="500" fill="hold"/>
+                                        <p:tgtEl>
+                                          <p:spTgt spid="101"/>
                                         </p:tgtEl>
                                         <p:attrNameLst>
                                           <p:attrName>ppt_x</p:attrName>
@@ -4680,9 +5302,9 @@
                                     </p:anim>
                                     <p:anim calcmode="lin" valueType="num">
                                       <p:cBhvr additive="repl">
-                                        <p:cTn id="349" dur="500" fill="hold"/>
-                                        <p:tgtEl>
-                                          <p:spTgt spid="95"/>
+                                        <p:cTn id="383" dur="500" fill="hold"/>
+                                        <p:tgtEl>
+                                          <p:spTgt spid="101"/>
                                         </p:tgtEl>
                                         <p:attrNameLst>
                                           <p:attrName>ppt_y</p:attrName>
@@ -4705,20 +5327,20 @@
                                 </p:cTn>
                               </p:par>
                               <p:par>
-                                <p:cTn id="350" nodeType="withEffect" fill="hold" presetClass="entr" presetID="6" presetSubtype="16">
+                                <p:cTn id="384" nodeType="withEffect" fill="hold" presetClass="entr" presetID="6" presetSubtype="16">
                                   <p:stCondLst>
                                     <p:cond delay="0"/>
                                   </p:stCondLst>
                                   <p:childTnLst>
                                     <p:set>
                                       <p:cBhvr>
-                                        <p:cTn id="351" dur="1" fill="hold">
+                                        <p:cTn id="385" dur="1" fill="hold">
                                           <p:stCondLst>
                                             <p:cond delay="0"/>
                                           </p:stCondLst>
                                         </p:cTn>
                                         <p:tgtEl>
-                                          <p:spTgt spid="96"/>
+                                          <p:spTgt spid="102"/>
                                         </p:tgtEl>
                                         <p:attrNameLst>
                                           <p:attrName>style.visibility</p:attrName>
@@ -4730,9 +5352,9 @@
                                     </p:set>
                                     <p:animEffect filter="circle(in)" transition="in">
                                       <p:cBhvr additive="repl">
-                                        <p:cTn id="352" dur="2000"/>
-                                        <p:tgtEl>
-                                          <p:spTgt spid="96"/>
+                                        <p:cTn id="386" dur="2000"/>
+                                        <p:tgtEl>
+                                          <p:spTgt spid="102"/>
                                         </p:tgtEl>
                                       </p:cBhvr>
                                     </p:animEffect>
@@ -4743,26 +5365,26 @@
                           </p:cTn>
                         </p:par>
                         <p:par>
-                          <p:cTn id="353" fill="hold">
+                          <p:cTn id="387" fill="hold">
                             <p:stCondLst>
                               <p:cond delay="2000"/>
                             </p:stCondLst>
                             <p:childTnLst>
                               <p:par>
-                                <p:cTn id="354" nodeType="afterEffect" fill="hold" presetClass="entr" presetID="49">
+                                <p:cTn id="388" nodeType="afterEffect" fill="hold" presetClass="entr" presetID="49">
                                   <p:stCondLst>
                                     <p:cond delay="0"/>
                                   </p:stCondLst>
                                   <p:childTnLst>
                                     <p:set>
                                       <p:cBhvr>
-                                        <p:cTn id="355" dur="1" fill="hold">
+                                        <p:cTn id="389" dur="1" fill="hold">
                                           <p:stCondLst>
                                             <p:cond delay="0"/>
                                           </p:stCondLst>
                                         </p:cTn>
                                         <p:tgtEl>
-                                          <p:spTgt spid="97"/>
+                                          <p:spTgt spid="103"/>
                                         </p:tgtEl>
                                         <p:attrNameLst>
                                           <p:attrName>style.visibility</p:attrName>
@@ -4774,9 +5396,9 @@
                                     </p:set>
                                     <p:anim calcmode="lin" valueType="num">
                                       <p:cBhvr additive="repl">
-                                        <p:cTn id="356" dur="500" fill="hold"/>
-                                        <p:tgtEl>
-                                          <p:spTgt spid="97"/>
+                                        <p:cTn id="390" dur="500" fill="hold"/>
+                                        <p:tgtEl>
+                                          <p:spTgt spid="103"/>
                                         </p:tgtEl>
                                         <p:attrNameLst>
                                           <p:attrName>ppt_w</p:attrName>
@@ -4797,9 +5419,9 @@
                                     </p:anim>
                                     <p:anim calcmode="lin" valueType="num">
                                       <p:cBhvr additive="repl">
-                                        <p:cTn id="357" dur="500" fill="hold"/>
-                                        <p:tgtEl>
-                                          <p:spTgt spid="97"/>
+                                        <p:cTn id="391" dur="500" fill="hold"/>
+                                        <p:tgtEl>
+                                          <p:spTgt spid="103"/>
                                         </p:tgtEl>
                                         <p:attrNameLst>
                                           <p:attrName>ppt_h</p:attrName>
@@ -4820,9 +5442,9 @@
                                     </p:anim>
                                     <p:anim calcmode="lin" valueType="num">
                                       <p:cBhvr additive="repl">
-                                        <p:cTn id="358" dur="500" fill="hold"/>
-                                        <p:tgtEl>
-                                          <p:spTgt spid="97"/>
+                                        <p:cTn id="392" dur="500" fill="hold"/>
+                                        <p:tgtEl>
+                                          <p:spTgt spid="103"/>
                                         </p:tgtEl>
                                         <p:attrNameLst>
                                           <p:attrName>r</p:attrName>
@@ -4843,9 +5465,9 @@
                                     </p:anim>
                                     <p:animEffect filter="fade" transition="in">
                                       <p:cBhvr additive="repl">
-                                        <p:cTn id="359" dur="500"/>
-                                        <p:tgtEl>
-                                          <p:spTgt spid="97"/>
+                                        <p:cTn id="393" dur="500"/>
+                                        <p:tgtEl>
+                                          <p:spTgt spid="103"/>
                                         </p:tgtEl>
                                       </p:cBhvr>
                                     </p:animEffect>
@@ -4853,20 +5475,20 @@
                                 </p:cTn>
                               </p:par>
                               <p:par>
-                                <p:cTn id="360" nodeType="withEffect" fill="hold" presetClass="entr" presetID="6" presetSubtype="16">
+                                <p:cTn id="394" nodeType="withEffect" fill="hold" presetClass="entr" presetID="6" presetSubtype="16">
                                   <p:stCondLst>
                                     <p:cond delay="0"/>
                                   </p:stCondLst>
                                   <p:childTnLst>
                                     <p:set>
                                       <p:cBhvr>
-                                        <p:cTn id="361" dur="1" fill="hold">
+                                        <p:cTn id="395" dur="1" fill="hold">
                                           <p:stCondLst>
                                             <p:cond delay="0"/>
                                           </p:stCondLst>
                                         </p:cTn>
                                         <p:tgtEl>
-                                          <p:spTgt spid="98"/>
+                                          <p:spTgt spid="104"/>
                                         </p:tgtEl>
                                         <p:attrNameLst>
                                           <p:attrName>style.visibility</p:attrName>
@@ -4878,9 +5500,9 @@
                                     </p:set>
                                     <p:animEffect filter="circle(in)" transition="in">
                                       <p:cBhvr additive="repl">
-                                        <p:cTn id="362" dur="2000"/>
-                                        <p:tgtEl>
-                                          <p:spTgt spid="98"/>
+                                        <p:cTn id="396" dur="2000"/>
+                                        <p:tgtEl>
+                                          <p:spTgt spid="104"/>
                                         </p:tgtEl>
                                       </p:cBhvr>
                                     </p:animEffect>
@@ -4918,7 +5540,7 @@
 </p:sld>
 </file>
 
-<file path=ppt/slides/slide12.xml><?xml version="1.0" encoding="utf-8"?>
+<file path=ppt/slides/slide13.xml><?xml version="1.0" encoding="utf-8"?>
 <p:sld xmlns:a="http://schemas.openxmlformats.org/drawingml/2006/main" xmlns:p="http://schemas.openxmlformats.org/presentationml/2006/main" xmlns:r="http://schemas.openxmlformats.org/officeDocument/2006/relationships" xmlns:p14="http://schemas.microsoft.com/office/powerpoint/2010/main" xmlns:p15="http://schemas.microsoft.com/office/powerpoint/2012/main" xmlns:mc="http://schemas.openxmlformats.org/markup-compatibility/2006">
   <p:cSld>
     <p:spTree>
@@ -4937,14 +5559,14 @@
       </p:grpSpPr>
       <p:sp>
         <p:nvSpPr>
-          <p:cNvPr id="99" name="CustomShape 1"/>
+          <p:cNvPr id="105" name="CustomShape 1"/>
           <p:cNvSpPr/>
           <p:nvPr/>
         </p:nvSpPr>
         <p:spPr>
           <a:xfrm>
-            <a:off x="1280160" y="550080"/>
-            <a:ext cx="912600" cy="912600"/>
+            <a:off x="1100160" y="551520"/>
+            <a:ext cx="1146960" cy="911520"/>
           </a:xfrm>
           <a:prstGeom prst="ellipse">
             <a:avLst/>
@@ -4978,16 +5600,16 @@
               </a:lnSpc>
             </a:pPr>
             <a:r>
-              <a:rPr b="1" lang="en-US" sz="4000" spc="-1" strike="noStrike">
+              <a:rPr b="1" lang="en-US" sz="3200" spc="-1" strike="noStrike">
                 <a:solidFill>
                   <a:srgbClr val="4c4c4c"/>
                 </a:solidFill>
                 <a:latin typeface="Arial"/>
                 <a:ea typeface="DejaVu Sans"/>
               </a:rPr>
-              <a:t>9.2</a:t>
+              <a:t>10.2</a:t>
             </a:r>
-            <a:endParaRPr b="0" lang="en-US" sz="4000" spc="-1" strike="noStrike">
+            <a:endParaRPr b="0" lang="en-US" sz="3200" spc="-1" strike="noStrike">
               <a:latin typeface="Arial"/>
             </a:endParaRPr>
           </a:p>
@@ -4995,14 +5617,14 @@
       </p:sp>
       <p:sp>
         <p:nvSpPr>
-          <p:cNvPr id="100" name="CustomShape 2"/>
+          <p:cNvPr id="106" name="CustomShape 2"/>
           <p:cNvSpPr/>
           <p:nvPr/>
         </p:nvSpPr>
         <p:spPr>
           <a:xfrm>
             <a:off x="2247120" y="550080"/>
-            <a:ext cx="5616360" cy="838800"/>
+            <a:ext cx="5615280" cy="837720"/>
           </a:xfrm>
           <a:custGeom>
             <a:avLst/>
@@ -5078,14 +5700,14 @@
       </p:sp>
       <p:sp>
         <p:nvSpPr>
-          <p:cNvPr id="101" name="CustomShape 3"/>
+          <p:cNvPr id="107" name="CustomShape 3"/>
           <p:cNvSpPr/>
           <p:nvPr/>
         </p:nvSpPr>
         <p:spPr>
           <a:xfrm>
             <a:off x="457560" y="3017880"/>
-            <a:ext cx="2102760" cy="1828440"/>
+            <a:ext cx="2101680" cy="1827360"/>
           </a:xfrm>
           <a:custGeom>
             <a:avLst/>
@@ -5167,7 +5789,7 @@
       </p:sp>
       <p:pic>
         <p:nvPicPr>
-          <p:cNvPr id="102" name="" descr=""/>
+          <p:cNvPr id="108" name="" descr=""/>
           <p:cNvPicPr/>
           <p:nvPr/>
         </p:nvPicPr>
@@ -5178,7 +5800,7 @@
         <p:spPr>
           <a:xfrm>
             <a:off x="3284640" y="2069640"/>
-            <a:ext cx="4670280" cy="4513680"/>
+            <a:ext cx="4669200" cy="4512600"/>
           </a:xfrm>
           <a:prstGeom prst="rect">
             <a:avLst/>
@@ -5196,38 +5818,38 @@
   <p:timing>
     <p:tnLst>
       <p:par>
-        <p:cTn id="363" dur="indefinite" restart="never" nodeType="tmRoot">
+        <p:cTn id="397" dur="indefinite" restart="never" nodeType="tmRoot">
           <p:childTnLst>
             <p:seq>
-              <p:cTn id="364" dur="indefinite" nodeType="mainSeq">
+              <p:cTn id="398" dur="indefinite" nodeType="mainSeq">
                 <p:childTnLst>
                   <p:par>
-                    <p:cTn id="365" fill="hold">
+                    <p:cTn id="399" fill="hold">
                       <p:stCondLst>
                         <p:cond delay="indefinite"/>
                       </p:stCondLst>
                       <p:childTnLst>
                         <p:par>
-                          <p:cTn id="366" fill="hold">
+                          <p:cTn id="400" fill="hold">
                             <p:stCondLst>
                               <p:cond delay="0"/>
                             </p:stCondLst>
                             <p:childTnLst>
                               <p:par>
-                                <p:cTn id="367" nodeType="clickEffect" fill="hold" presetClass="entr" presetID="2" presetSubtype="4">
+                                <p:cTn id="401" nodeType="clickEffect" fill="hold" presetClass="entr" presetID="2" presetSubtype="4">
                                   <p:stCondLst>
                                     <p:cond delay="0"/>
                                   </p:stCondLst>
                                   <p:childTnLst>
                                     <p:set>
                                       <p:cBhvr>
-                                        <p:cTn id="368" dur="1" fill="hold">
+                                        <p:cTn id="402" dur="1" fill="hold">
                                           <p:stCondLst>
                                             <p:cond delay="0"/>
                                           </p:stCondLst>
                                         </p:cTn>
                                         <p:tgtEl>
-                                          <p:spTgt spid="99"/>
+                                          <p:spTgt spid="105"/>
                                         </p:tgtEl>
                                         <p:attrNameLst>
                                           <p:attrName>style.visibility</p:attrName>
@@ -5239,9 +5861,9 @@
                                     </p:set>
                                     <p:anim calcmode="lin" valueType="num">
                                       <p:cBhvr additive="repl">
-                                        <p:cTn id="369" dur="500" fill="hold"/>
-                                        <p:tgtEl>
-                                          <p:spTgt spid="99"/>
+                                        <p:cTn id="403" dur="500" fill="hold"/>
+                                        <p:tgtEl>
+                                          <p:spTgt spid="105"/>
                                         </p:tgtEl>
                                         <p:attrNameLst>
                                           <p:attrName>ppt_x</p:attrName>
@@ -5262,9 +5884,9 @@
                                     </p:anim>
                                     <p:anim calcmode="lin" valueType="num">
                                       <p:cBhvr additive="repl">
-                                        <p:cTn id="370" dur="500" fill="hold"/>
-                                        <p:tgtEl>
-                                          <p:spTgt spid="99"/>
+                                        <p:cTn id="404" dur="500" fill="hold"/>
+                                        <p:tgtEl>
+                                          <p:spTgt spid="105"/>
                                         </p:tgtEl>
                                         <p:attrNameLst>
                                           <p:attrName>ppt_y</p:attrName>
@@ -5287,20 +5909,20 @@
                                 </p:cTn>
                               </p:par>
                               <p:par>
-                                <p:cTn id="371" nodeType="withEffect" fill="hold" presetClass="entr" presetID="6" presetSubtype="16">
+                                <p:cTn id="405" nodeType="withEffect" fill="hold" presetClass="entr" presetID="6" presetSubtype="16">
                                   <p:stCondLst>
                                     <p:cond delay="0"/>
                                   </p:stCondLst>
                                   <p:childTnLst>
                                     <p:set>
                                       <p:cBhvr>
-                                        <p:cTn id="372" dur="1" fill="hold">
+                                        <p:cTn id="406" dur="1" fill="hold">
                                           <p:stCondLst>
                                             <p:cond delay="0"/>
                                           </p:stCondLst>
                                         </p:cTn>
                                         <p:tgtEl>
-                                          <p:spTgt spid="100"/>
+                                          <p:spTgt spid="106"/>
                                         </p:tgtEl>
                                         <p:attrNameLst>
                                           <p:attrName>style.visibility</p:attrName>
@@ -5312,9 +5934,9 @@
                                     </p:set>
                                     <p:animEffect filter="circle(in)" transition="in">
                                       <p:cBhvr additive="repl">
-                                        <p:cTn id="373" dur="2000"/>
-                                        <p:tgtEl>
-                                          <p:spTgt spid="100"/>
+                                        <p:cTn id="407" dur="2000"/>
+                                        <p:tgtEl>
+                                          <p:spTgt spid="106"/>
                                         </p:tgtEl>
                                       </p:cBhvr>
                                     </p:animEffect>
@@ -5325,26 +5947,26 @@
                           </p:cTn>
                         </p:par>
                         <p:par>
-                          <p:cTn id="374" fill="hold">
+                          <p:cTn id="408" fill="hold">
                             <p:stCondLst>
                               <p:cond delay="2000"/>
                             </p:stCondLst>
                             <p:childTnLst>
                               <p:par>
-                                <p:cTn id="375" nodeType="afterEffect" fill="hold" presetClass="entr" presetID="49">
+                                <p:cTn id="409" nodeType="afterEffect" fill="hold" presetClass="entr" presetID="49">
                                   <p:stCondLst>
                                     <p:cond delay="0"/>
                                   </p:stCondLst>
                                   <p:childTnLst>
                                     <p:set>
                                       <p:cBhvr>
-                                        <p:cTn id="376" dur="1" fill="hold">
+                                        <p:cTn id="410" dur="1" fill="hold">
                                           <p:stCondLst>
                                             <p:cond delay="0"/>
                                           </p:stCondLst>
                                         </p:cTn>
                                         <p:tgtEl>
-                                          <p:spTgt spid="101"/>
+                                          <p:spTgt spid="107"/>
                                         </p:tgtEl>
                                         <p:attrNameLst>
                                           <p:attrName>style.visibility</p:attrName>
@@ -5356,9 +5978,9 @@
                                     </p:set>
                                     <p:anim calcmode="lin" valueType="num">
                                       <p:cBhvr additive="repl">
-                                        <p:cTn id="377" dur="500" fill="hold"/>
-                                        <p:tgtEl>
-                                          <p:spTgt spid="101"/>
+                                        <p:cTn id="411" dur="500" fill="hold"/>
+                                        <p:tgtEl>
+                                          <p:spTgt spid="107"/>
                                         </p:tgtEl>
                                         <p:attrNameLst>
                                           <p:attrName>ppt_w</p:attrName>
@@ -5379,9 +6001,9 @@
                                     </p:anim>
                                     <p:anim calcmode="lin" valueType="num">
                                       <p:cBhvr additive="repl">
-                                        <p:cTn id="378" dur="500" fill="hold"/>
-                                        <p:tgtEl>
-                                          <p:spTgt spid="101"/>
+                                        <p:cTn id="412" dur="500" fill="hold"/>
+                                        <p:tgtEl>
+                                          <p:spTgt spid="107"/>
                                         </p:tgtEl>
                                         <p:attrNameLst>
                                           <p:attrName>ppt_h</p:attrName>
@@ -5402,9 +6024,9 @@
                                     </p:anim>
                                     <p:anim calcmode="lin" valueType="num">
                                       <p:cBhvr additive="repl">
-                                        <p:cTn id="379" dur="500" fill="hold"/>
-                                        <p:tgtEl>
-                                          <p:spTgt spid="101"/>
+                                        <p:cTn id="413" dur="500" fill="hold"/>
+                                        <p:tgtEl>
+                                          <p:spTgt spid="107"/>
                                         </p:tgtEl>
                                         <p:attrNameLst>
                                           <p:attrName>r</p:attrName>
@@ -5425,9 +6047,9 @@
                                     </p:anim>
                                     <p:animEffect filter="fade" transition="in">
                                       <p:cBhvr additive="repl">
-                                        <p:cTn id="380" dur="500"/>
-                                        <p:tgtEl>
-                                          <p:spTgt spid="101"/>
+                                        <p:cTn id="414" dur="500"/>
+                                        <p:tgtEl>
+                                          <p:spTgt spid="107"/>
                                         </p:tgtEl>
                                       </p:cBhvr>
                                     </p:animEffect>
@@ -5435,20 +6057,20 @@
                                 </p:cTn>
                               </p:par>
                               <p:par>
-                                <p:cTn id="381" nodeType="withEffect" fill="hold" presetClass="entr" presetID="6" presetSubtype="16">
+                                <p:cTn id="415" nodeType="withEffect" fill="hold" presetClass="entr" presetID="6" presetSubtype="16">
                                   <p:stCondLst>
                                     <p:cond delay="0"/>
                                   </p:stCondLst>
                                   <p:childTnLst>
                                     <p:set>
                                       <p:cBhvr>
-                                        <p:cTn id="382" dur="1" fill="hold">
+                                        <p:cTn id="416" dur="1" fill="hold">
                                           <p:stCondLst>
                                             <p:cond delay="0"/>
                                           </p:stCondLst>
                                         </p:cTn>
                                         <p:tgtEl>
-                                          <p:spTgt spid="102"/>
+                                          <p:spTgt spid="108"/>
                                         </p:tgtEl>
                                         <p:attrNameLst>
                                           <p:attrName>style.visibility</p:attrName>
@@ -5460,9 +6082,9 @@
                                     </p:set>
                                     <p:animEffect filter="circle(in)" transition="in">
                                       <p:cBhvr additive="repl">
-                                        <p:cTn id="383" dur="2000"/>
-                                        <p:tgtEl>
-                                          <p:spTgt spid="102"/>
+                                        <p:cTn id="417" dur="2000"/>
+                                        <p:tgtEl>
+                                          <p:spTgt spid="108"/>
                                         </p:tgtEl>
                                       </p:cBhvr>
                                     </p:animEffect>
@@ -5500,7 +6122,7 @@
 </p:sld>
 </file>
 
-<file path=ppt/slides/slide13.xml><?xml version="1.0" encoding="utf-8"?>
+<file path=ppt/slides/slide14.xml><?xml version="1.0" encoding="utf-8"?>
 <p:sld xmlns:a="http://schemas.openxmlformats.org/drawingml/2006/main" xmlns:p="http://schemas.openxmlformats.org/presentationml/2006/main" xmlns:r="http://schemas.openxmlformats.org/officeDocument/2006/relationships" xmlns:p14="http://schemas.microsoft.com/office/powerpoint/2010/main" xmlns:p15="http://schemas.microsoft.com/office/powerpoint/2012/main" xmlns:mc="http://schemas.openxmlformats.org/markup-compatibility/2006">
   <p:cSld>
     <p:spTree>
@@ -5519,14 +6141,14 @@
       </p:grpSpPr>
       <p:sp>
         <p:nvSpPr>
-          <p:cNvPr id="103" name="CustomShape 1"/>
+          <p:cNvPr id="109" name="CustomShape 1"/>
           <p:cNvSpPr/>
           <p:nvPr/>
         </p:nvSpPr>
         <p:spPr>
           <a:xfrm>
-            <a:off x="1005840" y="732960"/>
-            <a:ext cx="912600" cy="912600"/>
+            <a:off x="731520" y="732960"/>
+            <a:ext cx="1185840" cy="911520"/>
           </a:xfrm>
           <a:prstGeom prst="ellipse">
             <a:avLst/>
@@ -5567,7 +6189,7 @@
                 <a:latin typeface="Arial"/>
                 <a:ea typeface="DejaVu Sans"/>
               </a:rPr>
-              <a:t>9.3</a:t>
+              <a:t>10.3</a:t>
             </a:r>
             <a:endParaRPr b="0" lang="en-US" sz="4000" spc="-1" strike="noStrike">
               <a:latin typeface="Arial"/>
@@ -5577,14 +6199,14 @@
       </p:sp>
       <p:sp>
         <p:nvSpPr>
-          <p:cNvPr id="104" name="CustomShape 2"/>
+          <p:cNvPr id="110" name="CustomShape 2"/>
           <p:cNvSpPr/>
           <p:nvPr/>
         </p:nvSpPr>
         <p:spPr>
           <a:xfrm>
             <a:off x="1972800" y="732960"/>
-            <a:ext cx="5616360" cy="838800"/>
+            <a:ext cx="5615280" cy="837720"/>
           </a:xfrm>
           <a:custGeom>
             <a:avLst/>
@@ -5660,14 +6282,14 @@
       </p:sp>
       <p:sp>
         <p:nvSpPr>
-          <p:cNvPr id="105" name="CustomShape 3"/>
+          <p:cNvPr id="111" name="CustomShape 3"/>
           <p:cNvSpPr/>
           <p:nvPr/>
         </p:nvSpPr>
         <p:spPr>
           <a:xfrm>
             <a:off x="457920" y="3018240"/>
-            <a:ext cx="2102760" cy="1828440"/>
+            <a:ext cx="2101680" cy="1827360"/>
           </a:xfrm>
           <a:custGeom>
             <a:avLst/>
@@ -5749,7 +6371,7 @@
       </p:sp>
       <p:pic>
         <p:nvPicPr>
-          <p:cNvPr id="106" name="" descr=""/>
+          <p:cNvPr id="112" name="" descr=""/>
           <p:cNvPicPr/>
           <p:nvPr/>
         </p:nvPicPr>
@@ -5760,7 +6382,7 @@
         <p:spPr>
           <a:xfrm>
             <a:off x="2926080" y="2295720"/>
-            <a:ext cx="4754520" cy="4104720"/>
+            <a:ext cx="4753440" cy="4103640"/>
           </a:xfrm>
           <a:prstGeom prst="rect">
             <a:avLst/>
@@ -5778,38 +6400,38 @@
   <p:timing>
     <p:tnLst>
       <p:par>
-        <p:cTn id="384" dur="indefinite" restart="never" nodeType="tmRoot">
+        <p:cTn id="418" dur="indefinite" restart="never" nodeType="tmRoot">
           <p:childTnLst>
             <p:seq>
-              <p:cTn id="385" dur="indefinite" nodeType="mainSeq">
+              <p:cTn id="419" dur="indefinite" nodeType="mainSeq">
                 <p:childTnLst>
                   <p:par>
-                    <p:cTn id="386" fill="hold">
+                    <p:cTn id="420" fill="hold">
                       <p:stCondLst>
                         <p:cond delay="indefinite"/>
                       </p:stCondLst>
                       <p:childTnLst>
                         <p:par>
-                          <p:cTn id="387" fill="hold">
+                          <p:cTn id="421" fill="hold">
                             <p:stCondLst>
                               <p:cond delay="0"/>
                             </p:stCondLst>
                             <p:childTnLst>
                               <p:par>
-                                <p:cTn id="388" nodeType="clickEffect" fill="hold" presetClass="entr" presetID="2" presetSubtype="4">
+                                <p:cTn id="422" nodeType="clickEffect" fill="hold" presetClass="entr" presetID="2" presetSubtype="4">
                                   <p:stCondLst>
                                     <p:cond delay="0"/>
                                   </p:stCondLst>
                                   <p:childTnLst>
                                     <p:set>
                                       <p:cBhvr>
-                                        <p:cTn id="389" dur="1" fill="hold">
+                                        <p:cTn id="423" dur="1" fill="hold">
                                           <p:stCondLst>
                                             <p:cond delay="0"/>
                                           </p:stCondLst>
                                         </p:cTn>
                                         <p:tgtEl>
-                                          <p:spTgt spid="103"/>
+                                          <p:spTgt spid="109"/>
                                         </p:tgtEl>
                                         <p:attrNameLst>
                                           <p:attrName>style.visibility</p:attrName>
@@ -5821,9 +6443,9 @@
                                     </p:set>
                                     <p:anim calcmode="lin" valueType="num">
                                       <p:cBhvr additive="repl">
-                                        <p:cTn id="390" dur="500" fill="hold"/>
-                                        <p:tgtEl>
-                                          <p:spTgt spid="103"/>
+                                        <p:cTn id="424" dur="500" fill="hold"/>
+                                        <p:tgtEl>
+                                          <p:spTgt spid="109"/>
                                         </p:tgtEl>
                                         <p:attrNameLst>
                                           <p:attrName>ppt_x</p:attrName>
@@ -5844,9 +6466,9 @@
                                     </p:anim>
                                     <p:anim calcmode="lin" valueType="num">
                                       <p:cBhvr additive="repl">
-                                        <p:cTn id="391" dur="500" fill="hold"/>
-                                        <p:tgtEl>
-                                          <p:spTgt spid="103"/>
+                                        <p:cTn id="425" dur="500" fill="hold"/>
+                                        <p:tgtEl>
+                                          <p:spTgt spid="109"/>
                                         </p:tgtEl>
                                         <p:attrNameLst>
                                           <p:attrName>ppt_y</p:attrName>
@@ -5869,20 +6491,20 @@
                                 </p:cTn>
                               </p:par>
                               <p:par>
-                                <p:cTn id="392" nodeType="withEffect" fill="hold" presetClass="entr" presetID="6" presetSubtype="16">
+                                <p:cTn id="426" nodeType="withEffect" fill="hold" presetClass="entr" presetID="6" presetSubtype="16">
                                   <p:stCondLst>
                                     <p:cond delay="0"/>
                                   </p:stCondLst>
                                   <p:childTnLst>
                                     <p:set>
                                       <p:cBhvr>
-                                        <p:cTn id="393" dur="1" fill="hold">
+                                        <p:cTn id="427" dur="1" fill="hold">
                                           <p:stCondLst>
                                             <p:cond delay="0"/>
                                           </p:stCondLst>
                                         </p:cTn>
                                         <p:tgtEl>
-                                          <p:spTgt spid="104"/>
+                                          <p:spTgt spid="110"/>
                                         </p:tgtEl>
                                         <p:attrNameLst>
                                           <p:attrName>style.visibility</p:attrName>
@@ -5894,9 +6516,9 @@
                                     </p:set>
                                     <p:animEffect filter="circle(in)" transition="in">
                                       <p:cBhvr additive="repl">
-                                        <p:cTn id="394" dur="2000"/>
-                                        <p:tgtEl>
-                                          <p:spTgt spid="104"/>
+                                        <p:cTn id="428" dur="2000"/>
+                                        <p:tgtEl>
+                                          <p:spTgt spid="110"/>
                                         </p:tgtEl>
                                       </p:cBhvr>
                                     </p:animEffect>
@@ -5907,26 +6529,26 @@
                           </p:cTn>
                         </p:par>
                         <p:par>
-                          <p:cTn id="395" fill="hold">
+                          <p:cTn id="429" fill="hold">
                             <p:stCondLst>
                               <p:cond delay="2000"/>
                             </p:stCondLst>
                             <p:childTnLst>
                               <p:par>
-                                <p:cTn id="396" nodeType="afterEffect" fill="hold" presetClass="entr" presetID="49">
+                                <p:cTn id="430" nodeType="afterEffect" fill="hold" presetClass="entr" presetID="49">
                                   <p:stCondLst>
                                     <p:cond delay="0"/>
                                   </p:stCondLst>
                                   <p:childTnLst>
                                     <p:set>
                                       <p:cBhvr>
-                                        <p:cTn id="397" dur="1" fill="hold">
+                                        <p:cTn id="431" dur="1" fill="hold">
                                           <p:stCondLst>
                                             <p:cond delay="0"/>
                                           </p:stCondLst>
                                         </p:cTn>
                                         <p:tgtEl>
-                                          <p:spTgt spid="105"/>
+                                          <p:spTgt spid="111"/>
                                         </p:tgtEl>
                                         <p:attrNameLst>
                                           <p:attrName>style.visibility</p:attrName>
@@ -5938,9 +6560,9 @@
                                     </p:set>
                                     <p:anim calcmode="lin" valueType="num">
                                       <p:cBhvr additive="repl">
-                                        <p:cTn id="398" dur="500" fill="hold"/>
-                                        <p:tgtEl>
-                                          <p:spTgt spid="105"/>
+                                        <p:cTn id="432" dur="500" fill="hold"/>
+                                        <p:tgtEl>
+                                          <p:spTgt spid="111"/>
                                         </p:tgtEl>
                                         <p:attrNameLst>
                                           <p:attrName>ppt_w</p:attrName>
@@ -5961,9 +6583,9 @@
                                     </p:anim>
                                     <p:anim calcmode="lin" valueType="num">
                                       <p:cBhvr additive="repl">
-                                        <p:cTn id="399" dur="500" fill="hold"/>
-                                        <p:tgtEl>
-                                          <p:spTgt spid="105"/>
+                                        <p:cTn id="433" dur="500" fill="hold"/>
+                                        <p:tgtEl>
+                                          <p:spTgt spid="111"/>
                                         </p:tgtEl>
                                         <p:attrNameLst>
                                           <p:attrName>ppt_h</p:attrName>
@@ -5984,9 +6606,9 @@
                                     </p:anim>
                                     <p:anim calcmode="lin" valueType="num">
                                       <p:cBhvr additive="repl">
-                                        <p:cTn id="400" dur="500" fill="hold"/>
-                                        <p:tgtEl>
-                                          <p:spTgt spid="105"/>
+                                        <p:cTn id="434" dur="500" fill="hold"/>
+                                        <p:tgtEl>
+                                          <p:spTgt spid="111"/>
                                         </p:tgtEl>
                                         <p:attrNameLst>
                                           <p:attrName>r</p:attrName>
@@ -6007,9 +6629,9 @@
                                     </p:anim>
                                     <p:animEffect filter="fade" transition="in">
                                       <p:cBhvr additive="repl">
-                                        <p:cTn id="401" dur="500"/>
-                                        <p:tgtEl>
-                                          <p:spTgt spid="105"/>
+                                        <p:cTn id="435" dur="500"/>
+                                        <p:tgtEl>
+                                          <p:spTgt spid="111"/>
                                         </p:tgtEl>
                                       </p:cBhvr>
                                     </p:animEffect>
@@ -6017,20 +6639,20 @@
                                 </p:cTn>
                               </p:par>
                               <p:par>
-                                <p:cTn id="402" nodeType="withEffect" fill="hold" presetClass="entr" presetID="6" presetSubtype="16">
+                                <p:cTn id="436" nodeType="withEffect" fill="hold" presetClass="entr" presetID="6" presetSubtype="16">
                                   <p:stCondLst>
                                     <p:cond delay="0"/>
                                   </p:stCondLst>
                                   <p:childTnLst>
                                     <p:set>
                                       <p:cBhvr>
-                                        <p:cTn id="403" dur="1" fill="hold">
+                                        <p:cTn id="437" dur="1" fill="hold">
                                           <p:stCondLst>
                                             <p:cond delay="0"/>
                                           </p:stCondLst>
                                         </p:cTn>
                                         <p:tgtEl>
-                                          <p:spTgt spid="106"/>
+                                          <p:spTgt spid="112"/>
                                         </p:tgtEl>
                                         <p:attrNameLst>
                                           <p:attrName>style.visibility</p:attrName>
@@ -6042,9 +6664,9 @@
                                     </p:set>
                                     <p:animEffect filter="circle(in)" transition="in">
                                       <p:cBhvr additive="repl">
-                                        <p:cTn id="404" dur="2000"/>
-                                        <p:tgtEl>
-                                          <p:spTgt spid="106"/>
+                                        <p:cTn id="438" dur="2000"/>
+                                        <p:tgtEl>
+                                          <p:spTgt spid="112"/>
                                         </p:tgtEl>
                                       </p:cBhvr>
                                     </p:animEffect>
@@ -6082,7 +6704,7 @@
 </p:sld>
 </file>
 
-<file path=ppt/slides/slide14.xml><?xml version="1.0" encoding="utf-8"?>
+<file path=ppt/slides/slide15.xml><?xml version="1.0" encoding="utf-8"?>
 <p:sld xmlns:a="http://schemas.openxmlformats.org/drawingml/2006/main" xmlns:p="http://schemas.openxmlformats.org/presentationml/2006/main" xmlns:r="http://schemas.openxmlformats.org/officeDocument/2006/relationships" xmlns:p14="http://schemas.microsoft.com/office/powerpoint/2010/main" xmlns:p15="http://schemas.microsoft.com/office/powerpoint/2012/main" xmlns:mc="http://schemas.openxmlformats.org/markup-compatibility/2006">
   <p:cSld>
     <p:spTree>
@@ -6101,14 +6723,14 @@
       </p:grpSpPr>
       <p:sp>
         <p:nvSpPr>
-          <p:cNvPr id="107" name="CustomShape 1"/>
+          <p:cNvPr id="113" name="CustomShape 1"/>
           <p:cNvSpPr/>
           <p:nvPr/>
         </p:nvSpPr>
         <p:spPr>
           <a:xfrm>
-            <a:off x="1056960" y="783720"/>
-            <a:ext cx="912600" cy="912600"/>
+            <a:off x="914400" y="783720"/>
+            <a:ext cx="1054080" cy="911520"/>
           </a:xfrm>
           <a:prstGeom prst="ellipse">
             <a:avLst/>
@@ -6149,7 +6771,7 @@
                 <a:latin typeface="Arial"/>
                 <a:ea typeface="DejaVu Sans"/>
               </a:rPr>
-              <a:t>9.4</a:t>
+              <a:t>10.4</a:t>
             </a:r>
             <a:endParaRPr b="0" lang="en-US" sz="4000" spc="-1" strike="noStrike">
               <a:latin typeface="Arial"/>
@@ -6159,14 +6781,14 @@
       </p:sp>
       <p:sp>
         <p:nvSpPr>
-          <p:cNvPr id="108" name="CustomShape 2"/>
+          <p:cNvPr id="114" name="CustomShape 2"/>
           <p:cNvSpPr/>
           <p:nvPr/>
         </p:nvSpPr>
         <p:spPr>
           <a:xfrm>
             <a:off x="2023920" y="783720"/>
-            <a:ext cx="5616360" cy="838800"/>
+            <a:ext cx="5615280" cy="837720"/>
           </a:xfrm>
           <a:custGeom>
             <a:avLst/>
@@ -6242,14 +6864,14 @@
       </p:sp>
       <p:sp>
         <p:nvSpPr>
-          <p:cNvPr id="109" name="CustomShape 3"/>
+          <p:cNvPr id="115" name="CustomShape 3"/>
           <p:cNvSpPr/>
           <p:nvPr/>
         </p:nvSpPr>
         <p:spPr>
           <a:xfrm>
             <a:off x="494280" y="3054600"/>
-            <a:ext cx="2102760" cy="1828440"/>
+            <a:ext cx="2101680" cy="1827360"/>
           </a:xfrm>
           <a:custGeom>
             <a:avLst/>
@@ -6331,7 +6953,7 @@
       </p:sp>
       <p:pic>
         <p:nvPicPr>
-          <p:cNvPr id="110" name="" descr=""/>
+          <p:cNvPr id="116" name="" descr=""/>
           <p:cNvPicPr/>
           <p:nvPr/>
         </p:nvPicPr>
@@ -6342,7 +6964,7 @@
         <p:spPr>
           <a:xfrm>
             <a:off x="3741840" y="3623760"/>
-            <a:ext cx="3938760" cy="765000"/>
+            <a:ext cx="3937680" cy="763920"/>
           </a:xfrm>
           <a:prstGeom prst="rect">
             <a:avLst/>
@@ -6360,38 +6982,38 @@
   <p:timing>
     <p:tnLst>
       <p:par>
-        <p:cTn id="405" dur="indefinite" restart="never" nodeType="tmRoot">
+        <p:cTn id="439" dur="indefinite" restart="never" nodeType="tmRoot">
           <p:childTnLst>
             <p:seq>
-              <p:cTn id="406" dur="indefinite" nodeType="mainSeq">
+              <p:cTn id="440" dur="indefinite" nodeType="mainSeq">
                 <p:childTnLst>
                   <p:par>
-                    <p:cTn id="407" fill="hold">
+                    <p:cTn id="441" fill="hold">
                       <p:stCondLst>
                         <p:cond delay="indefinite"/>
                       </p:stCondLst>
                       <p:childTnLst>
                         <p:par>
-                          <p:cTn id="408" fill="hold">
+                          <p:cTn id="442" fill="hold">
                             <p:stCondLst>
                               <p:cond delay="0"/>
                             </p:stCondLst>
                             <p:childTnLst>
                               <p:par>
-                                <p:cTn id="409" nodeType="clickEffect" fill="hold" presetClass="entr" presetID="2" presetSubtype="4">
+                                <p:cTn id="443" nodeType="clickEffect" fill="hold" presetClass="entr" presetID="2" presetSubtype="4">
                                   <p:stCondLst>
                                     <p:cond delay="0"/>
                                   </p:stCondLst>
                                   <p:childTnLst>
                                     <p:set>
                                       <p:cBhvr>
-                                        <p:cTn id="410" dur="1" fill="hold">
+                                        <p:cTn id="444" dur="1" fill="hold">
                                           <p:stCondLst>
                                             <p:cond delay="0"/>
                                           </p:stCondLst>
                                         </p:cTn>
                                         <p:tgtEl>
-                                          <p:spTgt spid="107"/>
+                                          <p:spTgt spid="113"/>
                                         </p:tgtEl>
                                         <p:attrNameLst>
                                           <p:attrName>style.visibility</p:attrName>
@@ -6403,9 +7025,9 @@
                                     </p:set>
                                     <p:anim calcmode="lin" valueType="num">
                                       <p:cBhvr additive="repl">
-                                        <p:cTn id="411" dur="500" fill="hold"/>
-                                        <p:tgtEl>
-                                          <p:spTgt spid="107"/>
+                                        <p:cTn id="445" dur="500" fill="hold"/>
+                                        <p:tgtEl>
+                                          <p:spTgt spid="113"/>
                                         </p:tgtEl>
                                         <p:attrNameLst>
                                           <p:attrName>ppt_x</p:attrName>
@@ -6426,9 +7048,9 @@
                                     </p:anim>
                                     <p:anim calcmode="lin" valueType="num">
                                       <p:cBhvr additive="repl">
-                                        <p:cTn id="412" dur="500" fill="hold"/>
-                                        <p:tgtEl>
-                                          <p:spTgt spid="107"/>
+                                        <p:cTn id="446" dur="500" fill="hold"/>
+                                        <p:tgtEl>
+                                          <p:spTgt spid="113"/>
                                         </p:tgtEl>
                                         <p:attrNameLst>
                                           <p:attrName>ppt_y</p:attrName>
@@ -6451,20 +7073,20 @@
                                 </p:cTn>
                               </p:par>
                               <p:par>
-                                <p:cTn id="413" nodeType="withEffect" fill="hold" presetClass="entr" presetID="6" presetSubtype="16">
+                                <p:cTn id="447" nodeType="withEffect" fill="hold" presetClass="entr" presetID="6" presetSubtype="16">
                                   <p:stCondLst>
                                     <p:cond delay="0"/>
                                   </p:stCondLst>
                                   <p:childTnLst>
                                     <p:set>
                                       <p:cBhvr>
-                                        <p:cTn id="414" dur="1" fill="hold">
+                                        <p:cTn id="448" dur="1" fill="hold">
                                           <p:stCondLst>
                                             <p:cond delay="0"/>
                                           </p:stCondLst>
                                         </p:cTn>
                                         <p:tgtEl>
-                                          <p:spTgt spid="108"/>
+                                          <p:spTgt spid="114"/>
                                         </p:tgtEl>
                                         <p:attrNameLst>
                                           <p:attrName>style.visibility</p:attrName>
@@ -6476,9 +7098,9 @@
                                     </p:set>
                                     <p:animEffect filter="circle(in)" transition="in">
                                       <p:cBhvr additive="repl">
-                                        <p:cTn id="415" dur="2000"/>
-                                        <p:tgtEl>
-                                          <p:spTgt spid="108"/>
+                                        <p:cTn id="449" dur="2000"/>
+                                        <p:tgtEl>
+                                          <p:spTgt spid="114"/>
                                         </p:tgtEl>
                                       </p:cBhvr>
                                     </p:animEffect>
@@ -6489,26 +7111,26 @@
                           </p:cTn>
                         </p:par>
                         <p:par>
-                          <p:cTn id="416" fill="hold">
+                          <p:cTn id="450" fill="hold">
                             <p:stCondLst>
                               <p:cond delay="2000"/>
                             </p:stCondLst>
                             <p:childTnLst>
                               <p:par>
-                                <p:cTn id="417" nodeType="afterEffect" fill="hold" presetClass="entr" presetID="49">
+                                <p:cTn id="451" nodeType="afterEffect" fill="hold" presetClass="entr" presetID="49">
                                   <p:stCondLst>
                                     <p:cond delay="0"/>
                                   </p:stCondLst>
                                   <p:childTnLst>
                                     <p:set>
                                       <p:cBhvr>
-                                        <p:cTn id="418" dur="1" fill="hold">
+                                        <p:cTn id="452" dur="1" fill="hold">
                                           <p:stCondLst>
                                             <p:cond delay="0"/>
                                           </p:stCondLst>
                                         </p:cTn>
                                         <p:tgtEl>
-                                          <p:spTgt spid="109"/>
+                                          <p:spTgt spid="115"/>
                                         </p:tgtEl>
                                         <p:attrNameLst>
                                           <p:attrName>style.visibility</p:attrName>
@@ -6520,9 +7142,9 @@
                                     </p:set>
                                     <p:anim calcmode="lin" valueType="num">
                                       <p:cBhvr additive="repl">
-                                        <p:cTn id="419" dur="500" fill="hold"/>
-                                        <p:tgtEl>
-                                          <p:spTgt spid="109"/>
+                                        <p:cTn id="453" dur="500" fill="hold"/>
+                                        <p:tgtEl>
+                                          <p:spTgt spid="115"/>
                                         </p:tgtEl>
                                         <p:attrNameLst>
                                           <p:attrName>ppt_w</p:attrName>
@@ -6543,9 +7165,9 @@
                                     </p:anim>
                                     <p:anim calcmode="lin" valueType="num">
                                       <p:cBhvr additive="repl">
-                                        <p:cTn id="420" dur="500" fill="hold"/>
-                                        <p:tgtEl>
-                                          <p:spTgt spid="109"/>
+                                        <p:cTn id="454" dur="500" fill="hold"/>
+                                        <p:tgtEl>
+                                          <p:spTgt spid="115"/>
                                         </p:tgtEl>
                                         <p:attrNameLst>
                                           <p:attrName>ppt_h</p:attrName>
@@ -6566,9 +7188,9 @@
                                     </p:anim>
                                     <p:anim calcmode="lin" valueType="num">
                                       <p:cBhvr additive="repl">
-                                        <p:cTn id="421" dur="500" fill="hold"/>
-                                        <p:tgtEl>
-                                          <p:spTgt spid="109"/>
+                                        <p:cTn id="455" dur="500" fill="hold"/>
+                                        <p:tgtEl>
+                                          <p:spTgt spid="115"/>
                                         </p:tgtEl>
                                         <p:attrNameLst>
                                           <p:attrName>r</p:attrName>
@@ -6589,9 +7211,9 @@
                                     </p:anim>
                                     <p:animEffect filter="fade" transition="in">
                                       <p:cBhvr additive="repl">
-                                        <p:cTn id="422" dur="500"/>
-                                        <p:tgtEl>
-                                          <p:spTgt spid="109"/>
+                                        <p:cTn id="456" dur="500"/>
+                                        <p:tgtEl>
+                                          <p:spTgt spid="115"/>
                                         </p:tgtEl>
                                       </p:cBhvr>
                                     </p:animEffect>
@@ -6599,20 +7221,20 @@
                                 </p:cTn>
                               </p:par>
                               <p:par>
-                                <p:cTn id="423" nodeType="withEffect" fill="hold" presetClass="entr" presetID="6" presetSubtype="16">
+                                <p:cTn id="457" nodeType="withEffect" fill="hold" presetClass="entr" presetID="6" presetSubtype="16">
                                   <p:stCondLst>
                                     <p:cond delay="0"/>
                                   </p:stCondLst>
                                   <p:childTnLst>
                                     <p:set>
                                       <p:cBhvr>
-                                        <p:cTn id="424" dur="1" fill="hold">
+                                        <p:cTn id="458" dur="1" fill="hold">
                                           <p:stCondLst>
                                             <p:cond delay="0"/>
                                           </p:stCondLst>
                                         </p:cTn>
                                         <p:tgtEl>
-                                          <p:spTgt spid="110"/>
+                                          <p:spTgt spid="116"/>
                                         </p:tgtEl>
                                         <p:attrNameLst>
                                           <p:attrName>style.visibility</p:attrName>
@@ -6624,9 +7246,9 @@
                                     </p:set>
                                     <p:animEffect filter="circle(in)" transition="in">
                                       <p:cBhvr additive="repl">
-                                        <p:cTn id="425" dur="2000"/>
-                                        <p:tgtEl>
-                                          <p:spTgt spid="110"/>
+                                        <p:cTn id="459" dur="2000"/>
+                                        <p:tgtEl>
+                                          <p:spTgt spid="116"/>
                                         </p:tgtEl>
                                       </p:cBhvr>
                                     </p:animEffect>
@@ -6664,7 +7286,7 @@
 </p:sld>
 </file>
 
-<file path=ppt/slides/slide15.xml><?xml version="1.0" encoding="utf-8"?>
+<file path=ppt/slides/slide16.xml><?xml version="1.0" encoding="utf-8"?>
 <p:sld xmlns:a="http://schemas.openxmlformats.org/drawingml/2006/main" xmlns:p="http://schemas.openxmlformats.org/presentationml/2006/main" xmlns:r="http://schemas.openxmlformats.org/officeDocument/2006/relationships" xmlns:p14="http://schemas.microsoft.com/office/powerpoint/2010/main" xmlns:p15="http://schemas.microsoft.com/office/powerpoint/2012/main" xmlns:mc="http://schemas.openxmlformats.org/markup-compatibility/2006">
   <p:cSld>
     <p:spTree>
@@ -6683,14 +7305,14 @@
       </p:grpSpPr>
       <p:sp>
         <p:nvSpPr>
-          <p:cNvPr id="111" name="CustomShape 1"/>
+          <p:cNvPr id="117" name="CustomShape 1"/>
           <p:cNvSpPr/>
           <p:nvPr/>
         </p:nvSpPr>
         <p:spPr>
           <a:xfrm>
-            <a:off x="1108080" y="834480"/>
-            <a:ext cx="912600" cy="912600"/>
+            <a:off x="914400" y="834480"/>
+            <a:ext cx="1105200" cy="911520"/>
           </a:xfrm>
           <a:prstGeom prst="ellipse">
             <a:avLst/>
@@ -6731,7 +7353,7 @@
                 <a:latin typeface="Arial"/>
                 <a:ea typeface="DejaVu Sans"/>
               </a:rPr>
-              <a:t>9.5</a:t>
+              <a:t>10.5</a:t>
             </a:r>
             <a:endParaRPr b="0" lang="en-US" sz="4000" spc="-1" strike="noStrike">
               <a:latin typeface="Arial"/>
@@ -6741,14 +7363,14 @@
       </p:sp>
       <p:sp>
         <p:nvSpPr>
-          <p:cNvPr id="112" name="CustomShape 2"/>
+          <p:cNvPr id="118" name="CustomShape 2"/>
           <p:cNvSpPr/>
           <p:nvPr/>
         </p:nvSpPr>
         <p:spPr>
           <a:xfrm>
             <a:off x="2075040" y="834480"/>
-            <a:ext cx="5616360" cy="838800"/>
+            <a:ext cx="5615280" cy="837720"/>
           </a:xfrm>
           <a:custGeom>
             <a:avLst/>
@@ -6824,14 +7446,14 @@
       </p:sp>
       <p:sp>
         <p:nvSpPr>
-          <p:cNvPr id="113" name="CustomShape 3"/>
+          <p:cNvPr id="119" name="CustomShape 3"/>
           <p:cNvSpPr/>
           <p:nvPr/>
         </p:nvSpPr>
         <p:spPr>
           <a:xfrm>
             <a:off x="530640" y="3090960"/>
-            <a:ext cx="2102760" cy="1828440"/>
+            <a:ext cx="2101680" cy="1827360"/>
           </a:xfrm>
           <a:custGeom>
             <a:avLst/>
@@ -6913,7 +7535,7 @@
       </p:sp>
       <p:pic>
         <p:nvPicPr>
-          <p:cNvPr id="114" name="" descr=""/>
+          <p:cNvPr id="120" name="" descr=""/>
           <p:cNvPicPr/>
           <p:nvPr/>
         </p:nvPicPr>
@@ -6924,7 +7546,7 @@
         <p:spPr>
           <a:xfrm>
             <a:off x="2834640" y="2377440"/>
-            <a:ext cx="4937400" cy="3513960"/>
+            <a:ext cx="4936320" cy="3512880"/>
           </a:xfrm>
           <a:prstGeom prst="rect">
             <a:avLst/>
@@ -6942,38 +7564,38 @@
   <p:timing>
     <p:tnLst>
       <p:par>
-        <p:cTn id="426" dur="indefinite" restart="never" nodeType="tmRoot">
+        <p:cTn id="460" dur="indefinite" restart="never" nodeType="tmRoot">
           <p:childTnLst>
             <p:seq>
-              <p:cTn id="427" dur="indefinite" nodeType="mainSeq">
+              <p:cTn id="461" dur="indefinite" nodeType="mainSeq">
                 <p:childTnLst>
                   <p:par>
-                    <p:cTn id="428" fill="hold">
+                    <p:cTn id="462" fill="hold">
                       <p:stCondLst>
                         <p:cond delay="indefinite"/>
                       </p:stCondLst>
                       <p:childTnLst>
                         <p:par>
-                          <p:cTn id="429" fill="hold">
+                          <p:cTn id="463" fill="hold">
                             <p:stCondLst>
                               <p:cond delay="0"/>
                             </p:stCondLst>
                             <p:childTnLst>
                               <p:par>
-                                <p:cTn id="430" nodeType="clickEffect" fill="hold" presetClass="entr" presetID="2" presetSubtype="4">
+                                <p:cTn id="464" nodeType="clickEffect" fill="hold" presetClass="entr" presetID="2" presetSubtype="4">
                                   <p:stCondLst>
                                     <p:cond delay="0"/>
                                   </p:stCondLst>
                                   <p:childTnLst>
                                     <p:set>
                                       <p:cBhvr>
-                                        <p:cTn id="431" dur="1" fill="hold">
+                                        <p:cTn id="465" dur="1" fill="hold">
                                           <p:stCondLst>
                                             <p:cond delay="0"/>
                                           </p:stCondLst>
                                         </p:cTn>
                                         <p:tgtEl>
-                                          <p:spTgt spid="111"/>
+                                          <p:spTgt spid="117"/>
                                         </p:tgtEl>
                                         <p:attrNameLst>
                                           <p:attrName>style.visibility</p:attrName>
@@ -6985,9 +7607,9 @@
                                     </p:set>
                                     <p:anim calcmode="lin" valueType="num">
                                       <p:cBhvr additive="repl">
-                                        <p:cTn id="432" dur="500" fill="hold"/>
-                                        <p:tgtEl>
-                                          <p:spTgt spid="111"/>
+                                        <p:cTn id="466" dur="500" fill="hold"/>
+                                        <p:tgtEl>
+                                          <p:spTgt spid="117"/>
                                         </p:tgtEl>
                                         <p:attrNameLst>
                                           <p:attrName>ppt_x</p:attrName>
@@ -7008,9 +7630,9 @@
                                     </p:anim>
                                     <p:anim calcmode="lin" valueType="num">
                                       <p:cBhvr additive="repl">
-                                        <p:cTn id="433" dur="500" fill="hold"/>
-                                        <p:tgtEl>
-                                          <p:spTgt spid="111"/>
+                                        <p:cTn id="467" dur="500" fill="hold"/>
+                                        <p:tgtEl>
+                                          <p:spTgt spid="117"/>
                                         </p:tgtEl>
                                         <p:attrNameLst>
                                           <p:attrName>ppt_y</p:attrName>
@@ -7033,20 +7655,20 @@
                                 </p:cTn>
                               </p:par>
                               <p:par>
-                                <p:cTn id="434" nodeType="withEffect" fill="hold" presetClass="entr" presetID="6" presetSubtype="16">
+                                <p:cTn id="468" nodeType="withEffect" fill="hold" presetClass="entr" presetID="6" presetSubtype="16">
                                   <p:stCondLst>
                                     <p:cond delay="0"/>
                                   </p:stCondLst>
                                   <p:childTnLst>
                                     <p:set>
                                       <p:cBhvr>
-                                        <p:cTn id="435" dur="1" fill="hold">
+                                        <p:cTn id="469" dur="1" fill="hold">
                                           <p:stCondLst>
                                             <p:cond delay="0"/>
                                           </p:stCondLst>
                                         </p:cTn>
                                         <p:tgtEl>
-                                          <p:spTgt spid="112"/>
+                                          <p:spTgt spid="118"/>
                                         </p:tgtEl>
                                         <p:attrNameLst>
                                           <p:attrName>style.visibility</p:attrName>
@@ -7058,9 +7680,9 @@
                                     </p:set>
                                     <p:animEffect filter="circle(in)" transition="in">
                                       <p:cBhvr additive="repl">
-                                        <p:cTn id="436" dur="2000"/>
-                                        <p:tgtEl>
-                                          <p:spTgt spid="112"/>
+                                        <p:cTn id="470" dur="2000"/>
+                                        <p:tgtEl>
+                                          <p:spTgt spid="118"/>
                                         </p:tgtEl>
                                       </p:cBhvr>
                                     </p:animEffect>
@@ -7071,26 +7693,26 @@
                           </p:cTn>
                         </p:par>
                         <p:par>
-                          <p:cTn id="437" fill="hold">
+                          <p:cTn id="471" fill="hold">
                             <p:stCondLst>
                               <p:cond delay="2000"/>
                             </p:stCondLst>
                             <p:childTnLst>
                               <p:par>
-                                <p:cTn id="438" nodeType="afterEffect" fill="hold" presetClass="entr" presetID="49">
+                                <p:cTn id="472" nodeType="afterEffect" fill="hold" presetClass="entr" presetID="49">
                                   <p:stCondLst>
                                     <p:cond delay="0"/>
                                   </p:stCondLst>
                                   <p:childTnLst>
                                     <p:set>
                                       <p:cBhvr>
-                                        <p:cTn id="439" dur="1" fill="hold">
+                                        <p:cTn id="473" dur="1" fill="hold">
                                           <p:stCondLst>
                                             <p:cond delay="0"/>
                                           </p:stCondLst>
                                         </p:cTn>
                                         <p:tgtEl>
-                                          <p:spTgt spid="113"/>
+                                          <p:spTgt spid="119"/>
                                         </p:tgtEl>
                                         <p:attrNameLst>
                                           <p:attrName>style.visibility</p:attrName>
@@ -7102,9 +7724,9 @@
                                     </p:set>
                                     <p:anim calcmode="lin" valueType="num">
                                       <p:cBhvr additive="repl">
-                                        <p:cTn id="440" dur="500" fill="hold"/>
-                                        <p:tgtEl>
-                                          <p:spTgt spid="113"/>
+                                        <p:cTn id="474" dur="500" fill="hold"/>
+                                        <p:tgtEl>
+                                          <p:spTgt spid="119"/>
                                         </p:tgtEl>
                                         <p:attrNameLst>
                                           <p:attrName>ppt_w</p:attrName>
@@ -7125,9 +7747,9 @@
                                     </p:anim>
                                     <p:anim calcmode="lin" valueType="num">
                                       <p:cBhvr additive="repl">
-                                        <p:cTn id="441" dur="500" fill="hold"/>
-                                        <p:tgtEl>
-                                          <p:spTgt spid="113"/>
+                                        <p:cTn id="475" dur="500" fill="hold"/>
+                                        <p:tgtEl>
+                                          <p:spTgt spid="119"/>
                                         </p:tgtEl>
                                         <p:attrNameLst>
                                           <p:attrName>ppt_h</p:attrName>
@@ -7148,9 +7770,9 @@
                                     </p:anim>
                                     <p:anim calcmode="lin" valueType="num">
                                       <p:cBhvr additive="repl">
-                                        <p:cTn id="442" dur="500" fill="hold"/>
-                                        <p:tgtEl>
-                                          <p:spTgt spid="113"/>
+                                        <p:cTn id="476" dur="500" fill="hold"/>
+                                        <p:tgtEl>
+                                          <p:spTgt spid="119"/>
                                         </p:tgtEl>
                                         <p:attrNameLst>
                                           <p:attrName>r</p:attrName>
@@ -7171,9 +7793,9 @@
                                     </p:anim>
                                     <p:animEffect filter="fade" transition="in">
                                       <p:cBhvr additive="repl">
-                                        <p:cTn id="443" dur="500"/>
-                                        <p:tgtEl>
-                                          <p:spTgt spid="113"/>
+                                        <p:cTn id="477" dur="500"/>
+                                        <p:tgtEl>
+                                          <p:spTgt spid="119"/>
                                         </p:tgtEl>
                                       </p:cBhvr>
                                     </p:animEffect>
@@ -7181,20 +7803,20 @@
                                 </p:cTn>
                               </p:par>
                               <p:par>
-                                <p:cTn id="444" nodeType="withEffect" fill="hold" presetClass="entr" presetID="6" presetSubtype="16">
+                                <p:cTn id="478" nodeType="withEffect" fill="hold" presetClass="entr" presetID="6" presetSubtype="16">
                                   <p:stCondLst>
                                     <p:cond delay="0"/>
                                   </p:stCondLst>
                                   <p:childTnLst>
                                     <p:set>
                                       <p:cBhvr>
-                                        <p:cTn id="445" dur="1" fill="hold">
+                                        <p:cTn id="479" dur="1" fill="hold">
                                           <p:stCondLst>
                                             <p:cond delay="0"/>
                                           </p:stCondLst>
                                         </p:cTn>
                                         <p:tgtEl>
-                                          <p:spTgt spid="114"/>
+                                          <p:spTgt spid="120"/>
                                         </p:tgtEl>
                                         <p:attrNameLst>
                                           <p:attrName>style.visibility</p:attrName>
@@ -7206,9 +7828,9 @@
                                     </p:set>
                                     <p:animEffect filter="circle(in)" transition="in">
                                       <p:cBhvr additive="repl">
-                                        <p:cTn id="446" dur="2000"/>
-                                        <p:tgtEl>
-                                          <p:spTgt spid="114"/>
+                                        <p:cTn id="480" dur="2000"/>
+                                        <p:tgtEl>
+                                          <p:spTgt spid="120"/>
                                         </p:tgtEl>
                                       </p:cBhvr>
                                     </p:animEffect>
@@ -7246,7 +7868,7 @@
 </p:sld>
 </file>
 
-<file path=ppt/slides/slide16.xml><?xml version="1.0" encoding="utf-8"?>
+<file path=ppt/slides/slide17.xml><?xml version="1.0" encoding="utf-8"?>
 <p:sld xmlns:a="http://schemas.openxmlformats.org/drawingml/2006/main" xmlns:p="http://schemas.openxmlformats.org/presentationml/2006/main" xmlns:r="http://schemas.openxmlformats.org/officeDocument/2006/relationships" xmlns:p14="http://schemas.microsoft.com/office/powerpoint/2010/main" xmlns:p15="http://schemas.microsoft.com/office/powerpoint/2012/main" xmlns:mc="http://schemas.openxmlformats.org/markup-compatibility/2006">
   <p:cSld>
     <p:spTree>
@@ -7265,14 +7887,14 @@
       </p:grpSpPr>
       <p:sp>
         <p:nvSpPr>
-          <p:cNvPr id="115" name="CustomShape 1"/>
+          <p:cNvPr id="121" name="CustomShape 1"/>
           <p:cNvSpPr/>
           <p:nvPr/>
         </p:nvSpPr>
         <p:spPr>
           <a:xfrm>
             <a:off x="1463400" y="457560"/>
-            <a:ext cx="912600" cy="912600"/>
+            <a:ext cx="911520" cy="911520"/>
           </a:xfrm>
           <a:prstGeom prst="ellipse">
             <a:avLst/>
@@ -7313,7 +7935,7 @@
                 <a:latin typeface="Arial"/>
                 <a:ea typeface="DejaVu Sans"/>
               </a:rPr>
-              <a:t>10.</a:t>
+              <a:t>11.</a:t>
             </a:r>
             <a:endParaRPr b="0" lang="en-US" sz="4000" spc="-1" strike="noStrike">
               <a:latin typeface="Arial"/>
@@ -7323,14 +7945,14 @@
       </p:sp>
       <p:sp>
         <p:nvSpPr>
-          <p:cNvPr id="116" name="CustomShape 2"/>
+          <p:cNvPr id="122" name="CustomShape 2"/>
           <p:cNvSpPr/>
           <p:nvPr/>
         </p:nvSpPr>
         <p:spPr>
           <a:xfrm>
             <a:off x="2377440" y="457560"/>
-            <a:ext cx="5616360" cy="838800"/>
+            <a:ext cx="5615280" cy="837720"/>
           </a:xfrm>
           <a:custGeom>
             <a:avLst/>
@@ -7406,14 +8028,14 @@
       </p:sp>
       <p:sp>
         <p:nvSpPr>
-          <p:cNvPr id="117" name="CustomShape 3"/>
+          <p:cNvPr id="123" name="CustomShape 3"/>
           <p:cNvSpPr/>
           <p:nvPr/>
         </p:nvSpPr>
         <p:spPr>
           <a:xfrm>
             <a:off x="2194560" y="2360160"/>
-            <a:ext cx="5141520" cy="655920"/>
+            <a:ext cx="5140440" cy="654840"/>
           </a:xfrm>
           <a:prstGeom prst="rect">
             <a:avLst/>
@@ -7455,14 +8077,14 @@
       </p:sp>
       <p:sp>
         <p:nvSpPr>
-          <p:cNvPr id="118" name="CustomShape 4"/>
+          <p:cNvPr id="124" name="CustomShape 4"/>
           <p:cNvSpPr/>
           <p:nvPr/>
         </p:nvSpPr>
         <p:spPr>
           <a:xfrm>
             <a:off x="2834640" y="3366000"/>
-            <a:ext cx="4113360" cy="655920"/>
+            <a:ext cx="4112280" cy="654840"/>
           </a:xfrm>
           <a:prstGeom prst="rect">
             <a:avLst/>
@@ -7504,7 +8126,7 @@
       </p:sp>
       <p:pic>
         <p:nvPicPr>
-          <p:cNvPr id="119" name="" descr=""/>
+          <p:cNvPr id="125" name="" descr=""/>
           <p:cNvPicPr/>
           <p:nvPr/>
         </p:nvPicPr>
@@ -7515,7 +8137,7 @@
         <p:spPr>
           <a:xfrm>
             <a:off x="3581640" y="4114800"/>
-            <a:ext cx="2177640" cy="2082600"/>
+            <a:ext cx="2176560" cy="2081520"/>
           </a:xfrm>
           <a:prstGeom prst="rect">
             <a:avLst/>
@@ -7533,38 +8155,38 @@
   <p:timing>
     <p:tnLst>
       <p:par>
-        <p:cTn id="447" dur="indefinite" restart="never" nodeType="tmRoot">
+        <p:cTn id="481" dur="indefinite" restart="never" nodeType="tmRoot">
           <p:childTnLst>
             <p:seq>
-              <p:cTn id="448" dur="indefinite" nodeType="mainSeq">
+              <p:cTn id="482" dur="indefinite" nodeType="mainSeq">
                 <p:childTnLst>
                   <p:par>
-                    <p:cTn id="449" fill="hold">
+                    <p:cTn id="483" fill="hold">
                       <p:stCondLst>
                         <p:cond delay="indefinite"/>
                       </p:stCondLst>
                       <p:childTnLst>
                         <p:par>
-                          <p:cTn id="450" fill="hold">
+                          <p:cTn id="484" fill="hold">
                             <p:stCondLst>
                               <p:cond delay="0"/>
                             </p:stCondLst>
                             <p:childTnLst>
                               <p:par>
-                                <p:cTn id="451" nodeType="clickEffect" fill="hold" presetClass="entr" presetID="2" presetSubtype="4">
+                                <p:cTn id="485" nodeType="clickEffect" fill="hold" presetClass="entr" presetID="2" presetSubtype="4">
                                   <p:stCondLst>
                                     <p:cond delay="0"/>
                                   </p:stCondLst>
                                   <p:childTnLst>
                                     <p:set>
                                       <p:cBhvr>
-                                        <p:cTn id="452" dur="1" fill="hold">
+                                        <p:cTn id="486" dur="1" fill="hold">
                                           <p:stCondLst>
                                             <p:cond delay="0"/>
                                           </p:stCondLst>
                                         </p:cTn>
                                         <p:tgtEl>
-                                          <p:spTgt spid="115"/>
+                                          <p:spTgt spid="121"/>
                                         </p:tgtEl>
                                         <p:attrNameLst>
                                           <p:attrName>style.visibility</p:attrName>
@@ -7576,9 +8198,9 @@
                                     </p:set>
                                     <p:anim calcmode="lin" valueType="num">
                                       <p:cBhvr additive="repl">
-                                        <p:cTn id="453" dur="500" fill="hold"/>
-                                        <p:tgtEl>
-                                          <p:spTgt spid="115"/>
+                                        <p:cTn id="487" dur="500" fill="hold"/>
+                                        <p:tgtEl>
+                                          <p:spTgt spid="121"/>
                                         </p:tgtEl>
                                         <p:attrNameLst>
                                           <p:attrName>ppt_x</p:attrName>
@@ -7599,9 +8221,9 @@
                                     </p:anim>
                                     <p:anim calcmode="lin" valueType="num">
                                       <p:cBhvr additive="repl">
-                                        <p:cTn id="454" dur="500" fill="hold"/>
-                                        <p:tgtEl>
-                                          <p:spTgt spid="115"/>
+                                        <p:cTn id="488" dur="500" fill="hold"/>
+                                        <p:tgtEl>
+                                          <p:spTgt spid="121"/>
                                         </p:tgtEl>
                                         <p:attrNameLst>
                                           <p:attrName>ppt_y</p:attrName>
@@ -7624,20 +8246,20 @@
                                 </p:cTn>
                               </p:par>
                               <p:par>
-                                <p:cTn id="455" nodeType="withEffect" fill="hold" presetClass="entr" presetID="6" presetSubtype="16">
+                                <p:cTn id="489" nodeType="withEffect" fill="hold" presetClass="entr" presetID="6" presetSubtype="16">
                                   <p:stCondLst>
                                     <p:cond delay="0"/>
                                   </p:stCondLst>
                                   <p:childTnLst>
                                     <p:set>
                                       <p:cBhvr>
-                                        <p:cTn id="456" dur="1" fill="hold">
+                                        <p:cTn id="490" dur="1" fill="hold">
                                           <p:stCondLst>
                                             <p:cond delay="0"/>
                                           </p:stCondLst>
                                         </p:cTn>
                                         <p:tgtEl>
-                                          <p:spTgt spid="116"/>
+                                          <p:spTgt spid="122"/>
                                         </p:tgtEl>
                                         <p:attrNameLst>
                                           <p:attrName>style.visibility</p:attrName>
@@ -7649,9 +8271,9 @@
                                     </p:set>
                                     <p:animEffect filter="circle(in)" transition="in">
                                       <p:cBhvr additive="repl">
-                                        <p:cTn id="457" dur="2000"/>
-                                        <p:tgtEl>
-                                          <p:spTgt spid="116"/>
+                                        <p:cTn id="491" dur="2000"/>
+                                        <p:tgtEl>
+                                          <p:spTgt spid="122"/>
                                         </p:tgtEl>
                                       </p:cBhvr>
                                     </p:animEffect>
@@ -7662,26 +8284,26 @@
                           </p:cTn>
                         </p:par>
                         <p:par>
-                          <p:cTn id="458" fill="hold">
+                          <p:cTn id="492" fill="hold">
                             <p:stCondLst>
                               <p:cond delay="2000"/>
                             </p:stCondLst>
                             <p:childTnLst>
                               <p:par>
-                                <p:cTn id="459" nodeType="afterEffect" fill="hold" presetClass="entr" presetID="49">
+                                <p:cTn id="493" nodeType="afterEffect" fill="hold" presetClass="entr" presetID="49">
                                   <p:stCondLst>
                                     <p:cond delay="0"/>
                                   </p:stCondLst>
                                   <p:childTnLst>
                                     <p:set>
                                       <p:cBhvr>
-                                        <p:cTn id="460" dur="1" fill="hold">
+                                        <p:cTn id="494" dur="1" fill="hold">
                                           <p:stCondLst>
                                             <p:cond delay="0"/>
                                           </p:stCondLst>
                                         </p:cTn>
                                         <p:tgtEl>
-                                          <p:spTgt spid="117">
+                                          <p:spTgt spid="123">
                                             <p:txEl>
                                               <p:pRg st="0" end="0"/>
                                             </p:txEl>
@@ -7697,9 +8319,9 @@
                                     </p:set>
                                     <p:anim calcmode="lin" valueType="num">
                                       <p:cBhvr additive="repl">
-                                        <p:cTn id="461" dur="500" fill="hold"/>
-                                        <p:tgtEl>
-                                          <p:spTgt spid="117">
+                                        <p:cTn id="495" dur="500" fill="hold"/>
+                                        <p:tgtEl>
+                                          <p:spTgt spid="123">
                                             <p:txEl>
                                               <p:pRg st="0" end="0"/>
                                             </p:txEl>
@@ -7724,9 +8346,9 @@
                                     </p:anim>
                                     <p:anim calcmode="lin" valueType="num">
                                       <p:cBhvr additive="repl">
-                                        <p:cTn id="462" dur="500" fill="hold"/>
-                                        <p:tgtEl>
-                                          <p:spTgt spid="117">
+                                        <p:cTn id="496" dur="500" fill="hold"/>
+                                        <p:tgtEl>
+                                          <p:spTgt spid="123">
                                             <p:txEl>
                                               <p:pRg st="0" end="0"/>
                                             </p:txEl>
@@ -7751,9 +8373,9 @@
                                     </p:anim>
                                     <p:anim calcmode="lin" valueType="num">
                                       <p:cBhvr additive="repl">
-                                        <p:cTn id="463" dur="500" fill="hold"/>
-                                        <p:tgtEl>
-                                          <p:spTgt spid="117">
+                                        <p:cTn id="497" dur="500" fill="hold"/>
+                                        <p:tgtEl>
+                                          <p:spTgt spid="123">
                                             <p:txEl>
                                               <p:pRg st="0" end="0"/>
                                             </p:txEl>
@@ -7778,9 +8400,9 @@
                                     </p:anim>
                                     <p:animEffect filter="fade" transition="in">
                                       <p:cBhvr additive="repl">
-                                        <p:cTn id="464" dur="500"/>
-                                        <p:tgtEl>
-                                          <p:spTgt spid="117">
+                                        <p:cTn id="498" dur="500"/>
+                                        <p:tgtEl>
+                                          <p:spTgt spid="123">
                                             <p:txEl>
                                               <p:pRg st="0" end="0"/>
                                             </p:txEl>
@@ -7795,26 +8417,26 @@
                           </p:cTn>
                         </p:par>
                         <p:par>
-                          <p:cTn id="465" fill="hold">
+                          <p:cTn id="499" fill="hold">
                             <p:stCondLst>
                               <p:cond delay="2500"/>
                             </p:stCondLst>
                             <p:childTnLst>
                               <p:par>
-                                <p:cTn id="466" nodeType="afterEffect" fill="hold" presetClass="entr" presetID="4" presetSubtype="16">
+                                <p:cTn id="500" nodeType="afterEffect" fill="hold" presetClass="entr" presetID="4" presetSubtype="16">
                                   <p:stCondLst>
                                     <p:cond delay="0"/>
                                   </p:stCondLst>
                                   <p:childTnLst>
                                     <p:set>
                                       <p:cBhvr>
-                                        <p:cTn id="467" dur="1" fill="hold">
+                                        <p:cTn id="501" dur="1" fill="hold">
                                           <p:stCondLst>
                                             <p:cond delay="0"/>
                                           </p:stCondLst>
                                         </p:cTn>
                                         <p:tgtEl>
-                                          <p:spTgt spid="118">
+                                          <p:spTgt spid="124">
                                             <p:txEl>
                                               <p:pRg st="0" end="0"/>
                                             </p:txEl>
@@ -7830,9 +8452,9 @@
                                     </p:set>
                                     <p:animEffect filter="box(in)" transition="in">
                                       <p:cBhvr additive="repl">
-                                        <p:cTn id="468" dur="500"/>
-                                        <p:tgtEl>
-                                          <p:spTgt spid="118">
+                                        <p:cTn id="502" dur="500"/>
+                                        <p:tgtEl>
+                                          <p:spTgt spid="124">
                                             <p:txEl>
                                               <p:pRg st="0" end="0"/>
                                             </p:txEl>
@@ -7847,26 +8469,26 @@
                           </p:cTn>
                         </p:par>
                         <p:par>
-                          <p:cTn id="469" fill="hold">
+                          <p:cTn id="503" fill="hold">
                             <p:stCondLst>
                               <p:cond delay="3000"/>
                             </p:stCondLst>
                             <p:childTnLst>
                               <p:par>
-                                <p:cTn id="470" nodeType="afterEffect" fill="hold" presetClass="entr" presetID="49">
+                                <p:cTn id="504" nodeType="afterEffect" fill="hold" presetClass="entr" presetID="49">
                                   <p:stCondLst>
                                     <p:cond delay="0"/>
                                   </p:stCondLst>
                                   <p:childTnLst>
                                     <p:set>
                                       <p:cBhvr>
-                                        <p:cTn id="471" dur="1" fill="hold">
+                                        <p:cTn id="505" dur="1" fill="hold">
                                           <p:stCondLst>
                                             <p:cond delay="0"/>
                                           </p:stCondLst>
                                         </p:cTn>
                                         <p:tgtEl>
-                                          <p:spTgt spid="119"/>
+                                          <p:spTgt spid="125"/>
                                         </p:tgtEl>
                                         <p:attrNameLst>
                                           <p:attrName>style.visibility</p:attrName>
@@ -7878,9 +8500,9 @@
                                     </p:set>
                                     <p:anim calcmode="lin" valueType="num">
                                       <p:cBhvr additive="repl">
-                                        <p:cTn id="472" dur="500" fill="hold"/>
-                                        <p:tgtEl>
-                                          <p:spTgt spid="119"/>
+                                        <p:cTn id="506" dur="500" fill="hold"/>
+                                        <p:tgtEl>
+                                          <p:spTgt spid="125"/>
                                         </p:tgtEl>
                                         <p:attrNameLst>
                                           <p:attrName>ppt_w</p:attrName>
@@ -7901,9 +8523,9 @@
                                     </p:anim>
                                     <p:anim calcmode="lin" valueType="num">
                                       <p:cBhvr additive="repl">
-                                        <p:cTn id="473" dur="500" fill="hold"/>
-                                        <p:tgtEl>
-                                          <p:spTgt spid="119"/>
+                                        <p:cTn id="507" dur="500" fill="hold"/>
+                                        <p:tgtEl>
+                                          <p:spTgt spid="125"/>
                                         </p:tgtEl>
                                         <p:attrNameLst>
                                           <p:attrName>ppt_h</p:attrName>
@@ -7924,9 +8546,9 @@
                                     </p:anim>
                                     <p:anim calcmode="lin" valueType="num">
                                       <p:cBhvr additive="repl">
-                                        <p:cTn id="474" dur="500" fill="hold"/>
-                                        <p:tgtEl>
-                                          <p:spTgt spid="119"/>
+                                        <p:cTn id="508" dur="500" fill="hold"/>
+                                        <p:tgtEl>
+                                          <p:spTgt spid="125"/>
                                         </p:tgtEl>
                                         <p:attrNameLst>
                                           <p:attrName>r</p:attrName>
@@ -7947,9 +8569,9 @@
                                     </p:anim>
                                     <p:animEffect filter="fade" transition="in">
                                       <p:cBhvr additive="repl">
-                                        <p:cTn id="475" dur="500"/>
-                                        <p:tgtEl>
-                                          <p:spTgt spid="119"/>
+                                        <p:cTn id="509" dur="500"/>
+                                        <p:tgtEl>
+                                          <p:spTgt spid="125"/>
                                         </p:tgtEl>
                                       </p:cBhvr>
                                     </p:animEffect>
@@ -7987,7 +8609,7 @@
 </p:sld>
 </file>
 
-<file path=ppt/slides/slide17.xml><?xml version="1.0" encoding="utf-8"?>
+<file path=ppt/slides/slide18.xml><?xml version="1.0" encoding="utf-8"?>
 <p:sld xmlns:a="http://schemas.openxmlformats.org/drawingml/2006/main" xmlns:p="http://schemas.openxmlformats.org/presentationml/2006/main" xmlns:r="http://schemas.openxmlformats.org/officeDocument/2006/relationships" xmlns:p14="http://schemas.microsoft.com/office/powerpoint/2010/main" xmlns:p15="http://schemas.microsoft.com/office/powerpoint/2012/main" xmlns:mc="http://schemas.openxmlformats.org/markup-compatibility/2006">
   <p:cSld>
     <p:spTree>
@@ -8006,14 +8628,14 @@
       </p:grpSpPr>
       <p:sp>
         <p:nvSpPr>
-          <p:cNvPr id="120" name="CustomShape 1"/>
+          <p:cNvPr id="126" name="CustomShape 1"/>
           <p:cNvSpPr/>
           <p:nvPr/>
         </p:nvSpPr>
         <p:spPr>
           <a:xfrm>
             <a:off x="2743200" y="2834640"/>
-            <a:ext cx="5027760" cy="1110240"/>
+            <a:ext cx="5026680" cy="1109160"/>
           </a:xfrm>
           <a:prstGeom prst="rect">
             <a:avLst/>
@@ -8061,38 +8683,38 @@
   <p:timing>
     <p:tnLst>
       <p:par>
-        <p:cTn id="476" dur="indefinite" restart="never" nodeType="tmRoot">
+        <p:cTn id="510" dur="indefinite" restart="never" nodeType="tmRoot">
           <p:childTnLst>
             <p:seq>
-              <p:cTn id="477" dur="indefinite" nodeType="mainSeq">
+              <p:cTn id="511" dur="indefinite" nodeType="mainSeq">
                 <p:childTnLst>
                   <p:par>
-                    <p:cTn id="478" fill="hold">
+                    <p:cTn id="512" fill="hold">
                       <p:stCondLst>
                         <p:cond delay="indefinite"/>
                       </p:stCondLst>
                       <p:childTnLst>
                         <p:par>
-                          <p:cTn id="479" fill="hold">
+                          <p:cTn id="513" fill="hold">
                             <p:stCondLst>
                               <p:cond delay="0"/>
                             </p:stCondLst>
                             <p:childTnLst>
                               <p:par>
-                                <p:cTn id="480" nodeType="clickEffect" fill="hold" presetClass="entr" presetID="4" presetSubtype="16">
+                                <p:cTn id="514" nodeType="clickEffect" fill="hold" presetClass="entr" presetID="4" presetSubtype="16">
                                   <p:stCondLst>
                                     <p:cond delay="0"/>
                                   </p:stCondLst>
                                   <p:childTnLst>
                                     <p:set>
                                       <p:cBhvr>
-                                        <p:cTn id="481" dur="1" fill="hold">
+                                        <p:cTn id="515" dur="1" fill="hold">
                                           <p:stCondLst>
                                             <p:cond delay="0"/>
                                           </p:stCondLst>
                                         </p:cTn>
                                         <p:tgtEl>
-                                          <p:spTgt spid="120">
+                                          <p:spTgt spid="126">
                                             <p:txEl>
                                               <p:pRg st="0" end="0"/>
                                             </p:txEl>
@@ -8108,9 +8730,9 @@
                                     </p:set>
                                     <p:animEffect filter="box(in)" transition="in">
                                       <p:cBhvr additive="repl">
-                                        <p:cTn id="482" dur="500"/>
-                                        <p:tgtEl>
-                                          <p:spTgt spid="120">
+                                        <p:cTn id="516" dur="500"/>
+                                        <p:tgtEl>
+                                          <p:spTgt spid="126">
                                             <p:txEl>
                                               <p:pRg st="0" end="0"/>
                                             </p:txEl>
@@ -8178,7 +8800,7 @@
         <p:spPr>
           <a:xfrm>
             <a:off x="274320" y="1463040"/>
-            <a:ext cx="9050760" cy="4935960"/>
+            <a:ext cx="9049680" cy="4934880"/>
           </a:xfrm>
           <a:prstGeom prst="rect">
             <a:avLst/>
@@ -8207,7 +8829,7 @@
             </a:endParaRPr>
           </a:p>
           <a:p>
-            <a:pPr marL="514440" indent="-511920">
+            <a:pPr marL="514440" indent="-510840">
               <a:lnSpc>
                 <a:spcPct val="100000"/>
               </a:lnSpc>
@@ -8225,14 +8847,39 @@
                 <a:latin typeface="Cantarell"/>
                 <a:ea typeface="DejaVu Sans"/>
               </a:rPr>
-              <a:t>What is the project? Why need it?</a:t>
+              <a:t>Introduction</a:t>
             </a:r>
             <a:endParaRPr b="0" lang="en-US" sz="2400" spc="-1" strike="noStrike">
               <a:latin typeface="Arial"/>
             </a:endParaRPr>
           </a:p>
           <a:p>
-            <a:pPr marL="514440" indent="-511920">
+            <a:pPr marL="514440" indent="-510840">
+              <a:lnSpc>
+                <a:spcPct val="100000"/>
+              </a:lnSpc>
+              <a:buClr>
+                <a:srgbClr val="000000"/>
+              </a:buClr>
+              <a:buFont typeface="Calibri Light"/>
+              <a:buAutoNum type="arabicPeriod"/>
+            </a:pPr>
+            <a:r>
+              <a:rPr b="0" lang="en-US" sz="2400" spc="-1" strike="noStrike">
+                <a:solidFill>
+                  <a:srgbClr val="000000"/>
+                </a:solidFill>
+                <a:latin typeface="Cantarell"/>
+                <a:ea typeface="DejaVu Sans"/>
+              </a:rPr>
+              <a:t>What is this project? Why we need it?</a:t>
+            </a:r>
+            <a:endParaRPr b="0" lang="en-US" sz="2400" spc="-1" strike="noStrike">
+              <a:latin typeface="Arial"/>
+            </a:endParaRPr>
+          </a:p>
+          <a:p>
+            <a:pPr marL="514440" indent="-510840">
               <a:lnSpc>
                 <a:spcPct val="100000"/>
               </a:lnSpc>
@@ -8257,7 +8904,7 @@
             </a:endParaRPr>
           </a:p>
           <a:p>
-            <a:pPr marL="514440" indent="-511920">
+            <a:pPr marL="514440" indent="-510840">
               <a:lnSpc>
                 <a:spcPct val="100000"/>
               </a:lnSpc>
@@ -8282,7 +8929,7 @@
             </a:endParaRPr>
           </a:p>
           <a:p>
-            <a:pPr marL="514440" indent="-511920">
+            <a:pPr marL="514440" indent="-510840">
               <a:lnSpc>
                 <a:spcPct val="100000"/>
               </a:lnSpc>
@@ -8307,7 +8954,7 @@
             </a:endParaRPr>
           </a:p>
           <a:p>
-            <a:pPr marL="514440" indent="-511920">
+            <a:pPr marL="514440" indent="-510840">
               <a:lnSpc>
                 <a:spcPct val="100000"/>
               </a:lnSpc>
@@ -8332,7 +8979,7 @@
             </a:endParaRPr>
           </a:p>
           <a:p>
-            <a:pPr marL="514440" indent="-511920">
+            <a:pPr marL="514440" indent="-510840">
               <a:lnSpc>
                 <a:spcPct val="100000"/>
               </a:lnSpc>
@@ -8357,7 +9004,7 @@
             </a:endParaRPr>
           </a:p>
           <a:p>
-            <a:pPr marL="514440" indent="-511920">
+            <a:pPr marL="514440" indent="-510840">
               <a:lnSpc>
                 <a:spcPct val="100000"/>
               </a:lnSpc>
@@ -8382,7 +9029,7 @@
             </a:endParaRPr>
           </a:p>
           <a:p>
-            <a:pPr marL="514440" indent="-511920">
+            <a:pPr marL="514440" indent="-510840">
               <a:lnSpc>
                 <a:spcPct val="100000"/>
               </a:lnSpc>
@@ -8407,7 +9054,7 @@
             </a:endParaRPr>
           </a:p>
           <a:p>
-            <a:pPr marL="514440" indent="-511920">
+            <a:pPr marL="514440" indent="-510840">
               <a:lnSpc>
                 <a:spcPct val="100000"/>
               </a:lnSpc>
@@ -8432,7 +9079,7 @@
             </a:endParaRPr>
           </a:p>
           <a:p>
-            <a:pPr marL="514440" indent="-511920">
+            <a:pPr marL="514440" indent="-510840">
               <a:lnSpc>
                 <a:spcPct val="100000"/>
               </a:lnSpc>
@@ -8477,7 +9124,7 @@
         <p:spPr>
           <a:xfrm>
             <a:off x="2470680" y="184680"/>
-            <a:ext cx="3655800" cy="1278360"/>
+            <a:ext cx="3654720" cy="1277280"/>
           </a:xfrm>
           <a:custGeom>
             <a:avLst/>
@@ -8543,7 +9190,7 @@
         <p:spPr>
           <a:xfrm>
             <a:off x="3474720" y="459000"/>
-            <a:ext cx="1708920" cy="638280"/>
+            <a:ext cx="1707840" cy="637200"/>
           </a:xfrm>
           <a:prstGeom prst="rect">
             <a:avLst/>
@@ -9892,6 +10539,100 @@
                             </p:childTnLst>
                           </p:cTn>
                         </p:par>
+                        <p:par>
+                          <p:cTn id="132" fill="hold">
+                            <p:stCondLst>
+                              <p:cond delay="6500"/>
+                            </p:stCondLst>
+                            <p:childTnLst>
+                              <p:par>
+                                <p:cTn id="133" nodeType="afterEffect" fill="hold" presetClass="entr" presetID="2" presetSubtype="4">
+                                  <p:stCondLst>
+                                    <p:cond delay="0"/>
+                                  </p:stCondLst>
+                                  <p:childTnLst>
+                                    <p:set>
+                                      <p:cBhvr>
+                                        <p:cTn id="134" dur="1" fill="hold">
+                                          <p:stCondLst>
+                                            <p:cond delay="0"/>
+                                          </p:stCondLst>
+                                        </p:cTn>
+                                        <p:tgtEl>
+                                          <p:spTgt spid="52">
+                                            <p:txEl>
+                                              <p:pRg st="11" end="11"/>
+                                            </p:txEl>
+                                          </p:spTgt>
+                                        </p:tgtEl>
+                                        <p:attrNameLst>
+                                          <p:attrName>style.visibility</p:attrName>
+                                        </p:attrNameLst>
+                                      </p:cBhvr>
+                                      <p:to>
+                                        <p:strVal val="visible"/>
+                                      </p:to>
+                                    </p:set>
+                                    <p:anim calcmode="lin" valueType="num">
+                                      <p:cBhvr additive="repl">
+                                        <p:cTn id="135" dur="500" fill="hold"/>
+                                        <p:tgtEl>
+                                          <p:spTgt spid="52">
+                                            <p:txEl>
+                                              <p:pRg st="11" end="11"/>
+                                            </p:txEl>
+                                          </p:spTgt>
+                                        </p:tgtEl>
+                                        <p:attrNameLst>
+                                          <p:attrName>ppt_x</p:attrName>
+                                        </p:attrNameLst>
+                                      </p:cBhvr>
+                                      <p:tavLst>
+                                        <p:tav tm="0">
+                                          <p:val>
+                                            <p:strVal val="#ppt_x"/>
+                                          </p:val>
+                                        </p:tav>
+                                        <p:tav tm="100000">
+                                          <p:val>
+                                            <p:strVal val="#ppt_x"/>
+                                          </p:val>
+                                        </p:tav>
+                                      </p:tavLst>
+                                    </p:anim>
+                                    <p:anim calcmode="lin" valueType="num">
+                                      <p:cBhvr additive="repl">
+                                        <p:cTn id="136" dur="500" fill="hold"/>
+                                        <p:tgtEl>
+                                          <p:spTgt spid="52">
+                                            <p:txEl>
+                                              <p:pRg st="11" end="11"/>
+                                            </p:txEl>
+                                          </p:spTgt>
+                                        </p:tgtEl>
+                                        <p:attrNameLst>
+                                          <p:attrName>ppt_y</p:attrName>
+                                        </p:attrNameLst>
+                                      </p:cBhvr>
+                                      <p:tavLst>
+                                        <p:tav tm="0">
+                                          <p:val>
+                                            <p:strVal val="1+#ppt_h/2"/>
+                                          </p:val>
+                                        </p:tav>
+                                        <p:tav tm="100000">
+                                          <p:val>
+                                            <p:strVal val="#ppt_y"/>
+                                          </p:val>
+                                        </p:tav>
+                                      </p:tavLst>
+                                    </p:anim>
+                                  </p:childTnLst>
+                                </p:cTn>
+                              </p:par>
+                            </p:childTnLst>
+                          </p:cTn>
+                        </p:par>
                       </p:childTnLst>
                     </p:cTn>
                   </p:par>
@@ -9945,8 +10686,8 @@
         </p:nvSpPr>
         <p:spPr>
           <a:xfrm>
-            <a:off x="1230480" y="548640"/>
-            <a:ext cx="912600" cy="912600"/>
+            <a:off x="1281600" y="599400"/>
+            <a:ext cx="911520" cy="911520"/>
           </a:xfrm>
           <a:prstGeom prst="ellipse">
             <a:avLst/>
@@ -10003,8 +10744,788 @@
         </p:nvSpPr>
         <p:spPr>
           <a:xfrm>
+            <a:off x="2251440" y="599400"/>
+            <a:ext cx="5615280" cy="837720"/>
+          </a:xfrm>
+          <a:custGeom>
+            <a:avLst/>
+            <a:gdLst/>
+            <a:ahLst/>
+            <a:rect l="l" t="t" r="r" b="b"/>
+            <a:pathLst>
+              <a:path w="15608" h="2337">
+                <a:moveTo>
+                  <a:pt x="15607" y="0"/>
+                </a:moveTo>
+                <a:lnTo>
+                  <a:pt x="572" y="0"/>
+                </a:lnTo>
+                <a:lnTo>
+                  <a:pt x="0" y="1168"/>
+                </a:lnTo>
+                <a:lnTo>
+                  <a:pt x="572" y="2336"/>
+                </a:lnTo>
+                <a:lnTo>
+                  <a:pt x="15607" y="2336"/>
+                </a:lnTo>
+                <a:lnTo>
+                  <a:pt x="15607" y="0"/>
+                </a:lnTo>
+              </a:path>
+            </a:pathLst>
+          </a:custGeom>
+          <a:solidFill>
+            <a:srgbClr val="72bf44"/>
+          </a:solidFill>
+          <a:ln>
+            <a:solidFill>
+              <a:srgbClr val="3465a4"/>
+            </a:solidFill>
+          </a:ln>
+          <a:effectLst>
+            <a:outerShdw dir="2700000" dist="143570">
+              <a:srgbClr val="808080"/>
+            </a:outerShdw>
+          </a:effectLst>
+        </p:spPr>
+        <p:style>
+          <a:lnRef idx="0"/>
+          <a:fillRef idx="0"/>
+          <a:effectRef idx="0"/>
+          <a:fontRef idx="minor"/>
+        </p:style>
+        <p:txBody>
+          <a:bodyPr wrap="none" lIns="90000" rIns="90000" tIns="45000" bIns="45000" anchor="ctr"/>
+          <a:p>
+            <a:pPr algn="ctr">
+              <a:lnSpc>
+                <a:spcPct val="100000"/>
+              </a:lnSpc>
+            </a:pPr>
+            <a:r>
+              <a:rPr b="1" lang="en-US" sz="3600" spc="-1" strike="noStrike">
+                <a:solidFill>
+                  <a:srgbClr val="ffffff"/>
+                </a:solidFill>
+                <a:latin typeface="Cantarell"/>
+                <a:ea typeface="DejaVu Sans"/>
+              </a:rPr>
+              <a:t>Introduction</a:t>
+            </a:r>
+            <a:endParaRPr b="0" lang="en-US" sz="3600" spc="-1" strike="noStrike">
+              <a:latin typeface="Arial"/>
+            </a:endParaRPr>
+          </a:p>
+        </p:txBody>
+      </p:sp>
+      <p:sp>
+        <p:nvSpPr>
+          <p:cNvPr id="57" name="CustomShape 3"/>
+          <p:cNvSpPr/>
+          <p:nvPr/>
+        </p:nvSpPr>
+        <p:spPr>
+          <a:xfrm>
+            <a:off x="731520" y="2368800"/>
+            <a:ext cx="8046000" cy="913680"/>
+          </a:xfrm>
+          <a:prstGeom prst="rect">
+            <a:avLst/>
+          </a:prstGeom>
+          <a:noFill/>
+          <a:ln>
+            <a:noFill/>
+          </a:ln>
+        </p:spPr>
+        <p:style>
+          <a:lnRef idx="0"/>
+          <a:fillRef idx="0"/>
+          <a:effectRef idx="0"/>
+          <a:fontRef idx="minor"/>
+        </p:style>
+        <p:txBody>
+          <a:bodyPr lIns="90000" rIns="90000" tIns="45000" bIns="45000"/>
+          <a:p>
+            <a:pPr>
+              <a:lnSpc>
+                <a:spcPct val="100000"/>
+              </a:lnSpc>
+            </a:pPr>
+            <a:r>
+              <a:rPr b="0" lang="en-US" sz="1800" spc="-1" strike="noStrike">
+                <a:solidFill>
+                  <a:srgbClr val="000000"/>
+                </a:solidFill>
+                <a:latin typeface="Arial"/>
+                <a:ea typeface="DejaVu Sans"/>
+              </a:rPr>
+              <a:t>The application starts by giving user name. After giving user name user  can  play  game </a:t>
+            </a:r>
+            <a:endParaRPr b="0" lang="en-US" sz="1800" spc="-1" strike="noStrike">
+              <a:latin typeface="Arial"/>
+            </a:endParaRPr>
+          </a:p>
+        </p:txBody>
+      </p:sp>
+      <p:sp>
+        <p:nvSpPr>
+          <p:cNvPr id="58" name="CustomShape 4"/>
+          <p:cNvSpPr/>
+          <p:nvPr/>
+        </p:nvSpPr>
+        <p:spPr>
+          <a:xfrm>
+            <a:off x="731520" y="3030120"/>
+            <a:ext cx="7954560" cy="601560"/>
+          </a:xfrm>
+          <a:prstGeom prst="rect">
+            <a:avLst/>
+          </a:prstGeom>
+          <a:noFill/>
+          <a:ln>
+            <a:noFill/>
+          </a:ln>
+        </p:spPr>
+        <p:style>
+          <a:lnRef idx="0"/>
+          <a:fillRef idx="0"/>
+          <a:effectRef idx="0"/>
+          <a:fontRef idx="minor"/>
+        </p:style>
+        <p:txBody>
+          <a:bodyPr lIns="90000" rIns="90000" tIns="45000" bIns="45000"/>
+          <a:p>
+            <a:pPr>
+              <a:lnSpc>
+                <a:spcPct val="100000"/>
+              </a:lnSpc>
+            </a:pPr>
+            <a:r>
+              <a:rPr b="0" lang="en-US" sz="1800" spc="-1" strike="noStrike">
+                <a:solidFill>
+                  <a:srgbClr val="000000"/>
+                </a:solidFill>
+                <a:latin typeface="Arial"/>
+                <a:ea typeface="DejaVu Sans"/>
+              </a:rPr>
+              <a:t>The puzzle consists 15 numbered square tiles (in a 4x4 square) in random </a:t>
+            </a:r>
+            <a:endParaRPr b="0" lang="en-US" sz="1800" spc="-1" strike="noStrike">
+              <a:latin typeface="Arial"/>
+            </a:endParaRPr>
+          </a:p>
+          <a:p>
+            <a:pPr>
+              <a:lnSpc>
+                <a:spcPct val="100000"/>
+              </a:lnSpc>
+            </a:pPr>
+            <a:r>
+              <a:rPr b="0" lang="en-US" sz="1800" spc="-1" strike="noStrike">
+                <a:solidFill>
+                  <a:srgbClr val="000000"/>
+                </a:solidFill>
+                <a:latin typeface="Arial"/>
+                <a:ea typeface="DejaVu Sans"/>
+              </a:rPr>
+              <a:t>order with one tile empty.</a:t>
+            </a:r>
+            <a:endParaRPr b="0" lang="en-US" sz="1800" spc="-1" strike="noStrike">
+              <a:latin typeface="Arial"/>
+            </a:endParaRPr>
+          </a:p>
+        </p:txBody>
+      </p:sp>
+      <p:sp>
+        <p:nvSpPr>
+          <p:cNvPr id="59" name="CustomShape 5"/>
+          <p:cNvSpPr/>
+          <p:nvPr/>
+        </p:nvSpPr>
+        <p:spPr>
+          <a:xfrm>
+            <a:off x="712080" y="3931920"/>
+            <a:ext cx="7882560" cy="601560"/>
+          </a:xfrm>
+          <a:prstGeom prst="rect">
+            <a:avLst/>
+          </a:prstGeom>
+          <a:noFill/>
+          <a:ln>
+            <a:noFill/>
+          </a:ln>
+        </p:spPr>
+        <p:style>
+          <a:lnRef idx="0"/>
+          <a:fillRef idx="0"/>
+          <a:effectRef idx="0"/>
+          <a:fontRef idx="minor"/>
+        </p:style>
+        <p:txBody>
+          <a:bodyPr lIns="90000" rIns="90000" tIns="45000" bIns="45000"/>
+          <a:p>
+            <a:pPr>
+              <a:lnSpc>
+                <a:spcPct val="100000"/>
+              </a:lnSpc>
+            </a:pPr>
+            <a:r>
+              <a:rPr b="0" lang="en-US" sz="1800" spc="-1" strike="noStrike">
+                <a:solidFill>
+                  <a:srgbClr val="000000"/>
+                </a:solidFill>
+                <a:latin typeface="Arial"/>
+                <a:ea typeface="DejaVu Sans"/>
+              </a:rPr>
+              <a:t>The user has to move the tiles to get them into consecutive order with the space in the bottom right.</a:t>
+            </a:r>
+            <a:endParaRPr b="0" lang="en-US" sz="1800" spc="-1" strike="noStrike">
+              <a:latin typeface="Arial"/>
+            </a:endParaRPr>
+          </a:p>
+        </p:txBody>
+      </p:sp>
+      <p:sp>
+        <p:nvSpPr>
+          <p:cNvPr id="60" name="CustomShape 6"/>
+          <p:cNvSpPr/>
+          <p:nvPr/>
+        </p:nvSpPr>
+        <p:spPr>
+          <a:xfrm>
+            <a:off x="748080" y="4754880"/>
+            <a:ext cx="7131600" cy="345600"/>
+          </a:xfrm>
+          <a:prstGeom prst="rect">
+            <a:avLst/>
+          </a:prstGeom>
+          <a:noFill/>
+          <a:ln>
+            <a:noFill/>
+          </a:ln>
+        </p:spPr>
+        <p:style>
+          <a:lnRef idx="0"/>
+          <a:fillRef idx="0"/>
+          <a:effectRef idx="0"/>
+          <a:fontRef idx="minor"/>
+        </p:style>
+        <p:txBody>
+          <a:bodyPr lIns="90000" rIns="90000" tIns="45000" bIns="45000"/>
+          <a:p>
+            <a:pPr>
+              <a:lnSpc>
+                <a:spcPct val="100000"/>
+              </a:lnSpc>
+            </a:pPr>
+            <a:r>
+              <a:rPr b="0" lang="en-US" sz="1800" spc="-1" strike="noStrike">
+                <a:solidFill>
+                  <a:srgbClr val="000000"/>
+                </a:solidFill>
+                <a:latin typeface="Arial"/>
+                <a:ea typeface="DejaVu Sans"/>
+              </a:rPr>
+              <a:t>user can also check their minimum score. </a:t>
+            </a:r>
+            <a:endParaRPr b="0" lang="en-US" sz="1800" spc="-1" strike="noStrike">
+              <a:latin typeface="Arial"/>
+            </a:endParaRPr>
+          </a:p>
+        </p:txBody>
+      </p:sp>
+    </p:spTree>
+  </p:cSld>
+  <p:transition spd="med">
+    <p:wedge/>
+  </p:transition>
+  <p:timing>
+    <p:tnLst>
+      <p:par>
+        <p:cTn id="137" dur="indefinite" restart="never" nodeType="tmRoot">
+          <p:childTnLst>
+            <p:seq>
+              <p:cTn id="138" dur="indefinite" nodeType="mainSeq">
+                <p:childTnLst>
+                  <p:par>
+                    <p:cTn id="139" fill="hold">
+                      <p:stCondLst>
+                        <p:cond delay="indefinite"/>
+                      </p:stCondLst>
+                      <p:childTnLst>
+                        <p:par>
+                          <p:cTn id="140" fill="hold">
+                            <p:stCondLst>
+                              <p:cond delay="0"/>
+                            </p:stCondLst>
+                            <p:childTnLst>
+                              <p:par>
+                                <p:cTn id="141" nodeType="clickEffect" fill="hold" presetClass="entr" presetID="2" presetSubtype="4">
+                                  <p:stCondLst>
+                                    <p:cond delay="0"/>
+                                  </p:stCondLst>
+                                  <p:childTnLst>
+                                    <p:set>
+                                      <p:cBhvr>
+                                        <p:cTn id="142" dur="1" fill="hold">
+                                          <p:stCondLst>
+                                            <p:cond delay="0"/>
+                                          </p:stCondLst>
+                                        </p:cTn>
+                                        <p:tgtEl>
+                                          <p:spTgt spid="55"/>
+                                        </p:tgtEl>
+                                        <p:attrNameLst>
+                                          <p:attrName>style.visibility</p:attrName>
+                                        </p:attrNameLst>
+                                      </p:cBhvr>
+                                      <p:to>
+                                        <p:strVal val="visible"/>
+                                      </p:to>
+                                    </p:set>
+                                    <p:anim calcmode="lin" valueType="num">
+                                      <p:cBhvr additive="repl">
+                                        <p:cTn id="143" dur="500" fill="hold"/>
+                                        <p:tgtEl>
+                                          <p:spTgt spid="55"/>
+                                        </p:tgtEl>
+                                        <p:attrNameLst>
+                                          <p:attrName>ppt_x</p:attrName>
+                                        </p:attrNameLst>
+                                      </p:cBhvr>
+                                      <p:tavLst>
+                                        <p:tav tm="0">
+                                          <p:val>
+                                            <p:strVal val="#ppt_x"/>
+                                          </p:val>
+                                        </p:tav>
+                                        <p:tav tm="100000">
+                                          <p:val>
+                                            <p:strVal val="#ppt_x"/>
+                                          </p:val>
+                                        </p:tav>
+                                      </p:tavLst>
+                                    </p:anim>
+                                    <p:anim calcmode="lin" valueType="num">
+                                      <p:cBhvr additive="repl">
+                                        <p:cTn id="144" dur="500" fill="hold"/>
+                                        <p:tgtEl>
+                                          <p:spTgt spid="55"/>
+                                        </p:tgtEl>
+                                        <p:attrNameLst>
+                                          <p:attrName>ppt_y</p:attrName>
+                                        </p:attrNameLst>
+                                      </p:cBhvr>
+                                      <p:tavLst>
+                                        <p:tav tm="0">
+                                          <p:val>
+                                            <p:strVal val="1+#ppt_h/2"/>
+                                          </p:val>
+                                        </p:tav>
+                                        <p:tav tm="100000">
+                                          <p:val>
+                                            <p:strVal val="#ppt_y"/>
+                                          </p:val>
+                                        </p:tav>
+                                      </p:tavLst>
+                                    </p:anim>
+                                  </p:childTnLst>
+                                </p:cTn>
+                              </p:par>
+                              <p:par>
+                                <p:cTn id="145" nodeType="withEffect" fill="hold" presetClass="entr" presetID="6" presetSubtype="16">
+                                  <p:stCondLst>
+                                    <p:cond delay="0"/>
+                                  </p:stCondLst>
+                                  <p:childTnLst>
+                                    <p:set>
+                                      <p:cBhvr>
+                                        <p:cTn id="146" dur="1" fill="hold">
+                                          <p:stCondLst>
+                                            <p:cond delay="0"/>
+                                          </p:stCondLst>
+                                        </p:cTn>
+                                        <p:tgtEl>
+                                          <p:spTgt spid="56"/>
+                                        </p:tgtEl>
+                                        <p:attrNameLst>
+                                          <p:attrName>style.visibility</p:attrName>
+                                        </p:attrNameLst>
+                                      </p:cBhvr>
+                                      <p:to>
+                                        <p:strVal val="visible"/>
+                                      </p:to>
+                                    </p:set>
+                                    <p:animEffect filter="circle(in)" transition="in">
+                                      <p:cBhvr additive="repl">
+                                        <p:cTn id="147" dur="2000"/>
+                                        <p:tgtEl>
+                                          <p:spTgt spid="56"/>
+                                        </p:tgtEl>
+                                      </p:cBhvr>
+                                    </p:animEffect>
+                                  </p:childTnLst>
+                                </p:cTn>
+                              </p:par>
+                            </p:childTnLst>
+                          </p:cTn>
+                        </p:par>
+                        <p:par>
+                          <p:cTn id="148" fill="hold">
+                            <p:stCondLst>
+                              <p:cond delay="2000"/>
+                            </p:stCondLst>
+                            <p:childTnLst>
+                              <p:par>
+                                <p:cTn id="149" nodeType="afterEffect" fill="hold" presetClass="entr" presetID="6" presetSubtype="16">
+                                  <p:stCondLst>
+                                    <p:cond delay="0"/>
+                                  </p:stCondLst>
+                                  <p:childTnLst>
+                                    <p:set>
+                                      <p:cBhvr>
+                                        <p:cTn id="150" dur="1" fill="hold">
+                                          <p:stCondLst>
+                                            <p:cond delay="0"/>
+                                          </p:stCondLst>
+                                        </p:cTn>
+                                        <p:tgtEl>
+                                          <p:spTgt spid="57">
+                                            <p:txEl>
+                                              <p:pRg st="0" end="0"/>
+                                            </p:txEl>
+                                          </p:spTgt>
+                                        </p:tgtEl>
+                                        <p:attrNameLst>
+                                          <p:attrName>style.visibility</p:attrName>
+                                        </p:attrNameLst>
+                                      </p:cBhvr>
+                                      <p:to>
+                                        <p:strVal val="visible"/>
+                                      </p:to>
+                                    </p:set>
+                                    <p:animEffect filter="circle(in)" transition="in">
+                                      <p:cBhvr additive="repl">
+                                        <p:cTn id="151" dur="2000"/>
+                                        <p:tgtEl>
+                                          <p:spTgt spid="57">
+                                            <p:txEl>
+                                              <p:pRg st="0" end="0"/>
+                                            </p:txEl>
+                                          </p:spTgt>
+                                        </p:tgtEl>
+                                      </p:cBhvr>
+                                    </p:animEffect>
+                                  </p:childTnLst>
+                                </p:cTn>
+                              </p:par>
+                              <p:par>
+                                <p:cTn id="152" nodeType="withEffect" fill="hold" presetClass="entr" presetID="6" presetSubtype="16">
+                                  <p:stCondLst>
+                                    <p:cond delay="0"/>
+                                  </p:stCondLst>
+                                  <p:childTnLst>
+                                    <p:set>
+                                      <p:cBhvr>
+                                        <p:cTn id="153" dur="1" fill="hold">
+                                          <p:stCondLst>
+                                            <p:cond delay="0"/>
+                                          </p:stCondLst>
+                                        </p:cTn>
+                                        <p:tgtEl>
+                                          <p:spTgt spid="58">
+                                            <p:txEl>
+                                              <p:pRg st="0" end="0"/>
+                                            </p:txEl>
+                                          </p:spTgt>
+                                        </p:tgtEl>
+                                        <p:attrNameLst>
+                                          <p:attrName>style.visibility</p:attrName>
+                                        </p:attrNameLst>
+                                      </p:cBhvr>
+                                      <p:to>
+                                        <p:strVal val="visible"/>
+                                      </p:to>
+                                    </p:set>
+                                    <p:animEffect filter="circle(in)" transition="in">
+                                      <p:cBhvr additive="repl">
+                                        <p:cTn id="154" dur="2000"/>
+                                        <p:tgtEl>
+                                          <p:spTgt spid="58">
+                                            <p:txEl>
+                                              <p:pRg st="0" end="0"/>
+                                            </p:txEl>
+                                          </p:spTgt>
+                                        </p:tgtEl>
+                                      </p:cBhvr>
+                                    </p:animEffect>
+                                  </p:childTnLst>
+                                </p:cTn>
+                              </p:par>
+                            </p:childTnLst>
+                          </p:cTn>
+                        </p:par>
+                        <p:par>
+                          <p:cTn id="155" fill="hold">
+                            <p:stCondLst>
+                              <p:cond delay="4000"/>
+                            </p:stCondLst>
+                            <p:childTnLst>
+                              <p:par>
+                                <p:cTn id="156" nodeType="afterEffect" fill="hold" presetClass="entr" presetID="6" presetSubtype="16">
+                                  <p:stCondLst>
+                                    <p:cond delay="0"/>
+                                  </p:stCondLst>
+                                  <p:childTnLst>
+                                    <p:set>
+                                      <p:cBhvr>
+                                        <p:cTn id="157" dur="1" fill="hold">
+                                          <p:stCondLst>
+                                            <p:cond delay="0"/>
+                                          </p:stCondLst>
+                                        </p:cTn>
+                                        <p:tgtEl>
+                                          <p:spTgt spid="58">
+                                            <p:txEl>
+                                              <p:pRg st="1" end="1"/>
+                                            </p:txEl>
+                                          </p:spTgt>
+                                        </p:tgtEl>
+                                        <p:attrNameLst>
+                                          <p:attrName>style.visibility</p:attrName>
+                                        </p:attrNameLst>
+                                      </p:cBhvr>
+                                      <p:to>
+                                        <p:strVal val="visible"/>
+                                      </p:to>
+                                    </p:set>
+                                    <p:animEffect filter="circle(in)" transition="in">
+                                      <p:cBhvr additive="repl">
+                                        <p:cTn id="158" dur="2000"/>
+                                        <p:tgtEl>
+                                          <p:spTgt spid="58">
+                                            <p:txEl>
+                                              <p:pRg st="1" end="1"/>
+                                            </p:txEl>
+                                          </p:spTgt>
+                                        </p:tgtEl>
+                                      </p:cBhvr>
+                                    </p:animEffect>
+                                  </p:childTnLst>
+                                </p:cTn>
+                              </p:par>
+                            </p:childTnLst>
+                          </p:cTn>
+                        </p:par>
+                        <p:par>
+                          <p:cTn id="159" fill="hold">
+                            <p:stCondLst>
+                              <p:cond delay="6000"/>
+                            </p:stCondLst>
+                            <p:childTnLst>
+                              <p:par>
+                                <p:cTn id="160" nodeType="afterEffect" fill="hold" presetClass="entr" presetID="6" presetSubtype="16">
+                                  <p:stCondLst>
+                                    <p:cond delay="0"/>
+                                  </p:stCondLst>
+                                  <p:childTnLst>
+                                    <p:set>
+                                      <p:cBhvr>
+                                        <p:cTn id="161" dur="1" fill="hold">
+                                          <p:stCondLst>
+                                            <p:cond delay="0"/>
+                                          </p:stCondLst>
+                                        </p:cTn>
+                                        <p:tgtEl>
+                                          <p:spTgt spid="59">
+                                            <p:txEl>
+                                              <p:pRg st="0" end="0"/>
+                                            </p:txEl>
+                                          </p:spTgt>
+                                        </p:tgtEl>
+                                        <p:attrNameLst>
+                                          <p:attrName>style.visibility</p:attrName>
+                                        </p:attrNameLst>
+                                      </p:cBhvr>
+                                      <p:to>
+                                        <p:strVal val="visible"/>
+                                      </p:to>
+                                    </p:set>
+                                    <p:animEffect filter="circle(in)" transition="in">
+                                      <p:cBhvr additive="repl">
+                                        <p:cTn id="162" dur="2000"/>
+                                        <p:tgtEl>
+                                          <p:spTgt spid="59">
+                                            <p:txEl>
+                                              <p:pRg st="0" end="0"/>
+                                            </p:txEl>
+                                          </p:spTgt>
+                                        </p:tgtEl>
+                                      </p:cBhvr>
+                                    </p:animEffect>
+                                  </p:childTnLst>
+                                </p:cTn>
+                              </p:par>
+                              <p:par>
+                                <p:cTn id="163" nodeType="withEffect" fill="hold" presetClass="entr" presetID="6" presetSubtype="16">
+                                  <p:stCondLst>
+                                    <p:cond delay="0"/>
+                                  </p:stCondLst>
+                                  <p:childTnLst>
+                                    <p:set>
+                                      <p:cBhvr>
+                                        <p:cTn id="164" dur="1" fill="hold">
+                                          <p:stCondLst>
+                                            <p:cond delay="0"/>
+                                          </p:stCondLst>
+                                        </p:cTn>
+                                        <p:tgtEl>
+                                          <p:spTgt spid="60">
+                                            <p:txEl>
+                                              <p:pRg st="0" end="0"/>
+                                            </p:txEl>
+                                          </p:spTgt>
+                                        </p:tgtEl>
+                                        <p:attrNameLst>
+                                          <p:attrName>style.visibility</p:attrName>
+                                        </p:attrNameLst>
+                                      </p:cBhvr>
+                                      <p:to>
+                                        <p:strVal val="visible"/>
+                                      </p:to>
+                                    </p:set>
+                                    <p:animEffect filter="circle(in)" transition="in">
+                                      <p:cBhvr additive="repl">
+                                        <p:cTn id="165" dur="2000"/>
+                                        <p:tgtEl>
+                                          <p:spTgt spid="60">
+                                            <p:txEl>
+                                              <p:pRg st="0" end="0"/>
+                                            </p:txEl>
+                                          </p:spTgt>
+                                        </p:tgtEl>
+                                      </p:cBhvr>
+                                    </p:animEffect>
+                                  </p:childTnLst>
+                                </p:cTn>
+                              </p:par>
+                            </p:childTnLst>
+                          </p:cTn>
+                        </p:par>
+                      </p:childTnLst>
+                    </p:cTn>
+                  </p:par>
+                </p:childTnLst>
+              </p:cTn>
+              <p:prevCondLst>
+                <p:cond delay="0" evt="onPrev">
+                  <p:tgtEl>
+                    <p:sldTgt/>
+                  </p:tgtEl>
+                </p:cond>
+              </p:prevCondLst>
+              <p:nextCondLst>
+                <p:cond delay="0" evt="onNext">
+                  <p:tgtEl>
+                    <p:sldTgt/>
+                  </p:tgtEl>
+                </p:cond>
+              </p:nextCondLst>
+            </p:seq>
+          </p:childTnLst>
+        </p:cTn>
+      </p:par>
+    </p:tnLst>
+  </p:timing>
+</p:sld>
+</file>
+
+<file path=ppt/slides/slide4.xml><?xml version="1.0" encoding="utf-8"?>
+<p:sld xmlns:a="http://schemas.openxmlformats.org/drawingml/2006/main" xmlns:p="http://schemas.openxmlformats.org/presentationml/2006/main" xmlns:r="http://schemas.openxmlformats.org/officeDocument/2006/relationships" xmlns:p14="http://schemas.microsoft.com/office/powerpoint/2010/main" xmlns:p15="http://schemas.microsoft.com/office/powerpoint/2012/main" xmlns:mc="http://schemas.openxmlformats.org/markup-compatibility/2006">
+  <p:cSld>
+    <p:spTree>
+      <p:nvGrpSpPr>
+        <p:cNvPr id="1" name=""/>
+        <p:cNvGrpSpPr/>
+        <p:nvPr/>
+      </p:nvGrpSpPr>
+      <p:grpSpPr>
+        <a:xfrm>
+          <a:off x="0" y="0"/>
+          <a:ext cx="0" cy="0"/>
+          <a:chOff x="0" y="0"/>
+          <a:chExt cx="0" cy="0"/>
+        </a:xfrm>
+      </p:grpSpPr>
+      <p:sp>
+        <p:nvSpPr>
+          <p:cNvPr id="61" name="CustomShape 1"/>
+          <p:cNvSpPr/>
+          <p:nvPr/>
+        </p:nvSpPr>
+        <p:spPr>
+          <a:xfrm>
+            <a:off x="1230480" y="548640"/>
+            <a:ext cx="911520" cy="911520"/>
+          </a:xfrm>
+          <a:prstGeom prst="ellipse">
+            <a:avLst/>
+          </a:prstGeom>
+          <a:solidFill>
+            <a:srgbClr val="00e3e3"/>
+          </a:solidFill>
+          <a:ln>
+            <a:solidFill>
+              <a:srgbClr val="3465a4"/>
+            </a:solidFill>
+          </a:ln>
+          <a:effectLst>
+            <a:outerShdw dir="2700000" dist="143570">
+              <a:srgbClr val="808080"/>
+            </a:outerShdw>
+          </a:effectLst>
+        </p:spPr>
+        <p:style>
+          <a:lnRef idx="0"/>
+          <a:fillRef idx="0"/>
+          <a:effectRef idx="0"/>
+          <a:fontRef idx="minor"/>
+        </p:style>
+        <p:txBody>
+          <a:bodyPr wrap="none" lIns="90000" rIns="90000" tIns="45000" bIns="45000" anchor="ctr"/>
+          <a:p>
+            <a:pPr algn="ctr">
+              <a:lnSpc>
+                <a:spcPct val="100000"/>
+              </a:lnSpc>
+            </a:pPr>
+            <a:r>
+              <a:rPr b="1" lang="en-US" sz="4000" spc="-1" strike="noStrike">
+                <a:solidFill>
+                  <a:srgbClr val="4c4c4c"/>
+                </a:solidFill>
+                <a:latin typeface="Arial"/>
+                <a:ea typeface="DejaVu Sans"/>
+              </a:rPr>
+              <a:t>2.</a:t>
+            </a:r>
+            <a:endParaRPr b="0" lang="en-US" sz="4000" spc="-1" strike="noStrike">
+              <a:latin typeface="Arial"/>
+            </a:endParaRPr>
+          </a:p>
+        </p:txBody>
+      </p:sp>
+      <p:sp>
+        <p:nvSpPr>
+          <p:cNvPr id="62" name="CustomShape 2"/>
+          <p:cNvSpPr/>
+          <p:nvPr/>
+        </p:nvSpPr>
+        <p:spPr>
+          <a:xfrm>
             <a:off x="2200320" y="548640"/>
-            <a:ext cx="5616360" cy="838800"/>
+            <a:ext cx="5937840" cy="837720"/>
           </a:xfrm>
           <a:custGeom>
             <a:avLst/>
@@ -10070,7 +11591,7 @@
                 <a:latin typeface="Cantarell"/>
                 <a:ea typeface="DejaVu Sans"/>
               </a:rPr>
-              <a:t>What is the project? Why need it?</a:t>
+              <a:t>What is this project? Why we need it?</a:t>
             </a:r>
             <a:endParaRPr b="0" lang="en-US" sz="2600" spc="-1" strike="noStrike">
               <a:latin typeface="Arial"/>
@@ -10080,14 +11601,14 @@
       </p:sp>
       <p:sp>
         <p:nvSpPr>
-          <p:cNvPr id="57" name="CustomShape 3"/>
+          <p:cNvPr id="63" name="CustomShape 3"/>
           <p:cNvSpPr/>
           <p:nvPr/>
         </p:nvSpPr>
         <p:spPr>
           <a:xfrm>
             <a:off x="1188720" y="2286000"/>
-            <a:ext cx="6125400" cy="857160"/>
+            <a:ext cx="6124320" cy="856080"/>
           </a:xfrm>
           <a:prstGeom prst="rect">
             <a:avLst/>
@@ -10119,7 +11640,7 @@
                 <a:latin typeface="Arial"/>
                 <a:ea typeface="DejaVu Sans"/>
               </a:rPr>
-              <a:t>&lt;&gt; The project is puzzle game (in a 4x4 board) </a:t>
+              <a:t>&lt;&gt; The project is puzzle game (in a 4x4 square) </a:t>
             </a:r>
             <a:endParaRPr b="0" lang="en-US" sz="1800" spc="-1" strike="noStrike">
               <a:latin typeface="Arial"/>
@@ -10129,14 +11650,14 @@
       </p:sp>
       <p:sp>
         <p:nvSpPr>
-          <p:cNvPr id="58" name="CustomShape 4"/>
+          <p:cNvPr id="64" name="CustomShape 4"/>
           <p:cNvSpPr/>
           <p:nvPr/>
         </p:nvSpPr>
         <p:spPr>
           <a:xfrm>
             <a:off x="1215000" y="2693520"/>
-            <a:ext cx="3930840" cy="345240"/>
+            <a:ext cx="3929760" cy="344160"/>
           </a:xfrm>
           <a:prstGeom prst="rect">
             <a:avLst/>
@@ -10184,38 +11705,38 @@
   <p:timing>
     <p:tnLst>
       <p:par>
-        <p:cTn id="132" dur="indefinite" restart="never" nodeType="tmRoot">
+        <p:cTn id="166" dur="indefinite" restart="never" nodeType="tmRoot">
           <p:childTnLst>
             <p:seq>
-              <p:cTn id="133" dur="indefinite" nodeType="mainSeq">
+              <p:cTn id="167" dur="indefinite" nodeType="mainSeq">
                 <p:childTnLst>
                   <p:par>
-                    <p:cTn id="134" fill="hold">
+                    <p:cTn id="168" fill="hold">
                       <p:stCondLst>
                         <p:cond delay="indefinite"/>
                       </p:stCondLst>
                       <p:childTnLst>
                         <p:par>
-                          <p:cTn id="135" fill="hold">
+                          <p:cTn id="169" fill="hold">
                             <p:stCondLst>
                               <p:cond delay="0"/>
                             </p:stCondLst>
                             <p:childTnLst>
                               <p:par>
-                                <p:cTn id="136" nodeType="clickEffect" fill="hold" presetClass="entr" presetID="2" presetSubtype="4">
+                                <p:cTn id="170" nodeType="clickEffect" fill="hold" presetClass="entr" presetID="2" presetSubtype="4">
                                   <p:stCondLst>
                                     <p:cond delay="0"/>
                                   </p:stCondLst>
                                   <p:childTnLst>
                                     <p:set>
                                       <p:cBhvr>
-                                        <p:cTn id="137" dur="1" fill="hold">
+                                        <p:cTn id="171" dur="1" fill="hold">
                                           <p:stCondLst>
                                             <p:cond delay="0"/>
                                           </p:stCondLst>
                                         </p:cTn>
                                         <p:tgtEl>
-                                          <p:spTgt spid="55"/>
+                                          <p:spTgt spid="61"/>
                                         </p:tgtEl>
                                         <p:attrNameLst>
                                           <p:attrName>style.visibility</p:attrName>
@@ -10227,9 +11748,9 @@
                                     </p:set>
                                     <p:anim calcmode="lin" valueType="num">
                                       <p:cBhvr additive="repl">
-                                        <p:cTn id="138" dur="500" fill="hold"/>
-                                        <p:tgtEl>
-                                          <p:spTgt spid="55"/>
+                                        <p:cTn id="172" dur="500" fill="hold"/>
+                                        <p:tgtEl>
+                                          <p:spTgt spid="61"/>
                                         </p:tgtEl>
                                         <p:attrNameLst>
                                           <p:attrName>ppt_x</p:attrName>
@@ -10250,9 +11771,9 @@
                                     </p:anim>
                                     <p:anim calcmode="lin" valueType="num">
                                       <p:cBhvr additive="repl">
-                                        <p:cTn id="139" dur="500" fill="hold"/>
-                                        <p:tgtEl>
-                                          <p:spTgt spid="55"/>
+                                        <p:cTn id="173" dur="500" fill="hold"/>
+                                        <p:tgtEl>
+                                          <p:spTgt spid="61"/>
                                         </p:tgtEl>
                                         <p:attrNameLst>
                                           <p:attrName>ppt_y</p:attrName>
@@ -10275,20 +11796,20 @@
                                 </p:cTn>
                               </p:par>
                               <p:par>
-                                <p:cTn id="140" nodeType="withEffect" fill="hold" presetClass="entr" presetID="6" presetSubtype="16">
+                                <p:cTn id="174" nodeType="withEffect" fill="hold" presetClass="entr" presetID="6" presetSubtype="16">
                                   <p:stCondLst>
                                     <p:cond delay="0"/>
                                   </p:stCondLst>
                                   <p:childTnLst>
                                     <p:set>
                                       <p:cBhvr>
-                                        <p:cTn id="141" dur="1" fill="hold">
+                                        <p:cTn id="175" dur="1" fill="hold">
                                           <p:stCondLst>
                                             <p:cond delay="0"/>
                                           </p:stCondLst>
                                         </p:cTn>
                                         <p:tgtEl>
-                                          <p:spTgt spid="56"/>
+                                          <p:spTgt spid="62"/>
                                         </p:tgtEl>
                                         <p:attrNameLst>
                                           <p:attrName>style.visibility</p:attrName>
@@ -10300,9 +11821,9 @@
                                     </p:set>
                                     <p:animEffect filter="circle(in)" transition="in">
                                       <p:cBhvr additive="repl">
-                                        <p:cTn id="142" dur="2000"/>
-                                        <p:tgtEl>
-                                          <p:spTgt spid="56"/>
+                                        <p:cTn id="176" dur="2000"/>
+                                        <p:tgtEl>
+                                          <p:spTgt spid="62"/>
                                         </p:tgtEl>
                                       </p:cBhvr>
                                     </p:animEffect>
@@ -10313,26 +11834,26 @@
                           </p:cTn>
                         </p:par>
                         <p:par>
-                          <p:cTn id="143" fill="hold">
+                          <p:cTn id="177" fill="hold">
                             <p:stCondLst>
                               <p:cond delay="2000"/>
                             </p:stCondLst>
                             <p:childTnLst>
                               <p:par>
-                                <p:cTn id="144" nodeType="afterEffect" fill="hold" presetClass="entr" presetID="6" presetSubtype="16">
+                                <p:cTn id="178" nodeType="afterEffect" fill="hold" presetClass="entr" presetID="6" presetSubtype="16">
                                   <p:stCondLst>
                                     <p:cond delay="0"/>
                                   </p:stCondLst>
                                   <p:childTnLst>
                                     <p:set>
                                       <p:cBhvr>
-                                        <p:cTn id="145" dur="1" fill="hold">
+                                        <p:cTn id="179" dur="1" fill="hold">
                                           <p:stCondLst>
                                             <p:cond delay="0"/>
                                           </p:stCondLst>
                                         </p:cTn>
                                         <p:tgtEl>
-                                          <p:spTgt spid="57">
+                                          <p:spTgt spid="63">
                                             <p:txEl>
                                               <p:pRg st="0" end="0"/>
                                             </p:txEl>
@@ -10348,9 +11869,9 @@
                                     </p:set>
                                     <p:animEffect filter="circle(in)" transition="in">
                                       <p:cBhvr additive="repl">
-                                        <p:cTn id="146" dur="2000"/>
-                                        <p:tgtEl>
-                                          <p:spTgt spid="57">
+                                        <p:cTn id="180" dur="2000"/>
+                                        <p:tgtEl>
+                                          <p:spTgt spid="63">
                                             <p:txEl>
                                               <p:pRg st="0" end="0"/>
                                             </p:txEl>
@@ -10362,20 +11883,20 @@
                                 </p:cTn>
                               </p:par>
                               <p:par>
-                                <p:cTn id="147" nodeType="withEffect" fill="hold" presetClass="entr" presetID="6" presetSubtype="16">
+                                <p:cTn id="181" nodeType="withEffect" fill="hold" presetClass="entr" presetID="6" presetSubtype="16">
                                   <p:stCondLst>
                                     <p:cond delay="0"/>
                                   </p:stCondLst>
                                   <p:childTnLst>
                                     <p:set>
                                       <p:cBhvr>
-                                        <p:cTn id="148" dur="1" fill="hold">
+                                        <p:cTn id="182" dur="1" fill="hold">
                                           <p:stCondLst>
                                             <p:cond delay="0"/>
                                           </p:stCondLst>
                                         </p:cTn>
                                         <p:tgtEl>
-                                          <p:spTgt spid="58">
+                                          <p:spTgt spid="64">
                                             <p:txEl>
                                               <p:pRg st="0" end="0"/>
                                             </p:txEl>
@@ -10391,9 +11912,9 @@
                                     </p:set>
                                     <p:animEffect filter="circle(in)" transition="in">
                                       <p:cBhvr additive="repl">
-                                        <p:cTn id="149" dur="2000"/>
-                                        <p:tgtEl>
-                                          <p:spTgt spid="58">
+                                        <p:cTn id="183" dur="2000"/>
+                                        <p:tgtEl>
+                                          <p:spTgt spid="64">
                                             <p:txEl>
                                               <p:pRg st="0" end="0"/>
                                             </p:txEl>
@@ -10435,7 +11956,7 @@
 </p:sld>
 </file>
 
-<file path=ppt/slides/slide4.xml><?xml version="1.0" encoding="utf-8"?>
+<file path=ppt/slides/slide5.xml><?xml version="1.0" encoding="utf-8"?>
 <p:sld xmlns:a="http://schemas.openxmlformats.org/drawingml/2006/main" xmlns:p="http://schemas.openxmlformats.org/presentationml/2006/main" xmlns:r="http://schemas.openxmlformats.org/officeDocument/2006/relationships" xmlns:p14="http://schemas.microsoft.com/office/powerpoint/2010/main" xmlns:p15="http://schemas.microsoft.com/office/powerpoint/2012/main" xmlns:mc="http://schemas.openxmlformats.org/markup-compatibility/2006">
   <p:cSld>
     <p:spTree>
@@ -10454,14 +11975,14 @@
       </p:grpSpPr>
       <p:sp>
         <p:nvSpPr>
-          <p:cNvPr id="59" name="CustomShape 1"/>
+          <p:cNvPr id="65" name="CustomShape 1"/>
           <p:cNvSpPr/>
           <p:nvPr/>
         </p:nvSpPr>
         <p:spPr>
           <a:xfrm>
             <a:off x="1097280" y="599400"/>
-            <a:ext cx="912600" cy="912600"/>
+            <a:ext cx="911520" cy="911520"/>
           </a:xfrm>
           <a:prstGeom prst="ellipse">
             <a:avLst/>
@@ -10502,7 +12023,7 @@
                 <a:latin typeface="Arial"/>
                 <a:ea typeface="DejaVu Sans"/>
               </a:rPr>
-              <a:t>2.</a:t>
+              <a:t>3.</a:t>
             </a:r>
             <a:endParaRPr b="0" lang="en-US" sz="4000" spc="-1" strike="noStrike">
               <a:latin typeface="Arial"/>
@@ -10512,14 +12033,14 @@
       </p:sp>
       <p:sp>
         <p:nvSpPr>
-          <p:cNvPr id="60" name="CustomShape 2"/>
+          <p:cNvPr id="66" name="CustomShape 2"/>
           <p:cNvSpPr/>
           <p:nvPr/>
         </p:nvSpPr>
         <p:spPr>
           <a:xfrm>
             <a:off x="2067120" y="599400"/>
-            <a:ext cx="5616360" cy="838800"/>
+            <a:ext cx="5615280" cy="837720"/>
           </a:xfrm>
           <a:custGeom>
             <a:avLst/>
@@ -10595,14 +12116,14 @@
       </p:sp>
       <p:sp>
         <p:nvSpPr>
-          <p:cNvPr id="61" name="CustomShape 3"/>
+          <p:cNvPr id="67" name="CustomShape 3"/>
           <p:cNvSpPr/>
           <p:nvPr/>
         </p:nvSpPr>
         <p:spPr>
           <a:xfrm>
             <a:off x="1005840" y="2396880"/>
-            <a:ext cx="6856920" cy="345240"/>
+            <a:ext cx="6855840" cy="344160"/>
           </a:xfrm>
           <a:prstGeom prst="rect">
             <a:avLst/>
@@ -10654,14 +12175,14 @@
       </p:sp>
       <p:sp>
         <p:nvSpPr>
-          <p:cNvPr id="62" name="CustomShape 4"/>
+          <p:cNvPr id="68" name="CustomShape 4"/>
           <p:cNvSpPr/>
           <p:nvPr/>
         </p:nvSpPr>
         <p:spPr>
           <a:xfrm>
             <a:off x="1005840" y="3219840"/>
-            <a:ext cx="5028120" cy="345960"/>
+            <a:ext cx="5027040" cy="344880"/>
           </a:xfrm>
           <a:prstGeom prst="rect">
             <a:avLst/>
@@ -10709,38 +12230,38 @@
   <p:timing>
     <p:tnLst>
       <p:par>
-        <p:cTn id="150" dur="indefinite" restart="never" nodeType="tmRoot">
+        <p:cTn id="184" dur="indefinite" restart="never" nodeType="tmRoot">
           <p:childTnLst>
             <p:seq>
-              <p:cTn id="151" dur="indefinite" nodeType="mainSeq">
+              <p:cTn id="185" dur="indefinite" nodeType="mainSeq">
                 <p:childTnLst>
                   <p:par>
-                    <p:cTn id="152" fill="hold">
+                    <p:cTn id="186" fill="hold">
                       <p:stCondLst>
                         <p:cond delay="indefinite"/>
                       </p:stCondLst>
                       <p:childTnLst>
                         <p:par>
-                          <p:cTn id="153" fill="hold">
+                          <p:cTn id="187" fill="hold">
                             <p:stCondLst>
                               <p:cond delay="0"/>
                             </p:stCondLst>
                             <p:childTnLst>
                               <p:par>
-                                <p:cTn id="154" nodeType="clickEffect" fill="hold" presetClass="entr" presetID="2" presetSubtype="4">
+                                <p:cTn id="188" nodeType="clickEffect" fill="hold" presetClass="entr" presetID="2" presetSubtype="4">
                                   <p:stCondLst>
                                     <p:cond delay="0"/>
                                   </p:stCondLst>
                                   <p:childTnLst>
                                     <p:set>
                                       <p:cBhvr>
-                                        <p:cTn id="155" dur="1" fill="hold">
+                                        <p:cTn id="189" dur="1" fill="hold">
                                           <p:stCondLst>
                                             <p:cond delay="0"/>
                                           </p:stCondLst>
                                         </p:cTn>
                                         <p:tgtEl>
-                                          <p:spTgt spid="59"/>
+                                          <p:spTgt spid="65"/>
                                         </p:tgtEl>
                                         <p:attrNameLst>
                                           <p:attrName>style.visibility</p:attrName>
@@ -10752,9 +12273,9 @@
                                     </p:set>
                                     <p:anim calcmode="lin" valueType="num">
                                       <p:cBhvr additive="repl">
-                                        <p:cTn id="156" dur="500" fill="hold"/>
-                                        <p:tgtEl>
-                                          <p:spTgt spid="59"/>
+                                        <p:cTn id="190" dur="500" fill="hold"/>
+                                        <p:tgtEl>
+                                          <p:spTgt spid="65"/>
                                         </p:tgtEl>
                                         <p:attrNameLst>
                                           <p:attrName>ppt_x</p:attrName>
@@ -10775,9 +12296,9 @@
                                     </p:anim>
                                     <p:anim calcmode="lin" valueType="num">
                                       <p:cBhvr additive="repl">
-                                        <p:cTn id="157" dur="500" fill="hold"/>
-                                        <p:tgtEl>
-                                          <p:spTgt spid="59"/>
+                                        <p:cTn id="191" dur="500" fill="hold"/>
+                                        <p:tgtEl>
+                                          <p:spTgt spid="65"/>
                                         </p:tgtEl>
                                         <p:attrNameLst>
                                           <p:attrName>ppt_y</p:attrName>
@@ -10800,20 +12321,20 @@
                                 </p:cTn>
                               </p:par>
                               <p:par>
-                                <p:cTn id="158" nodeType="withEffect" fill="hold" presetClass="entr" presetID="6" presetSubtype="16">
+                                <p:cTn id="192" nodeType="withEffect" fill="hold" presetClass="entr" presetID="6" presetSubtype="16">
                                   <p:stCondLst>
                                     <p:cond delay="0"/>
                                   </p:stCondLst>
                                   <p:childTnLst>
                                     <p:set>
                                       <p:cBhvr>
-                                        <p:cTn id="159" dur="1" fill="hold">
+                                        <p:cTn id="193" dur="1" fill="hold">
                                           <p:stCondLst>
                                             <p:cond delay="0"/>
                                           </p:stCondLst>
                                         </p:cTn>
                                         <p:tgtEl>
-                                          <p:spTgt spid="60"/>
+                                          <p:spTgt spid="66"/>
                                         </p:tgtEl>
                                         <p:attrNameLst>
                                           <p:attrName>style.visibility</p:attrName>
@@ -10825,9 +12346,9 @@
                                     </p:set>
                                     <p:animEffect filter="circle(in)" transition="in">
                                       <p:cBhvr additive="repl">
-                                        <p:cTn id="160" dur="2000"/>
-                                        <p:tgtEl>
-                                          <p:spTgt spid="60"/>
+                                        <p:cTn id="194" dur="2000"/>
+                                        <p:tgtEl>
+                                          <p:spTgt spid="66"/>
                                         </p:tgtEl>
                                       </p:cBhvr>
                                     </p:animEffect>
@@ -10838,26 +12359,26 @@
                           </p:cTn>
                         </p:par>
                         <p:par>
-                          <p:cTn id="161" fill="hold">
+                          <p:cTn id="195" fill="hold">
                             <p:stCondLst>
                               <p:cond delay="2000"/>
                             </p:stCondLst>
                             <p:childTnLst>
                               <p:par>
-                                <p:cTn id="162" nodeType="afterEffect" fill="hold" presetClass="entr" presetID="6" presetSubtype="16">
+                                <p:cTn id="196" nodeType="afterEffect" fill="hold" presetClass="entr" presetID="6" presetSubtype="16">
                                   <p:stCondLst>
                                     <p:cond delay="0"/>
                                   </p:stCondLst>
                                   <p:childTnLst>
                                     <p:set>
                                       <p:cBhvr>
-                                        <p:cTn id="163" dur="1" fill="hold">
+                                        <p:cTn id="197" dur="1" fill="hold">
                                           <p:stCondLst>
                                             <p:cond delay="0"/>
                                           </p:stCondLst>
                                         </p:cTn>
                                         <p:tgtEl>
-                                          <p:spTgt spid="61">
+                                          <p:spTgt spid="67">
                                             <p:txEl>
                                               <p:pRg st="1" end="1"/>
                                             </p:txEl>
@@ -10873,9 +12394,9 @@
                                     </p:set>
                                     <p:animEffect filter="circle(in)" transition="in">
                                       <p:cBhvr additive="repl">
-                                        <p:cTn id="164" dur="2000"/>
-                                        <p:tgtEl>
-                                          <p:spTgt spid="61">
+                                        <p:cTn id="198" dur="2000"/>
+                                        <p:tgtEl>
+                                          <p:spTgt spid="67">
                                             <p:txEl>
                                               <p:pRg st="1" end="1"/>
                                             </p:txEl>
@@ -10887,20 +12408,20 @@
                                 </p:cTn>
                               </p:par>
                               <p:par>
-                                <p:cTn id="165" nodeType="withEffect" fill="hold" presetClass="entr" presetID="6" presetSubtype="16">
+                                <p:cTn id="199" nodeType="withEffect" fill="hold" presetClass="entr" presetID="6" presetSubtype="16">
                                   <p:stCondLst>
                                     <p:cond delay="0"/>
                                   </p:stCondLst>
                                   <p:childTnLst>
                                     <p:set>
                                       <p:cBhvr>
-                                        <p:cTn id="166" dur="1" fill="hold">
+                                        <p:cTn id="200" dur="1" fill="hold">
                                           <p:stCondLst>
                                             <p:cond delay="0"/>
                                           </p:stCondLst>
                                         </p:cTn>
                                         <p:tgtEl>
-                                          <p:spTgt spid="62">
+                                          <p:spTgt spid="68">
                                             <p:txEl>
                                               <p:pRg st="0" end="0"/>
                                             </p:txEl>
@@ -10916,9 +12437,9 @@
                                     </p:set>
                                     <p:animEffect filter="circle(in)" transition="in">
                                       <p:cBhvr additive="repl">
-                                        <p:cTn id="167" dur="2000"/>
-                                        <p:tgtEl>
-                                          <p:spTgt spid="62">
+                                        <p:cTn id="201" dur="2000"/>
+                                        <p:tgtEl>
+                                          <p:spTgt spid="68">
                                             <p:txEl>
                                               <p:pRg st="0" end="0"/>
                                             </p:txEl>
@@ -10960,7 +12481,7 @@
 </p:sld>
 </file>
 
-<file path=ppt/slides/slide5.xml><?xml version="1.0" encoding="utf-8"?>
+<file path=ppt/slides/slide6.xml><?xml version="1.0" encoding="utf-8"?>
 <p:sld xmlns:a="http://schemas.openxmlformats.org/drawingml/2006/main" xmlns:p="http://schemas.openxmlformats.org/presentationml/2006/main" xmlns:r="http://schemas.openxmlformats.org/officeDocument/2006/relationships" xmlns:p14="http://schemas.microsoft.com/office/powerpoint/2010/main" xmlns:p15="http://schemas.microsoft.com/office/powerpoint/2012/main" xmlns:mc="http://schemas.openxmlformats.org/markup-compatibility/2006">
   <p:cSld>
     <p:spTree>
@@ -10979,14 +12500,14 @@
       </p:grpSpPr>
       <p:sp>
         <p:nvSpPr>
-          <p:cNvPr id="63" name="CustomShape 1"/>
+          <p:cNvPr id="69" name="CustomShape 1"/>
           <p:cNvSpPr/>
           <p:nvPr/>
         </p:nvSpPr>
         <p:spPr>
           <a:xfrm>
             <a:off x="1332000" y="650160"/>
-            <a:ext cx="912600" cy="912600"/>
+            <a:ext cx="911520" cy="911520"/>
           </a:xfrm>
           <a:prstGeom prst="ellipse">
             <a:avLst/>
@@ -11027,7 +12548,7 @@
                 <a:latin typeface="Arial"/>
                 <a:ea typeface="DejaVu Sans"/>
               </a:rPr>
-              <a:t>3.</a:t>
+              <a:t>4.</a:t>
             </a:r>
             <a:endParaRPr b="0" lang="en-US" sz="4000" spc="-1" strike="noStrike">
               <a:latin typeface="Arial"/>
@@ -11037,14 +12558,14 @@
       </p:sp>
       <p:sp>
         <p:nvSpPr>
-          <p:cNvPr id="64" name="CustomShape 2"/>
+          <p:cNvPr id="70" name="CustomShape 2"/>
           <p:cNvSpPr/>
           <p:nvPr/>
         </p:nvSpPr>
         <p:spPr>
           <a:xfrm>
             <a:off x="2301840" y="650160"/>
-            <a:ext cx="5616360" cy="838800"/>
+            <a:ext cx="5615280" cy="837720"/>
           </a:xfrm>
           <a:custGeom>
             <a:avLst/>
@@ -11120,14 +12641,14 @@
       </p:sp>
       <p:sp>
         <p:nvSpPr>
-          <p:cNvPr id="65" name="CustomShape 3"/>
+          <p:cNvPr id="71" name="CustomShape 3"/>
           <p:cNvSpPr/>
           <p:nvPr/>
         </p:nvSpPr>
         <p:spPr>
           <a:xfrm>
             <a:off x="1554480" y="3311280"/>
-            <a:ext cx="4936680" cy="345240"/>
+            <a:ext cx="4935600" cy="344160"/>
           </a:xfrm>
           <a:prstGeom prst="rect">
             <a:avLst/>
@@ -11169,7 +12690,7 @@
                 <a:latin typeface="Arial"/>
                 <a:ea typeface="DejaVu Sans"/>
               </a:rPr>
-              <a:t>Area of project   : linux OS</a:t>
+              <a:t>Area of project   : Arch Linux</a:t>
             </a:r>
             <a:endParaRPr b="0" lang="en-US" sz="1800" spc="-1" strike="noStrike">
               <a:latin typeface="Arial"/>
@@ -11179,14 +12700,14 @@
       </p:sp>
       <p:sp>
         <p:nvSpPr>
-          <p:cNvPr id="66" name="CustomShape 4"/>
+          <p:cNvPr id="72" name="CustomShape 4"/>
           <p:cNvSpPr/>
           <p:nvPr/>
         </p:nvSpPr>
         <p:spPr>
           <a:xfrm>
             <a:off x="1463040" y="3768480"/>
-            <a:ext cx="3930840" cy="345240"/>
+            <a:ext cx="3929760" cy="344160"/>
           </a:xfrm>
           <a:prstGeom prst="rect">
             <a:avLst/>
@@ -11278,14 +12799,14 @@
       </p:sp>
       <p:sp>
         <p:nvSpPr>
-          <p:cNvPr id="67" name="CustomShape 5"/>
+          <p:cNvPr id="73" name="CustomShape 5"/>
           <p:cNvSpPr/>
           <p:nvPr/>
         </p:nvSpPr>
         <p:spPr>
           <a:xfrm>
             <a:off x="1371600" y="2926080"/>
-            <a:ext cx="4753800" cy="372600"/>
+            <a:ext cx="4752720" cy="371520"/>
           </a:xfrm>
           <a:prstGeom prst="rect">
             <a:avLst/>
@@ -11333,38 +12854,38 @@
   <p:timing>
     <p:tnLst>
       <p:par>
-        <p:cTn id="168" dur="indefinite" restart="never" nodeType="tmRoot">
+        <p:cTn id="202" dur="indefinite" restart="never" nodeType="tmRoot">
           <p:childTnLst>
             <p:seq>
-              <p:cTn id="169" dur="indefinite" nodeType="mainSeq">
+              <p:cTn id="203" dur="indefinite" nodeType="mainSeq">
                 <p:childTnLst>
                   <p:par>
-                    <p:cTn id="170" fill="hold">
+                    <p:cTn id="204" fill="hold">
                       <p:stCondLst>
                         <p:cond delay="indefinite"/>
                       </p:stCondLst>
                       <p:childTnLst>
                         <p:par>
-                          <p:cTn id="171" fill="hold">
+                          <p:cTn id="205" fill="hold">
                             <p:stCondLst>
                               <p:cond delay="0"/>
                             </p:stCondLst>
                             <p:childTnLst>
                               <p:par>
-                                <p:cTn id="172" nodeType="clickEffect" fill="hold" presetClass="entr" presetID="2" presetSubtype="4">
+                                <p:cTn id="206" nodeType="clickEffect" fill="hold" presetClass="entr" presetID="2" presetSubtype="4">
                                   <p:stCondLst>
                                     <p:cond delay="0"/>
                                   </p:stCondLst>
                                   <p:childTnLst>
                                     <p:set>
                                       <p:cBhvr>
-                                        <p:cTn id="173" dur="1" fill="hold">
+                                        <p:cTn id="207" dur="1" fill="hold">
                                           <p:stCondLst>
                                             <p:cond delay="0"/>
                                           </p:stCondLst>
                                         </p:cTn>
                                         <p:tgtEl>
-                                          <p:spTgt spid="63"/>
+                                          <p:spTgt spid="69"/>
                                         </p:tgtEl>
                                         <p:attrNameLst>
                                           <p:attrName>style.visibility</p:attrName>
@@ -11376,9 +12897,9 @@
                                     </p:set>
                                     <p:anim calcmode="lin" valueType="num">
                                       <p:cBhvr additive="repl">
-                                        <p:cTn id="174" dur="500" fill="hold"/>
-                                        <p:tgtEl>
-                                          <p:spTgt spid="63"/>
+                                        <p:cTn id="208" dur="500" fill="hold"/>
+                                        <p:tgtEl>
+                                          <p:spTgt spid="69"/>
                                         </p:tgtEl>
                                         <p:attrNameLst>
                                           <p:attrName>ppt_x</p:attrName>
@@ -11399,9 +12920,9 @@
                                     </p:anim>
                                     <p:anim calcmode="lin" valueType="num">
                                       <p:cBhvr additive="repl">
-                                        <p:cTn id="175" dur="500" fill="hold"/>
-                                        <p:tgtEl>
-                                          <p:spTgt spid="63"/>
+                                        <p:cTn id="209" dur="500" fill="hold"/>
+                                        <p:tgtEl>
+                                          <p:spTgt spid="69"/>
                                         </p:tgtEl>
                                         <p:attrNameLst>
                                           <p:attrName>ppt_y</p:attrName>
@@ -11424,20 +12945,20 @@
                                 </p:cTn>
                               </p:par>
                               <p:par>
-                                <p:cTn id="176" nodeType="withEffect" fill="hold" presetClass="entr" presetID="6" presetSubtype="16">
+                                <p:cTn id="210" nodeType="withEffect" fill="hold" presetClass="entr" presetID="6" presetSubtype="16">
                                   <p:stCondLst>
                                     <p:cond delay="0"/>
                                   </p:stCondLst>
                                   <p:childTnLst>
                                     <p:set>
                                       <p:cBhvr>
-                                        <p:cTn id="177" dur="1" fill="hold">
+                                        <p:cTn id="211" dur="1" fill="hold">
                                           <p:stCondLst>
                                             <p:cond delay="0"/>
                                           </p:stCondLst>
                                         </p:cTn>
                                         <p:tgtEl>
-                                          <p:spTgt spid="64"/>
+                                          <p:spTgt spid="70"/>
                                         </p:tgtEl>
                                         <p:attrNameLst>
                                           <p:attrName>style.visibility</p:attrName>
@@ -11449,9 +12970,9 @@
                                     </p:set>
                                     <p:animEffect filter="circle(in)" transition="in">
                                       <p:cBhvr additive="repl">
-                                        <p:cTn id="178" dur="2000"/>
-                                        <p:tgtEl>
-                                          <p:spTgt spid="64"/>
+                                        <p:cTn id="212" dur="2000"/>
+                                        <p:tgtEl>
+                                          <p:spTgt spid="70"/>
                                         </p:tgtEl>
                                       </p:cBhvr>
                                     </p:animEffect>
@@ -11462,26 +12983,26 @@
                           </p:cTn>
                         </p:par>
                         <p:par>
-                          <p:cTn id="179" fill="hold">
+                          <p:cTn id="213" fill="hold">
                             <p:stCondLst>
                               <p:cond delay="2000"/>
                             </p:stCondLst>
                             <p:childTnLst>
                               <p:par>
-                                <p:cTn id="180" nodeType="afterEffect" fill="hold" presetClass="entr" presetID="6" presetSubtype="16">
+                                <p:cTn id="214" nodeType="afterEffect" fill="hold" presetClass="entr" presetID="6" presetSubtype="16">
                                   <p:stCondLst>
                                     <p:cond delay="0"/>
                                   </p:stCondLst>
                                   <p:childTnLst>
                                     <p:set>
                                       <p:cBhvr>
-                                        <p:cTn id="181" dur="1" fill="hold">
+                                        <p:cTn id="215" dur="1" fill="hold">
                                           <p:stCondLst>
                                             <p:cond delay="0"/>
                                           </p:stCondLst>
                                         </p:cTn>
                                         <p:tgtEl>
-                                          <p:spTgt spid="67">
+                                          <p:spTgt spid="73">
                                             <p:txEl>
                                               <p:pRg st="0" end="0"/>
                                             </p:txEl>
@@ -11497,9 +13018,9 @@
                                     </p:set>
                                     <p:animEffect filter="circle(in)" transition="in">
                                       <p:cBhvr additive="repl">
-                                        <p:cTn id="182" dur="2000"/>
-                                        <p:tgtEl>
-                                          <p:spTgt spid="67">
+                                        <p:cTn id="216" dur="2000"/>
+                                        <p:tgtEl>
+                                          <p:spTgt spid="73">
                                             <p:txEl>
                                               <p:pRg st="0" end="0"/>
                                             </p:txEl>
@@ -11514,26 +13035,26 @@
                           </p:cTn>
                         </p:par>
                         <p:par>
-                          <p:cTn id="183" fill="hold">
+                          <p:cTn id="217" fill="hold">
                             <p:stCondLst>
                               <p:cond delay="4000"/>
                             </p:stCondLst>
                             <p:childTnLst>
                               <p:par>
-                                <p:cTn id="184" nodeType="afterEffect" fill="hold" presetClass="entr" presetID="6" presetSubtype="16">
+                                <p:cTn id="218" nodeType="afterEffect" fill="hold" presetClass="entr" presetID="6" presetSubtype="16">
                                   <p:stCondLst>
                                     <p:cond delay="0"/>
                                   </p:stCondLst>
                                   <p:childTnLst>
                                     <p:set>
                                       <p:cBhvr>
-                                        <p:cTn id="185" dur="1" fill="hold">
+                                        <p:cTn id="219" dur="1" fill="hold">
                                           <p:stCondLst>
                                             <p:cond delay="0"/>
                                           </p:stCondLst>
                                         </p:cTn>
                                         <p:tgtEl>
-                                          <p:spTgt spid="65">
+                                          <p:spTgt spid="71">
                                             <p:txEl>
                                               <p:pRg st="0" end="0"/>
                                             </p:txEl>
@@ -11549,9 +13070,9 @@
                                     </p:set>
                                     <p:animEffect filter="circle(in)" transition="in">
                                       <p:cBhvr additive="repl">
-                                        <p:cTn id="186" dur="2000"/>
-                                        <p:tgtEl>
-                                          <p:spTgt spid="65">
+                                        <p:cTn id="220" dur="2000"/>
+                                        <p:tgtEl>
+                                          <p:spTgt spid="71">
                                             <p:txEl>
                                               <p:pRg st="0" end="0"/>
                                             </p:txEl>
@@ -11566,26 +13087,26 @@
                           </p:cTn>
                         </p:par>
                         <p:par>
-                          <p:cTn id="187" fill="hold">
+                          <p:cTn id="221" fill="hold">
                             <p:stCondLst>
                               <p:cond delay="6000"/>
                             </p:stCondLst>
                             <p:childTnLst>
                               <p:par>
-                                <p:cTn id="188" nodeType="afterEffect" fill="hold" presetClass="entr" presetID="6" presetSubtype="16">
+                                <p:cTn id="222" nodeType="afterEffect" fill="hold" presetClass="entr" presetID="6" presetSubtype="16">
                                   <p:stCondLst>
                                     <p:cond delay="0"/>
                                   </p:stCondLst>
                                   <p:childTnLst>
                                     <p:set>
                                       <p:cBhvr>
-                                        <p:cTn id="189" dur="1" fill="hold">
+                                        <p:cTn id="223" dur="1" fill="hold">
                                           <p:stCondLst>
                                             <p:cond delay="0"/>
                                           </p:stCondLst>
                                         </p:cTn>
                                         <p:tgtEl>
-                                          <p:spTgt spid="66">
+                                          <p:spTgt spid="72">
                                             <p:txEl>
                                               <p:pRg st="0" end="0"/>
                                             </p:txEl>
@@ -11601,9 +13122,9 @@
                                     </p:set>
                                     <p:animEffect filter="circle(in)" transition="in">
                                       <p:cBhvr additive="repl">
-                                        <p:cTn id="190" dur="2000"/>
-                                        <p:tgtEl>
-                                          <p:spTgt spid="66">
+                                        <p:cTn id="224" dur="2000"/>
+                                        <p:tgtEl>
+                                          <p:spTgt spid="72">
                                             <p:txEl>
                                               <p:pRg st="0" end="0"/>
                                             </p:txEl>
@@ -11645,7 +13166,7 @@
 </p:sld>
 </file>
 
-<file path=ppt/slides/slide6.xml><?xml version="1.0" encoding="utf-8"?>
+<file path=ppt/slides/slide7.xml><?xml version="1.0" encoding="utf-8"?>
 <p:sld xmlns:a="http://schemas.openxmlformats.org/drawingml/2006/main" xmlns:p="http://schemas.openxmlformats.org/presentationml/2006/main" xmlns:r="http://schemas.openxmlformats.org/officeDocument/2006/relationships" xmlns:p14="http://schemas.microsoft.com/office/powerpoint/2010/main" xmlns:p15="http://schemas.microsoft.com/office/powerpoint/2012/main" xmlns:mc="http://schemas.openxmlformats.org/markup-compatibility/2006">
   <p:cSld>
     <p:spTree>
@@ -11664,14 +13185,14 @@
       </p:grpSpPr>
       <p:sp>
         <p:nvSpPr>
-          <p:cNvPr id="68" name="CustomShape 1"/>
+          <p:cNvPr id="74" name="CustomShape 1"/>
           <p:cNvSpPr/>
           <p:nvPr/>
         </p:nvSpPr>
         <p:spPr>
           <a:xfrm>
             <a:off x="1382760" y="700920"/>
-            <a:ext cx="912600" cy="912600"/>
+            <a:ext cx="911520" cy="911520"/>
           </a:xfrm>
           <a:prstGeom prst="ellipse">
             <a:avLst/>
@@ -11712,7 +13233,7 @@
                 <a:latin typeface="Arial"/>
                 <a:ea typeface="DejaVu Sans"/>
               </a:rPr>
-              <a:t>4.</a:t>
+              <a:t>5.</a:t>
             </a:r>
             <a:endParaRPr b="0" lang="en-US" sz="4000" spc="-1" strike="noStrike">
               <a:latin typeface="Arial"/>
@@ -11722,14 +13243,14 @@
       </p:sp>
       <p:sp>
         <p:nvSpPr>
-          <p:cNvPr id="69" name="CustomShape 2"/>
+          <p:cNvPr id="75" name="CustomShape 2"/>
           <p:cNvSpPr/>
           <p:nvPr/>
         </p:nvSpPr>
         <p:spPr>
           <a:xfrm>
             <a:off x="2352600" y="700920"/>
-            <a:ext cx="5616360" cy="838800"/>
+            <a:ext cx="5615280" cy="837720"/>
           </a:xfrm>
           <a:custGeom>
             <a:avLst/>
@@ -11805,7 +13326,7 @@
       </p:sp>
       <p:pic>
         <p:nvPicPr>
-          <p:cNvPr id="70" name="" descr=""/>
+          <p:cNvPr id="76" name="" descr=""/>
           <p:cNvPicPr/>
           <p:nvPr/>
         </p:nvPicPr>
@@ -11816,7 +13337,7 @@
         <p:spPr>
           <a:xfrm>
             <a:off x="548640" y="3291840"/>
-            <a:ext cx="1132200" cy="2170440"/>
+            <a:ext cx="1131120" cy="2169360"/>
           </a:xfrm>
           <a:prstGeom prst="rect">
             <a:avLst/>
@@ -11828,14 +13349,14 @@
       </p:pic>
       <p:sp>
         <p:nvSpPr>
-          <p:cNvPr id="71" name="CustomShape 3"/>
+          <p:cNvPr id="77" name="CustomShape 3"/>
           <p:cNvSpPr/>
           <p:nvPr/>
         </p:nvSpPr>
         <p:spPr>
           <a:xfrm>
             <a:off x="2560320" y="1828800"/>
-            <a:ext cx="6033960" cy="4753800"/>
+            <a:ext cx="6032880" cy="4752720"/>
           </a:xfrm>
           <a:prstGeom prst="rect">
             <a:avLst/>
@@ -11858,14 +13379,14 @@
       </p:sp>
       <p:sp>
         <p:nvSpPr>
-          <p:cNvPr id="72" name="CustomShape 4"/>
+          <p:cNvPr id="78" name="CustomShape 4"/>
           <p:cNvSpPr/>
           <p:nvPr/>
         </p:nvSpPr>
         <p:spPr>
           <a:xfrm>
             <a:off x="3383640" y="2286360"/>
-            <a:ext cx="1370520" cy="821880"/>
+            <a:ext cx="1369440" cy="820800"/>
           </a:xfrm>
           <a:prstGeom prst="ellipse">
             <a:avLst/>
@@ -11911,14 +13432,14 @@
       </p:sp>
       <p:sp>
         <p:nvSpPr>
-          <p:cNvPr id="73" name="CustomShape 5"/>
+          <p:cNvPr id="79" name="CustomShape 5"/>
           <p:cNvSpPr/>
           <p:nvPr/>
         </p:nvSpPr>
         <p:spPr>
           <a:xfrm>
             <a:off x="3384000" y="3383640"/>
-            <a:ext cx="1461600" cy="913320"/>
+            <a:ext cx="1460520" cy="912240"/>
           </a:xfrm>
           <a:prstGeom prst="ellipse">
             <a:avLst/>
@@ -11954,7 +13475,7 @@
                 <a:latin typeface="Arial"/>
                 <a:ea typeface="DejaVu Sans"/>
               </a:rPr>
-              <a:t>Instraction</a:t>
+              <a:t>Instruction</a:t>
             </a:r>
             <a:endParaRPr b="0" lang="en-US" sz="1800" spc="-1" strike="noStrike">
               <a:latin typeface="Arial"/>
@@ -11964,14 +13485,14 @@
       </p:sp>
       <p:sp>
         <p:nvSpPr>
-          <p:cNvPr id="74" name="CustomShape 6"/>
+          <p:cNvPr id="80" name="CustomShape 6"/>
           <p:cNvSpPr/>
           <p:nvPr/>
         </p:nvSpPr>
         <p:spPr>
           <a:xfrm>
             <a:off x="3383640" y="4480920"/>
-            <a:ext cx="1461960" cy="821880"/>
+            <a:ext cx="1460880" cy="820800"/>
           </a:xfrm>
           <a:prstGeom prst="ellipse">
             <a:avLst/>
@@ -12017,14 +13538,14 @@
       </p:sp>
       <p:sp>
         <p:nvSpPr>
-          <p:cNvPr id="75" name="CustomShape 7"/>
+          <p:cNvPr id="81" name="CustomShape 7"/>
           <p:cNvSpPr/>
           <p:nvPr/>
         </p:nvSpPr>
         <p:spPr>
           <a:xfrm>
             <a:off x="3474720" y="5486400"/>
-            <a:ext cx="1553400" cy="913320"/>
+            <a:ext cx="1552320" cy="912240"/>
           </a:xfrm>
           <a:prstGeom prst="ellipse">
             <a:avLst/>
@@ -12070,7 +13591,7 @@
       </p:sp>
       <p:sp>
         <p:nvSpPr>
-          <p:cNvPr id="76" name="Line 8"/>
+          <p:cNvPr id="82" name="Line 8"/>
           <p:cNvSpPr/>
           <p:nvPr/>
         </p:nvSpPr>
@@ -12098,7 +13619,7 @@
       </p:sp>
       <p:sp>
         <p:nvSpPr>
-          <p:cNvPr id="77" name="Line 9"/>
+          <p:cNvPr id="83" name="Line 9"/>
           <p:cNvSpPr/>
           <p:nvPr/>
         </p:nvSpPr>
@@ -12126,7 +13647,7 @@
       </p:sp>
       <p:sp>
         <p:nvSpPr>
-          <p:cNvPr id="78" name="Line 10"/>
+          <p:cNvPr id="84" name="Line 10"/>
           <p:cNvSpPr/>
           <p:nvPr/>
         </p:nvSpPr>
@@ -12154,7 +13675,7 @@
       </p:sp>
       <p:sp>
         <p:nvSpPr>
-          <p:cNvPr id="79" name="Line 11"/>
+          <p:cNvPr id="85" name="Line 11"/>
           <p:cNvSpPr/>
           <p:nvPr/>
         </p:nvSpPr>
@@ -12182,14 +13703,14 @@
       </p:sp>
       <p:sp>
         <p:nvSpPr>
-          <p:cNvPr id="80" name="CustomShape 12"/>
+          <p:cNvPr id="86" name="CustomShape 12"/>
           <p:cNvSpPr/>
           <p:nvPr/>
         </p:nvSpPr>
         <p:spPr>
           <a:xfrm>
             <a:off x="6400800" y="2194560"/>
-            <a:ext cx="1370520" cy="639000"/>
+            <a:ext cx="1369440" cy="637920"/>
           </a:xfrm>
           <a:prstGeom prst="ellipse">
             <a:avLst/>
@@ -12235,7 +13756,7 @@
       </p:sp>
       <p:sp>
         <p:nvSpPr>
-          <p:cNvPr id="81" name="Line 13"/>
+          <p:cNvPr id="87" name="Line 13"/>
           <p:cNvSpPr/>
           <p:nvPr/>
         </p:nvSpPr>
@@ -12263,7 +13784,7 @@
       </p:sp>
       <p:pic>
         <p:nvPicPr>
-          <p:cNvPr id="82" name="" descr=""/>
+          <p:cNvPr id="88" name="" descr=""/>
           <p:cNvPicPr/>
           <p:nvPr/>
         </p:nvPicPr>
@@ -12274,7 +13795,7 @@
         <p:spPr>
           <a:xfrm>
             <a:off x="6402960" y="3642840"/>
-            <a:ext cx="1551240" cy="1751040"/>
+            <a:ext cx="1550160" cy="1749960"/>
           </a:xfrm>
           <a:prstGeom prst="rect">
             <a:avLst/>
@@ -12292,38 +13813,38 @@
   <p:timing>
     <p:tnLst>
       <p:par>
-        <p:cTn id="191" dur="indefinite" restart="never" nodeType="tmRoot">
+        <p:cTn id="225" dur="indefinite" restart="never" nodeType="tmRoot">
           <p:childTnLst>
             <p:seq>
-              <p:cTn id="192" dur="indefinite" nodeType="mainSeq">
+              <p:cTn id="226" dur="indefinite" nodeType="mainSeq">
                 <p:childTnLst>
                   <p:par>
-                    <p:cTn id="193" fill="hold">
+                    <p:cTn id="227" fill="hold">
                       <p:stCondLst>
                         <p:cond delay="indefinite"/>
                       </p:stCondLst>
                       <p:childTnLst>
                         <p:par>
-                          <p:cTn id="194" fill="hold">
+                          <p:cTn id="228" fill="hold">
                             <p:stCondLst>
                               <p:cond delay="0"/>
                             </p:stCondLst>
                             <p:childTnLst>
                               <p:par>
-                                <p:cTn id="195" nodeType="clickEffect" fill="hold" presetClass="entr" presetID="2" presetSubtype="4">
+                                <p:cTn id="229" nodeType="clickEffect" fill="hold" presetClass="entr" presetID="2" presetSubtype="4">
                                   <p:stCondLst>
                                     <p:cond delay="0"/>
                                   </p:stCondLst>
                                   <p:childTnLst>
                                     <p:set>
                                       <p:cBhvr>
-                                        <p:cTn id="196" dur="1" fill="hold">
+                                        <p:cTn id="230" dur="1" fill="hold">
                                           <p:stCondLst>
                                             <p:cond delay="0"/>
                                           </p:stCondLst>
                                         </p:cTn>
                                         <p:tgtEl>
-                                          <p:spTgt spid="68"/>
+                                          <p:spTgt spid="74"/>
                                         </p:tgtEl>
                                         <p:attrNameLst>
                                           <p:attrName>style.visibility</p:attrName>
@@ -12335,9 +13856,9 @@
                                     </p:set>
                                     <p:anim calcmode="lin" valueType="num">
                                       <p:cBhvr additive="repl">
-                                        <p:cTn id="197" dur="500" fill="hold"/>
-                                        <p:tgtEl>
-                                          <p:spTgt spid="68"/>
+                                        <p:cTn id="231" dur="500" fill="hold"/>
+                                        <p:tgtEl>
+                                          <p:spTgt spid="74"/>
                                         </p:tgtEl>
                                         <p:attrNameLst>
                                           <p:attrName>ppt_x</p:attrName>
@@ -12358,9 +13879,9 @@
                                     </p:anim>
                                     <p:anim calcmode="lin" valueType="num">
                                       <p:cBhvr additive="repl">
-                                        <p:cTn id="198" dur="500" fill="hold"/>
-                                        <p:tgtEl>
-                                          <p:spTgt spid="68"/>
+                                        <p:cTn id="232" dur="500" fill="hold"/>
+                                        <p:tgtEl>
+                                          <p:spTgt spid="74"/>
                                         </p:tgtEl>
                                         <p:attrNameLst>
                                           <p:attrName>ppt_y</p:attrName>
@@ -12379,393 +13900,6 @@
                                         </p:tav>
                                       </p:tavLst>
                                     </p:anim>
-                                  </p:childTnLst>
-                                </p:cTn>
-                              </p:par>
-                              <p:par>
-                                <p:cTn id="199" nodeType="withEffect" fill="hold" presetClass="entr" presetID="6" presetSubtype="16">
-                                  <p:stCondLst>
-                                    <p:cond delay="0"/>
-                                  </p:stCondLst>
-                                  <p:childTnLst>
-                                    <p:set>
-                                      <p:cBhvr>
-                                        <p:cTn id="200" dur="1" fill="hold">
-                                          <p:stCondLst>
-                                            <p:cond delay="0"/>
-                                          </p:stCondLst>
-                                        </p:cTn>
-                                        <p:tgtEl>
-                                          <p:spTgt spid="69"/>
-                                        </p:tgtEl>
-                                        <p:attrNameLst>
-                                          <p:attrName>style.visibility</p:attrName>
-                                        </p:attrNameLst>
-                                      </p:cBhvr>
-                                      <p:to>
-                                        <p:strVal val="visible"/>
-                                      </p:to>
-                                    </p:set>
-                                    <p:animEffect filter="circle(in)" transition="in">
-                                      <p:cBhvr additive="repl">
-                                        <p:cTn id="201" dur="2000"/>
-                                        <p:tgtEl>
-                                          <p:spTgt spid="69"/>
-                                        </p:tgtEl>
-                                      </p:cBhvr>
-                                    </p:animEffect>
-                                  </p:childTnLst>
-                                </p:cTn>
-                              </p:par>
-                            </p:childTnLst>
-                          </p:cTn>
-                        </p:par>
-                        <p:par>
-                          <p:cTn id="202" fill="hold">
-                            <p:stCondLst>
-                              <p:cond delay="2000"/>
-                            </p:stCondLst>
-                            <p:childTnLst>
-                              <p:par>
-                                <p:cTn id="203" nodeType="afterEffect" fill="hold" presetClass="entr" presetID="4" presetSubtype="16">
-                                  <p:stCondLst>
-                                    <p:cond delay="0"/>
-                                  </p:stCondLst>
-                                  <p:childTnLst>
-                                    <p:set>
-                                      <p:cBhvr>
-                                        <p:cTn id="204" dur="1" fill="hold">
-                                          <p:stCondLst>
-                                            <p:cond delay="0"/>
-                                          </p:stCondLst>
-                                        </p:cTn>
-                                        <p:tgtEl>
-                                          <p:spTgt spid="70"/>
-                                        </p:tgtEl>
-                                        <p:attrNameLst>
-                                          <p:attrName>style.visibility</p:attrName>
-                                        </p:attrNameLst>
-                                      </p:cBhvr>
-                                      <p:to>
-                                        <p:strVal val="visible"/>
-                                      </p:to>
-                                    </p:set>
-                                    <p:animEffect filter="box(in)" transition="in">
-                                      <p:cBhvr additive="repl">
-                                        <p:cTn id="205" dur="500"/>
-                                        <p:tgtEl>
-                                          <p:spTgt spid="70"/>
-                                        </p:tgtEl>
-                                      </p:cBhvr>
-                                    </p:animEffect>
-                                  </p:childTnLst>
-                                </p:cTn>
-                              </p:par>
-                              <p:par>
-                                <p:cTn id="206" nodeType="withEffect" fill="hold" presetClass="entr" presetID="4" presetSubtype="16">
-                                  <p:stCondLst>
-                                    <p:cond delay="0"/>
-                                  </p:stCondLst>
-                                  <p:childTnLst>
-                                    <p:set>
-                                      <p:cBhvr>
-                                        <p:cTn id="207" dur="1" fill="hold">
-                                          <p:stCondLst>
-                                            <p:cond delay="0"/>
-                                          </p:stCondLst>
-                                        </p:cTn>
-                                        <p:tgtEl>
-                                          <p:spTgt spid="71"/>
-                                        </p:tgtEl>
-                                        <p:attrNameLst>
-                                          <p:attrName>style.visibility</p:attrName>
-                                        </p:attrNameLst>
-                                      </p:cBhvr>
-                                      <p:to>
-                                        <p:strVal val="visible"/>
-                                      </p:to>
-                                    </p:set>
-                                    <p:animEffect filter="box(in)" transition="in">
-                                      <p:cBhvr additive="repl">
-                                        <p:cTn id="208" dur="500"/>
-                                        <p:tgtEl>
-                                          <p:spTgt spid="71"/>
-                                        </p:tgtEl>
-                                      </p:cBhvr>
-                                    </p:animEffect>
-                                  </p:childTnLst>
-                                </p:cTn>
-                              </p:par>
-                            </p:childTnLst>
-                          </p:cTn>
-                        </p:par>
-                        <p:par>
-                          <p:cTn id="209" fill="hold">
-                            <p:stCondLst>
-                              <p:cond delay="2500"/>
-                            </p:stCondLst>
-                            <p:childTnLst>
-                              <p:par>
-                                <p:cTn id="210" nodeType="afterEffect" fill="hold" presetClass="entr" presetID="1">
-                                  <p:stCondLst>
-                                    <p:cond delay="0"/>
-                                  </p:stCondLst>
-                                  <p:childTnLst>
-                                    <p:set>
-                                      <p:cBhvr>
-                                        <p:cTn id="211" dur="1" fill="hold">
-                                          <p:stCondLst>
-                                            <p:cond delay="0"/>
-                                          </p:stCondLst>
-                                        </p:cTn>
-                                        <p:tgtEl>
-                                          <p:spTgt spid="76"/>
-                                        </p:tgtEl>
-                                        <p:attrNameLst>
-                                          <p:attrName>style.visibility</p:attrName>
-                                        </p:attrNameLst>
-                                      </p:cBhvr>
-                                      <p:to>
-                                        <p:strVal val="visible"/>
-                                      </p:to>
-                                    </p:set>
-                                  </p:childTnLst>
-                                </p:cTn>
-                              </p:par>
-                              <p:par>
-                                <p:cTn id="212" nodeType="withEffect" fill="hold" presetClass="entr" presetID="6" presetSubtype="16">
-                                  <p:stCondLst>
-                                    <p:cond delay="0"/>
-                                  </p:stCondLst>
-                                  <p:childTnLst>
-                                    <p:set>
-                                      <p:cBhvr>
-                                        <p:cTn id="213" dur="1" fill="hold">
-                                          <p:stCondLst>
-                                            <p:cond delay="0"/>
-                                          </p:stCondLst>
-                                        </p:cTn>
-                                        <p:tgtEl>
-                                          <p:spTgt spid="72"/>
-                                        </p:tgtEl>
-                                        <p:attrNameLst>
-                                          <p:attrName>style.visibility</p:attrName>
-                                        </p:attrNameLst>
-                                      </p:cBhvr>
-                                      <p:to>
-                                        <p:strVal val="visible"/>
-                                      </p:to>
-                                    </p:set>
-                                    <p:animEffect filter="circle(in)" transition="in">
-                                      <p:cBhvr additive="repl">
-                                        <p:cTn id="214" dur="2000"/>
-                                        <p:tgtEl>
-                                          <p:spTgt spid="72"/>
-                                        </p:tgtEl>
-                                      </p:cBhvr>
-                                    </p:animEffect>
-                                  </p:childTnLst>
-                                </p:cTn>
-                              </p:par>
-                            </p:childTnLst>
-                          </p:cTn>
-                        </p:par>
-                        <p:par>
-                          <p:cTn id="215" fill="hold">
-                            <p:stCondLst>
-                              <p:cond delay="4500"/>
-                            </p:stCondLst>
-                            <p:childTnLst>
-                              <p:par>
-                                <p:cTn id="216" nodeType="afterEffect" fill="hold" presetClass="entr" presetID="6" presetSubtype="16">
-                                  <p:stCondLst>
-                                    <p:cond delay="0"/>
-                                  </p:stCondLst>
-                                  <p:childTnLst>
-                                    <p:set>
-                                      <p:cBhvr>
-                                        <p:cTn id="217" dur="1" fill="hold">
-                                          <p:stCondLst>
-                                            <p:cond delay="0"/>
-                                          </p:stCondLst>
-                                        </p:cTn>
-                                        <p:tgtEl>
-                                          <p:spTgt spid="81"/>
-                                        </p:tgtEl>
-                                        <p:attrNameLst>
-                                          <p:attrName>style.visibility</p:attrName>
-                                        </p:attrNameLst>
-                                      </p:cBhvr>
-                                      <p:to>
-                                        <p:strVal val="visible"/>
-                                      </p:to>
-                                    </p:set>
-                                    <p:animEffect filter="circle(in)" transition="in">
-                                      <p:cBhvr additive="repl">
-                                        <p:cTn id="218" dur="2000"/>
-                                        <p:tgtEl>
-                                          <p:spTgt spid="81"/>
-                                        </p:tgtEl>
-                                      </p:cBhvr>
-                                    </p:animEffect>
-                                  </p:childTnLst>
-                                </p:cTn>
-                              </p:par>
-                              <p:par>
-                                <p:cTn id="219" nodeType="withEffect" fill="hold" presetClass="entr" presetID="6" presetSubtype="16">
-                                  <p:stCondLst>
-                                    <p:cond delay="0"/>
-                                  </p:stCondLst>
-                                  <p:childTnLst>
-                                    <p:set>
-                                      <p:cBhvr>
-                                        <p:cTn id="220" dur="1" fill="hold">
-                                          <p:stCondLst>
-                                            <p:cond delay="0"/>
-                                          </p:stCondLst>
-                                        </p:cTn>
-                                        <p:tgtEl>
-                                          <p:spTgt spid="80"/>
-                                        </p:tgtEl>
-                                        <p:attrNameLst>
-                                          <p:attrName>style.visibility</p:attrName>
-                                        </p:attrNameLst>
-                                      </p:cBhvr>
-                                      <p:to>
-                                        <p:strVal val="visible"/>
-                                      </p:to>
-                                    </p:set>
-                                    <p:animEffect filter="circle(in)" transition="in">
-                                      <p:cBhvr additive="repl">
-                                        <p:cTn id="221" dur="2000"/>
-                                        <p:tgtEl>
-                                          <p:spTgt spid="80"/>
-                                        </p:tgtEl>
-                                      </p:cBhvr>
-                                    </p:animEffect>
-                                  </p:childTnLst>
-                                </p:cTn>
-                              </p:par>
-                            </p:childTnLst>
-                          </p:cTn>
-                        </p:par>
-                        <p:par>
-                          <p:cTn id="222" fill="hold">
-                            <p:stCondLst>
-                              <p:cond delay="6500"/>
-                            </p:stCondLst>
-                            <p:childTnLst>
-                              <p:par>
-                                <p:cTn id="223" nodeType="afterEffect" fill="hold" presetClass="entr" presetID="6" presetSubtype="16">
-                                  <p:stCondLst>
-                                    <p:cond delay="0"/>
-                                  </p:stCondLst>
-                                  <p:childTnLst>
-                                    <p:set>
-                                      <p:cBhvr>
-                                        <p:cTn id="224" dur="1" fill="hold">
-                                          <p:stCondLst>
-                                            <p:cond delay="0"/>
-                                          </p:stCondLst>
-                                        </p:cTn>
-                                        <p:tgtEl>
-                                          <p:spTgt spid="77"/>
-                                        </p:tgtEl>
-                                        <p:attrNameLst>
-                                          <p:attrName>style.visibility</p:attrName>
-                                        </p:attrNameLst>
-                                      </p:cBhvr>
-                                      <p:to>
-                                        <p:strVal val="visible"/>
-                                      </p:to>
-                                    </p:set>
-                                    <p:animEffect filter="circle(in)" transition="in">
-                                      <p:cBhvr additive="repl">
-                                        <p:cTn id="225" dur="2000"/>
-                                        <p:tgtEl>
-                                          <p:spTgt spid="77"/>
-                                        </p:tgtEl>
-                                      </p:cBhvr>
-                                    </p:animEffect>
-                                  </p:childTnLst>
-                                </p:cTn>
-                              </p:par>
-                              <p:par>
-                                <p:cTn id="226" nodeType="withEffect" fill="hold" presetClass="entr" presetID="6" presetSubtype="16">
-                                  <p:stCondLst>
-                                    <p:cond delay="0"/>
-                                  </p:stCondLst>
-                                  <p:childTnLst>
-                                    <p:set>
-                                      <p:cBhvr>
-                                        <p:cTn id="227" dur="1" fill="hold">
-                                          <p:stCondLst>
-                                            <p:cond delay="0"/>
-                                          </p:stCondLst>
-                                        </p:cTn>
-                                        <p:tgtEl>
-                                          <p:spTgt spid="73"/>
-                                        </p:tgtEl>
-                                        <p:attrNameLst>
-                                          <p:attrName>style.visibility</p:attrName>
-                                        </p:attrNameLst>
-                                      </p:cBhvr>
-                                      <p:to>
-                                        <p:strVal val="visible"/>
-                                      </p:to>
-                                    </p:set>
-                                    <p:animEffect filter="circle(in)" transition="in">
-                                      <p:cBhvr additive="repl">
-                                        <p:cTn id="228" dur="2000"/>
-                                        <p:tgtEl>
-                                          <p:spTgt spid="73"/>
-                                        </p:tgtEl>
-                                      </p:cBhvr>
-                                    </p:animEffect>
-                                  </p:childTnLst>
-                                </p:cTn>
-                              </p:par>
-                            </p:childTnLst>
-                          </p:cTn>
-                        </p:par>
-                        <p:par>
-                          <p:cTn id="229" fill="hold">
-                            <p:stCondLst>
-                              <p:cond delay="8500"/>
-                            </p:stCondLst>
-                            <p:childTnLst>
-                              <p:par>
-                                <p:cTn id="230" nodeType="afterEffect" fill="hold" presetClass="entr" presetID="6" presetSubtype="16">
-                                  <p:stCondLst>
-                                    <p:cond delay="0"/>
-                                  </p:stCondLst>
-                                  <p:childTnLst>
-                                    <p:set>
-                                      <p:cBhvr>
-                                        <p:cTn id="231" dur="1" fill="hold">
-                                          <p:stCondLst>
-                                            <p:cond delay="0"/>
-                                          </p:stCondLst>
-                                        </p:cTn>
-                                        <p:tgtEl>
-                                          <p:spTgt spid="78"/>
-                                        </p:tgtEl>
-                                        <p:attrNameLst>
-                                          <p:attrName>style.visibility</p:attrName>
-                                        </p:attrNameLst>
-                                      </p:cBhvr>
-                                      <p:to>
-                                        <p:strVal val="visible"/>
-                                      </p:to>
-                                    </p:set>
-                                    <p:animEffect filter="circle(in)" transition="in">
-                                      <p:cBhvr additive="repl">
-                                        <p:cTn id="232" dur="2000"/>
-                                        <p:tgtEl>
-                                          <p:spTgt spid="78"/>
-                                        </p:tgtEl>
-                                      </p:cBhvr>
-                                    </p:animEffect>
                                   </p:childTnLst>
                                 </p:cTn>
                               </p:par>
@@ -12783,7 +13917,7 @@
                                           </p:stCondLst>
                                         </p:cTn>
                                         <p:tgtEl>
-                                          <p:spTgt spid="74"/>
+                                          <p:spTgt spid="75"/>
                                         </p:tgtEl>
                                         <p:attrNameLst>
                                           <p:attrName>style.visibility</p:attrName>
@@ -12797,7 +13931,7 @@
                                       <p:cBhvr additive="repl">
                                         <p:cTn id="235" dur="2000"/>
                                         <p:tgtEl>
-                                          <p:spTgt spid="74"/>
+                                          <p:spTgt spid="75"/>
                                         </p:tgtEl>
                                       </p:cBhvr>
                                     </p:animEffect>
@@ -12810,11 +13944,11 @@
                         <p:par>
                           <p:cTn id="236" fill="hold">
                             <p:stCondLst>
-                              <p:cond delay="10500"/>
+                              <p:cond delay="2000"/>
                             </p:stCondLst>
                             <p:childTnLst>
                               <p:par>
-                                <p:cTn id="237" nodeType="afterEffect" fill="hold" presetClass="entr" presetID="6" presetSubtype="16">
+                                <p:cTn id="237" nodeType="afterEffect" fill="hold" presetClass="entr" presetID="4" presetSubtype="16">
                                   <p:stCondLst>
                                     <p:cond delay="0"/>
                                   </p:stCondLst>
@@ -12827,7 +13961,7 @@
                                           </p:stCondLst>
                                         </p:cTn>
                                         <p:tgtEl>
-                                          <p:spTgt spid="79"/>
+                                          <p:spTgt spid="76"/>
                                         </p:tgtEl>
                                         <p:attrNameLst>
                                           <p:attrName>style.visibility</p:attrName>
@@ -12837,11 +13971,11 @@
                                         <p:strVal val="visible"/>
                                       </p:to>
                                     </p:set>
-                                    <p:animEffect filter="circle(in)" transition="in">
-                                      <p:cBhvr additive="repl">
-                                        <p:cTn id="239" dur="2000"/>
-                                        <p:tgtEl>
-                                          <p:spTgt spid="79"/>
+                                    <p:animEffect filter="box(in)" transition="in">
+                                      <p:cBhvr additive="repl">
+                                        <p:cTn id="239" dur="500"/>
+                                        <p:tgtEl>
+                                          <p:spTgt spid="76"/>
                                         </p:tgtEl>
                                       </p:cBhvr>
                                     </p:animEffect>
@@ -12849,7 +13983,7 @@
                                 </p:cTn>
                               </p:par>
                               <p:par>
-                                <p:cTn id="240" nodeType="withEffect" fill="hold" presetClass="entr" presetID="6" presetSubtype="16">
+                                <p:cTn id="240" nodeType="withEffect" fill="hold" presetClass="entr" presetID="4" presetSubtype="16">
                                   <p:stCondLst>
                                     <p:cond delay="0"/>
                                   </p:stCondLst>
@@ -12862,7 +13996,7 @@
                                           </p:stCondLst>
                                         </p:cTn>
                                         <p:tgtEl>
-                                          <p:spTgt spid="75"/>
+                                          <p:spTgt spid="77"/>
                                         </p:tgtEl>
                                         <p:attrNameLst>
                                           <p:attrName>style.visibility</p:attrName>
@@ -12872,11 +14006,11 @@
                                         <p:strVal val="visible"/>
                                       </p:to>
                                     </p:set>
-                                    <p:animEffect filter="circle(in)" transition="in">
-                                      <p:cBhvr additive="repl">
-                                        <p:cTn id="242" dur="2000"/>
-                                        <p:tgtEl>
-                                          <p:spTgt spid="75"/>
+                                    <p:animEffect filter="box(in)" transition="in">
+                                      <p:cBhvr additive="repl">
+                                        <p:cTn id="242" dur="500"/>
+                                        <p:tgtEl>
+                                          <p:spTgt spid="77"/>
                                         </p:tgtEl>
                                       </p:cBhvr>
                                     </p:animEffect>
@@ -12889,11 +14023,11 @@
                         <p:par>
                           <p:cTn id="243" fill="hold">
                             <p:stCondLst>
-                              <p:cond delay="12500"/>
+                              <p:cond delay="2500"/>
                             </p:stCondLst>
                             <p:childTnLst>
                               <p:par>
-                                <p:cTn id="244" nodeType="afterEffect" fill="hold" presetClass="entr" presetID="49">
+                                <p:cTn id="244" nodeType="afterEffect" fill="hold" presetClass="entr" presetID="1">
                                   <p:stCondLst>
                                     <p:cond delay="0"/>
                                   </p:stCondLst>
@@ -12916,11 +14050,398 @@
                                         <p:strVal val="visible"/>
                                       </p:to>
                                     </p:set>
+                                  </p:childTnLst>
+                                </p:cTn>
+                              </p:par>
+                              <p:par>
+                                <p:cTn id="246" nodeType="withEffect" fill="hold" presetClass="entr" presetID="6" presetSubtype="16">
+                                  <p:stCondLst>
+                                    <p:cond delay="0"/>
+                                  </p:stCondLst>
+                                  <p:childTnLst>
+                                    <p:set>
+                                      <p:cBhvr>
+                                        <p:cTn id="247" dur="1" fill="hold">
+                                          <p:stCondLst>
+                                            <p:cond delay="0"/>
+                                          </p:stCondLst>
+                                        </p:cTn>
+                                        <p:tgtEl>
+                                          <p:spTgt spid="78"/>
+                                        </p:tgtEl>
+                                        <p:attrNameLst>
+                                          <p:attrName>style.visibility</p:attrName>
+                                        </p:attrNameLst>
+                                      </p:cBhvr>
+                                      <p:to>
+                                        <p:strVal val="visible"/>
+                                      </p:to>
+                                    </p:set>
+                                    <p:animEffect filter="circle(in)" transition="in">
+                                      <p:cBhvr additive="repl">
+                                        <p:cTn id="248" dur="2000"/>
+                                        <p:tgtEl>
+                                          <p:spTgt spid="78"/>
+                                        </p:tgtEl>
+                                      </p:cBhvr>
+                                    </p:animEffect>
+                                  </p:childTnLst>
+                                </p:cTn>
+                              </p:par>
+                            </p:childTnLst>
+                          </p:cTn>
+                        </p:par>
+                        <p:par>
+                          <p:cTn id="249" fill="hold">
+                            <p:stCondLst>
+                              <p:cond delay="4500"/>
+                            </p:stCondLst>
+                            <p:childTnLst>
+                              <p:par>
+                                <p:cTn id="250" nodeType="afterEffect" fill="hold" presetClass="entr" presetID="6" presetSubtype="16">
+                                  <p:stCondLst>
+                                    <p:cond delay="0"/>
+                                  </p:stCondLst>
+                                  <p:childTnLst>
+                                    <p:set>
+                                      <p:cBhvr>
+                                        <p:cTn id="251" dur="1" fill="hold">
+                                          <p:stCondLst>
+                                            <p:cond delay="0"/>
+                                          </p:stCondLst>
+                                        </p:cTn>
+                                        <p:tgtEl>
+                                          <p:spTgt spid="87"/>
+                                        </p:tgtEl>
+                                        <p:attrNameLst>
+                                          <p:attrName>style.visibility</p:attrName>
+                                        </p:attrNameLst>
+                                      </p:cBhvr>
+                                      <p:to>
+                                        <p:strVal val="visible"/>
+                                      </p:to>
+                                    </p:set>
+                                    <p:animEffect filter="circle(in)" transition="in">
+                                      <p:cBhvr additive="repl">
+                                        <p:cTn id="252" dur="2000"/>
+                                        <p:tgtEl>
+                                          <p:spTgt spid="87"/>
+                                        </p:tgtEl>
+                                      </p:cBhvr>
+                                    </p:animEffect>
+                                  </p:childTnLst>
+                                </p:cTn>
+                              </p:par>
+                              <p:par>
+                                <p:cTn id="253" nodeType="withEffect" fill="hold" presetClass="entr" presetID="6" presetSubtype="16">
+                                  <p:stCondLst>
+                                    <p:cond delay="0"/>
+                                  </p:stCondLst>
+                                  <p:childTnLst>
+                                    <p:set>
+                                      <p:cBhvr>
+                                        <p:cTn id="254" dur="1" fill="hold">
+                                          <p:stCondLst>
+                                            <p:cond delay="0"/>
+                                          </p:stCondLst>
+                                        </p:cTn>
+                                        <p:tgtEl>
+                                          <p:spTgt spid="86"/>
+                                        </p:tgtEl>
+                                        <p:attrNameLst>
+                                          <p:attrName>style.visibility</p:attrName>
+                                        </p:attrNameLst>
+                                      </p:cBhvr>
+                                      <p:to>
+                                        <p:strVal val="visible"/>
+                                      </p:to>
+                                    </p:set>
+                                    <p:animEffect filter="circle(in)" transition="in">
+                                      <p:cBhvr additive="repl">
+                                        <p:cTn id="255" dur="2000"/>
+                                        <p:tgtEl>
+                                          <p:spTgt spid="86"/>
+                                        </p:tgtEl>
+                                      </p:cBhvr>
+                                    </p:animEffect>
+                                  </p:childTnLst>
+                                </p:cTn>
+                              </p:par>
+                            </p:childTnLst>
+                          </p:cTn>
+                        </p:par>
+                        <p:par>
+                          <p:cTn id="256" fill="hold">
+                            <p:stCondLst>
+                              <p:cond delay="6500"/>
+                            </p:stCondLst>
+                            <p:childTnLst>
+                              <p:par>
+                                <p:cTn id="257" nodeType="afterEffect" fill="hold" presetClass="entr" presetID="6" presetSubtype="16">
+                                  <p:stCondLst>
+                                    <p:cond delay="0"/>
+                                  </p:stCondLst>
+                                  <p:childTnLst>
+                                    <p:set>
+                                      <p:cBhvr>
+                                        <p:cTn id="258" dur="1" fill="hold">
+                                          <p:stCondLst>
+                                            <p:cond delay="0"/>
+                                          </p:stCondLst>
+                                        </p:cTn>
+                                        <p:tgtEl>
+                                          <p:spTgt spid="83"/>
+                                        </p:tgtEl>
+                                        <p:attrNameLst>
+                                          <p:attrName>style.visibility</p:attrName>
+                                        </p:attrNameLst>
+                                      </p:cBhvr>
+                                      <p:to>
+                                        <p:strVal val="visible"/>
+                                      </p:to>
+                                    </p:set>
+                                    <p:animEffect filter="circle(in)" transition="in">
+                                      <p:cBhvr additive="repl">
+                                        <p:cTn id="259" dur="2000"/>
+                                        <p:tgtEl>
+                                          <p:spTgt spid="83"/>
+                                        </p:tgtEl>
+                                      </p:cBhvr>
+                                    </p:animEffect>
+                                  </p:childTnLst>
+                                </p:cTn>
+                              </p:par>
+                              <p:par>
+                                <p:cTn id="260" nodeType="withEffect" fill="hold" presetClass="entr" presetID="6" presetSubtype="16">
+                                  <p:stCondLst>
+                                    <p:cond delay="0"/>
+                                  </p:stCondLst>
+                                  <p:childTnLst>
+                                    <p:set>
+                                      <p:cBhvr>
+                                        <p:cTn id="261" dur="1" fill="hold">
+                                          <p:stCondLst>
+                                            <p:cond delay="0"/>
+                                          </p:stCondLst>
+                                        </p:cTn>
+                                        <p:tgtEl>
+                                          <p:spTgt spid="79"/>
+                                        </p:tgtEl>
+                                        <p:attrNameLst>
+                                          <p:attrName>style.visibility</p:attrName>
+                                        </p:attrNameLst>
+                                      </p:cBhvr>
+                                      <p:to>
+                                        <p:strVal val="visible"/>
+                                      </p:to>
+                                    </p:set>
+                                    <p:animEffect filter="circle(in)" transition="in">
+                                      <p:cBhvr additive="repl">
+                                        <p:cTn id="262" dur="2000"/>
+                                        <p:tgtEl>
+                                          <p:spTgt spid="79"/>
+                                        </p:tgtEl>
+                                      </p:cBhvr>
+                                    </p:animEffect>
+                                  </p:childTnLst>
+                                </p:cTn>
+                              </p:par>
+                            </p:childTnLst>
+                          </p:cTn>
+                        </p:par>
+                        <p:par>
+                          <p:cTn id="263" fill="hold">
+                            <p:stCondLst>
+                              <p:cond delay="8500"/>
+                            </p:stCondLst>
+                            <p:childTnLst>
+                              <p:par>
+                                <p:cTn id="264" nodeType="afterEffect" fill="hold" presetClass="entr" presetID="6" presetSubtype="16">
+                                  <p:stCondLst>
+                                    <p:cond delay="0"/>
+                                  </p:stCondLst>
+                                  <p:childTnLst>
+                                    <p:set>
+                                      <p:cBhvr>
+                                        <p:cTn id="265" dur="1" fill="hold">
+                                          <p:stCondLst>
+                                            <p:cond delay="0"/>
+                                          </p:stCondLst>
+                                        </p:cTn>
+                                        <p:tgtEl>
+                                          <p:spTgt spid="84"/>
+                                        </p:tgtEl>
+                                        <p:attrNameLst>
+                                          <p:attrName>style.visibility</p:attrName>
+                                        </p:attrNameLst>
+                                      </p:cBhvr>
+                                      <p:to>
+                                        <p:strVal val="visible"/>
+                                      </p:to>
+                                    </p:set>
+                                    <p:animEffect filter="circle(in)" transition="in">
+                                      <p:cBhvr additive="repl">
+                                        <p:cTn id="266" dur="2000"/>
+                                        <p:tgtEl>
+                                          <p:spTgt spid="84"/>
+                                        </p:tgtEl>
+                                      </p:cBhvr>
+                                    </p:animEffect>
+                                  </p:childTnLst>
+                                </p:cTn>
+                              </p:par>
+                              <p:par>
+                                <p:cTn id="267" nodeType="withEffect" fill="hold" presetClass="entr" presetID="6" presetSubtype="16">
+                                  <p:stCondLst>
+                                    <p:cond delay="0"/>
+                                  </p:stCondLst>
+                                  <p:childTnLst>
+                                    <p:set>
+                                      <p:cBhvr>
+                                        <p:cTn id="268" dur="1" fill="hold">
+                                          <p:stCondLst>
+                                            <p:cond delay="0"/>
+                                          </p:stCondLst>
+                                        </p:cTn>
+                                        <p:tgtEl>
+                                          <p:spTgt spid="80"/>
+                                        </p:tgtEl>
+                                        <p:attrNameLst>
+                                          <p:attrName>style.visibility</p:attrName>
+                                        </p:attrNameLst>
+                                      </p:cBhvr>
+                                      <p:to>
+                                        <p:strVal val="visible"/>
+                                      </p:to>
+                                    </p:set>
+                                    <p:animEffect filter="circle(in)" transition="in">
+                                      <p:cBhvr additive="repl">
+                                        <p:cTn id="269" dur="2000"/>
+                                        <p:tgtEl>
+                                          <p:spTgt spid="80"/>
+                                        </p:tgtEl>
+                                      </p:cBhvr>
+                                    </p:animEffect>
+                                  </p:childTnLst>
+                                </p:cTn>
+                              </p:par>
+                            </p:childTnLst>
+                          </p:cTn>
+                        </p:par>
+                        <p:par>
+                          <p:cTn id="270" fill="hold">
+                            <p:stCondLst>
+                              <p:cond delay="10500"/>
+                            </p:stCondLst>
+                            <p:childTnLst>
+                              <p:par>
+                                <p:cTn id="271" nodeType="afterEffect" fill="hold" presetClass="entr" presetID="6" presetSubtype="16">
+                                  <p:stCondLst>
+                                    <p:cond delay="0"/>
+                                  </p:stCondLst>
+                                  <p:childTnLst>
+                                    <p:set>
+                                      <p:cBhvr>
+                                        <p:cTn id="272" dur="1" fill="hold">
+                                          <p:stCondLst>
+                                            <p:cond delay="0"/>
+                                          </p:stCondLst>
+                                        </p:cTn>
+                                        <p:tgtEl>
+                                          <p:spTgt spid="85"/>
+                                        </p:tgtEl>
+                                        <p:attrNameLst>
+                                          <p:attrName>style.visibility</p:attrName>
+                                        </p:attrNameLst>
+                                      </p:cBhvr>
+                                      <p:to>
+                                        <p:strVal val="visible"/>
+                                      </p:to>
+                                    </p:set>
+                                    <p:animEffect filter="circle(in)" transition="in">
+                                      <p:cBhvr additive="repl">
+                                        <p:cTn id="273" dur="2000"/>
+                                        <p:tgtEl>
+                                          <p:spTgt spid="85"/>
+                                        </p:tgtEl>
+                                      </p:cBhvr>
+                                    </p:animEffect>
+                                  </p:childTnLst>
+                                </p:cTn>
+                              </p:par>
+                              <p:par>
+                                <p:cTn id="274" nodeType="withEffect" fill="hold" presetClass="entr" presetID="6" presetSubtype="16">
+                                  <p:stCondLst>
+                                    <p:cond delay="0"/>
+                                  </p:stCondLst>
+                                  <p:childTnLst>
+                                    <p:set>
+                                      <p:cBhvr>
+                                        <p:cTn id="275" dur="1" fill="hold">
+                                          <p:stCondLst>
+                                            <p:cond delay="0"/>
+                                          </p:stCondLst>
+                                        </p:cTn>
+                                        <p:tgtEl>
+                                          <p:spTgt spid="81"/>
+                                        </p:tgtEl>
+                                        <p:attrNameLst>
+                                          <p:attrName>style.visibility</p:attrName>
+                                        </p:attrNameLst>
+                                      </p:cBhvr>
+                                      <p:to>
+                                        <p:strVal val="visible"/>
+                                      </p:to>
+                                    </p:set>
+                                    <p:animEffect filter="circle(in)" transition="in">
+                                      <p:cBhvr additive="repl">
+                                        <p:cTn id="276" dur="2000"/>
+                                        <p:tgtEl>
+                                          <p:spTgt spid="81"/>
+                                        </p:tgtEl>
+                                      </p:cBhvr>
+                                    </p:animEffect>
+                                  </p:childTnLst>
+                                </p:cTn>
+                              </p:par>
+                            </p:childTnLst>
+                          </p:cTn>
+                        </p:par>
+                        <p:par>
+                          <p:cTn id="277" fill="hold">
+                            <p:stCondLst>
+                              <p:cond delay="12500"/>
+                            </p:stCondLst>
+                            <p:childTnLst>
+                              <p:par>
+                                <p:cTn id="278" nodeType="afterEffect" fill="hold" presetClass="entr" presetID="49">
+                                  <p:stCondLst>
+                                    <p:cond delay="0"/>
+                                  </p:stCondLst>
+                                  <p:childTnLst>
+                                    <p:set>
+                                      <p:cBhvr>
+                                        <p:cTn id="279" dur="1" fill="hold">
+                                          <p:stCondLst>
+                                            <p:cond delay="0"/>
+                                          </p:stCondLst>
+                                        </p:cTn>
+                                        <p:tgtEl>
+                                          <p:spTgt spid="88"/>
+                                        </p:tgtEl>
+                                        <p:attrNameLst>
+                                          <p:attrName>style.visibility</p:attrName>
+                                        </p:attrNameLst>
+                                      </p:cBhvr>
+                                      <p:to>
+                                        <p:strVal val="visible"/>
+                                      </p:to>
+                                    </p:set>
                                     <p:anim calcmode="lin" valueType="num">
                                       <p:cBhvr additive="repl">
-                                        <p:cTn id="246" dur="500" fill="hold"/>
-                                        <p:tgtEl>
-                                          <p:spTgt spid="82"/>
+                                        <p:cTn id="280" dur="500" fill="hold"/>
+                                        <p:tgtEl>
+                                          <p:spTgt spid="88"/>
                                         </p:tgtEl>
                                         <p:attrNameLst>
                                           <p:attrName>ppt_w</p:attrName>
@@ -12941,9 +14462,9 @@
                                     </p:anim>
                                     <p:anim calcmode="lin" valueType="num">
                                       <p:cBhvr additive="repl">
-                                        <p:cTn id="247" dur="500" fill="hold"/>
-                                        <p:tgtEl>
-                                          <p:spTgt spid="82"/>
+                                        <p:cTn id="281" dur="500" fill="hold"/>
+                                        <p:tgtEl>
+                                          <p:spTgt spid="88"/>
                                         </p:tgtEl>
                                         <p:attrNameLst>
                                           <p:attrName>ppt_h</p:attrName>
@@ -12964,9 +14485,9 @@
                                     </p:anim>
                                     <p:anim calcmode="lin" valueType="num">
                                       <p:cBhvr additive="repl">
-                                        <p:cTn id="248" dur="500" fill="hold"/>
-                                        <p:tgtEl>
-                                          <p:spTgt spid="82"/>
+                                        <p:cTn id="282" dur="500" fill="hold"/>
+                                        <p:tgtEl>
+                                          <p:spTgt spid="88"/>
                                         </p:tgtEl>
                                         <p:attrNameLst>
                                           <p:attrName>r</p:attrName>
@@ -12987,9 +14508,9 @@
                                     </p:anim>
                                     <p:animEffect filter="fade" transition="in">
                                       <p:cBhvr additive="repl">
-                                        <p:cTn id="249" dur="500"/>
-                                        <p:tgtEl>
-                                          <p:spTgt spid="82"/>
+                                        <p:cTn id="283" dur="500"/>
+                                        <p:tgtEl>
+                                          <p:spTgt spid="88"/>
                                         </p:tgtEl>
                                       </p:cBhvr>
                                     </p:animEffect>
@@ -13027,7 +14548,7 @@
 </p:sld>
 </file>
 
-<file path=ppt/slides/slide7.xml><?xml version="1.0" encoding="utf-8"?>
+<file path=ppt/slides/slide8.xml><?xml version="1.0" encoding="utf-8"?>
 <p:sld xmlns:a="http://schemas.openxmlformats.org/drawingml/2006/main" xmlns:p="http://schemas.openxmlformats.org/presentationml/2006/main" xmlns:r="http://schemas.openxmlformats.org/officeDocument/2006/relationships" xmlns:p14="http://schemas.microsoft.com/office/powerpoint/2010/main" xmlns:p15="http://schemas.microsoft.com/office/powerpoint/2012/main" xmlns:mc="http://schemas.openxmlformats.org/markup-compatibility/2006">
   <p:cSld>
     <p:spTree>
@@ -13046,14 +14567,14 @@
       </p:grpSpPr>
       <p:sp>
         <p:nvSpPr>
-          <p:cNvPr id="83" name="CustomShape 1"/>
+          <p:cNvPr id="89" name="CustomShape 1"/>
           <p:cNvSpPr/>
           <p:nvPr/>
         </p:nvSpPr>
         <p:spPr>
           <a:xfrm>
             <a:off x="1188720" y="677880"/>
-            <a:ext cx="912600" cy="912600"/>
+            <a:ext cx="911520" cy="911520"/>
           </a:xfrm>
           <a:prstGeom prst="ellipse">
             <a:avLst/>
@@ -13094,7 +14615,7 @@
                 <a:latin typeface="Arial"/>
                 <a:ea typeface="DejaVu Sans"/>
               </a:rPr>
-              <a:t>5.</a:t>
+              <a:t>6.</a:t>
             </a:r>
             <a:endParaRPr b="0" lang="en-US" sz="4000" spc="-1" strike="noStrike">
               <a:latin typeface="Arial"/>
@@ -13104,14 +14625,14 @@
       </p:sp>
       <p:sp>
         <p:nvSpPr>
-          <p:cNvPr id="84" name="CustomShape 2"/>
+          <p:cNvPr id="90" name="CustomShape 2"/>
           <p:cNvSpPr/>
           <p:nvPr/>
         </p:nvSpPr>
         <p:spPr>
           <a:xfrm>
             <a:off x="2158560" y="677880"/>
-            <a:ext cx="5616360" cy="838800"/>
+            <a:ext cx="5615280" cy="837720"/>
           </a:xfrm>
           <a:custGeom>
             <a:avLst/>
@@ -13187,7 +14708,7 @@
       </p:sp>
       <p:pic>
         <p:nvPicPr>
-          <p:cNvPr id="85" name="" descr=""/>
+          <p:cNvPr id="91" name="" descr=""/>
           <p:cNvPicPr/>
           <p:nvPr/>
         </p:nvPicPr>
@@ -13198,7 +14719,7 @@
         <p:spPr>
           <a:xfrm>
             <a:off x="1097280" y="2043360"/>
-            <a:ext cx="7680600" cy="4813920"/>
+            <a:ext cx="7679520" cy="4812840"/>
           </a:xfrm>
           <a:prstGeom prst="rect">
             <a:avLst/>
@@ -13216,38 +14737,38 @@
   <p:timing>
     <p:tnLst>
       <p:par>
-        <p:cTn id="250" dur="indefinite" restart="never" nodeType="tmRoot">
+        <p:cTn id="284" dur="indefinite" restart="never" nodeType="tmRoot">
           <p:childTnLst>
             <p:seq>
-              <p:cTn id="251" dur="indefinite" nodeType="mainSeq">
+              <p:cTn id="285" dur="indefinite" nodeType="mainSeq">
                 <p:childTnLst>
                   <p:par>
-                    <p:cTn id="252" fill="hold">
+                    <p:cTn id="286" fill="hold">
                       <p:stCondLst>
                         <p:cond delay="indefinite"/>
                       </p:stCondLst>
                       <p:childTnLst>
                         <p:par>
-                          <p:cTn id="253" fill="hold">
+                          <p:cTn id="287" fill="hold">
                             <p:stCondLst>
                               <p:cond delay="0"/>
                             </p:stCondLst>
                             <p:childTnLst>
                               <p:par>
-                                <p:cTn id="254" nodeType="clickEffect" fill="hold" presetClass="entr" presetID="2" presetSubtype="4">
+                                <p:cTn id="288" nodeType="clickEffect" fill="hold" presetClass="entr" presetID="2" presetSubtype="4">
                                   <p:stCondLst>
                                     <p:cond delay="0"/>
                                   </p:stCondLst>
                                   <p:childTnLst>
                                     <p:set>
                                       <p:cBhvr>
-                                        <p:cTn id="255" dur="1" fill="hold">
+                                        <p:cTn id="289" dur="1" fill="hold">
                                           <p:stCondLst>
                                             <p:cond delay="0"/>
                                           </p:stCondLst>
                                         </p:cTn>
                                         <p:tgtEl>
-                                          <p:spTgt spid="83"/>
+                                          <p:spTgt spid="89"/>
                                         </p:tgtEl>
                                         <p:attrNameLst>
                                           <p:attrName>style.visibility</p:attrName>
@@ -13259,9 +14780,9 @@
                                     </p:set>
                                     <p:anim calcmode="lin" valueType="num">
                                       <p:cBhvr additive="repl">
-                                        <p:cTn id="256" dur="500" fill="hold"/>
-                                        <p:tgtEl>
-                                          <p:spTgt spid="83"/>
+                                        <p:cTn id="290" dur="500" fill="hold"/>
+                                        <p:tgtEl>
+                                          <p:spTgt spid="89"/>
                                         </p:tgtEl>
                                         <p:attrNameLst>
                                           <p:attrName>ppt_x</p:attrName>
@@ -13282,9 +14803,9 @@
                                     </p:anim>
                                     <p:anim calcmode="lin" valueType="num">
                                       <p:cBhvr additive="repl">
-                                        <p:cTn id="257" dur="500" fill="hold"/>
-                                        <p:tgtEl>
-                                          <p:spTgt spid="83"/>
+                                        <p:cTn id="291" dur="500" fill="hold"/>
+                                        <p:tgtEl>
+                                          <p:spTgt spid="89"/>
                                         </p:tgtEl>
                                         <p:attrNameLst>
                                           <p:attrName>ppt_y</p:attrName>
@@ -13307,20 +14828,20 @@
                                 </p:cTn>
                               </p:par>
                               <p:par>
-                                <p:cTn id="258" nodeType="withEffect" fill="hold" presetClass="entr" presetID="6" presetSubtype="16">
+                                <p:cTn id="292" nodeType="withEffect" fill="hold" presetClass="entr" presetID="6" presetSubtype="16">
                                   <p:stCondLst>
                                     <p:cond delay="0"/>
                                   </p:stCondLst>
                                   <p:childTnLst>
                                     <p:set>
                                       <p:cBhvr>
-                                        <p:cTn id="259" dur="1" fill="hold">
+                                        <p:cTn id="293" dur="1" fill="hold">
                                           <p:stCondLst>
                                             <p:cond delay="0"/>
                                           </p:stCondLst>
                                         </p:cTn>
                                         <p:tgtEl>
-                                          <p:spTgt spid="84"/>
+                                          <p:spTgt spid="90"/>
                                         </p:tgtEl>
                                         <p:attrNameLst>
                                           <p:attrName>style.visibility</p:attrName>
@@ -13332,9 +14853,9 @@
                                     </p:set>
                                     <p:animEffect filter="circle(in)" transition="in">
                                       <p:cBhvr additive="repl">
-                                        <p:cTn id="260" dur="2000"/>
-                                        <p:tgtEl>
-                                          <p:spTgt spid="84"/>
+                                        <p:cTn id="294" dur="2000"/>
+                                        <p:tgtEl>
+                                          <p:spTgt spid="90"/>
                                         </p:tgtEl>
                                       </p:cBhvr>
                                     </p:animEffect>
@@ -13345,26 +14866,26 @@
                           </p:cTn>
                         </p:par>
                         <p:par>
-                          <p:cTn id="261" fill="hold">
+                          <p:cTn id="295" fill="hold">
                             <p:stCondLst>
                               <p:cond delay="2000"/>
                             </p:stCondLst>
                             <p:childTnLst>
                               <p:par>
-                                <p:cTn id="262" nodeType="afterEffect" fill="hold" presetClass="entr" presetID="6" presetSubtype="16">
+                                <p:cTn id="296" nodeType="afterEffect" fill="hold" presetClass="entr" presetID="6" presetSubtype="16">
                                   <p:stCondLst>
                                     <p:cond delay="0"/>
                                   </p:stCondLst>
                                   <p:childTnLst>
                                     <p:set>
                                       <p:cBhvr>
-                                        <p:cTn id="263" dur="1" fill="hold">
+                                        <p:cTn id="297" dur="1" fill="hold">
                                           <p:stCondLst>
                                             <p:cond delay="0"/>
                                           </p:stCondLst>
                                         </p:cTn>
                                         <p:tgtEl>
-                                          <p:spTgt spid="85"/>
+                                          <p:spTgt spid="91"/>
                                         </p:tgtEl>
                                         <p:attrNameLst>
                                           <p:attrName>style.visibility</p:attrName>
@@ -13376,9 +14897,9 @@
                                     </p:set>
                                     <p:animEffect filter="circle(in)" transition="in">
                                       <p:cBhvr additive="repl">
-                                        <p:cTn id="264" dur="2000"/>
-                                        <p:tgtEl>
-                                          <p:spTgt spid="85"/>
+                                        <p:cTn id="298" dur="2000"/>
+                                        <p:tgtEl>
+                                          <p:spTgt spid="91"/>
                                         </p:tgtEl>
                                       </p:cBhvr>
                                     </p:animEffect>
@@ -13416,7 +14937,7 @@
 </p:sld>
 </file>
 
-<file path=ppt/slides/slide8.xml><?xml version="1.0" encoding="utf-8"?>
+<file path=ppt/slides/slide9.xml><?xml version="1.0" encoding="utf-8"?>
 <p:sld xmlns:a="http://schemas.openxmlformats.org/drawingml/2006/main" xmlns:p="http://schemas.openxmlformats.org/presentationml/2006/main" xmlns:r="http://schemas.openxmlformats.org/officeDocument/2006/relationships" xmlns:p14="http://schemas.microsoft.com/office/powerpoint/2010/main" xmlns:p15="http://schemas.microsoft.com/office/powerpoint/2012/main" xmlns:mc="http://schemas.openxmlformats.org/markup-compatibility/2006">
   <p:cSld>
     <p:spTree>
@@ -13435,14 +14956,14 @@
       </p:grpSpPr>
       <p:sp>
         <p:nvSpPr>
-          <p:cNvPr id="86" name="CustomShape 1"/>
+          <p:cNvPr id="92" name="CustomShape 1"/>
           <p:cNvSpPr/>
           <p:nvPr/>
         </p:nvSpPr>
         <p:spPr>
           <a:xfrm>
             <a:off x="1484280" y="802440"/>
-            <a:ext cx="912600" cy="912600"/>
+            <a:ext cx="911520" cy="911520"/>
           </a:xfrm>
           <a:prstGeom prst="ellipse">
             <a:avLst/>
@@ -13483,7 +15004,7 @@
                 <a:latin typeface="Arial"/>
                 <a:ea typeface="DejaVu Sans"/>
               </a:rPr>
-              <a:t>6.</a:t>
+              <a:t>7.</a:t>
             </a:r>
             <a:endParaRPr b="0" lang="en-US" sz="4000" spc="-1" strike="noStrike">
               <a:latin typeface="Arial"/>
@@ -13493,14 +15014,14 @@
       </p:sp>
       <p:sp>
         <p:nvSpPr>
-          <p:cNvPr id="87" name="CustomShape 2"/>
+          <p:cNvPr id="93" name="CustomShape 2"/>
           <p:cNvSpPr/>
           <p:nvPr/>
         </p:nvSpPr>
         <p:spPr>
           <a:xfrm>
             <a:off x="2454120" y="802440"/>
-            <a:ext cx="5616360" cy="838800"/>
+            <a:ext cx="5615280" cy="837720"/>
           </a:xfrm>
           <a:custGeom>
             <a:avLst/>
@@ -13576,14 +15097,14 @@
       </p:sp>
       <p:sp>
         <p:nvSpPr>
-          <p:cNvPr id="88" name="CustomShape 3"/>
+          <p:cNvPr id="94" name="CustomShape 3"/>
           <p:cNvSpPr/>
           <p:nvPr/>
         </p:nvSpPr>
         <p:spPr>
           <a:xfrm>
             <a:off x="1097280" y="2560320"/>
-            <a:ext cx="7588800" cy="2393280"/>
+            <a:ext cx="7587720" cy="2392200"/>
           </a:xfrm>
           <a:prstGeom prst="rect">
             <a:avLst/>
@@ -13751,38 +15272,38 @@
   <p:timing>
     <p:tnLst>
       <p:par>
-        <p:cTn id="265" dur="indefinite" restart="never" nodeType="tmRoot">
+        <p:cTn id="299" dur="indefinite" restart="never" nodeType="tmRoot">
           <p:childTnLst>
             <p:seq>
-              <p:cTn id="266" dur="indefinite" nodeType="mainSeq">
+              <p:cTn id="300" dur="indefinite" nodeType="mainSeq">
                 <p:childTnLst>
                   <p:par>
-                    <p:cTn id="267" fill="hold">
+                    <p:cTn id="301" fill="hold">
                       <p:stCondLst>
                         <p:cond delay="indefinite"/>
                       </p:stCondLst>
                       <p:childTnLst>
                         <p:par>
-                          <p:cTn id="268" fill="hold">
+                          <p:cTn id="302" fill="hold">
                             <p:stCondLst>
                               <p:cond delay="0"/>
                             </p:stCondLst>
                             <p:childTnLst>
                               <p:par>
-                                <p:cTn id="269" nodeType="clickEffect" fill="hold" presetClass="entr" presetID="2" presetSubtype="4">
+                                <p:cTn id="303" nodeType="clickEffect" fill="hold" presetClass="entr" presetID="2" presetSubtype="4">
                                   <p:stCondLst>
                                     <p:cond delay="0"/>
                                   </p:stCondLst>
                                   <p:childTnLst>
                                     <p:set>
                                       <p:cBhvr>
-                                        <p:cTn id="270" dur="1" fill="hold">
+                                        <p:cTn id="304" dur="1" fill="hold">
                                           <p:stCondLst>
                                             <p:cond delay="0"/>
                                           </p:stCondLst>
                                         </p:cTn>
                                         <p:tgtEl>
-                                          <p:spTgt spid="86"/>
+                                          <p:spTgt spid="92"/>
                                         </p:tgtEl>
                                         <p:attrNameLst>
                                           <p:attrName>style.visibility</p:attrName>
@@ -13794,9 +15315,9 @@
                                     </p:set>
                                     <p:anim calcmode="lin" valueType="num">
                                       <p:cBhvr additive="repl">
-                                        <p:cTn id="271" dur="500" fill="hold"/>
-                                        <p:tgtEl>
-                                          <p:spTgt spid="86"/>
+                                        <p:cTn id="305" dur="500" fill="hold"/>
+                                        <p:tgtEl>
+                                          <p:spTgt spid="92"/>
                                         </p:tgtEl>
                                         <p:attrNameLst>
                                           <p:attrName>ppt_x</p:attrName>
@@ -13817,9 +15338,9 @@
                                     </p:anim>
                                     <p:anim calcmode="lin" valueType="num">
                                       <p:cBhvr additive="repl">
-                                        <p:cTn id="272" dur="500" fill="hold"/>
-                                        <p:tgtEl>
-                                          <p:spTgt spid="86"/>
+                                        <p:cTn id="306" dur="500" fill="hold"/>
+                                        <p:tgtEl>
+                                          <p:spTgt spid="92"/>
                                         </p:tgtEl>
                                         <p:attrNameLst>
                                           <p:attrName>ppt_y</p:attrName>
@@ -13842,20 +15363,20 @@
                                 </p:cTn>
                               </p:par>
                               <p:par>
-                                <p:cTn id="273" nodeType="withEffect" fill="hold" presetClass="entr" presetID="6" presetSubtype="16">
+                                <p:cTn id="307" nodeType="withEffect" fill="hold" presetClass="entr" presetID="6" presetSubtype="16">
                                   <p:stCondLst>
                                     <p:cond delay="0"/>
                                   </p:stCondLst>
                                   <p:childTnLst>
                                     <p:set>
                                       <p:cBhvr>
-                                        <p:cTn id="274" dur="1" fill="hold">
+                                        <p:cTn id="308" dur="1" fill="hold">
                                           <p:stCondLst>
                                             <p:cond delay="0"/>
                                           </p:stCondLst>
                                         </p:cTn>
                                         <p:tgtEl>
-                                          <p:spTgt spid="87"/>
+                                          <p:spTgt spid="93"/>
                                         </p:tgtEl>
                                         <p:attrNameLst>
                                           <p:attrName>style.visibility</p:attrName>
@@ -13867,9 +15388,9 @@
                                     </p:set>
                                     <p:animEffect filter="circle(in)" transition="in">
                                       <p:cBhvr additive="repl">
-                                        <p:cTn id="275" dur="2000"/>
-                                        <p:tgtEl>
-                                          <p:spTgt spid="87"/>
+                                        <p:cTn id="309" dur="2000"/>
+                                        <p:tgtEl>
+                                          <p:spTgt spid="93"/>
                                         </p:tgtEl>
                                       </p:cBhvr>
                                     </p:animEffect>
@@ -13880,26 +15401,26 @@
                           </p:cTn>
                         </p:par>
                         <p:par>
-                          <p:cTn id="276" fill="hold">
+                          <p:cTn id="310" fill="hold">
                             <p:stCondLst>
                               <p:cond delay="2000"/>
                             </p:stCondLst>
                             <p:childTnLst>
                               <p:par>
-                                <p:cTn id="277" nodeType="afterEffect" fill="hold" presetClass="entr" presetID="6" presetSubtype="16">
+                                <p:cTn id="311" nodeType="afterEffect" fill="hold" presetClass="entr" presetID="6" presetSubtype="16">
                                   <p:stCondLst>
                                     <p:cond delay="0"/>
                                   </p:stCondLst>
                                   <p:childTnLst>
                                     <p:set>
                                       <p:cBhvr>
-                                        <p:cTn id="278" dur="1" fill="hold">
+                                        <p:cTn id="312" dur="1" fill="hold">
                                           <p:stCondLst>
                                             <p:cond delay="0"/>
                                           </p:stCondLst>
                                         </p:cTn>
                                         <p:tgtEl>
-                                          <p:spTgt spid="88">
+                                          <p:spTgt spid="94">
                                             <p:txEl>
                                               <p:pRg st="1" end="1"/>
                                             </p:txEl>
@@ -13915,9 +15436,9 @@
                                     </p:set>
                                     <p:animEffect filter="circle(in)" transition="in">
                                       <p:cBhvr additive="repl">
-                                        <p:cTn id="279" dur="2000"/>
-                                        <p:tgtEl>
-                                          <p:spTgt spid="88">
+                                        <p:cTn id="313" dur="2000"/>
+                                        <p:tgtEl>
+                                          <p:spTgt spid="94">
                                             <p:txEl>
                                               <p:pRg st="1" end="1"/>
                                             </p:txEl>
@@ -13929,20 +15450,20 @@
                                 </p:cTn>
                               </p:par>
                               <p:par>
-                                <p:cTn id="280" nodeType="withEffect" fill="hold" presetClass="entr" presetID="6" presetSubtype="16">
+                                <p:cTn id="314" nodeType="withEffect" fill="hold" presetClass="entr" presetID="6" presetSubtype="16">
                                   <p:stCondLst>
                                     <p:cond delay="0"/>
                                   </p:stCondLst>
                                   <p:childTnLst>
                                     <p:set>
                                       <p:cBhvr>
-                                        <p:cTn id="281" dur="1" fill="hold">
+                                        <p:cTn id="315" dur="1" fill="hold">
                                           <p:stCondLst>
                                             <p:cond delay="0"/>
                                           </p:stCondLst>
                                         </p:cTn>
                                         <p:tgtEl>
-                                          <p:spTgt spid="88">
+                                          <p:spTgt spid="94">
                                             <p:txEl>
                                               <p:pRg st="3" end="3"/>
                                             </p:txEl>
@@ -13958,9 +15479,9 @@
                                     </p:set>
                                     <p:animEffect filter="circle(in)" transition="in">
                                       <p:cBhvr additive="repl">
-                                        <p:cTn id="282" dur="2000"/>
-                                        <p:tgtEl>
-                                          <p:spTgt spid="88">
+                                        <p:cTn id="316" dur="2000"/>
+                                        <p:tgtEl>
+                                          <p:spTgt spid="94">
                                             <p:txEl>
                                               <p:pRg st="3" end="3"/>
                                             </p:txEl>
@@ -13975,26 +15496,26 @@
                           </p:cTn>
                         </p:par>
                         <p:par>
-                          <p:cTn id="283" fill="hold">
+                          <p:cTn id="317" fill="hold">
                             <p:stCondLst>
                               <p:cond delay="4000"/>
                             </p:stCondLst>
                             <p:childTnLst>
                               <p:par>
-                                <p:cTn id="284" nodeType="afterEffect" fill="hold" presetClass="entr" presetID="6" presetSubtype="16">
+                                <p:cTn id="318" nodeType="afterEffect" fill="hold" presetClass="entr" presetID="6" presetSubtype="16">
                                   <p:stCondLst>
                                     <p:cond delay="0"/>
                                   </p:stCondLst>
                                   <p:childTnLst>
                                     <p:set>
                                       <p:cBhvr>
-                                        <p:cTn id="285" dur="1" fill="hold">
+                                        <p:cTn id="319" dur="1" fill="hold">
                                           <p:stCondLst>
                                             <p:cond delay="0"/>
                                           </p:stCondLst>
                                         </p:cTn>
                                         <p:tgtEl>
-                                          <p:spTgt spid="88">
+                                          <p:spTgt spid="94">
                                             <p:txEl>
                                               <p:pRg st="5" end="5"/>
                                             </p:txEl>
@@ -14010,9 +15531,9 @@
                                     </p:set>
                                     <p:animEffect filter="circle(in)" transition="in">
                                       <p:cBhvr additive="repl">
-                                        <p:cTn id="286" dur="2000"/>
-                                        <p:tgtEl>
-                                          <p:spTgt spid="88">
+                                        <p:cTn id="320" dur="2000"/>
+                                        <p:tgtEl>
+                                          <p:spTgt spid="94">
                                             <p:txEl>
                                               <p:pRg st="5" end="5"/>
                                             </p:txEl>
@@ -14024,20 +15545,20 @@
                                 </p:cTn>
                               </p:par>
                               <p:par>
-                                <p:cTn id="287" nodeType="withEffect" fill="hold" presetClass="entr" presetID="6" presetSubtype="16">
+                                <p:cTn id="321" nodeType="withEffect" fill="hold" presetClass="entr" presetID="6" presetSubtype="16">
                                   <p:stCondLst>
                                     <p:cond delay="0"/>
                                   </p:stCondLst>
                                   <p:childTnLst>
                                     <p:set>
                                       <p:cBhvr>
-                                        <p:cTn id="288" dur="1" fill="hold">
+                                        <p:cTn id="322" dur="1" fill="hold">
                                           <p:stCondLst>
                                             <p:cond delay="0"/>
                                           </p:stCondLst>
                                         </p:cTn>
                                         <p:tgtEl>
-                                          <p:spTgt spid="88">
+                                          <p:spTgt spid="94">
                                             <p:txEl>
                                               <p:pRg st="7" end="7"/>
                                             </p:txEl>
@@ -14053,662 +15574,11 @@
                                     </p:set>
                                     <p:animEffect filter="circle(in)" transition="in">
                                       <p:cBhvr additive="repl">
-                                        <p:cTn id="289" dur="2000"/>
-                                        <p:tgtEl>
-                                          <p:spTgt spid="88">
+                                        <p:cTn id="323" dur="2000"/>
+                                        <p:tgtEl>
+                                          <p:spTgt spid="94">
                                             <p:txEl>
                                               <p:pRg st="7" end="7"/>
-                                            </p:txEl>
-                                          </p:spTgt>
-                                        </p:tgtEl>
-                                      </p:cBhvr>
-                                    </p:animEffect>
-                                  </p:childTnLst>
-                                </p:cTn>
-                              </p:par>
-                            </p:childTnLst>
-                          </p:cTn>
-                        </p:par>
-                      </p:childTnLst>
-                    </p:cTn>
-                  </p:par>
-                </p:childTnLst>
-              </p:cTn>
-              <p:prevCondLst>
-                <p:cond delay="0" evt="onPrev">
-                  <p:tgtEl>
-                    <p:sldTgt/>
-                  </p:tgtEl>
-                </p:cond>
-              </p:prevCondLst>
-              <p:nextCondLst>
-                <p:cond delay="0" evt="onNext">
-                  <p:tgtEl>
-                    <p:sldTgt/>
-                  </p:tgtEl>
-                </p:cond>
-              </p:nextCondLst>
-            </p:seq>
-          </p:childTnLst>
-        </p:cTn>
-      </p:par>
-    </p:tnLst>
-  </p:timing>
-</p:sld>
-</file>
-
-<file path=ppt/slides/slide9.xml><?xml version="1.0" encoding="utf-8"?>
-<p:sld xmlns:a="http://schemas.openxmlformats.org/drawingml/2006/main" xmlns:p="http://schemas.openxmlformats.org/presentationml/2006/main" xmlns:r="http://schemas.openxmlformats.org/officeDocument/2006/relationships" xmlns:p14="http://schemas.microsoft.com/office/powerpoint/2010/main" xmlns:p15="http://schemas.microsoft.com/office/powerpoint/2012/main" xmlns:mc="http://schemas.openxmlformats.org/markup-compatibility/2006">
-  <p:cSld>
-    <p:spTree>
-      <p:nvGrpSpPr>
-        <p:cNvPr id="1" name=""/>
-        <p:cNvGrpSpPr/>
-        <p:nvPr/>
-      </p:nvGrpSpPr>
-      <p:grpSpPr>
-        <a:xfrm>
-          <a:off x="0" y="0"/>
-          <a:ext cx="0" cy="0"/>
-          <a:chOff x="0" y="0"/>
-          <a:chExt cx="0" cy="0"/>
-        </a:xfrm>
-      </p:grpSpPr>
-      <p:sp>
-        <p:nvSpPr>
-          <p:cNvPr id="89" name="CustomShape 1"/>
-          <p:cNvSpPr/>
-          <p:nvPr/>
-        </p:nvSpPr>
-        <p:spPr>
-          <a:xfrm>
-            <a:off x="1185840" y="822960"/>
-            <a:ext cx="912600" cy="912600"/>
-          </a:xfrm>
-          <a:prstGeom prst="ellipse">
-            <a:avLst/>
-          </a:prstGeom>
-          <a:solidFill>
-            <a:srgbClr val="00e3e3"/>
-          </a:solidFill>
-          <a:ln>
-            <a:solidFill>
-              <a:srgbClr val="3465a4"/>
-            </a:solidFill>
-          </a:ln>
-          <a:effectLst>
-            <a:outerShdw dir="2700000" dist="143570">
-              <a:srgbClr val="808080"/>
-            </a:outerShdw>
-          </a:effectLst>
-        </p:spPr>
-        <p:style>
-          <a:lnRef idx="0"/>
-          <a:fillRef idx="0"/>
-          <a:effectRef idx="0"/>
-          <a:fontRef idx="minor"/>
-        </p:style>
-        <p:txBody>
-          <a:bodyPr wrap="none" lIns="90000" rIns="90000" tIns="45000" bIns="45000" anchor="ctr"/>
-          <a:p>
-            <a:pPr algn="ctr">
-              <a:lnSpc>
-                <a:spcPct val="100000"/>
-              </a:lnSpc>
-            </a:pPr>
-            <a:r>
-              <a:rPr b="1" lang="en-US" sz="4000" spc="-1" strike="noStrike">
-                <a:solidFill>
-                  <a:srgbClr val="4c4c4c"/>
-                </a:solidFill>
-                <a:latin typeface="Arial"/>
-                <a:ea typeface="DejaVu Sans"/>
-              </a:rPr>
-              <a:t>7.</a:t>
-            </a:r>
-            <a:endParaRPr b="0" lang="en-US" sz="4000" spc="-1" strike="noStrike">
-              <a:latin typeface="Arial"/>
-            </a:endParaRPr>
-          </a:p>
-        </p:txBody>
-      </p:sp>
-      <p:sp>
-        <p:nvSpPr>
-          <p:cNvPr id="90" name="CustomShape 2"/>
-          <p:cNvSpPr/>
-          <p:nvPr/>
-        </p:nvSpPr>
-        <p:spPr>
-          <a:xfrm>
-            <a:off x="2155680" y="822960"/>
-            <a:ext cx="5616360" cy="838800"/>
-          </a:xfrm>
-          <a:custGeom>
-            <a:avLst/>
-            <a:gdLst/>
-            <a:ahLst/>
-            <a:rect l="l" t="t" r="r" b="b"/>
-            <a:pathLst>
-              <a:path w="15608" h="2337">
-                <a:moveTo>
-                  <a:pt x="15607" y="0"/>
-                </a:moveTo>
-                <a:lnTo>
-                  <a:pt x="572" y="0"/>
-                </a:lnTo>
-                <a:lnTo>
-                  <a:pt x="0" y="1168"/>
-                </a:lnTo>
-                <a:lnTo>
-                  <a:pt x="572" y="2336"/>
-                </a:lnTo>
-                <a:lnTo>
-                  <a:pt x="15607" y="2336"/>
-                </a:lnTo>
-                <a:lnTo>
-                  <a:pt x="15607" y="0"/>
-                </a:lnTo>
-              </a:path>
-            </a:pathLst>
-          </a:custGeom>
-          <a:solidFill>
-            <a:srgbClr val="72bf44"/>
-          </a:solidFill>
-          <a:ln>
-            <a:solidFill>
-              <a:srgbClr val="3465a4"/>
-            </a:solidFill>
-          </a:ln>
-          <a:effectLst>
-            <a:outerShdw dir="2700000" dist="143570">
-              <a:srgbClr val="808080"/>
-            </a:outerShdw>
-          </a:effectLst>
-        </p:spPr>
-        <p:style>
-          <a:lnRef idx="0"/>
-          <a:fillRef idx="0"/>
-          <a:effectRef idx="0"/>
-          <a:fontRef idx="minor"/>
-        </p:style>
-        <p:txBody>
-          <a:bodyPr wrap="none" lIns="90000" rIns="90000" tIns="45000" bIns="45000" anchor="ctr"/>
-          <a:p>
-            <a:pPr algn="ctr">
-              <a:lnSpc>
-                <a:spcPct val="100000"/>
-              </a:lnSpc>
-            </a:pPr>
-            <a:r>
-              <a:rPr b="1" lang="en-US" sz="3600" spc="-1" strike="noStrike">
-                <a:solidFill>
-                  <a:srgbClr val="e8e8e8"/>
-                </a:solidFill>
-                <a:latin typeface="Cantarell"/>
-                <a:ea typeface="DejaVu Sans"/>
-              </a:rPr>
-              <a:t>Impact on the society</a:t>
-            </a:r>
-            <a:endParaRPr b="0" lang="en-US" sz="3600" spc="-1" strike="noStrike">
-              <a:latin typeface="Arial"/>
-            </a:endParaRPr>
-          </a:p>
-        </p:txBody>
-      </p:sp>
-      <p:sp>
-        <p:nvSpPr>
-          <p:cNvPr id="91" name="CustomShape 3"/>
-          <p:cNvSpPr/>
-          <p:nvPr/>
-        </p:nvSpPr>
-        <p:spPr>
-          <a:xfrm>
-            <a:off x="1554480" y="3291840"/>
-            <a:ext cx="7040160" cy="1113480"/>
-          </a:xfrm>
-          <a:prstGeom prst="rect">
-            <a:avLst/>
-          </a:prstGeom>
-          <a:noFill/>
-          <a:ln>
-            <a:noFill/>
-          </a:ln>
-        </p:spPr>
-        <p:style>
-          <a:lnRef idx="0"/>
-          <a:fillRef idx="0"/>
-          <a:effectRef idx="0"/>
-          <a:fontRef idx="minor"/>
-        </p:style>
-        <p:txBody>
-          <a:bodyPr lIns="90000" rIns="90000" tIns="45000" bIns="45000"/>
-          <a:p>
-            <a:pPr>
-              <a:lnSpc>
-                <a:spcPct val="100000"/>
-              </a:lnSpc>
-            </a:pPr>
-            <a:r>
-              <a:rPr b="0" lang="en-US" sz="1800" spc="-1" strike="noStrike">
-                <a:solidFill>
-                  <a:srgbClr val="000000"/>
-                </a:solidFill>
-                <a:latin typeface="Arial"/>
-                <a:ea typeface="DejaVu Sans"/>
-              </a:rPr>
-              <a:t>&lt;&gt; Puzzles are also an important educational learning</a:t>
-            </a:r>
-            <a:endParaRPr b="0" lang="en-US" sz="1800" spc="-1" strike="noStrike">
-              <a:latin typeface="Arial"/>
-            </a:endParaRPr>
-          </a:p>
-          <a:p>
-            <a:pPr>
-              <a:lnSpc>
-                <a:spcPct val="100000"/>
-              </a:lnSpc>
-            </a:pPr>
-            <a:r>
-              <a:rPr b="0" lang="en-US" sz="1800" spc="-1" strike="noStrike">
-                <a:solidFill>
-                  <a:srgbClr val="000000"/>
-                </a:solidFill>
-                <a:latin typeface="Arial"/>
-                <a:ea typeface="DejaVu Sans"/>
-              </a:rPr>
-              <a:t>     </a:t>
-            </a:r>
-            <a:r>
-              <a:rPr b="0" lang="en-US" sz="1800" spc="-1" strike="noStrike">
-                <a:solidFill>
-                  <a:srgbClr val="000000"/>
-                </a:solidFill>
-                <a:latin typeface="Arial"/>
-                <a:ea typeface="DejaVu Sans"/>
-              </a:rPr>
-              <a:t>tool for toddlers and young children as they provide </a:t>
-            </a:r>
-            <a:endParaRPr b="0" lang="en-US" sz="1800" spc="-1" strike="noStrike">
-              <a:latin typeface="Arial"/>
-            </a:endParaRPr>
-          </a:p>
-          <a:p>
-            <a:pPr>
-              <a:lnSpc>
-                <a:spcPct val="100000"/>
-              </a:lnSpc>
-            </a:pPr>
-            <a:r>
-              <a:rPr b="0" lang="en-US" sz="1800" spc="-1" strike="noStrike">
-                <a:solidFill>
-                  <a:srgbClr val="000000"/>
-                </a:solidFill>
-                <a:latin typeface="Arial"/>
-                <a:ea typeface="DejaVu Sans"/>
-              </a:rPr>
-              <a:t>     </a:t>
-            </a:r>
-            <a:r>
-              <a:rPr b="0" lang="en-US" sz="1800" spc="-1" strike="noStrike">
-                <a:solidFill>
-                  <a:srgbClr val="000000"/>
-                </a:solidFill>
-                <a:latin typeface="Arial"/>
-                <a:ea typeface="DejaVu Sans"/>
-              </a:rPr>
-              <a:t>many skills and mental learning benefits and </a:t>
-            </a:r>
-            <a:endParaRPr b="0" lang="en-US" sz="1800" spc="-1" strike="noStrike">
-              <a:latin typeface="Arial"/>
-            </a:endParaRPr>
-          </a:p>
-          <a:p>
-            <a:pPr>
-              <a:lnSpc>
-                <a:spcPct val="100000"/>
-              </a:lnSpc>
-            </a:pPr>
-            <a:r>
-              <a:rPr b="0" lang="en-US" sz="1800" spc="-1" strike="noStrike">
-                <a:solidFill>
-                  <a:srgbClr val="000000"/>
-                </a:solidFill>
-                <a:latin typeface="Arial"/>
-                <a:ea typeface="DejaVu Sans"/>
-              </a:rPr>
-              <a:t>     </a:t>
-            </a:r>
-            <a:r>
-              <a:rPr b="0" lang="en-US" sz="1800" spc="-1" strike="noStrike">
-                <a:solidFill>
-                  <a:srgbClr val="000000"/>
-                </a:solidFill>
-                <a:latin typeface="Arial"/>
-                <a:ea typeface="DejaVu Sans"/>
-              </a:rPr>
-              <a:t>opportunities.</a:t>
-            </a:r>
-            <a:endParaRPr b="0" lang="en-US" sz="1800" spc="-1" strike="noStrike">
-              <a:latin typeface="Arial"/>
-            </a:endParaRPr>
-          </a:p>
-        </p:txBody>
-      </p:sp>
-    </p:spTree>
-  </p:cSld>
-  <p:transition spd="med">
-    <p:wedge/>
-  </p:transition>
-  <p:timing>
-    <p:tnLst>
-      <p:par>
-        <p:cTn id="290" dur="indefinite" restart="never" nodeType="tmRoot">
-          <p:childTnLst>
-            <p:seq>
-              <p:cTn id="291" dur="indefinite" nodeType="mainSeq">
-                <p:childTnLst>
-                  <p:par>
-                    <p:cTn id="292" fill="hold">
-                      <p:stCondLst>
-                        <p:cond delay="indefinite"/>
-                      </p:stCondLst>
-                      <p:childTnLst>
-                        <p:par>
-                          <p:cTn id="293" fill="hold">
-                            <p:stCondLst>
-                              <p:cond delay="0"/>
-                            </p:stCondLst>
-                            <p:childTnLst>
-                              <p:par>
-                                <p:cTn id="294" nodeType="clickEffect" fill="hold" presetClass="entr" presetID="2" presetSubtype="4">
-                                  <p:stCondLst>
-                                    <p:cond delay="0"/>
-                                  </p:stCondLst>
-                                  <p:childTnLst>
-                                    <p:set>
-                                      <p:cBhvr>
-                                        <p:cTn id="295" dur="1" fill="hold">
-                                          <p:stCondLst>
-                                            <p:cond delay="0"/>
-                                          </p:stCondLst>
-                                        </p:cTn>
-                                        <p:tgtEl>
-                                          <p:spTgt spid="89"/>
-                                        </p:tgtEl>
-                                        <p:attrNameLst>
-                                          <p:attrName>style.visibility</p:attrName>
-                                        </p:attrNameLst>
-                                      </p:cBhvr>
-                                      <p:to>
-                                        <p:strVal val="visible"/>
-                                      </p:to>
-                                    </p:set>
-                                    <p:anim calcmode="lin" valueType="num">
-                                      <p:cBhvr additive="repl">
-                                        <p:cTn id="296" dur="500" fill="hold"/>
-                                        <p:tgtEl>
-                                          <p:spTgt spid="89"/>
-                                        </p:tgtEl>
-                                        <p:attrNameLst>
-                                          <p:attrName>ppt_x</p:attrName>
-                                        </p:attrNameLst>
-                                      </p:cBhvr>
-                                      <p:tavLst>
-                                        <p:tav tm="0">
-                                          <p:val>
-                                            <p:strVal val="#ppt_x"/>
-                                          </p:val>
-                                        </p:tav>
-                                        <p:tav tm="100000">
-                                          <p:val>
-                                            <p:strVal val="#ppt_x"/>
-                                          </p:val>
-                                        </p:tav>
-                                      </p:tavLst>
-                                    </p:anim>
-                                    <p:anim calcmode="lin" valueType="num">
-                                      <p:cBhvr additive="repl">
-                                        <p:cTn id="297" dur="500" fill="hold"/>
-                                        <p:tgtEl>
-                                          <p:spTgt spid="89"/>
-                                        </p:tgtEl>
-                                        <p:attrNameLst>
-                                          <p:attrName>ppt_y</p:attrName>
-                                        </p:attrNameLst>
-                                      </p:cBhvr>
-                                      <p:tavLst>
-                                        <p:tav tm="0">
-                                          <p:val>
-                                            <p:strVal val="1+#ppt_h/2"/>
-                                          </p:val>
-                                        </p:tav>
-                                        <p:tav tm="100000">
-                                          <p:val>
-                                            <p:strVal val="#ppt_y"/>
-                                          </p:val>
-                                        </p:tav>
-                                      </p:tavLst>
-                                    </p:anim>
-                                  </p:childTnLst>
-                                </p:cTn>
-                              </p:par>
-                              <p:par>
-                                <p:cTn id="298" nodeType="withEffect" fill="hold" presetClass="entr" presetID="6" presetSubtype="16">
-                                  <p:stCondLst>
-                                    <p:cond delay="0"/>
-                                  </p:stCondLst>
-                                  <p:childTnLst>
-                                    <p:set>
-                                      <p:cBhvr>
-                                        <p:cTn id="299" dur="1" fill="hold">
-                                          <p:stCondLst>
-                                            <p:cond delay="0"/>
-                                          </p:stCondLst>
-                                        </p:cTn>
-                                        <p:tgtEl>
-                                          <p:spTgt spid="90"/>
-                                        </p:tgtEl>
-                                        <p:attrNameLst>
-                                          <p:attrName>style.visibility</p:attrName>
-                                        </p:attrNameLst>
-                                      </p:cBhvr>
-                                      <p:to>
-                                        <p:strVal val="visible"/>
-                                      </p:to>
-                                    </p:set>
-                                    <p:animEffect filter="circle(in)" transition="in">
-                                      <p:cBhvr additive="repl">
-                                        <p:cTn id="300" dur="2000"/>
-                                        <p:tgtEl>
-                                          <p:spTgt spid="90"/>
-                                        </p:tgtEl>
-                                      </p:cBhvr>
-                                    </p:animEffect>
-                                  </p:childTnLst>
-                                </p:cTn>
-                              </p:par>
-                            </p:childTnLst>
-                          </p:cTn>
-                        </p:par>
-                        <p:par>
-                          <p:cTn id="301" fill="hold">
-                            <p:stCondLst>
-                              <p:cond delay="2000"/>
-                            </p:stCondLst>
-                            <p:childTnLst>
-                              <p:par>
-                                <p:cTn id="302" nodeType="afterEffect" fill="hold" presetClass="entr" presetID="6" presetSubtype="16">
-                                  <p:stCondLst>
-                                    <p:cond delay="0"/>
-                                  </p:stCondLst>
-                                  <p:childTnLst>
-                                    <p:set>
-                                      <p:cBhvr>
-                                        <p:cTn id="303" dur="1" fill="hold">
-                                          <p:stCondLst>
-                                            <p:cond delay="0"/>
-                                          </p:stCondLst>
-                                        </p:cTn>
-                                        <p:tgtEl>
-                                          <p:spTgt spid="91">
-                                            <p:txEl>
-                                              <p:pRg st="0" end="0"/>
-                                            </p:txEl>
-                                          </p:spTgt>
-                                        </p:tgtEl>
-                                        <p:attrNameLst>
-                                          <p:attrName>style.visibility</p:attrName>
-                                        </p:attrNameLst>
-                                      </p:cBhvr>
-                                      <p:to>
-                                        <p:strVal val="visible"/>
-                                      </p:to>
-                                    </p:set>
-                                    <p:animEffect filter="circle(in)" transition="in">
-                                      <p:cBhvr additive="repl">
-                                        <p:cTn id="304" dur="2000"/>
-                                        <p:tgtEl>
-                                          <p:spTgt spid="91">
-                                            <p:txEl>
-                                              <p:pRg st="0" end="0"/>
-                                            </p:txEl>
-                                          </p:spTgt>
-                                        </p:tgtEl>
-                                      </p:cBhvr>
-                                    </p:animEffect>
-                                  </p:childTnLst>
-                                </p:cTn>
-                              </p:par>
-                              <p:par>
-                                <p:cTn id="305" nodeType="withEffect" fill="hold" presetClass="entr" presetID="6" presetSubtype="16">
-                                  <p:stCondLst>
-                                    <p:cond delay="0"/>
-                                  </p:stCondLst>
-                                  <p:childTnLst>
-                                    <p:set>
-                                      <p:cBhvr>
-                                        <p:cTn id="306" dur="1" fill="hold">
-                                          <p:stCondLst>
-                                            <p:cond delay="0"/>
-                                          </p:stCondLst>
-                                        </p:cTn>
-                                        <p:tgtEl>
-                                          <p:spTgt spid="91">
-                                            <p:txEl>
-                                              <p:pRg st="1" end="1"/>
-                                            </p:txEl>
-                                          </p:spTgt>
-                                        </p:tgtEl>
-                                        <p:attrNameLst>
-                                          <p:attrName>style.visibility</p:attrName>
-                                        </p:attrNameLst>
-                                      </p:cBhvr>
-                                      <p:to>
-                                        <p:strVal val="visible"/>
-                                      </p:to>
-                                    </p:set>
-                                    <p:animEffect filter="circle(in)" transition="in">
-                                      <p:cBhvr additive="repl">
-                                        <p:cTn id="307" dur="2000"/>
-                                        <p:tgtEl>
-                                          <p:spTgt spid="91">
-                                            <p:txEl>
-                                              <p:pRg st="1" end="1"/>
-                                            </p:txEl>
-                                          </p:spTgt>
-                                        </p:tgtEl>
-                                      </p:cBhvr>
-                                    </p:animEffect>
-                                  </p:childTnLst>
-                                </p:cTn>
-                              </p:par>
-                            </p:childTnLst>
-                          </p:cTn>
-                        </p:par>
-                        <p:par>
-                          <p:cTn id="308" fill="hold">
-                            <p:stCondLst>
-                              <p:cond delay="4000"/>
-                            </p:stCondLst>
-                            <p:childTnLst>
-                              <p:par>
-                                <p:cTn id="309" nodeType="afterEffect" fill="hold" presetClass="entr" presetID="6" presetSubtype="16">
-                                  <p:stCondLst>
-                                    <p:cond delay="0"/>
-                                  </p:stCondLst>
-                                  <p:childTnLst>
-                                    <p:set>
-                                      <p:cBhvr>
-                                        <p:cTn id="310" dur="1" fill="hold">
-                                          <p:stCondLst>
-                                            <p:cond delay="0"/>
-                                          </p:stCondLst>
-                                        </p:cTn>
-                                        <p:tgtEl>
-                                          <p:spTgt spid="91">
-                                            <p:txEl>
-                                              <p:pRg st="2" end="2"/>
-                                            </p:txEl>
-                                          </p:spTgt>
-                                        </p:tgtEl>
-                                        <p:attrNameLst>
-                                          <p:attrName>style.visibility</p:attrName>
-                                        </p:attrNameLst>
-                                      </p:cBhvr>
-                                      <p:to>
-                                        <p:strVal val="visible"/>
-                                      </p:to>
-                                    </p:set>
-                                    <p:animEffect filter="circle(in)" transition="in">
-                                      <p:cBhvr additive="repl">
-                                        <p:cTn id="311" dur="2000"/>
-                                        <p:tgtEl>
-                                          <p:spTgt spid="91">
-                                            <p:txEl>
-                                              <p:pRg st="2" end="2"/>
-                                            </p:txEl>
-                                          </p:spTgt>
-                                        </p:tgtEl>
-                                      </p:cBhvr>
-                                    </p:animEffect>
-                                  </p:childTnLst>
-                                </p:cTn>
-                              </p:par>
-                              <p:par>
-                                <p:cTn id="312" nodeType="withEffect" fill="hold" presetClass="entr" presetID="6" presetSubtype="16">
-                                  <p:stCondLst>
-                                    <p:cond delay="0"/>
-                                  </p:stCondLst>
-                                  <p:childTnLst>
-                                    <p:set>
-                                      <p:cBhvr>
-                                        <p:cTn id="313" dur="1" fill="hold">
-                                          <p:stCondLst>
-                                            <p:cond delay="0"/>
-                                          </p:stCondLst>
-                                        </p:cTn>
-                                        <p:tgtEl>
-                                          <p:spTgt spid="91">
-                                            <p:txEl>
-                                              <p:pRg st="3" end="3"/>
-                                            </p:txEl>
-                                          </p:spTgt>
-                                        </p:tgtEl>
-                                        <p:attrNameLst>
-                                          <p:attrName>style.visibility</p:attrName>
-                                        </p:attrNameLst>
-                                      </p:cBhvr>
-                                      <p:to>
-                                        <p:strVal val="visible"/>
-                                      </p:to>
-                                    </p:set>
-                                    <p:animEffect filter="circle(in)" transition="in">
-                                      <p:cBhvr additive="repl">
-                                        <p:cTn id="314" dur="2000"/>
-                                        <p:tgtEl>
-                                          <p:spTgt spid="91">
-                                            <p:txEl>
-                                              <p:pRg st="3" end="3"/>
                                             </p:txEl>
                                           </p:spTgt>
                                         </p:tgtEl>
